--- a/docs/figures_xsh.pptx
+++ b/docs/figures_xsh.pptx
@@ -21,6 +21,8 @@
     <p:sldId id="268" r:id="rId15"/>
     <p:sldId id="269" r:id="rId16"/>
     <p:sldId id="272" r:id="rId17"/>
+    <p:sldId id="273" r:id="rId18"/>
+    <p:sldId id="274" r:id="rId19"/>
   </p:sldIdLst>
   <p:sldSz cx="12192000" cy="6858000"/>
   <p:notesSz cx="6858000" cy="9144000"/>
@@ -20081,6 +20083,5618 @@
 </p:sld>
 </file>
 
+<file path=ppt/slides/slide17.xml><?xml version="1.0" encoding="utf-8"?>
+<p:sld xmlns:a="http://schemas.openxmlformats.org/drawingml/2006/main" xmlns:r="http://schemas.openxmlformats.org/officeDocument/2006/relationships" xmlns:p="http://schemas.openxmlformats.org/presentationml/2006/main">
+  <p:cSld>
+    <p:spTree>
+      <p:nvGrpSpPr>
+        <p:cNvPr id="1" name=""/>
+        <p:cNvGrpSpPr/>
+        <p:nvPr/>
+      </p:nvGrpSpPr>
+      <p:grpSpPr>
+        <a:xfrm>
+          <a:off x="0" y="0"/>
+          <a:ext cx="0" cy="0"/>
+          <a:chOff x="0" y="0"/>
+          <a:chExt cx="0" cy="0"/>
+        </a:xfrm>
+      </p:grpSpPr>
+      <p:sp>
+        <p:nvSpPr>
+          <p:cNvPr id="86" name="文本框 85">
+            <a:extLst>
+              <a:ext uri="{FF2B5EF4-FFF2-40B4-BE49-F238E27FC236}">
+                <a16:creationId xmlns:a16="http://schemas.microsoft.com/office/drawing/2014/main" id="{0A10AC83-45EB-4A8A-9A1D-4BA93FB63765}"/>
+              </a:ext>
+            </a:extLst>
+          </p:cNvPr>
+          <p:cNvSpPr txBox="1"/>
+          <p:nvPr/>
+        </p:nvSpPr>
+        <p:spPr>
+          <a:xfrm>
+            <a:off x="6387294" y="5709350"/>
+            <a:ext cx="2543849" cy="584775"/>
+          </a:xfrm>
+          <a:prstGeom prst="rect">
+            <a:avLst/>
+          </a:prstGeom>
+          <a:noFill/>
+        </p:spPr>
+        <p:txBody>
+          <a:bodyPr wrap="square" rtlCol="0">
+            <a:spAutoFit/>
+          </a:bodyPr>
+          <a:lstStyle/>
+          <a:p>
+            <a:pPr algn="ctr"/>
+            <a:r>
+              <a:rPr lang="en-US" altLang="zh-CN" sz="1600" dirty="0">
+                <a:latin typeface="Times New Roman" panose="02020603050405020304" pitchFamily="18" charset="0"/>
+                <a:cs typeface="Times New Roman" panose="02020603050405020304" pitchFamily="18" charset="0"/>
+              </a:rPr>
+              <a:t>Optimal parallel strategy</a:t>
+            </a:r>
+          </a:p>
+          <a:p>
+            <a:pPr algn="ctr"/>
+            <a:r>
+              <a:rPr lang="en-US" altLang="zh-CN" sz="1600" dirty="0">
+                <a:latin typeface="Times New Roman" panose="02020603050405020304" pitchFamily="18" charset="0"/>
+                <a:cs typeface="Times New Roman" panose="02020603050405020304" pitchFamily="18" charset="0"/>
+              </a:rPr>
+              <a:t>with 3ms latency</a:t>
+            </a:r>
+            <a:endParaRPr lang="zh-CN" altLang="en-US" sz="1600" dirty="0">
+              <a:latin typeface="Times New Roman" panose="02020603050405020304" pitchFamily="18" charset="0"/>
+              <a:cs typeface="Times New Roman" panose="02020603050405020304" pitchFamily="18" charset="0"/>
+            </a:endParaRPr>
+          </a:p>
+        </p:txBody>
+      </p:sp>
+      <p:grpSp>
+        <p:nvGrpSpPr>
+          <p:cNvPr id="87" name="组合 86">
+            <a:extLst>
+              <a:ext uri="{FF2B5EF4-FFF2-40B4-BE49-F238E27FC236}">
+                <a16:creationId xmlns:a16="http://schemas.microsoft.com/office/drawing/2014/main" id="{340230D4-0FBA-489A-837E-CDC4E8198D7C}"/>
+              </a:ext>
+            </a:extLst>
+          </p:cNvPr>
+          <p:cNvGrpSpPr/>
+          <p:nvPr/>
+        </p:nvGrpSpPr>
+        <p:grpSpPr>
+          <a:xfrm>
+            <a:off x="5178851" y="1798998"/>
+            <a:ext cx="1745850" cy="2231616"/>
+            <a:chOff x="4601586" y="2027791"/>
+            <a:chExt cx="1745850" cy="2231616"/>
+          </a:xfrm>
+        </p:grpSpPr>
+        <p:sp>
+          <p:nvSpPr>
+            <p:cNvPr id="88" name="矩形 87">
+              <a:extLst>
+                <a:ext uri="{FF2B5EF4-FFF2-40B4-BE49-F238E27FC236}">
+                  <a16:creationId xmlns:a16="http://schemas.microsoft.com/office/drawing/2014/main" id="{0374DC55-CA63-4EEE-AF6A-689FDAA0C5D9}"/>
+                </a:ext>
+              </a:extLst>
+            </p:cNvPr>
+            <p:cNvSpPr/>
+            <p:nvPr/>
+          </p:nvSpPr>
+          <p:spPr>
+            <a:xfrm>
+              <a:off x="5344701" y="2031585"/>
+              <a:ext cx="1002735" cy="1917950"/>
+            </a:xfrm>
+            <a:prstGeom prst="rect">
+              <a:avLst/>
+            </a:prstGeom>
+            <a:solidFill>
+              <a:schemeClr val="bg1">
+                <a:lumMod val="85000"/>
+              </a:schemeClr>
+            </a:solidFill>
+            <a:ln>
+              <a:solidFill>
+                <a:schemeClr val="bg2"/>
+              </a:solidFill>
+            </a:ln>
+          </p:spPr>
+          <p:style>
+            <a:lnRef idx="2">
+              <a:schemeClr val="accent3">
+                <a:shade val="50000"/>
+              </a:schemeClr>
+            </a:lnRef>
+            <a:fillRef idx="1">
+              <a:schemeClr val="accent3"/>
+            </a:fillRef>
+            <a:effectRef idx="0">
+              <a:schemeClr val="accent3"/>
+            </a:effectRef>
+            <a:fontRef idx="minor">
+              <a:schemeClr val="lt1"/>
+            </a:fontRef>
+          </p:style>
+          <p:txBody>
+            <a:bodyPr rtlCol="0" anchor="ctr"/>
+            <a:lstStyle/>
+            <a:p>
+              <a:pPr algn="ctr"/>
+              <a:endParaRPr lang="zh-CN" altLang="en-US"/>
+            </a:p>
+          </p:txBody>
+        </p:sp>
+        <p:grpSp>
+          <p:nvGrpSpPr>
+            <p:cNvPr id="89" name="组合 88">
+              <a:extLst>
+                <a:ext uri="{FF2B5EF4-FFF2-40B4-BE49-F238E27FC236}">
+                  <a16:creationId xmlns:a16="http://schemas.microsoft.com/office/drawing/2014/main" id="{A232E121-B189-43B1-A975-F9F9F522EC23}"/>
+                </a:ext>
+              </a:extLst>
+            </p:cNvPr>
+            <p:cNvGrpSpPr/>
+            <p:nvPr/>
+          </p:nvGrpSpPr>
+          <p:grpSpPr>
+            <a:xfrm>
+              <a:off x="4601586" y="2901676"/>
+              <a:ext cx="576000" cy="576000"/>
+              <a:chOff x="938379" y="3981401"/>
+              <a:chExt cx="576000" cy="576000"/>
+            </a:xfrm>
+          </p:grpSpPr>
+          <p:sp>
+            <p:nvSpPr>
+              <p:cNvPr id="100" name="矩形 99">
+                <a:extLst>
+                  <a:ext uri="{FF2B5EF4-FFF2-40B4-BE49-F238E27FC236}">
+                    <a16:creationId xmlns:a16="http://schemas.microsoft.com/office/drawing/2014/main" id="{3C56F434-A40A-41EC-9AAD-A66C758983A5}"/>
+                  </a:ext>
+                </a:extLst>
+              </p:cNvPr>
+              <p:cNvSpPr/>
+              <p:nvPr/>
+            </p:nvSpPr>
+            <p:spPr>
+              <a:xfrm>
+                <a:off x="938379" y="3981401"/>
+                <a:ext cx="288000" cy="576000"/>
+              </a:xfrm>
+              <a:prstGeom prst="rect">
+                <a:avLst/>
+              </a:prstGeom>
+              <a:ln>
+                <a:noFill/>
+              </a:ln>
+            </p:spPr>
+            <p:style>
+              <a:lnRef idx="2">
+                <a:schemeClr val="accent6">
+                  <a:shade val="50000"/>
+                </a:schemeClr>
+              </a:lnRef>
+              <a:fillRef idx="1">
+                <a:schemeClr val="accent6"/>
+              </a:fillRef>
+              <a:effectRef idx="0">
+                <a:schemeClr val="accent6"/>
+              </a:effectRef>
+              <a:fontRef idx="minor">
+                <a:schemeClr val="lt1"/>
+              </a:fontRef>
+            </p:style>
+            <p:txBody>
+              <a:bodyPr rtlCol="0" anchor="ctr"/>
+              <a:lstStyle/>
+              <a:p>
+                <a:pPr algn="ctr"/>
+                <a:endParaRPr lang="zh-CN" altLang="en-US" sz="1100" dirty="0">
+                  <a:latin typeface="Times New Roman" panose="02020603050405020304" pitchFamily="18" charset="0"/>
+                  <a:cs typeface="Times New Roman" panose="02020603050405020304" pitchFamily="18" charset="0"/>
+                </a:endParaRPr>
+              </a:p>
+            </p:txBody>
+          </p:sp>
+          <p:sp>
+            <p:nvSpPr>
+              <p:cNvPr id="101" name="矩形 100">
+                <a:extLst>
+                  <a:ext uri="{FF2B5EF4-FFF2-40B4-BE49-F238E27FC236}">
+                    <a16:creationId xmlns:a16="http://schemas.microsoft.com/office/drawing/2014/main" id="{DE811C8B-A970-4D51-9240-4F4B6B03C35D}"/>
+                  </a:ext>
+                </a:extLst>
+              </p:cNvPr>
+              <p:cNvSpPr/>
+              <p:nvPr/>
+            </p:nvSpPr>
+            <p:spPr>
+              <a:xfrm>
+                <a:off x="1226379" y="3981401"/>
+                <a:ext cx="288000" cy="576000"/>
+              </a:xfrm>
+              <a:prstGeom prst="rect">
+                <a:avLst/>
+              </a:prstGeom>
+              <a:ln>
+                <a:noFill/>
+              </a:ln>
+            </p:spPr>
+            <p:style>
+              <a:lnRef idx="2">
+                <a:schemeClr val="accent6">
+                  <a:shade val="50000"/>
+                </a:schemeClr>
+              </a:lnRef>
+              <a:fillRef idx="1">
+                <a:schemeClr val="accent6"/>
+              </a:fillRef>
+              <a:effectRef idx="0">
+                <a:schemeClr val="accent6"/>
+              </a:effectRef>
+              <a:fontRef idx="minor">
+                <a:schemeClr val="lt1"/>
+              </a:fontRef>
+            </p:style>
+            <p:txBody>
+              <a:bodyPr rtlCol="0" anchor="ctr"/>
+              <a:lstStyle/>
+              <a:p>
+                <a:pPr algn="ctr"/>
+                <a:endParaRPr lang="zh-CN" altLang="en-US" sz="1100" dirty="0">
+                  <a:latin typeface="Times New Roman" panose="02020603050405020304" pitchFamily="18" charset="0"/>
+                  <a:cs typeface="Times New Roman" panose="02020603050405020304" pitchFamily="18" charset="0"/>
+                </a:endParaRPr>
+              </a:p>
+            </p:txBody>
+          </p:sp>
+        </p:grpSp>
+        <p:grpSp>
+          <p:nvGrpSpPr>
+            <p:cNvPr id="90" name="组合 89">
+              <a:extLst>
+                <a:ext uri="{FF2B5EF4-FFF2-40B4-BE49-F238E27FC236}">
+                  <a16:creationId xmlns:a16="http://schemas.microsoft.com/office/drawing/2014/main" id="{7C7D295C-D4CC-4699-9C60-17E223F115B3}"/>
+                </a:ext>
+              </a:extLst>
+            </p:cNvPr>
+            <p:cNvGrpSpPr/>
+            <p:nvPr/>
+          </p:nvGrpSpPr>
+          <p:grpSpPr>
+            <a:xfrm>
+              <a:off x="5583804" y="2613676"/>
+              <a:ext cx="576000" cy="576000"/>
+              <a:chOff x="1915557" y="4269401"/>
+              <a:chExt cx="576000" cy="576000"/>
+            </a:xfrm>
+          </p:grpSpPr>
+          <p:sp>
+            <p:nvSpPr>
+              <p:cNvPr id="98" name="矩形 97">
+                <a:extLst>
+                  <a:ext uri="{FF2B5EF4-FFF2-40B4-BE49-F238E27FC236}">
+                    <a16:creationId xmlns:a16="http://schemas.microsoft.com/office/drawing/2014/main" id="{1A60D512-381C-47A2-BCD6-D8EBF0C1559D}"/>
+                  </a:ext>
+                </a:extLst>
+              </p:cNvPr>
+              <p:cNvSpPr/>
+              <p:nvPr/>
+            </p:nvSpPr>
+            <p:spPr>
+              <a:xfrm>
+                <a:off x="1915557" y="4269401"/>
+                <a:ext cx="288000" cy="576000"/>
+              </a:xfrm>
+              <a:prstGeom prst="rect">
+                <a:avLst/>
+              </a:prstGeom>
+              <a:ln>
+                <a:noFill/>
+              </a:ln>
+            </p:spPr>
+            <p:style>
+              <a:lnRef idx="2">
+                <a:schemeClr val="accent6">
+                  <a:shade val="50000"/>
+                </a:schemeClr>
+              </a:lnRef>
+              <a:fillRef idx="1">
+                <a:schemeClr val="accent6"/>
+              </a:fillRef>
+              <a:effectRef idx="0">
+                <a:schemeClr val="accent6"/>
+              </a:effectRef>
+              <a:fontRef idx="minor">
+                <a:schemeClr val="lt1"/>
+              </a:fontRef>
+            </p:style>
+            <p:txBody>
+              <a:bodyPr rtlCol="0" anchor="ctr"/>
+              <a:lstStyle/>
+              <a:p>
+                <a:pPr algn="ctr"/>
+                <a:endParaRPr lang="zh-CN" altLang="en-US" sz="1100" dirty="0">
+                  <a:latin typeface="Times New Roman" panose="02020603050405020304" pitchFamily="18" charset="0"/>
+                  <a:cs typeface="Times New Roman" panose="02020603050405020304" pitchFamily="18" charset="0"/>
+                </a:endParaRPr>
+              </a:p>
+            </p:txBody>
+          </p:sp>
+          <p:sp>
+            <p:nvSpPr>
+              <p:cNvPr id="99" name="矩形 98">
+                <a:extLst>
+                  <a:ext uri="{FF2B5EF4-FFF2-40B4-BE49-F238E27FC236}">
+                    <a16:creationId xmlns:a16="http://schemas.microsoft.com/office/drawing/2014/main" id="{273DC07E-500B-41B3-9006-DCD4D62E2744}"/>
+                  </a:ext>
+                </a:extLst>
+              </p:cNvPr>
+              <p:cNvSpPr/>
+              <p:nvPr/>
+            </p:nvSpPr>
+            <p:spPr>
+              <a:xfrm>
+                <a:off x="2203557" y="4269401"/>
+                <a:ext cx="288000" cy="576000"/>
+              </a:xfrm>
+              <a:prstGeom prst="rect">
+                <a:avLst/>
+              </a:prstGeom>
+              <a:solidFill>
+                <a:schemeClr val="accent4">
+                  <a:lumMod val="60000"/>
+                  <a:lumOff val="40000"/>
+                </a:schemeClr>
+              </a:solidFill>
+              <a:ln>
+                <a:noFill/>
+              </a:ln>
+            </p:spPr>
+            <p:style>
+              <a:lnRef idx="2">
+                <a:schemeClr val="accent1">
+                  <a:shade val="50000"/>
+                </a:schemeClr>
+              </a:lnRef>
+              <a:fillRef idx="1">
+                <a:schemeClr val="accent1"/>
+              </a:fillRef>
+              <a:effectRef idx="0">
+                <a:schemeClr val="accent1"/>
+              </a:effectRef>
+              <a:fontRef idx="minor">
+                <a:schemeClr val="lt1"/>
+              </a:fontRef>
+            </p:style>
+            <p:txBody>
+              <a:bodyPr rtlCol="0" anchor="ctr"/>
+              <a:lstStyle/>
+              <a:p>
+                <a:pPr algn="ctr"/>
+                <a:endParaRPr lang="zh-CN" altLang="en-US" dirty="0">
+                  <a:solidFill>
+                    <a:schemeClr val="tx1"/>
+                  </a:solidFill>
+                  <a:latin typeface="Times New Roman" panose="02020603050405020304" pitchFamily="18" charset="0"/>
+                  <a:cs typeface="Times New Roman" panose="02020603050405020304" pitchFamily="18" charset="0"/>
+                </a:endParaRPr>
+              </a:p>
+            </p:txBody>
+          </p:sp>
+        </p:grpSp>
+        <p:grpSp>
+          <p:nvGrpSpPr>
+            <p:cNvPr id="91" name="组合 90">
+              <a:extLst>
+                <a:ext uri="{FF2B5EF4-FFF2-40B4-BE49-F238E27FC236}">
+                  <a16:creationId xmlns:a16="http://schemas.microsoft.com/office/drawing/2014/main" id="{9BC4FEC0-C2D8-49FF-BFE0-7BE1CB05DFB2}"/>
+                </a:ext>
+              </a:extLst>
+            </p:cNvPr>
+            <p:cNvGrpSpPr/>
+            <p:nvPr/>
+          </p:nvGrpSpPr>
+          <p:grpSpPr>
+            <a:xfrm>
+              <a:off x="5581430" y="3252650"/>
+              <a:ext cx="576000" cy="576000"/>
+              <a:chOff x="3013168" y="3756375"/>
+              <a:chExt cx="576000" cy="576000"/>
+            </a:xfrm>
+          </p:grpSpPr>
+          <p:sp>
+            <p:nvSpPr>
+              <p:cNvPr id="96" name="矩形 95">
+                <a:extLst>
+                  <a:ext uri="{FF2B5EF4-FFF2-40B4-BE49-F238E27FC236}">
+                    <a16:creationId xmlns:a16="http://schemas.microsoft.com/office/drawing/2014/main" id="{EEB63261-5F27-418A-8D10-B384213B82B3}"/>
+                  </a:ext>
+                </a:extLst>
+              </p:cNvPr>
+              <p:cNvSpPr/>
+              <p:nvPr/>
+            </p:nvSpPr>
+            <p:spPr>
+              <a:xfrm>
+                <a:off x="3013168" y="3756375"/>
+                <a:ext cx="288000" cy="576000"/>
+              </a:xfrm>
+              <a:prstGeom prst="rect">
+                <a:avLst/>
+              </a:prstGeom>
+              <a:solidFill>
+                <a:schemeClr val="accent4">
+                  <a:lumMod val="60000"/>
+                  <a:lumOff val="40000"/>
+                </a:schemeClr>
+              </a:solidFill>
+              <a:ln>
+                <a:noFill/>
+              </a:ln>
+            </p:spPr>
+            <p:style>
+              <a:lnRef idx="2">
+                <a:schemeClr val="accent1">
+                  <a:shade val="50000"/>
+                </a:schemeClr>
+              </a:lnRef>
+              <a:fillRef idx="1">
+                <a:schemeClr val="accent1"/>
+              </a:fillRef>
+              <a:effectRef idx="0">
+                <a:schemeClr val="accent1"/>
+              </a:effectRef>
+              <a:fontRef idx="minor">
+                <a:schemeClr val="lt1"/>
+              </a:fontRef>
+            </p:style>
+            <p:txBody>
+              <a:bodyPr rtlCol="0" anchor="ctr"/>
+              <a:lstStyle/>
+              <a:p>
+                <a:pPr algn="ctr"/>
+                <a:endParaRPr lang="zh-CN" altLang="en-US" dirty="0">
+                  <a:solidFill>
+                    <a:schemeClr val="tx1"/>
+                  </a:solidFill>
+                  <a:latin typeface="Times New Roman" panose="02020603050405020304" pitchFamily="18" charset="0"/>
+                  <a:cs typeface="Times New Roman" panose="02020603050405020304" pitchFamily="18" charset="0"/>
+                </a:endParaRPr>
+              </a:p>
+            </p:txBody>
+          </p:sp>
+          <p:sp>
+            <p:nvSpPr>
+              <p:cNvPr id="97" name="矩形 96">
+                <a:extLst>
+                  <a:ext uri="{FF2B5EF4-FFF2-40B4-BE49-F238E27FC236}">
+                    <a16:creationId xmlns:a16="http://schemas.microsoft.com/office/drawing/2014/main" id="{C4785563-4AAC-40A7-9993-717E9FCEA37D}"/>
+                  </a:ext>
+                </a:extLst>
+              </p:cNvPr>
+              <p:cNvSpPr/>
+              <p:nvPr/>
+            </p:nvSpPr>
+            <p:spPr>
+              <a:xfrm>
+                <a:off x="3301168" y="3756375"/>
+                <a:ext cx="288000" cy="576000"/>
+              </a:xfrm>
+              <a:prstGeom prst="rect">
+                <a:avLst/>
+              </a:prstGeom>
+              <a:solidFill>
+                <a:schemeClr val="accent4">
+                  <a:lumMod val="60000"/>
+                  <a:lumOff val="40000"/>
+                </a:schemeClr>
+              </a:solidFill>
+              <a:ln>
+                <a:noFill/>
+              </a:ln>
+            </p:spPr>
+            <p:style>
+              <a:lnRef idx="2">
+                <a:schemeClr val="accent1">
+                  <a:shade val="50000"/>
+                </a:schemeClr>
+              </a:lnRef>
+              <a:fillRef idx="1">
+                <a:schemeClr val="accent1"/>
+              </a:fillRef>
+              <a:effectRef idx="0">
+                <a:schemeClr val="accent1"/>
+              </a:effectRef>
+              <a:fontRef idx="minor">
+                <a:schemeClr val="lt1"/>
+              </a:fontRef>
+            </p:style>
+            <p:txBody>
+              <a:bodyPr rtlCol="0" anchor="ctr"/>
+              <a:lstStyle/>
+              <a:p>
+                <a:pPr algn="ctr"/>
+                <a:endParaRPr lang="zh-CN" altLang="en-US" dirty="0">
+                  <a:solidFill>
+                    <a:schemeClr val="tx1"/>
+                  </a:solidFill>
+                  <a:latin typeface="Times New Roman" panose="02020603050405020304" pitchFamily="18" charset="0"/>
+                  <a:cs typeface="Times New Roman" panose="02020603050405020304" pitchFamily="18" charset="0"/>
+                </a:endParaRPr>
+              </a:p>
+            </p:txBody>
+          </p:sp>
+        </p:grpSp>
+        <p:cxnSp>
+          <p:nvCxnSpPr>
+            <p:cNvPr id="92" name="直接箭头连接符 91">
+              <a:extLst>
+                <a:ext uri="{FF2B5EF4-FFF2-40B4-BE49-F238E27FC236}">
+                  <a16:creationId xmlns:a16="http://schemas.microsoft.com/office/drawing/2014/main" id="{A71C5793-0816-4FAD-8D9D-6F3875397908}"/>
+                </a:ext>
+              </a:extLst>
+            </p:cNvPr>
+            <p:cNvCxnSpPr>
+              <a:stCxn id="101" idx="3"/>
+              <a:endCxn id="98" idx="1"/>
+            </p:cNvCxnSpPr>
+            <p:nvPr/>
+          </p:nvCxnSpPr>
+          <p:spPr>
+            <a:xfrm flipV="1">
+              <a:off x="5177586" y="2901676"/>
+              <a:ext cx="406218" cy="288000"/>
+            </a:xfrm>
+            <a:prstGeom prst="straightConnector1">
+              <a:avLst/>
+            </a:prstGeom>
+            <a:ln w="19050">
+              <a:tailEnd type="triangle"/>
+            </a:ln>
+          </p:spPr>
+          <p:style>
+            <a:lnRef idx="1">
+              <a:schemeClr val="accent6"/>
+            </a:lnRef>
+            <a:fillRef idx="0">
+              <a:schemeClr val="accent6"/>
+            </a:fillRef>
+            <a:effectRef idx="0">
+              <a:schemeClr val="accent6"/>
+            </a:effectRef>
+            <a:fontRef idx="minor">
+              <a:schemeClr val="tx1"/>
+            </a:fontRef>
+          </p:style>
+        </p:cxnSp>
+        <p:cxnSp>
+          <p:nvCxnSpPr>
+            <p:cNvPr id="93" name="直接箭头连接符 92">
+              <a:extLst>
+                <a:ext uri="{FF2B5EF4-FFF2-40B4-BE49-F238E27FC236}">
+                  <a16:creationId xmlns:a16="http://schemas.microsoft.com/office/drawing/2014/main" id="{772DB51F-F452-4B9E-863C-40AD5C1E9A17}"/>
+                </a:ext>
+              </a:extLst>
+            </p:cNvPr>
+            <p:cNvCxnSpPr>
+              <a:stCxn id="101" idx="3"/>
+              <a:endCxn id="96" idx="1"/>
+            </p:cNvCxnSpPr>
+            <p:nvPr/>
+          </p:nvCxnSpPr>
+          <p:spPr>
+            <a:xfrm>
+              <a:off x="5177586" y="3189676"/>
+              <a:ext cx="403844" cy="350974"/>
+            </a:xfrm>
+            <a:prstGeom prst="straightConnector1">
+              <a:avLst/>
+            </a:prstGeom>
+            <a:ln w="19050">
+              <a:tailEnd type="triangle"/>
+            </a:ln>
+          </p:spPr>
+          <p:style>
+            <a:lnRef idx="1">
+              <a:schemeClr val="accent6"/>
+            </a:lnRef>
+            <a:fillRef idx="0">
+              <a:schemeClr val="accent6"/>
+            </a:fillRef>
+            <a:effectRef idx="0">
+              <a:schemeClr val="accent6"/>
+            </a:effectRef>
+            <a:fontRef idx="minor">
+              <a:schemeClr val="tx1"/>
+            </a:fontRef>
+          </p:style>
+        </p:cxnSp>
+        <p:sp>
+          <p:nvSpPr>
+            <p:cNvPr id="94" name="文本框 93">
+              <a:extLst>
+                <a:ext uri="{FF2B5EF4-FFF2-40B4-BE49-F238E27FC236}">
+                  <a16:creationId xmlns:a16="http://schemas.microsoft.com/office/drawing/2014/main" id="{AC89E0FB-0BE1-46C6-BDA5-1FCA1138904C}"/>
+                </a:ext>
+              </a:extLst>
+            </p:cNvPr>
+            <p:cNvSpPr txBox="1"/>
+            <p:nvPr/>
+          </p:nvSpPr>
+          <p:spPr>
+            <a:xfrm>
+              <a:off x="4760964" y="3951630"/>
+              <a:ext cx="1524485" cy="307777"/>
+            </a:xfrm>
+            <a:prstGeom prst="rect">
+              <a:avLst/>
+            </a:prstGeom>
+            <a:noFill/>
+          </p:spPr>
+          <p:txBody>
+            <a:bodyPr wrap="square" rtlCol="0">
+              <a:spAutoFit/>
+            </a:bodyPr>
+            <a:lstStyle/>
+            <a:p>
+              <a:pPr algn="ctr"/>
+              <a:r>
+                <a:rPr lang="en-US" altLang="zh-CN" sz="1400" dirty="0">
+                  <a:latin typeface="Times New Roman" panose="02020603050405020304" pitchFamily="18" charset="0"/>
+                  <a:cs typeface="Times New Roman" panose="02020603050405020304" pitchFamily="18" charset="0"/>
+                </a:rPr>
+                <a:t>Total latency: 4ms</a:t>
+              </a:r>
+              <a:endParaRPr lang="zh-CN" altLang="en-US" sz="1400" dirty="0">
+                <a:latin typeface="Times New Roman" panose="02020603050405020304" pitchFamily="18" charset="0"/>
+                <a:cs typeface="Times New Roman" panose="02020603050405020304" pitchFamily="18" charset="0"/>
+              </a:endParaRPr>
+            </a:p>
+          </p:txBody>
+        </p:sp>
+        <p:sp>
+          <p:nvSpPr>
+            <p:cNvPr id="95" name="文本框 94">
+              <a:extLst>
+                <a:ext uri="{FF2B5EF4-FFF2-40B4-BE49-F238E27FC236}">
+                  <a16:creationId xmlns:a16="http://schemas.microsoft.com/office/drawing/2014/main" id="{B02B8821-D448-4B33-9551-FEDBD5D1D8DD}"/>
+                </a:ext>
+              </a:extLst>
+            </p:cNvPr>
+            <p:cNvSpPr txBox="1"/>
+            <p:nvPr/>
+          </p:nvSpPr>
+          <p:spPr>
+            <a:xfrm>
+              <a:off x="5379508" y="2027791"/>
+              <a:ext cx="929377" cy="523220"/>
+            </a:xfrm>
+            <a:prstGeom prst="rect">
+              <a:avLst/>
+            </a:prstGeom>
+            <a:noFill/>
+          </p:spPr>
+          <p:txBody>
+            <a:bodyPr wrap="square" rtlCol="0">
+              <a:spAutoFit/>
+            </a:bodyPr>
+            <a:lstStyle/>
+            <a:p>
+              <a:pPr algn="ctr"/>
+              <a:r>
+                <a:rPr lang="en-US" altLang="zh-CN" sz="1400" dirty="0">
+                  <a:latin typeface="Times New Roman" panose="02020603050405020304" pitchFamily="18" charset="0"/>
+                  <a:cs typeface="Times New Roman" panose="02020603050405020304" pitchFamily="18" charset="0"/>
+                </a:rPr>
+                <a:t>Running in parallel</a:t>
+              </a:r>
+              <a:endParaRPr lang="zh-CN" altLang="en-US" sz="1400" dirty="0">
+                <a:latin typeface="Times New Roman" panose="02020603050405020304" pitchFamily="18" charset="0"/>
+                <a:cs typeface="Times New Roman" panose="02020603050405020304" pitchFamily="18" charset="0"/>
+              </a:endParaRPr>
+            </a:p>
+          </p:txBody>
+        </p:sp>
+      </p:grpSp>
+      <p:grpSp>
+        <p:nvGrpSpPr>
+          <p:cNvPr id="102" name="组合 101">
+            <a:extLst>
+              <a:ext uri="{FF2B5EF4-FFF2-40B4-BE49-F238E27FC236}">
+                <a16:creationId xmlns:a16="http://schemas.microsoft.com/office/drawing/2014/main" id="{5E64B7DA-5225-44E2-98C8-AE934F049A3C}"/>
+              </a:ext>
+            </a:extLst>
+          </p:cNvPr>
+          <p:cNvGrpSpPr/>
+          <p:nvPr/>
+        </p:nvGrpSpPr>
+        <p:grpSpPr>
+          <a:xfrm>
+            <a:off x="4121612" y="42880"/>
+            <a:ext cx="3367642" cy="896836"/>
+            <a:chOff x="4120402" y="217364"/>
+            <a:chExt cx="3367642" cy="896836"/>
+          </a:xfrm>
+        </p:grpSpPr>
+        <p:grpSp>
+          <p:nvGrpSpPr>
+            <p:cNvPr id="103" name="组合 102">
+              <a:extLst>
+                <a:ext uri="{FF2B5EF4-FFF2-40B4-BE49-F238E27FC236}">
+                  <a16:creationId xmlns:a16="http://schemas.microsoft.com/office/drawing/2014/main" id="{F8EA5A7F-F050-4C77-89E3-975B822BD287}"/>
+                </a:ext>
+              </a:extLst>
+            </p:cNvPr>
+            <p:cNvGrpSpPr/>
+            <p:nvPr/>
+          </p:nvGrpSpPr>
+          <p:grpSpPr>
+            <a:xfrm>
+              <a:off x="4375325" y="217364"/>
+              <a:ext cx="576000" cy="576000"/>
+              <a:chOff x="722982" y="3756375"/>
+              <a:chExt cx="576000" cy="576000"/>
+            </a:xfrm>
+          </p:grpSpPr>
+          <p:sp>
+            <p:nvSpPr>
+              <p:cNvPr id="115" name="矩形 114">
+                <a:extLst>
+                  <a:ext uri="{FF2B5EF4-FFF2-40B4-BE49-F238E27FC236}">
+                    <a16:creationId xmlns:a16="http://schemas.microsoft.com/office/drawing/2014/main" id="{727202F8-67E4-4DB8-A322-D81D47C078BA}"/>
+                  </a:ext>
+                </a:extLst>
+              </p:cNvPr>
+              <p:cNvSpPr/>
+              <p:nvPr/>
+            </p:nvSpPr>
+            <p:spPr>
+              <a:xfrm>
+                <a:off x="722982" y="3756375"/>
+                <a:ext cx="288000" cy="576000"/>
+              </a:xfrm>
+              <a:prstGeom prst="rect">
+                <a:avLst/>
+              </a:prstGeom>
+              <a:ln>
+                <a:noFill/>
+              </a:ln>
+            </p:spPr>
+            <p:style>
+              <a:lnRef idx="2">
+                <a:schemeClr val="accent6">
+                  <a:shade val="50000"/>
+                </a:schemeClr>
+              </a:lnRef>
+              <a:fillRef idx="1">
+                <a:schemeClr val="accent6"/>
+              </a:fillRef>
+              <a:effectRef idx="0">
+                <a:schemeClr val="accent6"/>
+              </a:effectRef>
+              <a:fontRef idx="minor">
+                <a:schemeClr val="lt1"/>
+              </a:fontRef>
+            </p:style>
+            <p:txBody>
+              <a:bodyPr rtlCol="0" anchor="ctr"/>
+              <a:lstStyle/>
+              <a:p>
+                <a:pPr algn="ctr"/>
+                <a:endParaRPr lang="zh-CN" altLang="en-US" sz="1100" dirty="0">
+                  <a:latin typeface="Times New Roman" panose="02020603050405020304" pitchFamily="18" charset="0"/>
+                  <a:cs typeface="Times New Roman" panose="02020603050405020304" pitchFamily="18" charset="0"/>
+                </a:endParaRPr>
+              </a:p>
+            </p:txBody>
+          </p:sp>
+          <p:sp>
+            <p:nvSpPr>
+              <p:cNvPr id="116" name="矩形 115">
+                <a:extLst>
+                  <a:ext uri="{FF2B5EF4-FFF2-40B4-BE49-F238E27FC236}">
+                    <a16:creationId xmlns:a16="http://schemas.microsoft.com/office/drawing/2014/main" id="{C833BBDE-19AD-4F16-86AD-E5F8A6C98A2F}"/>
+                  </a:ext>
+                </a:extLst>
+              </p:cNvPr>
+              <p:cNvSpPr/>
+              <p:nvPr/>
+            </p:nvSpPr>
+            <p:spPr>
+              <a:xfrm>
+                <a:off x="1010982" y="3756375"/>
+                <a:ext cx="288000" cy="576000"/>
+              </a:xfrm>
+              <a:prstGeom prst="rect">
+                <a:avLst/>
+              </a:prstGeom>
+              <a:ln>
+                <a:noFill/>
+              </a:ln>
+            </p:spPr>
+            <p:style>
+              <a:lnRef idx="2">
+                <a:schemeClr val="accent6">
+                  <a:shade val="50000"/>
+                </a:schemeClr>
+              </a:lnRef>
+              <a:fillRef idx="1">
+                <a:schemeClr val="accent6"/>
+              </a:fillRef>
+              <a:effectRef idx="0">
+                <a:schemeClr val="accent6"/>
+              </a:effectRef>
+              <a:fontRef idx="minor">
+                <a:schemeClr val="lt1"/>
+              </a:fontRef>
+            </p:style>
+            <p:txBody>
+              <a:bodyPr rtlCol="0" anchor="ctr"/>
+              <a:lstStyle/>
+              <a:p>
+                <a:pPr algn="ctr"/>
+                <a:endParaRPr lang="zh-CN" altLang="en-US" sz="1100" dirty="0">
+                  <a:latin typeface="Times New Roman" panose="02020603050405020304" pitchFamily="18" charset="0"/>
+                  <a:cs typeface="Times New Roman" panose="02020603050405020304" pitchFamily="18" charset="0"/>
+                </a:endParaRPr>
+              </a:p>
+            </p:txBody>
+          </p:sp>
+        </p:grpSp>
+        <p:grpSp>
+          <p:nvGrpSpPr>
+            <p:cNvPr id="104" name="组合 103">
+              <a:extLst>
+                <a:ext uri="{FF2B5EF4-FFF2-40B4-BE49-F238E27FC236}">
+                  <a16:creationId xmlns:a16="http://schemas.microsoft.com/office/drawing/2014/main" id="{3E60F10D-5784-4428-A0E3-BAE3B951D822}"/>
+                </a:ext>
+              </a:extLst>
+            </p:cNvPr>
+            <p:cNvGrpSpPr/>
+            <p:nvPr/>
+          </p:nvGrpSpPr>
+          <p:grpSpPr>
+            <a:xfrm>
+              <a:off x="5516223" y="217364"/>
+              <a:ext cx="576000" cy="576000"/>
+              <a:chOff x="1899933" y="3756375"/>
+              <a:chExt cx="576000" cy="576000"/>
+            </a:xfrm>
+          </p:grpSpPr>
+          <p:sp>
+            <p:nvSpPr>
+              <p:cNvPr id="113" name="矩形 112">
+                <a:extLst>
+                  <a:ext uri="{FF2B5EF4-FFF2-40B4-BE49-F238E27FC236}">
+                    <a16:creationId xmlns:a16="http://schemas.microsoft.com/office/drawing/2014/main" id="{A08B9982-9654-41CC-AF30-E79D04D3BD8A}"/>
+                  </a:ext>
+                </a:extLst>
+              </p:cNvPr>
+              <p:cNvSpPr/>
+              <p:nvPr/>
+            </p:nvSpPr>
+            <p:spPr>
+              <a:xfrm>
+                <a:off x="1899933" y="3756375"/>
+                <a:ext cx="288000" cy="576000"/>
+              </a:xfrm>
+              <a:prstGeom prst="rect">
+                <a:avLst/>
+              </a:prstGeom>
+              <a:ln>
+                <a:noFill/>
+              </a:ln>
+            </p:spPr>
+            <p:style>
+              <a:lnRef idx="2">
+                <a:schemeClr val="accent6">
+                  <a:shade val="50000"/>
+                </a:schemeClr>
+              </a:lnRef>
+              <a:fillRef idx="1">
+                <a:schemeClr val="accent6"/>
+              </a:fillRef>
+              <a:effectRef idx="0">
+                <a:schemeClr val="accent6"/>
+              </a:effectRef>
+              <a:fontRef idx="minor">
+                <a:schemeClr val="lt1"/>
+              </a:fontRef>
+            </p:style>
+            <p:txBody>
+              <a:bodyPr rtlCol="0" anchor="ctr"/>
+              <a:lstStyle/>
+              <a:p>
+                <a:pPr algn="ctr"/>
+                <a:endParaRPr lang="zh-CN" altLang="en-US" sz="1100" dirty="0">
+                  <a:latin typeface="Times New Roman" panose="02020603050405020304" pitchFamily="18" charset="0"/>
+                  <a:cs typeface="Times New Roman" panose="02020603050405020304" pitchFamily="18" charset="0"/>
+                </a:endParaRPr>
+              </a:p>
+            </p:txBody>
+          </p:sp>
+          <p:sp>
+            <p:nvSpPr>
+              <p:cNvPr id="114" name="矩形 113">
+                <a:extLst>
+                  <a:ext uri="{FF2B5EF4-FFF2-40B4-BE49-F238E27FC236}">
+                    <a16:creationId xmlns:a16="http://schemas.microsoft.com/office/drawing/2014/main" id="{F5C96324-AD25-427B-88FC-9257569D6433}"/>
+                  </a:ext>
+                </a:extLst>
+              </p:cNvPr>
+              <p:cNvSpPr/>
+              <p:nvPr/>
+            </p:nvSpPr>
+            <p:spPr>
+              <a:xfrm>
+                <a:off x="2187933" y="3756375"/>
+                <a:ext cx="288000" cy="576000"/>
+              </a:xfrm>
+              <a:prstGeom prst="rect">
+                <a:avLst/>
+              </a:prstGeom>
+              <a:solidFill>
+                <a:schemeClr val="accent4">
+                  <a:lumMod val="60000"/>
+                  <a:lumOff val="40000"/>
+                </a:schemeClr>
+              </a:solidFill>
+              <a:ln>
+                <a:noFill/>
+              </a:ln>
+            </p:spPr>
+            <p:style>
+              <a:lnRef idx="2">
+                <a:schemeClr val="accent1">
+                  <a:shade val="50000"/>
+                </a:schemeClr>
+              </a:lnRef>
+              <a:fillRef idx="1">
+                <a:schemeClr val="accent1"/>
+              </a:fillRef>
+              <a:effectRef idx="0">
+                <a:schemeClr val="accent1"/>
+              </a:effectRef>
+              <a:fontRef idx="minor">
+                <a:schemeClr val="lt1"/>
+              </a:fontRef>
+            </p:style>
+            <p:txBody>
+              <a:bodyPr rtlCol="0" anchor="ctr"/>
+              <a:lstStyle/>
+              <a:p>
+                <a:pPr algn="ctr"/>
+                <a:endParaRPr lang="zh-CN" altLang="en-US" dirty="0">
+                  <a:solidFill>
+                    <a:schemeClr val="tx1"/>
+                  </a:solidFill>
+                  <a:latin typeface="Times New Roman" panose="02020603050405020304" pitchFamily="18" charset="0"/>
+                  <a:cs typeface="Times New Roman" panose="02020603050405020304" pitchFamily="18" charset="0"/>
+                </a:endParaRPr>
+              </a:p>
+            </p:txBody>
+          </p:sp>
+        </p:grpSp>
+        <p:grpSp>
+          <p:nvGrpSpPr>
+            <p:cNvPr id="105" name="组合 104">
+              <a:extLst>
+                <a:ext uri="{FF2B5EF4-FFF2-40B4-BE49-F238E27FC236}">
+                  <a16:creationId xmlns:a16="http://schemas.microsoft.com/office/drawing/2014/main" id="{1F1C8F98-4286-46E8-A092-87E2850C1ABA}"/>
+                </a:ext>
+              </a:extLst>
+            </p:cNvPr>
+            <p:cNvGrpSpPr/>
+            <p:nvPr/>
+          </p:nvGrpSpPr>
+          <p:grpSpPr>
+            <a:xfrm>
+              <a:off x="6657122" y="217364"/>
+              <a:ext cx="576000" cy="576000"/>
+              <a:chOff x="3004779" y="3756375"/>
+              <a:chExt cx="576000" cy="576000"/>
+            </a:xfrm>
+          </p:grpSpPr>
+          <p:sp>
+            <p:nvSpPr>
+              <p:cNvPr id="111" name="矩形 110">
+                <a:extLst>
+                  <a:ext uri="{FF2B5EF4-FFF2-40B4-BE49-F238E27FC236}">
+                    <a16:creationId xmlns:a16="http://schemas.microsoft.com/office/drawing/2014/main" id="{F9B6F9F1-C80D-46BB-9CC6-6EF684BFCC8E}"/>
+                  </a:ext>
+                </a:extLst>
+              </p:cNvPr>
+              <p:cNvSpPr/>
+              <p:nvPr/>
+            </p:nvSpPr>
+            <p:spPr>
+              <a:xfrm>
+                <a:off x="3004779" y="3756375"/>
+                <a:ext cx="288000" cy="576000"/>
+              </a:xfrm>
+              <a:prstGeom prst="rect">
+                <a:avLst/>
+              </a:prstGeom>
+              <a:solidFill>
+                <a:schemeClr val="accent4">
+                  <a:lumMod val="60000"/>
+                  <a:lumOff val="40000"/>
+                </a:schemeClr>
+              </a:solidFill>
+              <a:ln>
+                <a:noFill/>
+              </a:ln>
+            </p:spPr>
+            <p:style>
+              <a:lnRef idx="2">
+                <a:schemeClr val="accent1">
+                  <a:shade val="50000"/>
+                </a:schemeClr>
+              </a:lnRef>
+              <a:fillRef idx="1">
+                <a:schemeClr val="accent1"/>
+              </a:fillRef>
+              <a:effectRef idx="0">
+                <a:schemeClr val="accent1"/>
+              </a:effectRef>
+              <a:fontRef idx="minor">
+                <a:schemeClr val="lt1"/>
+              </a:fontRef>
+            </p:style>
+            <p:txBody>
+              <a:bodyPr rtlCol="0" anchor="ctr"/>
+              <a:lstStyle/>
+              <a:p>
+                <a:pPr algn="ctr"/>
+                <a:endParaRPr lang="zh-CN" altLang="en-US" dirty="0">
+                  <a:solidFill>
+                    <a:schemeClr val="tx1"/>
+                  </a:solidFill>
+                  <a:latin typeface="Times New Roman" panose="02020603050405020304" pitchFamily="18" charset="0"/>
+                  <a:cs typeface="Times New Roman" panose="02020603050405020304" pitchFamily="18" charset="0"/>
+                </a:endParaRPr>
+              </a:p>
+            </p:txBody>
+          </p:sp>
+          <p:sp>
+            <p:nvSpPr>
+              <p:cNvPr id="112" name="矩形 111">
+                <a:extLst>
+                  <a:ext uri="{FF2B5EF4-FFF2-40B4-BE49-F238E27FC236}">
+                    <a16:creationId xmlns:a16="http://schemas.microsoft.com/office/drawing/2014/main" id="{0CD36D77-A18F-4B4B-A73F-EF5B8A7AD9DB}"/>
+                  </a:ext>
+                </a:extLst>
+              </p:cNvPr>
+              <p:cNvSpPr/>
+              <p:nvPr/>
+            </p:nvSpPr>
+            <p:spPr>
+              <a:xfrm>
+                <a:off x="3292779" y="3756375"/>
+                <a:ext cx="288000" cy="576000"/>
+              </a:xfrm>
+              <a:prstGeom prst="rect">
+                <a:avLst/>
+              </a:prstGeom>
+              <a:solidFill>
+                <a:schemeClr val="accent4">
+                  <a:lumMod val="60000"/>
+                  <a:lumOff val="40000"/>
+                </a:schemeClr>
+              </a:solidFill>
+              <a:ln>
+                <a:noFill/>
+              </a:ln>
+            </p:spPr>
+            <p:style>
+              <a:lnRef idx="2">
+                <a:schemeClr val="accent1">
+                  <a:shade val="50000"/>
+                </a:schemeClr>
+              </a:lnRef>
+              <a:fillRef idx="1">
+                <a:schemeClr val="accent1"/>
+              </a:fillRef>
+              <a:effectRef idx="0">
+                <a:schemeClr val="accent1"/>
+              </a:effectRef>
+              <a:fontRef idx="minor">
+                <a:schemeClr val="lt1"/>
+              </a:fontRef>
+            </p:style>
+            <p:txBody>
+              <a:bodyPr rtlCol="0" anchor="ctr"/>
+              <a:lstStyle/>
+              <a:p>
+                <a:pPr algn="ctr"/>
+                <a:endParaRPr lang="zh-CN" altLang="en-US" dirty="0">
+                  <a:solidFill>
+                    <a:schemeClr val="tx1"/>
+                  </a:solidFill>
+                  <a:latin typeface="Times New Roman" panose="02020603050405020304" pitchFamily="18" charset="0"/>
+                  <a:cs typeface="Times New Roman" panose="02020603050405020304" pitchFamily="18" charset="0"/>
+                </a:endParaRPr>
+              </a:p>
+            </p:txBody>
+          </p:sp>
+        </p:grpSp>
+        <p:cxnSp>
+          <p:nvCxnSpPr>
+            <p:cNvPr id="106" name="直接箭头连接符 105">
+              <a:extLst>
+                <a:ext uri="{FF2B5EF4-FFF2-40B4-BE49-F238E27FC236}">
+                  <a16:creationId xmlns:a16="http://schemas.microsoft.com/office/drawing/2014/main" id="{017DACFE-6EC6-4203-A7BE-240CB52A6056}"/>
+                </a:ext>
+              </a:extLst>
+            </p:cNvPr>
+            <p:cNvCxnSpPr>
+              <a:stCxn id="114" idx="3"/>
+              <a:endCxn id="111" idx="1"/>
+            </p:cNvCxnSpPr>
+            <p:nvPr/>
+          </p:nvCxnSpPr>
+          <p:spPr>
+            <a:xfrm>
+              <a:off x="6092223" y="505364"/>
+              <a:ext cx="564899" cy="0"/>
+            </a:xfrm>
+            <a:prstGeom prst="straightConnector1">
+              <a:avLst/>
+            </a:prstGeom>
+            <a:ln w="19050">
+              <a:tailEnd type="triangle"/>
+            </a:ln>
+          </p:spPr>
+          <p:style>
+            <a:lnRef idx="1">
+              <a:schemeClr val="accent6"/>
+            </a:lnRef>
+            <a:fillRef idx="0">
+              <a:schemeClr val="accent6"/>
+            </a:fillRef>
+            <a:effectRef idx="0">
+              <a:schemeClr val="accent6"/>
+            </a:effectRef>
+            <a:fontRef idx="minor">
+              <a:schemeClr val="tx1"/>
+            </a:fontRef>
+          </p:style>
+        </p:cxnSp>
+        <p:sp>
+          <p:nvSpPr>
+            <p:cNvPr id="107" name="文本框 106">
+              <a:extLst>
+                <a:ext uri="{FF2B5EF4-FFF2-40B4-BE49-F238E27FC236}">
+                  <a16:creationId xmlns:a16="http://schemas.microsoft.com/office/drawing/2014/main" id="{57587FDB-8540-4126-ACE4-ED2CD6759C5F}"/>
+                </a:ext>
+              </a:extLst>
+            </p:cNvPr>
+            <p:cNvSpPr txBox="1"/>
+            <p:nvPr/>
+          </p:nvSpPr>
+          <p:spPr>
+            <a:xfrm>
+              <a:off x="4120402" y="785877"/>
+              <a:ext cx="1042444" cy="307777"/>
+            </a:xfrm>
+            <a:prstGeom prst="rect">
+              <a:avLst/>
+            </a:prstGeom>
+            <a:noFill/>
+          </p:spPr>
+          <p:txBody>
+            <a:bodyPr wrap="square" rtlCol="0">
+              <a:spAutoFit/>
+            </a:bodyPr>
+            <a:lstStyle/>
+            <a:p>
+              <a:pPr algn="ctr"/>
+              <a:r>
+                <a:rPr lang="en-US" altLang="zh-CN" sz="1400" dirty="0">
+                  <a:latin typeface="Times New Roman" panose="02020603050405020304" pitchFamily="18" charset="0"/>
+                  <a:cs typeface="Times New Roman" panose="02020603050405020304" pitchFamily="18" charset="0"/>
+                </a:rPr>
+                <a:t>NF </a:t>
+              </a:r>
+              <a:r>
+                <a:rPr lang="en-US" altLang="zh-CN" sz="1400" dirty="0" smtClean="0">
+                  <a:latin typeface="Times New Roman" panose="02020603050405020304" pitchFamily="18" charset="0"/>
+                  <a:cs typeface="Times New Roman" panose="02020603050405020304" pitchFamily="18" charset="0"/>
+                </a:rPr>
+                <a:t>1 </a:t>
+              </a:r>
+              <a:r>
+                <a:rPr lang="en-US" altLang="zh-CN" sz="1400" dirty="0">
+                  <a:latin typeface="Times New Roman" panose="02020603050405020304" pitchFamily="18" charset="0"/>
+                  <a:cs typeface="Times New Roman" panose="02020603050405020304" pitchFamily="18" charset="0"/>
+                </a:rPr>
+                <a:t>(2ms)</a:t>
+              </a:r>
+              <a:endParaRPr lang="zh-CN" altLang="en-US" sz="1400" dirty="0">
+                <a:latin typeface="Times New Roman" panose="02020603050405020304" pitchFamily="18" charset="0"/>
+                <a:cs typeface="Times New Roman" panose="02020603050405020304" pitchFamily="18" charset="0"/>
+              </a:endParaRPr>
+            </a:p>
+          </p:txBody>
+        </p:sp>
+        <p:sp>
+          <p:nvSpPr>
+            <p:cNvPr id="108" name="文本框 107">
+              <a:extLst>
+                <a:ext uri="{FF2B5EF4-FFF2-40B4-BE49-F238E27FC236}">
+                  <a16:creationId xmlns:a16="http://schemas.microsoft.com/office/drawing/2014/main" id="{33452037-814B-4956-A339-FD8BC783A56E}"/>
+                </a:ext>
+              </a:extLst>
+            </p:cNvPr>
+            <p:cNvSpPr txBox="1"/>
+            <p:nvPr/>
+          </p:nvSpPr>
+          <p:spPr>
+            <a:xfrm>
+              <a:off x="5283001" y="806423"/>
+              <a:ext cx="1042444" cy="307777"/>
+            </a:xfrm>
+            <a:prstGeom prst="rect">
+              <a:avLst/>
+            </a:prstGeom>
+            <a:noFill/>
+          </p:spPr>
+          <p:txBody>
+            <a:bodyPr wrap="square" rtlCol="0">
+              <a:spAutoFit/>
+            </a:bodyPr>
+            <a:lstStyle/>
+            <a:p>
+              <a:pPr algn="ctr"/>
+              <a:r>
+                <a:rPr lang="en-US" altLang="zh-CN" sz="1400" dirty="0">
+                  <a:latin typeface="Times New Roman" panose="02020603050405020304" pitchFamily="18" charset="0"/>
+                  <a:cs typeface="Times New Roman" panose="02020603050405020304" pitchFamily="18" charset="0"/>
+                </a:rPr>
+                <a:t>NF </a:t>
+              </a:r>
+              <a:r>
+                <a:rPr lang="en-US" altLang="zh-CN" sz="1400" dirty="0">
+                  <a:latin typeface="Times New Roman" panose="02020603050405020304" pitchFamily="18" charset="0"/>
+                  <a:cs typeface="Times New Roman" panose="02020603050405020304" pitchFamily="18" charset="0"/>
+                </a:rPr>
+                <a:t>2</a:t>
+              </a:r>
+              <a:r>
+                <a:rPr lang="en-US" altLang="zh-CN" sz="1400" dirty="0" smtClean="0">
+                  <a:latin typeface="Times New Roman" panose="02020603050405020304" pitchFamily="18" charset="0"/>
+                  <a:cs typeface="Times New Roman" panose="02020603050405020304" pitchFamily="18" charset="0"/>
+                </a:rPr>
+                <a:t> </a:t>
+              </a:r>
+              <a:r>
+                <a:rPr lang="en-US" altLang="zh-CN" sz="1400" dirty="0">
+                  <a:latin typeface="Times New Roman" panose="02020603050405020304" pitchFamily="18" charset="0"/>
+                  <a:cs typeface="Times New Roman" panose="02020603050405020304" pitchFamily="18" charset="0"/>
+                </a:rPr>
+                <a:t>(2ms)</a:t>
+              </a:r>
+              <a:endParaRPr lang="zh-CN" altLang="en-US" sz="1400" dirty="0">
+                <a:latin typeface="Times New Roman" panose="02020603050405020304" pitchFamily="18" charset="0"/>
+                <a:cs typeface="Times New Roman" panose="02020603050405020304" pitchFamily="18" charset="0"/>
+              </a:endParaRPr>
+            </a:p>
+          </p:txBody>
+        </p:sp>
+        <p:sp>
+          <p:nvSpPr>
+            <p:cNvPr id="109" name="文本框 108">
+              <a:extLst>
+                <a:ext uri="{FF2B5EF4-FFF2-40B4-BE49-F238E27FC236}">
+                  <a16:creationId xmlns:a16="http://schemas.microsoft.com/office/drawing/2014/main" id="{58D0D824-C61F-4F4E-93B7-C2BD25949A72}"/>
+                </a:ext>
+              </a:extLst>
+            </p:cNvPr>
+            <p:cNvSpPr txBox="1"/>
+            <p:nvPr/>
+          </p:nvSpPr>
+          <p:spPr>
+            <a:xfrm>
+              <a:off x="6445600" y="806423"/>
+              <a:ext cx="1042444" cy="307777"/>
+            </a:xfrm>
+            <a:prstGeom prst="rect">
+              <a:avLst/>
+            </a:prstGeom>
+            <a:noFill/>
+          </p:spPr>
+          <p:txBody>
+            <a:bodyPr wrap="square" rtlCol="0">
+              <a:spAutoFit/>
+            </a:bodyPr>
+            <a:lstStyle/>
+            <a:p>
+              <a:pPr algn="ctr"/>
+              <a:r>
+                <a:rPr lang="en-US" altLang="zh-CN" sz="1400" dirty="0">
+                  <a:latin typeface="Times New Roman" panose="02020603050405020304" pitchFamily="18" charset="0"/>
+                  <a:cs typeface="Times New Roman" panose="02020603050405020304" pitchFamily="18" charset="0"/>
+                </a:rPr>
+                <a:t>NF </a:t>
+              </a:r>
+              <a:r>
+                <a:rPr lang="en-US" altLang="zh-CN" sz="1400" dirty="0" smtClean="0">
+                  <a:latin typeface="Times New Roman" panose="02020603050405020304" pitchFamily="18" charset="0"/>
+                  <a:cs typeface="Times New Roman" panose="02020603050405020304" pitchFamily="18" charset="0"/>
+                </a:rPr>
+                <a:t>3 </a:t>
+              </a:r>
+              <a:r>
+                <a:rPr lang="en-US" altLang="zh-CN" sz="1400" dirty="0">
+                  <a:latin typeface="Times New Roman" panose="02020603050405020304" pitchFamily="18" charset="0"/>
+                  <a:cs typeface="Times New Roman" panose="02020603050405020304" pitchFamily="18" charset="0"/>
+                </a:rPr>
+                <a:t>(1ms)</a:t>
+              </a:r>
+              <a:endParaRPr lang="zh-CN" altLang="en-US" sz="1400" dirty="0">
+                <a:latin typeface="Times New Roman" panose="02020603050405020304" pitchFamily="18" charset="0"/>
+                <a:cs typeface="Times New Roman" panose="02020603050405020304" pitchFamily="18" charset="0"/>
+              </a:endParaRPr>
+            </a:p>
+          </p:txBody>
+        </p:sp>
+        <p:cxnSp>
+          <p:nvCxnSpPr>
+            <p:cNvPr id="110" name="直接箭头连接符 109">
+              <a:extLst>
+                <a:ext uri="{FF2B5EF4-FFF2-40B4-BE49-F238E27FC236}">
+                  <a16:creationId xmlns:a16="http://schemas.microsoft.com/office/drawing/2014/main" id="{1745DE7E-D013-437C-B982-7B4E66409EFA}"/>
+                </a:ext>
+              </a:extLst>
+            </p:cNvPr>
+            <p:cNvCxnSpPr>
+              <a:endCxn id="113" idx="1"/>
+            </p:cNvCxnSpPr>
+            <p:nvPr/>
+          </p:nvCxnSpPr>
+          <p:spPr>
+            <a:xfrm>
+              <a:off x="4951325" y="505364"/>
+              <a:ext cx="564898" cy="0"/>
+            </a:xfrm>
+            <a:prstGeom prst="straightConnector1">
+              <a:avLst/>
+            </a:prstGeom>
+            <a:ln w="19050">
+              <a:tailEnd type="triangle"/>
+            </a:ln>
+          </p:spPr>
+          <p:style>
+            <a:lnRef idx="1">
+              <a:schemeClr val="accent6"/>
+            </a:lnRef>
+            <a:fillRef idx="0">
+              <a:schemeClr val="accent6"/>
+            </a:fillRef>
+            <a:effectRef idx="0">
+              <a:schemeClr val="accent6"/>
+            </a:effectRef>
+            <a:fontRef idx="minor">
+              <a:schemeClr val="tx1"/>
+            </a:fontRef>
+          </p:style>
+        </p:cxnSp>
+      </p:grpSp>
+      <p:grpSp>
+        <p:nvGrpSpPr>
+          <p:cNvPr id="117" name="组合 116">
+            <a:extLst>
+              <a:ext uri="{FF2B5EF4-FFF2-40B4-BE49-F238E27FC236}">
+                <a16:creationId xmlns:a16="http://schemas.microsoft.com/office/drawing/2014/main" id="{8DE63212-0BBB-4386-9990-4737B285BB27}"/>
+              </a:ext>
+            </a:extLst>
+          </p:cNvPr>
+          <p:cNvGrpSpPr/>
+          <p:nvPr/>
+        </p:nvGrpSpPr>
+        <p:grpSpPr>
+          <a:xfrm>
+            <a:off x="3258160" y="1801890"/>
+            <a:ext cx="1778702" cy="2259217"/>
+            <a:chOff x="738238" y="862290"/>
+            <a:chExt cx="1778702" cy="2259217"/>
+          </a:xfrm>
+        </p:grpSpPr>
+        <p:sp>
+          <p:nvSpPr>
+            <p:cNvPr id="118" name="矩形 117">
+              <a:extLst>
+                <a:ext uri="{FF2B5EF4-FFF2-40B4-BE49-F238E27FC236}">
+                  <a16:creationId xmlns:a16="http://schemas.microsoft.com/office/drawing/2014/main" id="{FD96179F-37D1-4DA8-B24F-5F3B406050DD}"/>
+                </a:ext>
+              </a:extLst>
+            </p:cNvPr>
+            <p:cNvSpPr/>
+            <p:nvPr/>
+          </p:nvSpPr>
+          <p:spPr>
+            <a:xfrm>
+              <a:off x="738238" y="862290"/>
+              <a:ext cx="1002735" cy="1917950"/>
+            </a:xfrm>
+            <a:prstGeom prst="rect">
+              <a:avLst/>
+            </a:prstGeom>
+            <a:solidFill>
+              <a:schemeClr val="bg1">
+                <a:lumMod val="85000"/>
+              </a:schemeClr>
+            </a:solidFill>
+            <a:ln>
+              <a:solidFill>
+                <a:schemeClr val="bg2"/>
+              </a:solidFill>
+            </a:ln>
+          </p:spPr>
+          <p:style>
+            <a:lnRef idx="2">
+              <a:schemeClr val="accent3">
+                <a:shade val="50000"/>
+              </a:schemeClr>
+            </a:lnRef>
+            <a:fillRef idx="1">
+              <a:schemeClr val="accent3"/>
+            </a:fillRef>
+            <a:effectRef idx="0">
+              <a:schemeClr val="accent3"/>
+            </a:effectRef>
+            <a:fontRef idx="minor">
+              <a:schemeClr val="lt1"/>
+            </a:fontRef>
+          </p:style>
+          <p:txBody>
+            <a:bodyPr rtlCol="0" anchor="ctr"/>
+            <a:lstStyle/>
+            <a:p>
+              <a:pPr algn="ctr"/>
+              <a:endParaRPr lang="zh-CN" altLang="en-US"/>
+            </a:p>
+          </p:txBody>
+        </p:sp>
+        <p:grpSp>
+          <p:nvGrpSpPr>
+            <p:cNvPr id="119" name="组合 118">
+              <a:extLst>
+                <a:ext uri="{FF2B5EF4-FFF2-40B4-BE49-F238E27FC236}">
+                  <a16:creationId xmlns:a16="http://schemas.microsoft.com/office/drawing/2014/main" id="{52F4B62C-5269-467F-A09D-95F2B168C2FE}"/>
+                </a:ext>
+              </a:extLst>
+            </p:cNvPr>
+            <p:cNvGrpSpPr/>
+            <p:nvPr/>
+          </p:nvGrpSpPr>
+          <p:grpSpPr>
+            <a:xfrm>
+              <a:off x="962129" y="1461632"/>
+              <a:ext cx="576000" cy="576000"/>
+              <a:chOff x="789279" y="4255952"/>
+              <a:chExt cx="576000" cy="576000"/>
+            </a:xfrm>
+          </p:grpSpPr>
+          <p:sp>
+            <p:nvSpPr>
+              <p:cNvPr id="130" name="矩形 129">
+                <a:extLst>
+                  <a:ext uri="{FF2B5EF4-FFF2-40B4-BE49-F238E27FC236}">
+                    <a16:creationId xmlns:a16="http://schemas.microsoft.com/office/drawing/2014/main" id="{95ACC4B5-2BE8-4331-BF68-D476A79A56A1}"/>
+                  </a:ext>
+                </a:extLst>
+              </p:cNvPr>
+              <p:cNvSpPr/>
+              <p:nvPr/>
+            </p:nvSpPr>
+            <p:spPr>
+              <a:xfrm>
+                <a:off x="789279" y="4255952"/>
+                <a:ext cx="288000" cy="576000"/>
+              </a:xfrm>
+              <a:prstGeom prst="rect">
+                <a:avLst/>
+              </a:prstGeom>
+              <a:ln>
+                <a:noFill/>
+              </a:ln>
+            </p:spPr>
+            <p:style>
+              <a:lnRef idx="2">
+                <a:schemeClr val="accent6">
+                  <a:shade val="50000"/>
+                </a:schemeClr>
+              </a:lnRef>
+              <a:fillRef idx="1">
+                <a:schemeClr val="accent6"/>
+              </a:fillRef>
+              <a:effectRef idx="0">
+                <a:schemeClr val="accent6"/>
+              </a:effectRef>
+              <a:fontRef idx="minor">
+                <a:schemeClr val="lt1"/>
+              </a:fontRef>
+            </p:style>
+            <p:txBody>
+              <a:bodyPr rtlCol="0" anchor="ctr"/>
+              <a:lstStyle/>
+              <a:p>
+                <a:pPr algn="ctr"/>
+                <a:endParaRPr lang="zh-CN" altLang="en-US" sz="1100" dirty="0">
+                  <a:latin typeface="Times New Roman" panose="02020603050405020304" pitchFamily="18" charset="0"/>
+                  <a:cs typeface="Times New Roman" panose="02020603050405020304" pitchFamily="18" charset="0"/>
+                </a:endParaRPr>
+              </a:p>
+            </p:txBody>
+          </p:sp>
+          <p:sp>
+            <p:nvSpPr>
+              <p:cNvPr id="131" name="矩形 130">
+                <a:extLst>
+                  <a:ext uri="{FF2B5EF4-FFF2-40B4-BE49-F238E27FC236}">
+                    <a16:creationId xmlns:a16="http://schemas.microsoft.com/office/drawing/2014/main" id="{330619DA-635F-4F69-A940-CBB3A496824D}"/>
+                  </a:ext>
+                </a:extLst>
+              </p:cNvPr>
+              <p:cNvSpPr/>
+              <p:nvPr/>
+            </p:nvSpPr>
+            <p:spPr>
+              <a:xfrm>
+                <a:off x="1077279" y="4255952"/>
+                <a:ext cx="288000" cy="576000"/>
+              </a:xfrm>
+              <a:prstGeom prst="rect">
+                <a:avLst/>
+              </a:prstGeom>
+              <a:ln>
+                <a:noFill/>
+              </a:ln>
+            </p:spPr>
+            <p:style>
+              <a:lnRef idx="2">
+                <a:schemeClr val="accent6">
+                  <a:shade val="50000"/>
+                </a:schemeClr>
+              </a:lnRef>
+              <a:fillRef idx="1">
+                <a:schemeClr val="accent6"/>
+              </a:fillRef>
+              <a:effectRef idx="0">
+                <a:schemeClr val="accent6"/>
+              </a:effectRef>
+              <a:fontRef idx="minor">
+                <a:schemeClr val="lt1"/>
+              </a:fontRef>
+            </p:style>
+            <p:txBody>
+              <a:bodyPr rtlCol="0" anchor="ctr"/>
+              <a:lstStyle/>
+              <a:p>
+                <a:pPr algn="ctr"/>
+                <a:endParaRPr lang="zh-CN" altLang="en-US" sz="1100" dirty="0">
+                  <a:latin typeface="Times New Roman" panose="02020603050405020304" pitchFamily="18" charset="0"/>
+                  <a:cs typeface="Times New Roman" panose="02020603050405020304" pitchFamily="18" charset="0"/>
+                </a:endParaRPr>
+              </a:p>
+            </p:txBody>
+          </p:sp>
+        </p:grpSp>
+        <p:grpSp>
+          <p:nvGrpSpPr>
+            <p:cNvPr id="120" name="组合 119">
+              <a:extLst>
+                <a:ext uri="{FF2B5EF4-FFF2-40B4-BE49-F238E27FC236}">
+                  <a16:creationId xmlns:a16="http://schemas.microsoft.com/office/drawing/2014/main" id="{BBBB0D70-6DC5-4D9D-89D7-024517CB1BF0}"/>
+                </a:ext>
+              </a:extLst>
+            </p:cNvPr>
+            <p:cNvGrpSpPr/>
+            <p:nvPr/>
+          </p:nvGrpSpPr>
+          <p:grpSpPr>
+            <a:xfrm>
+              <a:off x="962129" y="2107728"/>
+              <a:ext cx="576000" cy="576000"/>
+              <a:chOff x="1966230" y="3750048"/>
+              <a:chExt cx="576000" cy="576000"/>
+            </a:xfrm>
+          </p:grpSpPr>
+          <p:sp>
+            <p:nvSpPr>
+              <p:cNvPr id="128" name="矩形 127">
+                <a:extLst>
+                  <a:ext uri="{FF2B5EF4-FFF2-40B4-BE49-F238E27FC236}">
+                    <a16:creationId xmlns:a16="http://schemas.microsoft.com/office/drawing/2014/main" id="{129AAAC3-9F2D-45F4-B6D3-55A48114538F}"/>
+                  </a:ext>
+                </a:extLst>
+              </p:cNvPr>
+              <p:cNvSpPr/>
+              <p:nvPr/>
+            </p:nvSpPr>
+            <p:spPr>
+              <a:xfrm>
+                <a:off x="1966230" y="3750048"/>
+                <a:ext cx="288000" cy="576000"/>
+              </a:xfrm>
+              <a:prstGeom prst="rect">
+                <a:avLst/>
+              </a:prstGeom>
+              <a:ln>
+                <a:noFill/>
+              </a:ln>
+            </p:spPr>
+            <p:style>
+              <a:lnRef idx="2">
+                <a:schemeClr val="accent6">
+                  <a:shade val="50000"/>
+                </a:schemeClr>
+              </a:lnRef>
+              <a:fillRef idx="1">
+                <a:schemeClr val="accent6"/>
+              </a:fillRef>
+              <a:effectRef idx="0">
+                <a:schemeClr val="accent6"/>
+              </a:effectRef>
+              <a:fontRef idx="minor">
+                <a:schemeClr val="lt1"/>
+              </a:fontRef>
+            </p:style>
+            <p:txBody>
+              <a:bodyPr rtlCol="0" anchor="ctr"/>
+              <a:lstStyle/>
+              <a:p>
+                <a:pPr algn="ctr"/>
+                <a:endParaRPr lang="zh-CN" altLang="en-US" sz="1100" dirty="0">
+                  <a:latin typeface="Times New Roman" panose="02020603050405020304" pitchFamily="18" charset="0"/>
+                  <a:cs typeface="Times New Roman" panose="02020603050405020304" pitchFamily="18" charset="0"/>
+                </a:endParaRPr>
+              </a:p>
+            </p:txBody>
+          </p:sp>
+          <p:sp>
+            <p:nvSpPr>
+              <p:cNvPr id="129" name="矩形 128">
+                <a:extLst>
+                  <a:ext uri="{FF2B5EF4-FFF2-40B4-BE49-F238E27FC236}">
+                    <a16:creationId xmlns:a16="http://schemas.microsoft.com/office/drawing/2014/main" id="{F68A5C93-8A55-4469-9CAA-1F16AEF0AFA2}"/>
+                  </a:ext>
+                </a:extLst>
+              </p:cNvPr>
+              <p:cNvSpPr/>
+              <p:nvPr/>
+            </p:nvSpPr>
+            <p:spPr>
+              <a:xfrm>
+                <a:off x="2254230" y="3750048"/>
+                <a:ext cx="288000" cy="576000"/>
+              </a:xfrm>
+              <a:prstGeom prst="rect">
+                <a:avLst/>
+              </a:prstGeom>
+              <a:solidFill>
+                <a:schemeClr val="accent4">
+                  <a:lumMod val="60000"/>
+                  <a:lumOff val="40000"/>
+                </a:schemeClr>
+              </a:solidFill>
+              <a:ln>
+                <a:noFill/>
+              </a:ln>
+            </p:spPr>
+            <p:style>
+              <a:lnRef idx="2">
+                <a:schemeClr val="accent1">
+                  <a:shade val="50000"/>
+                </a:schemeClr>
+              </a:lnRef>
+              <a:fillRef idx="1">
+                <a:schemeClr val="accent1"/>
+              </a:fillRef>
+              <a:effectRef idx="0">
+                <a:schemeClr val="accent1"/>
+              </a:effectRef>
+              <a:fontRef idx="minor">
+                <a:schemeClr val="lt1"/>
+              </a:fontRef>
+            </p:style>
+            <p:txBody>
+              <a:bodyPr rtlCol="0" anchor="ctr"/>
+              <a:lstStyle/>
+              <a:p>
+                <a:pPr algn="ctr"/>
+                <a:endParaRPr lang="zh-CN" altLang="en-US" dirty="0">
+                  <a:solidFill>
+                    <a:schemeClr val="tx1"/>
+                  </a:solidFill>
+                  <a:latin typeface="Times New Roman" panose="02020603050405020304" pitchFamily="18" charset="0"/>
+                  <a:cs typeface="Times New Roman" panose="02020603050405020304" pitchFamily="18" charset="0"/>
+                </a:endParaRPr>
+              </a:p>
+            </p:txBody>
+          </p:sp>
+        </p:grpSp>
+        <p:grpSp>
+          <p:nvGrpSpPr>
+            <p:cNvPr id="121" name="组合 120">
+              <a:extLst>
+                <a:ext uri="{FF2B5EF4-FFF2-40B4-BE49-F238E27FC236}">
+                  <a16:creationId xmlns:a16="http://schemas.microsoft.com/office/drawing/2014/main" id="{31A4CD16-6C1A-4655-B06D-538CD68C4511}"/>
+                </a:ext>
+              </a:extLst>
+            </p:cNvPr>
+            <p:cNvGrpSpPr/>
+            <p:nvPr/>
+          </p:nvGrpSpPr>
+          <p:grpSpPr>
+            <a:xfrm>
+              <a:off x="1940940" y="1752279"/>
+              <a:ext cx="576000" cy="576000"/>
+              <a:chOff x="2872613" y="3970599"/>
+              <a:chExt cx="576000" cy="576000"/>
+            </a:xfrm>
+          </p:grpSpPr>
+          <p:sp>
+            <p:nvSpPr>
+              <p:cNvPr id="126" name="矩形 125">
+                <a:extLst>
+                  <a:ext uri="{FF2B5EF4-FFF2-40B4-BE49-F238E27FC236}">
+                    <a16:creationId xmlns:a16="http://schemas.microsoft.com/office/drawing/2014/main" id="{ED80829A-156B-43F3-BDA6-D79C1AED4BB4}"/>
+                  </a:ext>
+                </a:extLst>
+              </p:cNvPr>
+              <p:cNvSpPr/>
+              <p:nvPr/>
+            </p:nvSpPr>
+            <p:spPr>
+              <a:xfrm>
+                <a:off x="2872613" y="3970599"/>
+                <a:ext cx="288000" cy="576000"/>
+              </a:xfrm>
+              <a:prstGeom prst="rect">
+                <a:avLst/>
+              </a:prstGeom>
+              <a:solidFill>
+                <a:schemeClr val="accent4">
+                  <a:lumMod val="60000"/>
+                  <a:lumOff val="40000"/>
+                </a:schemeClr>
+              </a:solidFill>
+              <a:ln>
+                <a:noFill/>
+              </a:ln>
+            </p:spPr>
+            <p:style>
+              <a:lnRef idx="2">
+                <a:schemeClr val="accent1">
+                  <a:shade val="50000"/>
+                </a:schemeClr>
+              </a:lnRef>
+              <a:fillRef idx="1">
+                <a:schemeClr val="accent1"/>
+              </a:fillRef>
+              <a:effectRef idx="0">
+                <a:schemeClr val="accent1"/>
+              </a:effectRef>
+              <a:fontRef idx="minor">
+                <a:schemeClr val="lt1"/>
+              </a:fontRef>
+            </p:style>
+            <p:txBody>
+              <a:bodyPr rtlCol="0" anchor="ctr"/>
+              <a:lstStyle/>
+              <a:p>
+                <a:pPr algn="ctr"/>
+                <a:endParaRPr lang="zh-CN" altLang="en-US" dirty="0">
+                  <a:solidFill>
+                    <a:schemeClr val="tx1"/>
+                  </a:solidFill>
+                  <a:latin typeface="Times New Roman" panose="02020603050405020304" pitchFamily="18" charset="0"/>
+                  <a:cs typeface="Times New Roman" panose="02020603050405020304" pitchFamily="18" charset="0"/>
+                </a:endParaRPr>
+              </a:p>
+            </p:txBody>
+          </p:sp>
+          <p:sp>
+            <p:nvSpPr>
+              <p:cNvPr id="127" name="矩形 126">
+                <a:extLst>
+                  <a:ext uri="{FF2B5EF4-FFF2-40B4-BE49-F238E27FC236}">
+                    <a16:creationId xmlns:a16="http://schemas.microsoft.com/office/drawing/2014/main" id="{89D706E6-2727-412D-AECE-29D02D253C10}"/>
+                  </a:ext>
+                </a:extLst>
+              </p:cNvPr>
+              <p:cNvSpPr/>
+              <p:nvPr/>
+            </p:nvSpPr>
+            <p:spPr>
+              <a:xfrm>
+                <a:off x="3160613" y="3970599"/>
+                <a:ext cx="288000" cy="576000"/>
+              </a:xfrm>
+              <a:prstGeom prst="rect">
+                <a:avLst/>
+              </a:prstGeom>
+              <a:solidFill>
+                <a:schemeClr val="accent4">
+                  <a:lumMod val="60000"/>
+                  <a:lumOff val="40000"/>
+                </a:schemeClr>
+              </a:solidFill>
+              <a:ln>
+                <a:noFill/>
+              </a:ln>
+            </p:spPr>
+            <p:style>
+              <a:lnRef idx="2">
+                <a:schemeClr val="accent1">
+                  <a:shade val="50000"/>
+                </a:schemeClr>
+              </a:lnRef>
+              <a:fillRef idx="1">
+                <a:schemeClr val="accent1"/>
+              </a:fillRef>
+              <a:effectRef idx="0">
+                <a:schemeClr val="accent1"/>
+              </a:effectRef>
+              <a:fontRef idx="minor">
+                <a:schemeClr val="lt1"/>
+              </a:fontRef>
+            </p:style>
+            <p:txBody>
+              <a:bodyPr rtlCol="0" anchor="ctr"/>
+              <a:lstStyle/>
+              <a:p>
+                <a:pPr algn="ctr"/>
+                <a:endParaRPr lang="zh-CN" altLang="en-US" dirty="0">
+                  <a:solidFill>
+                    <a:schemeClr val="tx1"/>
+                  </a:solidFill>
+                  <a:latin typeface="Times New Roman" panose="02020603050405020304" pitchFamily="18" charset="0"/>
+                  <a:cs typeface="Times New Roman" panose="02020603050405020304" pitchFamily="18" charset="0"/>
+                </a:endParaRPr>
+              </a:p>
+            </p:txBody>
+          </p:sp>
+        </p:grpSp>
+        <p:sp>
+          <p:nvSpPr>
+            <p:cNvPr id="122" name="文本框 121">
+              <a:extLst>
+                <a:ext uri="{FF2B5EF4-FFF2-40B4-BE49-F238E27FC236}">
+                  <a16:creationId xmlns:a16="http://schemas.microsoft.com/office/drawing/2014/main" id="{F531F9D5-887B-415C-9D41-F7A78F1EE5D4}"/>
+                </a:ext>
+              </a:extLst>
+            </p:cNvPr>
+            <p:cNvSpPr txBox="1"/>
+            <p:nvPr/>
+          </p:nvSpPr>
+          <p:spPr>
+            <a:xfrm>
+              <a:off x="815546" y="2813730"/>
+              <a:ext cx="1524485" cy="307777"/>
+            </a:xfrm>
+            <a:prstGeom prst="rect">
+              <a:avLst/>
+            </a:prstGeom>
+            <a:noFill/>
+          </p:spPr>
+          <p:txBody>
+            <a:bodyPr wrap="square" rtlCol="0">
+              <a:spAutoFit/>
+            </a:bodyPr>
+            <a:lstStyle/>
+            <a:p>
+              <a:pPr algn="ctr"/>
+              <a:r>
+                <a:rPr lang="en-US" altLang="zh-CN" sz="1400" dirty="0">
+                  <a:latin typeface="Times New Roman" panose="02020603050405020304" pitchFamily="18" charset="0"/>
+                  <a:cs typeface="Times New Roman" panose="02020603050405020304" pitchFamily="18" charset="0"/>
+                </a:rPr>
+                <a:t>Total latency: 3ms</a:t>
+              </a:r>
+              <a:endParaRPr lang="zh-CN" altLang="en-US" sz="1400" dirty="0">
+                <a:latin typeface="Times New Roman" panose="02020603050405020304" pitchFamily="18" charset="0"/>
+                <a:cs typeface="Times New Roman" panose="02020603050405020304" pitchFamily="18" charset="0"/>
+              </a:endParaRPr>
+            </a:p>
+          </p:txBody>
+        </p:sp>
+        <p:sp>
+          <p:nvSpPr>
+            <p:cNvPr id="123" name="文本框 122">
+              <a:extLst>
+                <a:ext uri="{FF2B5EF4-FFF2-40B4-BE49-F238E27FC236}">
+                  <a16:creationId xmlns:a16="http://schemas.microsoft.com/office/drawing/2014/main" id="{A01A5100-9FB4-4986-B304-742D9082DB7B}"/>
+                </a:ext>
+              </a:extLst>
+            </p:cNvPr>
+            <p:cNvSpPr txBox="1"/>
+            <p:nvPr/>
+          </p:nvSpPr>
+          <p:spPr>
+            <a:xfrm>
+              <a:off x="774916" y="880040"/>
+              <a:ext cx="929377" cy="523220"/>
+            </a:xfrm>
+            <a:prstGeom prst="rect">
+              <a:avLst/>
+            </a:prstGeom>
+            <a:noFill/>
+          </p:spPr>
+          <p:txBody>
+            <a:bodyPr wrap="square" rtlCol="0">
+              <a:spAutoFit/>
+            </a:bodyPr>
+            <a:lstStyle/>
+            <a:p>
+              <a:pPr algn="ctr"/>
+              <a:r>
+                <a:rPr lang="en-US" altLang="zh-CN" sz="1400" dirty="0">
+                  <a:latin typeface="Times New Roman" panose="02020603050405020304" pitchFamily="18" charset="0"/>
+                  <a:cs typeface="Times New Roman" panose="02020603050405020304" pitchFamily="18" charset="0"/>
+                </a:rPr>
+                <a:t>Running in parallel</a:t>
+              </a:r>
+              <a:endParaRPr lang="zh-CN" altLang="en-US" sz="1400" dirty="0">
+                <a:latin typeface="Times New Roman" panose="02020603050405020304" pitchFamily="18" charset="0"/>
+                <a:cs typeface="Times New Roman" panose="02020603050405020304" pitchFamily="18" charset="0"/>
+              </a:endParaRPr>
+            </a:p>
+          </p:txBody>
+        </p:sp>
+        <p:cxnSp>
+          <p:nvCxnSpPr>
+            <p:cNvPr id="124" name="直接箭头连接符 123">
+              <a:extLst>
+                <a:ext uri="{FF2B5EF4-FFF2-40B4-BE49-F238E27FC236}">
+                  <a16:creationId xmlns:a16="http://schemas.microsoft.com/office/drawing/2014/main" id="{D2C3082D-5194-4291-A44A-A7D73004FD24}"/>
+                </a:ext>
+              </a:extLst>
+            </p:cNvPr>
+            <p:cNvCxnSpPr>
+              <a:stCxn id="131" idx="3"/>
+              <a:endCxn id="126" idx="1"/>
+            </p:cNvCxnSpPr>
+            <p:nvPr/>
+          </p:nvCxnSpPr>
+          <p:spPr>
+            <a:xfrm>
+              <a:off x="1538129" y="1749632"/>
+              <a:ext cx="402811" cy="290647"/>
+            </a:xfrm>
+            <a:prstGeom prst="straightConnector1">
+              <a:avLst/>
+            </a:prstGeom>
+            <a:ln w="19050">
+              <a:tailEnd type="triangle"/>
+            </a:ln>
+          </p:spPr>
+          <p:style>
+            <a:lnRef idx="1">
+              <a:schemeClr val="accent6"/>
+            </a:lnRef>
+            <a:fillRef idx="0">
+              <a:schemeClr val="accent6"/>
+            </a:fillRef>
+            <a:effectRef idx="0">
+              <a:schemeClr val="accent6"/>
+            </a:effectRef>
+            <a:fontRef idx="minor">
+              <a:schemeClr val="tx1"/>
+            </a:fontRef>
+          </p:style>
+        </p:cxnSp>
+        <p:cxnSp>
+          <p:nvCxnSpPr>
+            <p:cNvPr id="125" name="直接箭头连接符 124">
+              <a:extLst>
+                <a:ext uri="{FF2B5EF4-FFF2-40B4-BE49-F238E27FC236}">
+                  <a16:creationId xmlns:a16="http://schemas.microsoft.com/office/drawing/2014/main" id="{589D16F1-6699-42CC-9671-C957A51A0241}"/>
+                </a:ext>
+              </a:extLst>
+            </p:cNvPr>
+            <p:cNvCxnSpPr>
+              <a:stCxn id="129" idx="3"/>
+              <a:endCxn id="126" idx="1"/>
+            </p:cNvCxnSpPr>
+            <p:nvPr/>
+          </p:nvCxnSpPr>
+          <p:spPr>
+            <a:xfrm flipV="1">
+              <a:off x="1538129" y="2040279"/>
+              <a:ext cx="402811" cy="355449"/>
+            </a:xfrm>
+            <a:prstGeom prst="straightConnector1">
+              <a:avLst/>
+            </a:prstGeom>
+            <a:ln w="19050">
+              <a:tailEnd type="triangle"/>
+            </a:ln>
+          </p:spPr>
+          <p:style>
+            <a:lnRef idx="1">
+              <a:schemeClr val="accent6"/>
+            </a:lnRef>
+            <a:fillRef idx="0">
+              <a:schemeClr val="accent6"/>
+            </a:fillRef>
+            <a:effectRef idx="0">
+              <a:schemeClr val="accent6"/>
+            </a:effectRef>
+            <a:fontRef idx="minor">
+              <a:schemeClr val="tx1"/>
+            </a:fontRef>
+          </p:style>
+        </p:cxnSp>
+      </p:grpSp>
+      <p:grpSp>
+        <p:nvGrpSpPr>
+          <p:cNvPr id="132" name="组合 131">
+            <a:extLst>
+              <a:ext uri="{FF2B5EF4-FFF2-40B4-BE49-F238E27FC236}">
+                <a16:creationId xmlns:a16="http://schemas.microsoft.com/office/drawing/2014/main" id="{A34D6886-353A-4F4B-894C-5D9C2174966E}"/>
+              </a:ext>
+            </a:extLst>
+          </p:cNvPr>
+          <p:cNvGrpSpPr/>
+          <p:nvPr/>
+        </p:nvGrpSpPr>
+        <p:grpSpPr>
+          <a:xfrm rot="5400000">
+            <a:off x="6424152" y="2318519"/>
+            <a:ext cx="2550955" cy="1524485"/>
+            <a:chOff x="8313415" y="1425579"/>
+            <a:chExt cx="2550955" cy="1524485"/>
+          </a:xfrm>
+        </p:grpSpPr>
+        <p:grpSp>
+          <p:nvGrpSpPr>
+            <p:cNvPr id="133" name="组合 132">
+              <a:extLst>
+                <a:ext uri="{FF2B5EF4-FFF2-40B4-BE49-F238E27FC236}">
+                  <a16:creationId xmlns:a16="http://schemas.microsoft.com/office/drawing/2014/main" id="{E91AF25C-7474-40D0-BFE6-E7D5A506D19B}"/>
+                </a:ext>
+              </a:extLst>
+            </p:cNvPr>
+            <p:cNvGrpSpPr/>
+            <p:nvPr/>
+          </p:nvGrpSpPr>
+          <p:grpSpPr>
+            <a:xfrm>
+              <a:off x="8313415" y="1940232"/>
+              <a:ext cx="576000" cy="576000"/>
+              <a:chOff x="722982" y="3756375"/>
+              <a:chExt cx="576000" cy="576000"/>
+            </a:xfrm>
+          </p:grpSpPr>
+          <p:sp>
+            <p:nvSpPr>
+              <p:cNvPr id="143" name="矩形 142">
+                <a:extLst>
+                  <a:ext uri="{FF2B5EF4-FFF2-40B4-BE49-F238E27FC236}">
+                    <a16:creationId xmlns:a16="http://schemas.microsoft.com/office/drawing/2014/main" id="{96D4353C-7600-4B9A-89A2-4E3CE4CEB248}"/>
+                  </a:ext>
+                </a:extLst>
+              </p:cNvPr>
+              <p:cNvSpPr/>
+              <p:nvPr/>
+            </p:nvSpPr>
+            <p:spPr>
+              <a:xfrm>
+                <a:off x="722982" y="3756375"/>
+                <a:ext cx="288000" cy="576000"/>
+              </a:xfrm>
+              <a:prstGeom prst="rect">
+                <a:avLst/>
+              </a:prstGeom>
+              <a:ln>
+                <a:noFill/>
+              </a:ln>
+            </p:spPr>
+            <p:style>
+              <a:lnRef idx="2">
+                <a:schemeClr val="accent6">
+                  <a:shade val="50000"/>
+                </a:schemeClr>
+              </a:lnRef>
+              <a:fillRef idx="1">
+                <a:schemeClr val="accent6"/>
+              </a:fillRef>
+              <a:effectRef idx="0">
+                <a:schemeClr val="accent6"/>
+              </a:effectRef>
+              <a:fontRef idx="minor">
+                <a:schemeClr val="lt1"/>
+              </a:fontRef>
+            </p:style>
+            <p:txBody>
+              <a:bodyPr rtlCol="0" anchor="ctr"/>
+              <a:lstStyle/>
+              <a:p>
+                <a:pPr algn="ctr"/>
+                <a:endParaRPr lang="zh-CN" altLang="en-US" sz="1100" dirty="0">
+                  <a:latin typeface="Times New Roman" panose="02020603050405020304" pitchFamily="18" charset="0"/>
+                  <a:cs typeface="Times New Roman" panose="02020603050405020304" pitchFamily="18" charset="0"/>
+                </a:endParaRPr>
+              </a:p>
+            </p:txBody>
+          </p:sp>
+          <p:sp>
+            <p:nvSpPr>
+              <p:cNvPr id="144" name="矩形 143">
+                <a:extLst>
+                  <a:ext uri="{FF2B5EF4-FFF2-40B4-BE49-F238E27FC236}">
+                    <a16:creationId xmlns:a16="http://schemas.microsoft.com/office/drawing/2014/main" id="{DB800DC4-C72E-472D-9498-F0723DF79C0A}"/>
+                  </a:ext>
+                </a:extLst>
+              </p:cNvPr>
+              <p:cNvSpPr/>
+              <p:nvPr/>
+            </p:nvSpPr>
+            <p:spPr>
+              <a:xfrm>
+                <a:off x="1010982" y="3756375"/>
+                <a:ext cx="288000" cy="576000"/>
+              </a:xfrm>
+              <a:prstGeom prst="rect">
+                <a:avLst/>
+              </a:prstGeom>
+              <a:ln>
+                <a:noFill/>
+              </a:ln>
+            </p:spPr>
+            <p:style>
+              <a:lnRef idx="2">
+                <a:schemeClr val="accent6">
+                  <a:shade val="50000"/>
+                </a:schemeClr>
+              </a:lnRef>
+              <a:fillRef idx="1">
+                <a:schemeClr val="accent6"/>
+              </a:fillRef>
+              <a:effectRef idx="0">
+                <a:schemeClr val="accent6"/>
+              </a:effectRef>
+              <a:fontRef idx="minor">
+                <a:schemeClr val="lt1"/>
+              </a:fontRef>
+            </p:style>
+            <p:txBody>
+              <a:bodyPr rtlCol="0" anchor="ctr"/>
+              <a:lstStyle/>
+              <a:p>
+                <a:pPr algn="ctr"/>
+                <a:endParaRPr lang="zh-CN" altLang="en-US" sz="1100" dirty="0">
+                  <a:latin typeface="Times New Roman" panose="02020603050405020304" pitchFamily="18" charset="0"/>
+                  <a:cs typeface="Times New Roman" panose="02020603050405020304" pitchFamily="18" charset="0"/>
+                </a:endParaRPr>
+              </a:p>
+            </p:txBody>
+          </p:sp>
+        </p:grpSp>
+        <p:grpSp>
+          <p:nvGrpSpPr>
+            <p:cNvPr id="134" name="组合 133">
+              <a:extLst>
+                <a:ext uri="{FF2B5EF4-FFF2-40B4-BE49-F238E27FC236}">
+                  <a16:creationId xmlns:a16="http://schemas.microsoft.com/office/drawing/2014/main" id="{65480A35-3E95-4C34-AAB6-D04F65D99C8E}"/>
+                </a:ext>
+              </a:extLst>
+            </p:cNvPr>
+            <p:cNvGrpSpPr/>
+            <p:nvPr/>
+          </p:nvGrpSpPr>
+          <p:grpSpPr>
+            <a:xfrm>
+              <a:off x="9141619" y="1940232"/>
+              <a:ext cx="576000" cy="576000"/>
+              <a:chOff x="1587239" y="3756375"/>
+              <a:chExt cx="576000" cy="576000"/>
+            </a:xfrm>
+          </p:grpSpPr>
+          <p:sp>
+            <p:nvSpPr>
+              <p:cNvPr id="141" name="矩形 140">
+                <a:extLst>
+                  <a:ext uri="{FF2B5EF4-FFF2-40B4-BE49-F238E27FC236}">
+                    <a16:creationId xmlns:a16="http://schemas.microsoft.com/office/drawing/2014/main" id="{F0A86D75-897B-4F0F-8B2C-83282B17D15F}"/>
+                  </a:ext>
+                </a:extLst>
+              </p:cNvPr>
+              <p:cNvSpPr/>
+              <p:nvPr/>
+            </p:nvSpPr>
+            <p:spPr>
+              <a:xfrm>
+                <a:off x="1587239" y="3756375"/>
+                <a:ext cx="288000" cy="576000"/>
+              </a:xfrm>
+              <a:prstGeom prst="rect">
+                <a:avLst/>
+              </a:prstGeom>
+              <a:ln>
+                <a:noFill/>
+              </a:ln>
+            </p:spPr>
+            <p:style>
+              <a:lnRef idx="2">
+                <a:schemeClr val="accent6">
+                  <a:shade val="50000"/>
+                </a:schemeClr>
+              </a:lnRef>
+              <a:fillRef idx="1">
+                <a:schemeClr val="accent6"/>
+              </a:fillRef>
+              <a:effectRef idx="0">
+                <a:schemeClr val="accent6"/>
+              </a:effectRef>
+              <a:fontRef idx="minor">
+                <a:schemeClr val="lt1"/>
+              </a:fontRef>
+            </p:style>
+            <p:txBody>
+              <a:bodyPr rtlCol="0" anchor="ctr"/>
+              <a:lstStyle/>
+              <a:p>
+                <a:pPr algn="ctr"/>
+                <a:endParaRPr lang="zh-CN" altLang="en-US" sz="1100" dirty="0">
+                  <a:latin typeface="Times New Roman" panose="02020603050405020304" pitchFamily="18" charset="0"/>
+                  <a:cs typeface="Times New Roman" panose="02020603050405020304" pitchFamily="18" charset="0"/>
+                </a:endParaRPr>
+              </a:p>
+            </p:txBody>
+          </p:sp>
+          <p:sp>
+            <p:nvSpPr>
+              <p:cNvPr id="142" name="矩形 141">
+                <a:extLst>
+                  <a:ext uri="{FF2B5EF4-FFF2-40B4-BE49-F238E27FC236}">
+                    <a16:creationId xmlns:a16="http://schemas.microsoft.com/office/drawing/2014/main" id="{B9426E53-4B1D-430A-ADA3-F3F61177FFB5}"/>
+                  </a:ext>
+                </a:extLst>
+              </p:cNvPr>
+              <p:cNvSpPr/>
+              <p:nvPr/>
+            </p:nvSpPr>
+            <p:spPr>
+              <a:xfrm>
+                <a:off x="1875239" y="3756375"/>
+                <a:ext cx="288000" cy="576000"/>
+              </a:xfrm>
+              <a:prstGeom prst="rect">
+                <a:avLst/>
+              </a:prstGeom>
+              <a:solidFill>
+                <a:schemeClr val="accent4">
+                  <a:lumMod val="60000"/>
+                  <a:lumOff val="40000"/>
+                </a:schemeClr>
+              </a:solidFill>
+              <a:ln>
+                <a:noFill/>
+              </a:ln>
+            </p:spPr>
+            <p:style>
+              <a:lnRef idx="2">
+                <a:schemeClr val="accent1">
+                  <a:shade val="50000"/>
+                </a:schemeClr>
+              </a:lnRef>
+              <a:fillRef idx="1">
+                <a:schemeClr val="accent1"/>
+              </a:fillRef>
+              <a:effectRef idx="0">
+                <a:schemeClr val="accent1"/>
+              </a:effectRef>
+              <a:fontRef idx="minor">
+                <a:schemeClr val="lt1"/>
+              </a:fontRef>
+            </p:style>
+            <p:txBody>
+              <a:bodyPr rtlCol="0" anchor="ctr"/>
+              <a:lstStyle/>
+              <a:p>
+                <a:pPr algn="ctr"/>
+                <a:endParaRPr lang="zh-CN" altLang="en-US" dirty="0">
+                  <a:solidFill>
+                    <a:schemeClr val="tx1"/>
+                  </a:solidFill>
+                  <a:latin typeface="Times New Roman" panose="02020603050405020304" pitchFamily="18" charset="0"/>
+                  <a:cs typeface="Times New Roman" panose="02020603050405020304" pitchFamily="18" charset="0"/>
+                </a:endParaRPr>
+              </a:p>
+            </p:txBody>
+          </p:sp>
+        </p:grpSp>
+        <p:grpSp>
+          <p:nvGrpSpPr>
+            <p:cNvPr id="135" name="组合 134">
+              <a:extLst>
+                <a:ext uri="{FF2B5EF4-FFF2-40B4-BE49-F238E27FC236}">
+                  <a16:creationId xmlns:a16="http://schemas.microsoft.com/office/drawing/2014/main" id="{2B46EC24-4A8C-4388-A77F-A03B74F62F99}"/>
+                </a:ext>
+              </a:extLst>
+            </p:cNvPr>
+            <p:cNvGrpSpPr/>
+            <p:nvPr/>
+          </p:nvGrpSpPr>
+          <p:grpSpPr>
+            <a:xfrm>
+              <a:off x="9971679" y="1940232"/>
+              <a:ext cx="576001" cy="576000"/>
+              <a:chOff x="2381246" y="3756375"/>
+              <a:chExt cx="576001" cy="576000"/>
+            </a:xfrm>
+          </p:grpSpPr>
+          <p:sp>
+            <p:nvSpPr>
+              <p:cNvPr id="139" name="矩形 138">
+                <a:extLst>
+                  <a:ext uri="{FF2B5EF4-FFF2-40B4-BE49-F238E27FC236}">
+                    <a16:creationId xmlns:a16="http://schemas.microsoft.com/office/drawing/2014/main" id="{D3FB9E0C-3499-4F72-A2EB-C5CFF4A8C83F}"/>
+                  </a:ext>
+                </a:extLst>
+              </p:cNvPr>
+              <p:cNvSpPr/>
+              <p:nvPr/>
+            </p:nvSpPr>
+            <p:spPr>
+              <a:xfrm>
+                <a:off x="2381246" y="3756375"/>
+                <a:ext cx="288000" cy="576000"/>
+              </a:xfrm>
+              <a:prstGeom prst="rect">
+                <a:avLst/>
+              </a:prstGeom>
+              <a:solidFill>
+                <a:schemeClr val="accent4">
+                  <a:lumMod val="60000"/>
+                  <a:lumOff val="40000"/>
+                </a:schemeClr>
+              </a:solidFill>
+              <a:ln>
+                <a:noFill/>
+              </a:ln>
+            </p:spPr>
+            <p:style>
+              <a:lnRef idx="2">
+                <a:schemeClr val="accent1">
+                  <a:shade val="50000"/>
+                </a:schemeClr>
+              </a:lnRef>
+              <a:fillRef idx="1">
+                <a:schemeClr val="accent1"/>
+              </a:fillRef>
+              <a:effectRef idx="0">
+                <a:schemeClr val="accent1"/>
+              </a:effectRef>
+              <a:fontRef idx="minor">
+                <a:schemeClr val="lt1"/>
+              </a:fontRef>
+            </p:style>
+            <p:txBody>
+              <a:bodyPr rtlCol="0" anchor="ctr"/>
+              <a:lstStyle/>
+              <a:p>
+                <a:pPr algn="ctr"/>
+                <a:endParaRPr lang="zh-CN" altLang="en-US" dirty="0">
+                  <a:solidFill>
+                    <a:schemeClr val="tx1"/>
+                  </a:solidFill>
+                  <a:latin typeface="Times New Roman" panose="02020603050405020304" pitchFamily="18" charset="0"/>
+                  <a:cs typeface="Times New Roman" panose="02020603050405020304" pitchFamily="18" charset="0"/>
+                </a:endParaRPr>
+              </a:p>
+            </p:txBody>
+          </p:sp>
+          <p:sp>
+            <p:nvSpPr>
+              <p:cNvPr id="140" name="矩形 139">
+                <a:extLst>
+                  <a:ext uri="{FF2B5EF4-FFF2-40B4-BE49-F238E27FC236}">
+                    <a16:creationId xmlns:a16="http://schemas.microsoft.com/office/drawing/2014/main" id="{2B8BCA26-EA91-4F84-856F-99A534EAFB73}"/>
+                  </a:ext>
+                </a:extLst>
+              </p:cNvPr>
+              <p:cNvSpPr/>
+              <p:nvPr/>
+            </p:nvSpPr>
+            <p:spPr>
+              <a:xfrm>
+                <a:off x="2669247" y="3756375"/>
+                <a:ext cx="288000" cy="576000"/>
+              </a:xfrm>
+              <a:prstGeom prst="rect">
+                <a:avLst/>
+              </a:prstGeom>
+              <a:solidFill>
+                <a:schemeClr val="accent4">
+                  <a:lumMod val="60000"/>
+                  <a:lumOff val="40000"/>
+                </a:schemeClr>
+              </a:solidFill>
+              <a:ln>
+                <a:noFill/>
+              </a:ln>
+            </p:spPr>
+            <p:style>
+              <a:lnRef idx="2">
+                <a:schemeClr val="accent1">
+                  <a:shade val="50000"/>
+                </a:schemeClr>
+              </a:lnRef>
+              <a:fillRef idx="1">
+                <a:schemeClr val="accent1"/>
+              </a:fillRef>
+              <a:effectRef idx="0">
+                <a:schemeClr val="accent1"/>
+              </a:effectRef>
+              <a:fontRef idx="minor">
+                <a:schemeClr val="lt1"/>
+              </a:fontRef>
+            </p:style>
+            <p:txBody>
+              <a:bodyPr rtlCol="0" anchor="ctr"/>
+              <a:lstStyle/>
+              <a:p>
+                <a:pPr algn="ctr"/>
+                <a:endParaRPr lang="zh-CN" altLang="en-US" dirty="0">
+                  <a:solidFill>
+                    <a:schemeClr val="tx1"/>
+                  </a:solidFill>
+                  <a:latin typeface="Times New Roman" panose="02020603050405020304" pitchFamily="18" charset="0"/>
+                  <a:cs typeface="Times New Roman" panose="02020603050405020304" pitchFamily="18" charset="0"/>
+                </a:endParaRPr>
+              </a:p>
+            </p:txBody>
+          </p:sp>
+        </p:grpSp>
+        <p:cxnSp>
+          <p:nvCxnSpPr>
+            <p:cNvPr id="136" name="直接箭头连接符 135">
+              <a:extLst>
+                <a:ext uri="{FF2B5EF4-FFF2-40B4-BE49-F238E27FC236}">
+                  <a16:creationId xmlns:a16="http://schemas.microsoft.com/office/drawing/2014/main" id="{E7C69339-DDB7-45D5-9146-0AC2FF065E84}"/>
+                </a:ext>
+              </a:extLst>
+            </p:cNvPr>
+            <p:cNvCxnSpPr>
+              <a:cxnSpLocks/>
+              <a:stCxn id="142" idx="3"/>
+              <a:endCxn id="139" idx="1"/>
+            </p:cNvCxnSpPr>
+            <p:nvPr/>
+          </p:nvCxnSpPr>
+          <p:spPr>
+            <a:xfrm rot="16200000">
+              <a:off x="9844650" y="2101202"/>
+              <a:ext cx="0" cy="254060"/>
+            </a:xfrm>
+            <a:prstGeom prst="straightConnector1">
+              <a:avLst/>
+            </a:prstGeom>
+            <a:ln w="19050">
+              <a:tailEnd type="triangle"/>
+            </a:ln>
+          </p:spPr>
+          <p:style>
+            <a:lnRef idx="1">
+              <a:schemeClr val="accent6"/>
+            </a:lnRef>
+            <a:fillRef idx="0">
+              <a:schemeClr val="accent6"/>
+            </a:fillRef>
+            <a:effectRef idx="0">
+              <a:schemeClr val="accent6"/>
+            </a:effectRef>
+            <a:fontRef idx="minor">
+              <a:schemeClr val="tx1"/>
+            </a:fontRef>
+          </p:style>
+        </p:cxnSp>
+        <p:cxnSp>
+          <p:nvCxnSpPr>
+            <p:cNvPr id="137" name="直接箭头连接符 136">
+              <a:extLst>
+                <a:ext uri="{FF2B5EF4-FFF2-40B4-BE49-F238E27FC236}">
+                  <a16:creationId xmlns:a16="http://schemas.microsoft.com/office/drawing/2014/main" id="{99B782AD-3A2F-48EE-8FA6-C039448DA29C}"/>
+                </a:ext>
+              </a:extLst>
+            </p:cNvPr>
+            <p:cNvCxnSpPr>
+              <a:endCxn id="141" idx="1"/>
+            </p:cNvCxnSpPr>
+            <p:nvPr/>
+          </p:nvCxnSpPr>
+          <p:spPr>
+            <a:xfrm>
+              <a:off x="8576722" y="2228232"/>
+              <a:ext cx="564898" cy="0"/>
+            </a:xfrm>
+            <a:prstGeom prst="straightConnector1">
+              <a:avLst/>
+            </a:prstGeom>
+            <a:ln w="19050">
+              <a:tailEnd type="triangle"/>
+            </a:ln>
+          </p:spPr>
+          <p:style>
+            <a:lnRef idx="1">
+              <a:schemeClr val="accent6"/>
+            </a:lnRef>
+            <a:fillRef idx="0">
+              <a:schemeClr val="accent6"/>
+            </a:fillRef>
+            <a:effectRef idx="0">
+              <a:schemeClr val="accent6"/>
+            </a:effectRef>
+            <a:fontRef idx="minor">
+              <a:schemeClr val="tx1"/>
+            </a:fontRef>
+          </p:style>
+        </p:cxnSp>
+        <p:sp>
+          <p:nvSpPr>
+            <p:cNvPr id="138" name="文本框 137">
+              <a:extLst>
+                <a:ext uri="{FF2B5EF4-FFF2-40B4-BE49-F238E27FC236}">
+                  <a16:creationId xmlns:a16="http://schemas.microsoft.com/office/drawing/2014/main" id="{D1378B29-3567-439E-B347-9CAB2BAE9B9C}"/>
+                </a:ext>
+              </a:extLst>
+            </p:cNvPr>
+            <p:cNvSpPr txBox="1"/>
+            <p:nvPr/>
+          </p:nvSpPr>
+          <p:spPr>
+            <a:xfrm rot="16200000">
+              <a:off x="9948239" y="2033933"/>
+              <a:ext cx="1524485" cy="307777"/>
+            </a:xfrm>
+            <a:prstGeom prst="rect">
+              <a:avLst/>
+            </a:prstGeom>
+            <a:noFill/>
+          </p:spPr>
+          <p:txBody>
+            <a:bodyPr wrap="square" rtlCol="0">
+              <a:spAutoFit/>
+            </a:bodyPr>
+            <a:lstStyle/>
+            <a:p>
+              <a:pPr algn="ctr"/>
+              <a:r>
+                <a:rPr lang="en-US" altLang="zh-CN" sz="1400" dirty="0">
+                  <a:latin typeface="Times New Roman" panose="02020603050405020304" pitchFamily="18" charset="0"/>
+                  <a:cs typeface="Times New Roman" panose="02020603050405020304" pitchFamily="18" charset="0"/>
+                </a:rPr>
+                <a:t>Total latency: 5ms</a:t>
+              </a:r>
+              <a:endParaRPr lang="zh-CN" altLang="en-US" sz="1400" dirty="0">
+                <a:latin typeface="Times New Roman" panose="02020603050405020304" pitchFamily="18" charset="0"/>
+                <a:cs typeface="Times New Roman" panose="02020603050405020304" pitchFamily="18" charset="0"/>
+              </a:endParaRPr>
+            </a:p>
+          </p:txBody>
+        </p:sp>
+      </p:grpSp>
+      <p:cxnSp>
+        <p:nvCxnSpPr>
+          <p:cNvPr id="145" name="直接箭头连接符 144">
+            <a:extLst>
+              <a:ext uri="{FF2B5EF4-FFF2-40B4-BE49-F238E27FC236}">
+                <a16:creationId xmlns:a16="http://schemas.microsoft.com/office/drawing/2014/main" id="{83DFDBAF-2595-414B-A50A-EA75E928CB5D}"/>
+              </a:ext>
+            </a:extLst>
+          </p:cNvPr>
+          <p:cNvCxnSpPr>
+            <a:cxnSpLocks/>
+          </p:cNvCxnSpPr>
+          <p:nvPr/>
+        </p:nvCxnSpPr>
+        <p:spPr>
+          <a:xfrm flipH="1">
+            <a:off x="4288632" y="958975"/>
+            <a:ext cx="1530279" cy="783302"/>
+          </a:xfrm>
+          <a:prstGeom prst="straightConnector1">
+            <a:avLst/>
+          </a:prstGeom>
+          <a:ln w="15875">
+            <a:tailEnd type="arrow"/>
+          </a:ln>
+        </p:spPr>
+        <p:style>
+          <a:lnRef idx="1">
+            <a:schemeClr val="dk1"/>
+          </a:lnRef>
+          <a:fillRef idx="0">
+            <a:schemeClr val="dk1"/>
+          </a:fillRef>
+          <a:effectRef idx="0">
+            <a:schemeClr val="dk1"/>
+          </a:effectRef>
+          <a:fontRef idx="minor">
+            <a:schemeClr val="tx1"/>
+          </a:fontRef>
+        </p:style>
+      </p:cxnSp>
+      <p:cxnSp>
+        <p:nvCxnSpPr>
+          <p:cNvPr id="146" name="直接箭头连接符 145">
+            <a:extLst>
+              <a:ext uri="{FF2B5EF4-FFF2-40B4-BE49-F238E27FC236}">
+                <a16:creationId xmlns:a16="http://schemas.microsoft.com/office/drawing/2014/main" id="{D4CF9782-8DA0-49C9-8346-26149F1CE3C9}"/>
+              </a:ext>
+            </a:extLst>
+          </p:cNvPr>
+          <p:cNvCxnSpPr/>
+          <p:nvPr/>
+        </p:nvCxnSpPr>
+        <p:spPr>
+          <a:xfrm flipH="1">
+            <a:off x="5818909" y="958975"/>
+            <a:ext cx="1" cy="827599"/>
+          </a:xfrm>
+          <a:prstGeom prst="straightConnector1">
+            <a:avLst/>
+          </a:prstGeom>
+          <a:ln w="15875">
+            <a:tailEnd type="arrow"/>
+          </a:ln>
+        </p:spPr>
+        <p:style>
+          <a:lnRef idx="1">
+            <a:schemeClr val="dk1"/>
+          </a:lnRef>
+          <a:fillRef idx="0">
+            <a:schemeClr val="dk1"/>
+          </a:fillRef>
+          <a:effectRef idx="0">
+            <a:schemeClr val="dk1"/>
+          </a:effectRef>
+          <a:fontRef idx="minor">
+            <a:schemeClr val="tx1"/>
+          </a:fontRef>
+        </p:style>
+      </p:cxnSp>
+      <p:cxnSp>
+        <p:nvCxnSpPr>
+          <p:cNvPr id="147" name="直接箭头连接符 146">
+            <a:extLst>
+              <a:ext uri="{FF2B5EF4-FFF2-40B4-BE49-F238E27FC236}">
+                <a16:creationId xmlns:a16="http://schemas.microsoft.com/office/drawing/2014/main" id="{9652D810-52DA-45E6-91A6-6EF1ED83D680}"/>
+              </a:ext>
+            </a:extLst>
+          </p:cNvPr>
+          <p:cNvCxnSpPr>
+            <a:cxnSpLocks/>
+          </p:cNvCxnSpPr>
+          <p:nvPr/>
+        </p:nvCxnSpPr>
+        <p:spPr>
+          <a:xfrm>
+            <a:off x="5815861" y="958975"/>
+            <a:ext cx="1591639" cy="783302"/>
+          </a:xfrm>
+          <a:prstGeom prst="straightConnector1">
+            <a:avLst/>
+          </a:prstGeom>
+          <a:ln w="15875">
+            <a:tailEnd type="arrow"/>
+          </a:ln>
+        </p:spPr>
+        <p:style>
+          <a:lnRef idx="1">
+            <a:schemeClr val="dk1"/>
+          </a:lnRef>
+          <a:fillRef idx="0">
+            <a:schemeClr val="dk1"/>
+          </a:fillRef>
+          <a:effectRef idx="0">
+            <a:schemeClr val="dk1"/>
+          </a:effectRef>
+          <a:fontRef idx="minor">
+            <a:schemeClr val="tx1"/>
+          </a:fontRef>
+        </p:style>
+      </p:cxnSp>
+      <p:sp>
+        <p:nvSpPr>
+          <p:cNvPr id="148" name="文本框 147">
+            <a:extLst>
+              <a:ext uri="{FF2B5EF4-FFF2-40B4-BE49-F238E27FC236}">
+                <a16:creationId xmlns:a16="http://schemas.microsoft.com/office/drawing/2014/main" id="{540D97B7-BAC4-4F88-BFB5-22421A017CFC}"/>
+              </a:ext>
+            </a:extLst>
+          </p:cNvPr>
+          <p:cNvSpPr txBox="1"/>
+          <p:nvPr/>
+        </p:nvSpPr>
+        <p:spPr>
+          <a:xfrm>
+            <a:off x="4039330" y="1110497"/>
+            <a:ext cx="913205" cy="297967"/>
+          </a:xfrm>
+          <a:prstGeom prst="rect">
+            <a:avLst/>
+          </a:prstGeom>
+          <a:noFill/>
+        </p:spPr>
+        <p:txBody>
+          <a:bodyPr wrap="square" rtlCol="0">
+            <a:spAutoFit/>
+          </a:bodyPr>
+          <a:lstStyle/>
+          <a:p>
+            <a:pPr algn="ctr">
+              <a:lnSpc>
+                <a:spcPts val="1680"/>
+              </a:lnSpc>
+            </a:pPr>
+            <a:r>
+              <a:rPr lang="en-US" altLang="zh-CN" sz="1400" dirty="0">
+                <a:latin typeface="Times New Roman" panose="02020603050405020304" pitchFamily="18" charset="0"/>
+                <a:cs typeface="Times New Roman" panose="02020603050405020304" pitchFamily="18" charset="0"/>
+              </a:rPr>
+              <a:t>Strategy 1</a:t>
+            </a:r>
+            <a:endParaRPr lang="zh-CN" altLang="en-US" sz="1400" dirty="0">
+              <a:latin typeface="Times New Roman" panose="02020603050405020304" pitchFamily="18" charset="0"/>
+              <a:cs typeface="Times New Roman" panose="02020603050405020304" pitchFamily="18" charset="0"/>
+            </a:endParaRPr>
+          </a:p>
+        </p:txBody>
+      </p:sp>
+      <p:sp>
+        <p:nvSpPr>
+          <p:cNvPr id="150" name="文本框 149">
+            <a:extLst>
+              <a:ext uri="{FF2B5EF4-FFF2-40B4-BE49-F238E27FC236}">
+                <a16:creationId xmlns:a16="http://schemas.microsoft.com/office/drawing/2014/main" id="{B683FE1F-1585-4096-99F6-E6EA7EE4D0F4}"/>
+              </a:ext>
+            </a:extLst>
+          </p:cNvPr>
+          <p:cNvSpPr txBox="1"/>
+          <p:nvPr/>
+        </p:nvSpPr>
+        <p:spPr>
+          <a:xfrm>
+            <a:off x="6633729" y="1128235"/>
+            <a:ext cx="913205" cy="297967"/>
+          </a:xfrm>
+          <a:prstGeom prst="rect">
+            <a:avLst/>
+          </a:prstGeom>
+          <a:noFill/>
+        </p:spPr>
+        <p:txBody>
+          <a:bodyPr wrap="square" rtlCol="0">
+            <a:spAutoFit/>
+          </a:bodyPr>
+          <a:lstStyle/>
+          <a:p>
+            <a:pPr algn="ctr">
+              <a:lnSpc>
+                <a:spcPts val="1680"/>
+              </a:lnSpc>
+            </a:pPr>
+            <a:r>
+              <a:rPr lang="en-US" altLang="zh-CN" sz="1400" dirty="0">
+                <a:latin typeface="Times New Roman" panose="02020603050405020304" pitchFamily="18" charset="0"/>
+                <a:cs typeface="Times New Roman" panose="02020603050405020304" pitchFamily="18" charset="0"/>
+              </a:rPr>
+              <a:t>Strategy 3</a:t>
+            </a:r>
+            <a:endParaRPr lang="zh-CN" altLang="en-US" sz="1400" dirty="0">
+              <a:latin typeface="Times New Roman" panose="02020603050405020304" pitchFamily="18" charset="0"/>
+              <a:cs typeface="Times New Roman" panose="02020603050405020304" pitchFamily="18" charset="0"/>
+            </a:endParaRPr>
+          </a:p>
+        </p:txBody>
+      </p:sp>
+      <p:grpSp>
+        <p:nvGrpSpPr>
+          <p:cNvPr id="151" name="组合 150">
+            <a:extLst>
+              <a:ext uri="{FF2B5EF4-FFF2-40B4-BE49-F238E27FC236}">
+                <a16:creationId xmlns:a16="http://schemas.microsoft.com/office/drawing/2014/main" id="{B1055108-388B-4C99-B0CB-1920D8E90BBF}"/>
+              </a:ext>
+            </a:extLst>
+          </p:cNvPr>
+          <p:cNvGrpSpPr/>
+          <p:nvPr/>
+        </p:nvGrpSpPr>
+        <p:grpSpPr>
+          <a:xfrm>
+            <a:off x="4664535" y="4834312"/>
+            <a:ext cx="1810146" cy="1939531"/>
+            <a:chOff x="663246" y="845499"/>
+            <a:chExt cx="1810146" cy="1939531"/>
+          </a:xfrm>
+        </p:grpSpPr>
+        <p:sp>
+          <p:nvSpPr>
+            <p:cNvPr id="152" name="矩形 151">
+              <a:extLst>
+                <a:ext uri="{FF2B5EF4-FFF2-40B4-BE49-F238E27FC236}">
+                  <a16:creationId xmlns:a16="http://schemas.microsoft.com/office/drawing/2014/main" id="{3B0FF78C-A244-4428-BB8D-537EA98C5A57}"/>
+                </a:ext>
+              </a:extLst>
+            </p:cNvPr>
+            <p:cNvSpPr/>
+            <p:nvPr/>
+          </p:nvSpPr>
+          <p:spPr>
+            <a:xfrm>
+              <a:off x="663246" y="867080"/>
+              <a:ext cx="1002735" cy="1917950"/>
+            </a:xfrm>
+            <a:prstGeom prst="rect">
+              <a:avLst/>
+            </a:prstGeom>
+            <a:solidFill>
+              <a:schemeClr val="bg1">
+                <a:lumMod val="85000"/>
+              </a:schemeClr>
+            </a:solidFill>
+            <a:ln>
+              <a:solidFill>
+                <a:schemeClr val="bg2"/>
+              </a:solidFill>
+            </a:ln>
+          </p:spPr>
+          <p:style>
+            <a:lnRef idx="2">
+              <a:schemeClr val="accent3">
+                <a:shade val="50000"/>
+              </a:schemeClr>
+            </a:lnRef>
+            <a:fillRef idx="1">
+              <a:schemeClr val="accent3"/>
+            </a:fillRef>
+            <a:effectRef idx="0">
+              <a:schemeClr val="accent3"/>
+            </a:effectRef>
+            <a:fontRef idx="minor">
+              <a:schemeClr val="lt1"/>
+            </a:fontRef>
+          </p:style>
+          <p:txBody>
+            <a:bodyPr rtlCol="0" anchor="ctr"/>
+            <a:lstStyle/>
+            <a:p>
+              <a:pPr algn="ctr"/>
+              <a:endParaRPr lang="zh-CN" altLang="en-US"/>
+            </a:p>
+          </p:txBody>
+        </p:sp>
+        <p:grpSp>
+          <p:nvGrpSpPr>
+            <p:cNvPr id="153" name="组合 152">
+              <a:extLst>
+                <a:ext uri="{FF2B5EF4-FFF2-40B4-BE49-F238E27FC236}">
+                  <a16:creationId xmlns:a16="http://schemas.microsoft.com/office/drawing/2014/main" id="{47251862-7485-4DD4-B624-A73249847DC5}"/>
+                </a:ext>
+              </a:extLst>
+            </p:cNvPr>
+            <p:cNvGrpSpPr/>
+            <p:nvPr/>
+          </p:nvGrpSpPr>
+          <p:grpSpPr>
+            <a:xfrm>
+              <a:off x="895832" y="1460986"/>
+              <a:ext cx="576000" cy="576000"/>
+              <a:chOff x="722982" y="4255306"/>
+              <a:chExt cx="576000" cy="576000"/>
+            </a:xfrm>
+          </p:grpSpPr>
+          <p:sp>
+            <p:nvSpPr>
+              <p:cNvPr id="163" name="矩形 162">
+                <a:extLst>
+                  <a:ext uri="{FF2B5EF4-FFF2-40B4-BE49-F238E27FC236}">
+                    <a16:creationId xmlns:a16="http://schemas.microsoft.com/office/drawing/2014/main" id="{89C116CD-BF8B-44F9-AE27-F59A11993F71}"/>
+                  </a:ext>
+                </a:extLst>
+              </p:cNvPr>
+              <p:cNvSpPr/>
+              <p:nvPr/>
+            </p:nvSpPr>
+            <p:spPr>
+              <a:xfrm>
+                <a:off x="722982" y="4255306"/>
+                <a:ext cx="288000" cy="576000"/>
+              </a:xfrm>
+              <a:prstGeom prst="rect">
+                <a:avLst/>
+              </a:prstGeom>
+              <a:ln>
+                <a:noFill/>
+              </a:ln>
+            </p:spPr>
+            <p:style>
+              <a:lnRef idx="2">
+                <a:schemeClr val="accent6">
+                  <a:shade val="50000"/>
+                </a:schemeClr>
+              </a:lnRef>
+              <a:fillRef idx="1">
+                <a:schemeClr val="accent6"/>
+              </a:fillRef>
+              <a:effectRef idx="0">
+                <a:schemeClr val="accent6"/>
+              </a:effectRef>
+              <a:fontRef idx="minor">
+                <a:schemeClr val="lt1"/>
+              </a:fontRef>
+            </p:style>
+            <p:txBody>
+              <a:bodyPr rtlCol="0" anchor="ctr"/>
+              <a:lstStyle/>
+              <a:p>
+                <a:pPr algn="ctr"/>
+                <a:endParaRPr lang="zh-CN" altLang="en-US" sz="1100" dirty="0">
+                  <a:latin typeface="Times New Roman" panose="02020603050405020304" pitchFamily="18" charset="0"/>
+                  <a:cs typeface="Times New Roman" panose="02020603050405020304" pitchFamily="18" charset="0"/>
+                </a:endParaRPr>
+              </a:p>
+            </p:txBody>
+          </p:sp>
+          <p:sp>
+            <p:nvSpPr>
+              <p:cNvPr id="164" name="矩形 163">
+                <a:extLst>
+                  <a:ext uri="{FF2B5EF4-FFF2-40B4-BE49-F238E27FC236}">
+                    <a16:creationId xmlns:a16="http://schemas.microsoft.com/office/drawing/2014/main" id="{553A596F-EC8E-4833-AA2E-38CD91D22B61}"/>
+                  </a:ext>
+                </a:extLst>
+              </p:cNvPr>
+              <p:cNvSpPr/>
+              <p:nvPr/>
+            </p:nvSpPr>
+            <p:spPr>
+              <a:xfrm>
+                <a:off x="1010982" y="4255306"/>
+                <a:ext cx="288000" cy="576000"/>
+              </a:xfrm>
+              <a:prstGeom prst="rect">
+                <a:avLst/>
+              </a:prstGeom>
+              <a:ln>
+                <a:noFill/>
+              </a:ln>
+            </p:spPr>
+            <p:style>
+              <a:lnRef idx="2">
+                <a:schemeClr val="accent6">
+                  <a:shade val="50000"/>
+                </a:schemeClr>
+              </a:lnRef>
+              <a:fillRef idx="1">
+                <a:schemeClr val="accent6"/>
+              </a:fillRef>
+              <a:effectRef idx="0">
+                <a:schemeClr val="accent6"/>
+              </a:effectRef>
+              <a:fontRef idx="minor">
+                <a:schemeClr val="lt1"/>
+              </a:fontRef>
+            </p:style>
+            <p:txBody>
+              <a:bodyPr rtlCol="0" anchor="ctr"/>
+              <a:lstStyle/>
+              <a:p>
+                <a:pPr algn="ctr"/>
+                <a:endParaRPr lang="zh-CN" altLang="en-US" sz="1100" dirty="0">
+                  <a:latin typeface="Times New Roman" panose="02020603050405020304" pitchFamily="18" charset="0"/>
+                  <a:cs typeface="Times New Roman" panose="02020603050405020304" pitchFamily="18" charset="0"/>
+                </a:endParaRPr>
+              </a:p>
+            </p:txBody>
+          </p:sp>
+        </p:grpSp>
+        <p:grpSp>
+          <p:nvGrpSpPr>
+            <p:cNvPr id="154" name="组合 153">
+              <a:extLst>
+                <a:ext uri="{FF2B5EF4-FFF2-40B4-BE49-F238E27FC236}">
+                  <a16:creationId xmlns:a16="http://schemas.microsoft.com/office/drawing/2014/main" id="{C45203B1-2CEB-48D0-B139-58BB240D2E58}"/>
+                </a:ext>
+              </a:extLst>
+            </p:cNvPr>
+            <p:cNvGrpSpPr/>
+            <p:nvPr/>
+          </p:nvGrpSpPr>
+          <p:grpSpPr>
+            <a:xfrm>
+              <a:off x="895832" y="2114055"/>
+              <a:ext cx="576000" cy="576000"/>
+              <a:chOff x="1899933" y="3756375"/>
+              <a:chExt cx="576000" cy="576000"/>
+            </a:xfrm>
+          </p:grpSpPr>
+          <p:sp>
+            <p:nvSpPr>
+              <p:cNvPr id="161" name="矩形 160">
+                <a:extLst>
+                  <a:ext uri="{FF2B5EF4-FFF2-40B4-BE49-F238E27FC236}">
+                    <a16:creationId xmlns:a16="http://schemas.microsoft.com/office/drawing/2014/main" id="{5E0C1E87-2F06-4E34-B33B-9A92CA54CDFD}"/>
+                  </a:ext>
+                </a:extLst>
+              </p:cNvPr>
+              <p:cNvSpPr/>
+              <p:nvPr/>
+            </p:nvSpPr>
+            <p:spPr>
+              <a:xfrm>
+                <a:off x="1899933" y="3756375"/>
+                <a:ext cx="288000" cy="576000"/>
+              </a:xfrm>
+              <a:prstGeom prst="rect">
+                <a:avLst/>
+              </a:prstGeom>
+              <a:ln>
+                <a:noFill/>
+              </a:ln>
+            </p:spPr>
+            <p:style>
+              <a:lnRef idx="2">
+                <a:schemeClr val="accent6">
+                  <a:shade val="50000"/>
+                </a:schemeClr>
+              </a:lnRef>
+              <a:fillRef idx="1">
+                <a:schemeClr val="accent6"/>
+              </a:fillRef>
+              <a:effectRef idx="0">
+                <a:schemeClr val="accent6"/>
+              </a:effectRef>
+              <a:fontRef idx="minor">
+                <a:schemeClr val="lt1"/>
+              </a:fontRef>
+            </p:style>
+            <p:txBody>
+              <a:bodyPr rtlCol="0" anchor="ctr"/>
+              <a:lstStyle/>
+              <a:p>
+                <a:pPr algn="ctr"/>
+                <a:endParaRPr lang="zh-CN" altLang="en-US" sz="1100" dirty="0">
+                  <a:latin typeface="Times New Roman" panose="02020603050405020304" pitchFamily="18" charset="0"/>
+                  <a:cs typeface="Times New Roman" panose="02020603050405020304" pitchFamily="18" charset="0"/>
+                </a:endParaRPr>
+              </a:p>
+            </p:txBody>
+          </p:sp>
+          <p:sp>
+            <p:nvSpPr>
+              <p:cNvPr id="162" name="矩形 161">
+                <a:extLst>
+                  <a:ext uri="{FF2B5EF4-FFF2-40B4-BE49-F238E27FC236}">
+                    <a16:creationId xmlns:a16="http://schemas.microsoft.com/office/drawing/2014/main" id="{447B41CC-BC1E-465D-9CA5-3FD560CDEF7B}"/>
+                  </a:ext>
+                </a:extLst>
+              </p:cNvPr>
+              <p:cNvSpPr/>
+              <p:nvPr/>
+            </p:nvSpPr>
+            <p:spPr>
+              <a:xfrm>
+                <a:off x="2187933" y="3756375"/>
+                <a:ext cx="288000" cy="576000"/>
+              </a:xfrm>
+              <a:prstGeom prst="rect">
+                <a:avLst/>
+              </a:prstGeom>
+              <a:solidFill>
+                <a:schemeClr val="accent4">
+                  <a:lumMod val="60000"/>
+                  <a:lumOff val="40000"/>
+                </a:schemeClr>
+              </a:solidFill>
+              <a:ln>
+                <a:noFill/>
+              </a:ln>
+            </p:spPr>
+            <p:style>
+              <a:lnRef idx="2">
+                <a:schemeClr val="accent1">
+                  <a:shade val="50000"/>
+                </a:schemeClr>
+              </a:lnRef>
+              <a:fillRef idx="1">
+                <a:schemeClr val="accent1"/>
+              </a:fillRef>
+              <a:effectRef idx="0">
+                <a:schemeClr val="accent1"/>
+              </a:effectRef>
+              <a:fontRef idx="minor">
+                <a:schemeClr val="lt1"/>
+              </a:fontRef>
+            </p:style>
+            <p:txBody>
+              <a:bodyPr rtlCol="0" anchor="ctr"/>
+              <a:lstStyle/>
+              <a:p>
+                <a:pPr algn="ctr"/>
+                <a:endParaRPr lang="zh-CN" altLang="en-US" dirty="0">
+                  <a:solidFill>
+                    <a:schemeClr val="tx1"/>
+                  </a:solidFill>
+                  <a:latin typeface="Times New Roman" panose="02020603050405020304" pitchFamily="18" charset="0"/>
+                  <a:cs typeface="Times New Roman" panose="02020603050405020304" pitchFamily="18" charset="0"/>
+                </a:endParaRPr>
+              </a:p>
+            </p:txBody>
+          </p:sp>
+        </p:grpSp>
+        <p:grpSp>
+          <p:nvGrpSpPr>
+            <p:cNvPr id="155" name="组合 154">
+              <a:extLst>
+                <a:ext uri="{FF2B5EF4-FFF2-40B4-BE49-F238E27FC236}">
+                  <a16:creationId xmlns:a16="http://schemas.microsoft.com/office/drawing/2014/main" id="{05BD908F-F761-469F-82FC-C0F045188917}"/>
+                </a:ext>
+              </a:extLst>
+            </p:cNvPr>
+            <p:cNvGrpSpPr/>
+            <p:nvPr/>
+          </p:nvGrpSpPr>
+          <p:grpSpPr>
+            <a:xfrm>
+              <a:off x="1897392" y="1753152"/>
+              <a:ext cx="576000" cy="576000"/>
+              <a:chOff x="2829065" y="3971472"/>
+              <a:chExt cx="576000" cy="576000"/>
+            </a:xfrm>
+          </p:grpSpPr>
+          <p:sp>
+            <p:nvSpPr>
+              <p:cNvPr id="159" name="矩形 158">
+                <a:extLst>
+                  <a:ext uri="{FF2B5EF4-FFF2-40B4-BE49-F238E27FC236}">
+                    <a16:creationId xmlns:a16="http://schemas.microsoft.com/office/drawing/2014/main" id="{1A163FCD-23C3-4626-8641-19DCEC8C68EF}"/>
+                  </a:ext>
+                </a:extLst>
+              </p:cNvPr>
+              <p:cNvSpPr/>
+              <p:nvPr/>
+            </p:nvSpPr>
+            <p:spPr>
+              <a:xfrm>
+                <a:off x="2829065" y="3971472"/>
+                <a:ext cx="288000" cy="576000"/>
+              </a:xfrm>
+              <a:prstGeom prst="rect">
+                <a:avLst/>
+              </a:prstGeom>
+              <a:solidFill>
+                <a:schemeClr val="accent4">
+                  <a:lumMod val="60000"/>
+                  <a:lumOff val="40000"/>
+                </a:schemeClr>
+              </a:solidFill>
+              <a:ln>
+                <a:noFill/>
+              </a:ln>
+            </p:spPr>
+            <p:style>
+              <a:lnRef idx="2">
+                <a:schemeClr val="accent1">
+                  <a:shade val="50000"/>
+                </a:schemeClr>
+              </a:lnRef>
+              <a:fillRef idx="1">
+                <a:schemeClr val="accent1"/>
+              </a:fillRef>
+              <a:effectRef idx="0">
+                <a:schemeClr val="accent1"/>
+              </a:effectRef>
+              <a:fontRef idx="minor">
+                <a:schemeClr val="lt1"/>
+              </a:fontRef>
+            </p:style>
+            <p:txBody>
+              <a:bodyPr rtlCol="0" anchor="ctr"/>
+              <a:lstStyle/>
+              <a:p>
+                <a:pPr algn="ctr"/>
+                <a:endParaRPr lang="zh-CN" altLang="en-US" dirty="0">
+                  <a:solidFill>
+                    <a:schemeClr val="tx1"/>
+                  </a:solidFill>
+                  <a:latin typeface="Times New Roman" panose="02020603050405020304" pitchFamily="18" charset="0"/>
+                  <a:cs typeface="Times New Roman" panose="02020603050405020304" pitchFamily="18" charset="0"/>
+                </a:endParaRPr>
+              </a:p>
+            </p:txBody>
+          </p:sp>
+          <p:sp>
+            <p:nvSpPr>
+              <p:cNvPr id="160" name="矩形 159">
+                <a:extLst>
+                  <a:ext uri="{FF2B5EF4-FFF2-40B4-BE49-F238E27FC236}">
+                    <a16:creationId xmlns:a16="http://schemas.microsoft.com/office/drawing/2014/main" id="{B14BFD6B-8AFD-4BC1-ABC0-9CCF89AF08C6}"/>
+                  </a:ext>
+                </a:extLst>
+              </p:cNvPr>
+              <p:cNvSpPr/>
+              <p:nvPr/>
+            </p:nvSpPr>
+            <p:spPr>
+              <a:xfrm>
+                <a:off x="3117065" y="3971472"/>
+                <a:ext cx="288000" cy="576000"/>
+              </a:xfrm>
+              <a:prstGeom prst="rect">
+                <a:avLst/>
+              </a:prstGeom>
+              <a:solidFill>
+                <a:schemeClr val="accent4">
+                  <a:lumMod val="60000"/>
+                  <a:lumOff val="40000"/>
+                </a:schemeClr>
+              </a:solidFill>
+              <a:ln>
+                <a:noFill/>
+              </a:ln>
+            </p:spPr>
+            <p:style>
+              <a:lnRef idx="2">
+                <a:schemeClr val="accent1">
+                  <a:shade val="50000"/>
+                </a:schemeClr>
+              </a:lnRef>
+              <a:fillRef idx="1">
+                <a:schemeClr val="accent1"/>
+              </a:fillRef>
+              <a:effectRef idx="0">
+                <a:schemeClr val="accent1"/>
+              </a:effectRef>
+              <a:fontRef idx="minor">
+                <a:schemeClr val="lt1"/>
+              </a:fontRef>
+            </p:style>
+            <p:txBody>
+              <a:bodyPr rtlCol="0" anchor="ctr"/>
+              <a:lstStyle/>
+              <a:p>
+                <a:pPr algn="ctr"/>
+                <a:endParaRPr lang="zh-CN" altLang="en-US" dirty="0">
+                  <a:solidFill>
+                    <a:schemeClr val="tx1"/>
+                  </a:solidFill>
+                  <a:latin typeface="Times New Roman" panose="02020603050405020304" pitchFamily="18" charset="0"/>
+                  <a:cs typeface="Times New Roman" panose="02020603050405020304" pitchFamily="18" charset="0"/>
+                </a:endParaRPr>
+              </a:p>
+            </p:txBody>
+          </p:sp>
+        </p:grpSp>
+        <p:sp>
+          <p:nvSpPr>
+            <p:cNvPr id="156" name="文本框 155">
+              <a:extLst>
+                <a:ext uri="{FF2B5EF4-FFF2-40B4-BE49-F238E27FC236}">
+                  <a16:creationId xmlns:a16="http://schemas.microsoft.com/office/drawing/2014/main" id="{EAF17B37-1419-4AC5-BE2C-16432955AB06}"/>
+                </a:ext>
+              </a:extLst>
+            </p:cNvPr>
+            <p:cNvSpPr txBox="1"/>
+            <p:nvPr/>
+          </p:nvSpPr>
+          <p:spPr>
+            <a:xfrm>
+              <a:off x="698078" y="845499"/>
+              <a:ext cx="929377" cy="523220"/>
+            </a:xfrm>
+            <a:prstGeom prst="rect">
+              <a:avLst/>
+            </a:prstGeom>
+            <a:noFill/>
+          </p:spPr>
+          <p:txBody>
+            <a:bodyPr wrap="square" rtlCol="0">
+              <a:spAutoFit/>
+            </a:bodyPr>
+            <a:lstStyle/>
+            <a:p>
+              <a:pPr algn="ctr"/>
+              <a:r>
+                <a:rPr lang="en-US" altLang="zh-CN" sz="1400" dirty="0">
+                  <a:latin typeface="Times New Roman" panose="02020603050405020304" pitchFamily="18" charset="0"/>
+                  <a:cs typeface="Times New Roman" panose="02020603050405020304" pitchFamily="18" charset="0"/>
+                </a:rPr>
+                <a:t>Running in parallel</a:t>
+              </a:r>
+              <a:endParaRPr lang="zh-CN" altLang="en-US" sz="1400" dirty="0">
+                <a:latin typeface="Times New Roman" panose="02020603050405020304" pitchFamily="18" charset="0"/>
+                <a:cs typeface="Times New Roman" panose="02020603050405020304" pitchFamily="18" charset="0"/>
+              </a:endParaRPr>
+            </a:p>
+          </p:txBody>
+        </p:sp>
+        <p:cxnSp>
+          <p:nvCxnSpPr>
+            <p:cNvPr id="157" name="直接箭头连接符 156">
+              <a:extLst>
+                <a:ext uri="{FF2B5EF4-FFF2-40B4-BE49-F238E27FC236}">
+                  <a16:creationId xmlns:a16="http://schemas.microsoft.com/office/drawing/2014/main" id="{C18220E1-8111-4D9C-B3EE-A517C311200E}"/>
+                </a:ext>
+              </a:extLst>
+            </p:cNvPr>
+            <p:cNvCxnSpPr>
+              <a:stCxn id="164" idx="3"/>
+              <a:endCxn id="159" idx="1"/>
+            </p:cNvCxnSpPr>
+            <p:nvPr/>
+          </p:nvCxnSpPr>
+          <p:spPr>
+            <a:xfrm>
+              <a:off x="1471832" y="1748986"/>
+              <a:ext cx="425560" cy="292166"/>
+            </a:xfrm>
+            <a:prstGeom prst="straightConnector1">
+              <a:avLst/>
+            </a:prstGeom>
+            <a:ln w="19050">
+              <a:tailEnd type="triangle"/>
+            </a:ln>
+          </p:spPr>
+          <p:style>
+            <a:lnRef idx="1">
+              <a:schemeClr val="accent6"/>
+            </a:lnRef>
+            <a:fillRef idx="0">
+              <a:schemeClr val="accent6"/>
+            </a:fillRef>
+            <a:effectRef idx="0">
+              <a:schemeClr val="accent6"/>
+            </a:effectRef>
+            <a:fontRef idx="minor">
+              <a:schemeClr val="tx1"/>
+            </a:fontRef>
+          </p:style>
+        </p:cxnSp>
+        <p:cxnSp>
+          <p:nvCxnSpPr>
+            <p:cNvPr id="158" name="直接箭头连接符 157">
+              <a:extLst>
+                <a:ext uri="{FF2B5EF4-FFF2-40B4-BE49-F238E27FC236}">
+                  <a16:creationId xmlns:a16="http://schemas.microsoft.com/office/drawing/2014/main" id="{97BAC545-1195-4CB8-A031-C6EF4A8295E9}"/>
+                </a:ext>
+              </a:extLst>
+            </p:cNvPr>
+            <p:cNvCxnSpPr>
+              <a:stCxn id="162" idx="3"/>
+              <a:endCxn id="159" idx="1"/>
+            </p:cNvCxnSpPr>
+            <p:nvPr/>
+          </p:nvCxnSpPr>
+          <p:spPr>
+            <a:xfrm flipV="1">
+              <a:off x="1471832" y="2041152"/>
+              <a:ext cx="425560" cy="360903"/>
+            </a:xfrm>
+            <a:prstGeom prst="straightConnector1">
+              <a:avLst/>
+            </a:prstGeom>
+            <a:ln w="19050">
+              <a:tailEnd type="triangle"/>
+            </a:ln>
+          </p:spPr>
+          <p:style>
+            <a:lnRef idx="1">
+              <a:schemeClr val="accent6"/>
+            </a:lnRef>
+            <a:fillRef idx="0">
+              <a:schemeClr val="accent6"/>
+            </a:fillRef>
+            <a:effectRef idx="0">
+              <a:schemeClr val="accent6"/>
+            </a:effectRef>
+            <a:fontRef idx="minor">
+              <a:schemeClr val="tx1"/>
+            </a:fontRef>
+          </p:style>
+        </p:cxnSp>
+      </p:grpSp>
+      <p:cxnSp>
+        <p:nvCxnSpPr>
+          <p:cNvPr id="165" name="直接箭头连接符 164">
+            <a:extLst>
+              <a:ext uri="{FF2B5EF4-FFF2-40B4-BE49-F238E27FC236}">
+                <a16:creationId xmlns:a16="http://schemas.microsoft.com/office/drawing/2014/main" id="{80D21A48-0B88-4CD7-8173-A7EA4EDE96D5}"/>
+              </a:ext>
+            </a:extLst>
+          </p:cNvPr>
+          <p:cNvCxnSpPr>
+            <a:cxnSpLocks/>
+          </p:cNvCxnSpPr>
+          <p:nvPr/>
+        </p:nvCxnSpPr>
+        <p:spPr>
+          <a:xfrm flipH="1">
+            <a:off x="5956795" y="4185093"/>
+            <a:ext cx="7179" cy="863414"/>
+          </a:xfrm>
+          <a:prstGeom prst="straightConnector1">
+            <a:avLst/>
+          </a:prstGeom>
+          <a:ln w="15875">
+            <a:tailEnd type="arrow"/>
+          </a:ln>
+        </p:spPr>
+        <p:style>
+          <a:lnRef idx="1">
+            <a:schemeClr val="dk1"/>
+          </a:lnRef>
+          <a:fillRef idx="0">
+            <a:schemeClr val="dk1"/>
+          </a:fillRef>
+          <a:effectRef idx="0">
+            <a:schemeClr val="dk1"/>
+          </a:effectRef>
+          <a:fontRef idx="minor">
+            <a:schemeClr val="tx1"/>
+          </a:fontRef>
+        </p:style>
+      </p:cxnSp>
+      <p:sp>
+        <p:nvSpPr>
+          <p:cNvPr id="85" name="文本框 84">
+            <a:extLst>
+              <a:ext uri="{FF2B5EF4-FFF2-40B4-BE49-F238E27FC236}">
+                <a16:creationId xmlns:a16="http://schemas.microsoft.com/office/drawing/2014/main" id="{01BFE5EE-1EBC-4ACA-8924-EEAE4DC5C6A9}"/>
+              </a:ext>
+            </a:extLst>
+          </p:cNvPr>
+          <p:cNvSpPr txBox="1"/>
+          <p:nvPr/>
+        </p:nvSpPr>
+        <p:spPr>
+          <a:xfrm>
+            <a:off x="4547712" y="4256915"/>
+            <a:ext cx="2468148" cy="584775"/>
+          </a:xfrm>
+          <a:prstGeom prst="rect">
+            <a:avLst/>
+          </a:prstGeom>
+          <a:solidFill>
+            <a:schemeClr val="bg1"/>
+          </a:solidFill>
+        </p:spPr>
+        <p:txBody>
+          <a:bodyPr wrap="square" rtlCol="0">
+            <a:spAutoFit/>
+          </a:bodyPr>
+          <a:lstStyle/>
+          <a:p>
+            <a:pPr algn="ctr"/>
+            <a:r>
+              <a:rPr lang="en-US" altLang="zh-CN" sz="1600" dirty="0">
+                <a:latin typeface="Times New Roman" panose="02020603050405020304" pitchFamily="18" charset="0"/>
+                <a:cs typeface="Times New Roman" panose="02020603050405020304" pitchFamily="18" charset="0"/>
+              </a:rPr>
+              <a:t>Obtain optimal solution </a:t>
+            </a:r>
+          </a:p>
+          <a:p>
+            <a:pPr algn="ctr"/>
+            <a:r>
+              <a:rPr lang="en-US" altLang="zh-CN" sz="1600" dirty="0">
+                <a:latin typeface="Times New Roman" panose="02020603050405020304" pitchFamily="18" charset="0"/>
+                <a:cs typeface="Times New Roman" panose="02020603050405020304" pitchFamily="18" charset="0"/>
+              </a:rPr>
+              <a:t>by traversing</a:t>
+            </a:r>
+            <a:endParaRPr lang="zh-CN" altLang="en-US" sz="1600" dirty="0">
+              <a:latin typeface="Times New Roman" panose="02020603050405020304" pitchFamily="18" charset="0"/>
+              <a:cs typeface="Times New Roman" panose="02020603050405020304" pitchFamily="18" charset="0"/>
+            </a:endParaRPr>
+          </a:p>
+        </p:txBody>
+      </p:sp>
+      <p:sp>
+        <p:nvSpPr>
+          <p:cNvPr id="149" name="文本框 148">
+            <a:extLst>
+              <a:ext uri="{FF2B5EF4-FFF2-40B4-BE49-F238E27FC236}">
+                <a16:creationId xmlns:a16="http://schemas.microsoft.com/office/drawing/2014/main" id="{BA7E3C4B-0545-4EB1-B8AA-936AE8815D0C}"/>
+              </a:ext>
+            </a:extLst>
+          </p:cNvPr>
+          <p:cNvSpPr txBox="1"/>
+          <p:nvPr/>
+        </p:nvSpPr>
+        <p:spPr>
+          <a:xfrm>
+            <a:off x="5365416" y="1219502"/>
+            <a:ext cx="913205" cy="297967"/>
+          </a:xfrm>
+          <a:prstGeom prst="rect">
+            <a:avLst/>
+          </a:prstGeom>
+          <a:solidFill>
+            <a:schemeClr val="bg1"/>
+          </a:solidFill>
+        </p:spPr>
+        <p:txBody>
+          <a:bodyPr wrap="square" rtlCol="0">
+            <a:spAutoFit/>
+          </a:bodyPr>
+          <a:lstStyle/>
+          <a:p>
+            <a:pPr algn="ctr">
+              <a:lnSpc>
+                <a:spcPts val="1680"/>
+              </a:lnSpc>
+            </a:pPr>
+            <a:r>
+              <a:rPr lang="en-US" altLang="zh-CN" sz="1400" dirty="0">
+                <a:latin typeface="Times New Roman" panose="02020603050405020304" pitchFamily="18" charset="0"/>
+                <a:cs typeface="Times New Roman" panose="02020603050405020304" pitchFamily="18" charset="0"/>
+              </a:rPr>
+              <a:t>Strategy 2</a:t>
+            </a:r>
+            <a:endParaRPr lang="zh-CN" altLang="en-US" sz="1400" dirty="0">
+              <a:latin typeface="Times New Roman" panose="02020603050405020304" pitchFamily="18" charset="0"/>
+              <a:cs typeface="Times New Roman" panose="02020603050405020304" pitchFamily="18" charset="0"/>
+            </a:endParaRPr>
+          </a:p>
+        </p:txBody>
+      </p:sp>
+    </p:spTree>
+    <p:extLst>
+      <p:ext uri="{BB962C8B-B14F-4D97-AF65-F5344CB8AC3E}">
+        <p14:creationId xmlns:p14="http://schemas.microsoft.com/office/powerpoint/2010/main" val="2797154610"/>
+      </p:ext>
+    </p:extLst>
+  </p:cSld>
+  <p:clrMapOvr>
+    <a:masterClrMapping/>
+  </p:clrMapOvr>
+</p:sld>
+</file>
+
+<file path=ppt/slides/slide18.xml><?xml version="1.0" encoding="utf-8"?>
+<p:sld xmlns:a="http://schemas.openxmlformats.org/drawingml/2006/main" xmlns:r="http://schemas.openxmlformats.org/officeDocument/2006/relationships" xmlns:p="http://schemas.openxmlformats.org/presentationml/2006/main">
+  <p:cSld>
+    <p:spTree>
+      <p:nvGrpSpPr>
+        <p:cNvPr id="1" name=""/>
+        <p:cNvGrpSpPr/>
+        <p:nvPr/>
+      </p:nvGrpSpPr>
+      <p:grpSpPr>
+        <a:xfrm>
+          <a:off x="0" y="0"/>
+          <a:ext cx="0" cy="0"/>
+          <a:chOff x="0" y="0"/>
+          <a:chExt cx="0" cy="0"/>
+        </a:xfrm>
+      </p:grpSpPr>
+      <p:grpSp>
+        <p:nvGrpSpPr>
+          <p:cNvPr id="7" name="组合 6"/>
+          <p:cNvGrpSpPr/>
+          <p:nvPr/>
+        </p:nvGrpSpPr>
+        <p:grpSpPr>
+          <a:xfrm>
+            <a:off x="905069" y="359232"/>
+            <a:ext cx="8510535" cy="6181525"/>
+            <a:chOff x="905069" y="359232"/>
+            <a:chExt cx="8510535" cy="6181525"/>
+          </a:xfrm>
+        </p:grpSpPr>
+        <p:grpSp>
+          <p:nvGrpSpPr>
+            <p:cNvPr id="5" name="组合 4"/>
+            <p:cNvGrpSpPr/>
+            <p:nvPr/>
+          </p:nvGrpSpPr>
+          <p:grpSpPr>
+            <a:xfrm>
+              <a:off x="905069" y="359232"/>
+              <a:ext cx="8249817" cy="6181525"/>
+              <a:chOff x="905069" y="359232"/>
+              <a:chExt cx="8249817" cy="6181525"/>
+            </a:xfrm>
+          </p:grpSpPr>
+          <p:grpSp>
+            <p:nvGrpSpPr>
+              <p:cNvPr id="3" name="组合 2"/>
+              <p:cNvGrpSpPr/>
+              <p:nvPr/>
+            </p:nvGrpSpPr>
+            <p:grpSpPr>
+              <a:xfrm>
+                <a:off x="1222310" y="2090059"/>
+                <a:ext cx="1035698" cy="2472610"/>
+                <a:chOff x="1222310" y="1268964"/>
+                <a:chExt cx="1035698" cy="2472610"/>
+              </a:xfrm>
+            </p:grpSpPr>
+            <p:sp>
+              <p:nvSpPr>
+                <p:cNvPr id="2" name="矩形 1"/>
+                <p:cNvSpPr/>
+                <p:nvPr/>
+              </p:nvSpPr>
+              <p:spPr>
+                <a:xfrm>
+                  <a:off x="1222310" y="1268964"/>
+                  <a:ext cx="1035698" cy="494522"/>
+                </a:xfrm>
+                <a:prstGeom prst="rect">
+                  <a:avLst/>
+                </a:prstGeom>
+                <a:solidFill>
+                  <a:srgbClr val="9DC3E6"/>
+                </a:solidFill>
+              </p:spPr>
+              <p:style>
+                <a:lnRef idx="2">
+                  <a:schemeClr val="accent1">
+                    <a:shade val="50000"/>
+                  </a:schemeClr>
+                </a:lnRef>
+                <a:fillRef idx="1">
+                  <a:schemeClr val="accent1"/>
+                </a:fillRef>
+                <a:effectRef idx="0">
+                  <a:schemeClr val="accent1"/>
+                </a:effectRef>
+                <a:fontRef idx="minor">
+                  <a:schemeClr val="lt1"/>
+                </a:fontRef>
+              </p:style>
+              <p:txBody>
+                <a:bodyPr rtlCol="0" anchor="ctr"/>
+                <a:lstStyle/>
+                <a:p>
+                  <a:pPr algn="ctr"/>
+                  <a:r>
+                    <a:rPr lang="en-US" altLang="zh-CN" dirty="0">
+                      <a:solidFill>
+                        <a:schemeClr val="tx1"/>
+                      </a:solidFill>
+                      <a:latin typeface="Times New Roman" panose="02020603050405020304" pitchFamily="18" charset="0"/>
+                      <a:cs typeface="Times New Roman" panose="02020603050405020304" pitchFamily="18" charset="0"/>
+                    </a:rPr>
+                    <a:t>Field A</a:t>
+                  </a:r>
+                  <a:endParaRPr lang="zh-CN" altLang="en-US" dirty="0">
+                    <a:solidFill>
+                      <a:schemeClr val="tx1"/>
+                    </a:solidFill>
+                    <a:latin typeface="Times New Roman" panose="02020603050405020304" pitchFamily="18" charset="0"/>
+                    <a:cs typeface="Times New Roman" panose="02020603050405020304" pitchFamily="18" charset="0"/>
+                  </a:endParaRPr>
+                </a:p>
+              </p:txBody>
+            </p:sp>
+            <p:sp>
+              <p:nvSpPr>
+                <p:cNvPr id="19" name="矩形 18"/>
+                <p:cNvSpPr/>
+                <p:nvPr/>
+              </p:nvSpPr>
+              <p:spPr>
+                <a:xfrm>
+                  <a:off x="1222310" y="1763486"/>
+                  <a:ext cx="1035698" cy="494522"/>
+                </a:xfrm>
+                <a:prstGeom prst="rect">
+                  <a:avLst/>
+                </a:prstGeom>
+                <a:solidFill>
+                  <a:srgbClr val="9DC3E6"/>
+                </a:solidFill>
+              </p:spPr>
+              <p:style>
+                <a:lnRef idx="2">
+                  <a:schemeClr val="accent1">
+                    <a:shade val="50000"/>
+                  </a:schemeClr>
+                </a:lnRef>
+                <a:fillRef idx="1">
+                  <a:schemeClr val="accent1"/>
+                </a:fillRef>
+                <a:effectRef idx="0">
+                  <a:schemeClr val="accent1"/>
+                </a:effectRef>
+                <a:fontRef idx="minor">
+                  <a:schemeClr val="lt1"/>
+                </a:fontRef>
+              </p:style>
+              <p:txBody>
+                <a:bodyPr rtlCol="0" anchor="ctr"/>
+                <a:lstStyle/>
+                <a:p>
+                  <a:pPr algn="ctr"/>
+                  <a:r>
+                    <a:rPr lang="en-US" altLang="zh-CN" dirty="0">
+                      <a:solidFill>
+                        <a:schemeClr val="tx1"/>
+                      </a:solidFill>
+                      <a:latin typeface="Times New Roman" panose="02020603050405020304" pitchFamily="18" charset="0"/>
+                      <a:cs typeface="Times New Roman" panose="02020603050405020304" pitchFamily="18" charset="0"/>
+                    </a:rPr>
+                    <a:t>Field B</a:t>
+                  </a:r>
+                  <a:endParaRPr lang="zh-CN" altLang="en-US" dirty="0">
+                    <a:solidFill>
+                      <a:schemeClr val="tx1"/>
+                    </a:solidFill>
+                    <a:latin typeface="Times New Roman" panose="02020603050405020304" pitchFamily="18" charset="0"/>
+                    <a:cs typeface="Times New Roman" panose="02020603050405020304" pitchFamily="18" charset="0"/>
+                  </a:endParaRPr>
+                </a:p>
+              </p:txBody>
+            </p:sp>
+            <p:sp>
+              <p:nvSpPr>
+                <p:cNvPr id="20" name="矩形 19"/>
+                <p:cNvSpPr/>
+                <p:nvPr/>
+              </p:nvSpPr>
+              <p:spPr>
+                <a:xfrm>
+                  <a:off x="1222310" y="2258008"/>
+                  <a:ext cx="1035698" cy="494522"/>
+                </a:xfrm>
+                <a:prstGeom prst="rect">
+                  <a:avLst/>
+                </a:prstGeom>
+                <a:solidFill>
+                  <a:srgbClr val="9DC3E6"/>
+                </a:solidFill>
+              </p:spPr>
+              <p:style>
+                <a:lnRef idx="2">
+                  <a:schemeClr val="accent1">
+                    <a:shade val="50000"/>
+                  </a:schemeClr>
+                </a:lnRef>
+                <a:fillRef idx="1">
+                  <a:schemeClr val="accent1"/>
+                </a:fillRef>
+                <a:effectRef idx="0">
+                  <a:schemeClr val="accent1"/>
+                </a:effectRef>
+                <a:fontRef idx="minor">
+                  <a:schemeClr val="lt1"/>
+                </a:fontRef>
+              </p:style>
+              <p:txBody>
+                <a:bodyPr rtlCol="0" anchor="ctr"/>
+                <a:lstStyle/>
+                <a:p>
+                  <a:pPr algn="ctr"/>
+                  <a:r>
+                    <a:rPr lang="en-US" altLang="zh-CN" dirty="0">
+                      <a:solidFill>
+                        <a:schemeClr val="tx1"/>
+                      </a:solidFill>
+                      <a:latin typeface="Times New Roman" panose="02020603050405020304" pitchFamily="18" charset="0"/>
+                      <a:cs typeface="Times New Roman" panose="02020603050405020304" pitchFamily="18" charset="0"/>
+                    </a:rPr>
+                    <a:t>Field C</a:t>
+                  </a:r>
+                  <a:endParaRPr lang="zh-CN" altLang="en-US" dirty="0">
+                    <a:solidFill>
+                      <a:schemeClr val="tx1"/>
+                    </a:solidFill>
+                    <a:latin typeface="Times New Roman" panose="02020603050405020304" pitchFamily="18" charset="0"/>
+                    <a:cs typeface="Times New Roman" panose="02020603050405020304" pitchFamily="18" charset="0"/>
+                  </a:endParaRPr>
+                </a:p>
+              </p:txBody>
+            </p:sp>
+            <p:sp>
+              <p:nvSpPr>
+                <p:cNvPr id="21" name="矩形 20"/>
+                <p:cNvSpPr/>
+                <p:nvPr/>
+              </p:nvSpPr>
+              <p:spPr>
+                <a:xfrm>
+                  <a:off x="1222310" y="2752531"/>
+                  <a:ext cx="1035698" cy="494522"/>
+                </a:xfrm>
+                <a:prstGeom prst="rect">
+                  <a:avLst/>
+                </a:prstGeom>
+                <a:solidFill>
+                  <a:srgbClr val="9DC3E6"/>
+                </a:solidFill>
+              </p:spPr>
+              <p:style>
+                <a:lnRef idx="2">
+                  <a:schemeClr val="accent1">
+                    <a:shade val="50000"/>
+                  </a:schemeClr>
+                </a:lnRef>
+                <a:fillRef idx="1">
+                  <a:schemeClr val="accent1"/>
+                </a:fillRef>
+                <a:effectRef idx="0">
+                  <a:schemeClr val="accent1"/>
+                </a:effectRef>
+                <a:fontRef idx="minor">
+                  <a:schemeClr val="lt1"/>
+                </a:fontRef>
+              </p:style>
+              <p:txBody>
+                <a:bodyPr rot="0" spcFirstLastPara="0" vertOverflow="overflow" horzOverflow="overflow" vert="eaVert" wrap="square" lIns="91440" tIns="45720" rIns="91440" bIns="45720" numCol="1" spcCol="0" rtlCol="0" fromWordArt="0" anchor="ctr" anchorCtr="0" forceAA="0" compatLnSpc="1">
+                  <a:prstTxWarp prst="textNoShape">
+                    <a:avLst/>
+                  </a:prstTxWarp>
+                  <a:noAutofit/>
+                </a:bodyPr>
+                <a:lstStyle/>
+                <a:p>
+                  <a:pPr algn="ctr"/>
+                  <a:r>
+                    <a:rPr lang="en-US" altLang="zh-CN" dirty="0">
+                      <a:solidFill>
+                        <a:schemeClr val="tx1"/>
+                      </a:solidFill>
+                      <a:latin typeface="Times New Roman" panose="02020603050405020304" pitchFamily="18" charset="0"/>
+                      <a:cs typeface="Times New Roman" panose="02020603050405020304" pitchFamily="18" charset="0"/>
+                    </a:rPr>
+                    <a:t>…</a:t>
+                  </a:r>
+                  <a:endParaRPr lang="zh-CN" altLang="en-US" dirty="0">
+                    <a:solidFill>
+                      <a:schemeClr val="tx1"/>
+                    </a:solidFill>
+                    <a:latin typeface="Times New Roman" panose="02020603050405020304" pitchFamily="18" charset="0"/>
+                    <a:cs typeface="Times New Roman" panose="02020603050405020304" pitchFamily="18" charset="0"/>
+                  </a:endParaRPr>
+                </a:p>
+              </p:txBody>
+            </p:sp>
+            <p:sp>
+              <p:nvSpPr>
+                <p:cNvPr id="22" name="矩形 21"/>
+                <p:cNvSpPr/>
+                <p:nvPr/>
+              </p:nvSpPr>
+              <p:spPr>
+                <a:xfrm>
+                  <a:off x="1222310" y="3247052"/>
+                  <a:ext cx="1035698" cy="494522"/>
+                </a:xfrm>
+                <a:prstGeom prst="rect">
+                  <a:avLst/>
+                </a:prstGeom>
+                <a:solidFill>
+                  <a:srgbClr val="9DC3E6"/>
+                </a:solidFill>
+              </p:spPr>
+              <p:style>
+                <a:lnRef idx="2">
+                  <a:schemeClr val="accent1">
+                    <a:shade val="50000"/>
+                  </a:schemeClr>
+                </a:lnRef>
+                <a:fillRef idx="1">
+                  <a:schemeClr val="accent1"/>
+                </a:fillRef>
+                <a:effectRef idx="0">
+                  <a:schemeClr val="accent1"/>
+                </a:effectRef>
+                <a:fontRef idx="minor">
+                  <a:schemeClr val="lt1"/>
+                </a:fontRef>
+              </p:style>
+              <p:txBody>
+                <a:bodyPr rot="0" spcFirstLastPara="0" vertOverflow="overflow" horzOverflow="overflow" vert="eaVert" wrap="square" lIns="91440" tIns="45720" rIns="91440" bIns="45720" numCol="1" spcCol="0" rtlCol="0" fromWordArt="0" anchor="ctr" anchorCtr="0" forceAA="0" compatLnSpc="1">
+                  <a:prstTxWarp prst="textNoShape">
+                    <a:avLst/>
+                  </a:prstTxWarp>
+                  <a:noAutofit/>
+                </a:bodyPr>
+                <a:lstStyle/>
+                <a:p>
+                  <a:pPr algn="ctr"/>
+                  <a:r>
+                    <a:rPr lang="en-US" altLang="zh-CN" dirty="0">
+                      <a:solidFill>
+                        <a:schemeClr val="tx1"/>
+                      </a:solidFill>
+                      <a:latin typeface="Times New Roman" panose="02020603050405020304" pitchFamily="18" charset="0"/>
+                      <a:cs typeface="Times New Roman" panose="02020603050405020304" pitchFamily="18" charset="0"/>
+                    </a:rPr>
+                    <a:t>…</a:t>
+                  </a:r>
+                  <a:endParaRPr lang="zh-CN" altLang="en-US" dirty="0">
+                    <a:solidFill>
+                      <a:schemeClr val="tx1"/>
+                    </a:solidFill>
+                    <a:latin typeface="Times New Roman" panose="02020603050405020304" pitchFamily="18" charset="0"/>
+                    <a:cs typeface="Times New Roman" panose="02020603050405020304" pitchFamily="18" charset="0"/>
+                  </a:endParaRPr>
+                </a:p>
+              </p:txBody>
+            </p:sp>
+          </p:grpSp>
+          <p:grpSp>
+            <p:nvGrpSpPr>
+              <p:cNvPr id="23" name="组合 22"/>
+              <p:cNvGrpSpPr/>
+              <p:nvPr/>
+            </p:nvGrpSpPr>
+            <p:grpSpPr>
+              <a:xfrm>
+                <a:off x="4615542" y="359232"/>
+                <a:ext cx="1035698" cy="2472610"/>
+                <a:chOff x="1222310" y="1268964"/>
+                <a:chExt cx="1035698" cy="2472610"/>
+              </a:xfrm>
+            </p:grpSpPr>
+            <p:sp>
+              <p:nvSpPr>
+                <p:cNvPr id="24" name="矩形 23"/>
+                <p:cNvSpPr/>
+                <p:nvPr/>
+              </p:nvSpPr>
+              <p:spPr>
+                <a:xfrm>
+                  <a:off x="1222310" y="1268964"/>
+                  <a:ext cx="1035698" cy="494522"/>
+                </a:xfrm>
+                <a:prstGeom prst="rect">
+                  <a:avLst/>
+                </a:prstGeom>
+                <a:solidFill>
+                  <a:schemeClr val="accent2">
+                    <a:lumMod val="60000"/>
+                    <a:lumOff val="40000"/>
+                  </a:schemeClr>
+                </a:solidFill>
+              </p:spPr>
+              <p:style>
+                <a:lnRef idx="2">
+                  <a:schemeClr val="accent1">
+                    <a:shade val="50000"/>
+                  </a:schemeClr>
+                </a:lnRef>
+                <a:fillRef idx="1">
+                  <a:schemeClr val="accent1"/>
+                </a:fillRef>
+                <a:effectRef idx="0">
+                  <a:schemeClr val="accent1"/>
+                </a:effectRef>
+                <a:fontRef idx="minor">
+                  <a:schemeClr val="lt1"/>
+                </a:fontRef>
+              </p:style>
+              <p:txBody>
+                <a:bodyPr rtlCol="0" anchor="ctr"/>
+                <a:lstStyle/>
+                <a:p>
+                  <a:pPr algn="ctr"/>
+                  <a:r>
+                    <a:rPr lang="en-US" altLang="zh-CN" dirty="0">
+                      <a:solidFill>
+                        <a:schemeClr val="tx1"/>
+                      </a:solidFill>
+                      <a:latin typeface="Times New Roman" panose="02020603050405020304" pitchFamily="18" charset="0"/>
+                      <a:cs typeface="Times New Roman" panose="02020603050405020304" pitchFamily="18" charset="0"/>
+                    </a:rPr>
+                    <a:t>Field A</a:t>
+                  </a:r>
+                  <a:r>
+                    <a:rPr lang="en-US" altLang="zh-CN" baseline="-25000" dirty="0">
+                      <a:solidFill>
+                        <a:schemeClr val="tx1"/>
+                      </a:solidFill>
+                      <a:latin typeface="Times New Roman" panose="02020603050405020304" pitchFamily="18" charset="0"/>
+                      <a:cs typeface="Times New Roman" panose="02020603050405020304" pitchFamily="18" charset="0"/>
+                    </a:rPr>
+                    <a:t>1</a:t>
+                  </a:r>
+                  <a:endParaRPr lang="zh-CN" altLang="en-US" baseline="-25000" dirty="0">
+                    <a:solidFill>
+                      <a:schemeClr val="tx1"/>
+                    </a:solidFill>
+                    <a:latin typeface="Times New Roman" panose="02020603050405020304" pitchFamily="18" charset="0"/>
+                    <a:cs typeface="Times New Roman" panose="02020603050405020304" pitchFamily="18" charset="0"/>
+                  </a:endParaRPr>
+                </a:p>
+              </p:txBody>
+            </p:sp>
+            <p:sp>
+              <p:nvSpPr>
+                <p:cNvPr id="25" name="矩形 24"/>
+                <p:cNvSpPr/>
+                <p:nvPr/>
+              </p:nvSpPr>
+              <p:spPr>
+                <a:xfrm>
+                  <a:off x="1222310" y="1763486"/>
+                  <a:ext cx="1035698" cy="494522"/>
+                </a:xfrm>
+                <a:prstGeom prst="rect">
+                  <a:avLst/>
+                </a:prstGeom>
+                <a:solidFill>
+                  <a:srgbClr val="9DC3E6"/>
+                </a:solidFill>
+              </p:spPr>
+              <p:style>
+                <a:lnRef idx="2">
+                  <a:schemeClr val="accent1">
+                    <a:shade val="50000"/>
+                  </a:schemeClr>
+                </a:lnRef>
+                <a:fillRef idx="1">
+                  <a:schemeClr val="accent1"/>
+                </a:fillRef>
+                <a:effectRef idx="0">
+                  <a:schemeClr val="accent1"/>
+                </a:effectRef>
+                <a:fontRef idx="minor">
+                  <a:schemeClr val="lt1"/>
+                </a:fontRef>
+              </p:style>
+              <p:txBody>
+                <a:bodyPr rtlCol="0" anchor="ctr"/>
+                <a:lstStyle/>
+                <a:p>
+                  <a:pPr algn="ctr"/>
+                  <a:r>
+                    <a:rPr lang="en-US" altLang="zh-CN" dirty="0">
+                      <a:solidFill>
+                        <a:schemeClr val="tx1"/>
+                      </a:solidFill>
+                      <a:latin typeface="Times New Roman" panose="02020603050405020304" pitchFamily="18" charset="0"/>
+                      <a:cs typeface="Times New Roman" panose="02020603050405020304" pitchFamily="18" charset="0"/>
+                    </a:rPr>
+                    <a:t>Field B</a:t>
+                  </a:r>
+                  <a:endParaRPr lang="zh-CN" altLang="en-US" dirty="0">
+                    <a:solidFill>
+                      <a:schemeClr val="tx1"/>
+                    </a:solidFill>
+                    <a:latin typeface="Times New Roman" panose="02020603050405020304" pitchFamily="18" charset="0"/>
+                    <a:cs typeface="Times New Roman" panose="02020603050405020304" pitchFamily="18" charset="0"/>
+                  </a:endParaRPr>
+                </a:p>
+              </p:txBody>
+            </p:sp>
+            <p:sp>
+              <p:nvSpPr>
+                <p:cNvPr id="26" name="矩形 25"/>
+                <p:cNvSpPr/>
+                <p:nvPr/>
+              </p:nvSpPr>
+              <p:spPr>
+                <a:xfrm>
+                  <a:off x="1222310" y="2258008"/>
+                  <a:ext cx="1035698" cy="494522"/>
+                </a:xfrm>
+                <a:prstGeom prst="rect">
+                  <a:avLst/>
+                </a:prstGeom>
+                <a:solidFill>
+                  <a:schemeClr val="accent2">
+                    <a:lumMod val="60000"/>
+                    <a:lumOff val="40000"/>
+                  </a:schemeClr>
+                </a:solidFill>
+              </p:spPr>
+              <p:style>
+                <a:lnRef idx="2">
+                  <a:schemeClr val="accent1">
+                    <a:shade val="50000"/>
+                  </a:schemeClr>
+                </a:lnRef>
+                <a:fillRef idx="1">
+                  <a:schemeClr val="accent1"/>
+                </a:fillRef>
+                <a:effectRef idx="0">
+                  <a:schemeClr val="accent1"/>
+                </a:effectRef>
+                <a:fontRef idx="minor">
+                  <a:schemeClr val="lt1"/>
+                </a:fontRef>
+              </p:style>
+              <p:txBody>
+                <a:bodyPr rtlCol="0" anchor="ctr"/>
+                <a:lstStyle/>
+                <a:p>
+                  <a:pPr algn="ctr"/>
+                  <a:r>
+                    <a:rPr lang="en-US" altLang="zh-CN" dirty="0">
+                      <a:solidFill>
+                        <a:schemeClr val="tx1"/>
+                      </a:solidFill>
+                      <a:latin typeface="Times New Roman" panose="02020603050405020304" pitchFamily="18" charset="0"/>
+                      <a:cs typeface="Times New Roman" panose="02020603050405020304" pitchFamily="18" charset="0"/>
+                    </a:rPr>
+                    <a:t>Field C</a:t>
+                  </a:r>
+                  <a:r>
+                    <a:rPr lang="en-US" altLang="zh-CN" baseline="-25000" dirty="0">
+                      <a:solidFill>
+                        <a:schemeClr val="tx1"/>
+                      </a:solidFill>
+                      <a:latin typeface="Times New Roman" panose="02020603050405020304" pitchFamily="18" charset="0"/>
+                      <a:cs typeface="Times New Roman" panose="02020603050405020304" pitchFamily="18" charset="0"/>
+                    </a:rPr>
+                    <a:t>1</a:t>
+                  </a:r>
+                  <a:endParaRPr lang="zh-CN" altLang="en-US" baseline="-25000" dirty="0">
+                    <a:solidFill>
+                      <a:schemeClr val="tx1"/>
+                    </a:solidFill>
+                    <a:latin typeface="Times New Roman" panose="02020603050405020304" pitchFamily="18" charset="0"/>
+                    <a:cs typeface="Times New Roman" panose="02020603050405020304" pitchFamily="18" charset="0"/>
+                  </a:endParaRPr>
+                </a:p>
+              </p:txBody>
+            </p:sp>
+            <p:sp>
+              <p:nvSpPr>
+                <p:cNvPr id="27" name="矩形 26"/>
+                <p:cNvSpPr/>
+                <p:nvPr/>
+              </p:nvSpPr>
+              <p:spPr>
+                <a:xfrm>
+                  <a:off x="1222310" y="2752531"/>
+                  <a:ext cx="1035698" cy="494522"/>
+                </a:xfrm>
+                <a:prstGeom prst="rect">
+                  <a:avLst/>
+                </a:prstGeom>
+                <a:solidFill>
+                  <a:srgbClr val="9DC3E6"/>
+                </a:solidFill>
+              </p:spPr>
+              <p:style>
+                <a:lnRef idx="2">
+                  <a:schemeClr val="accent1">
+                    <a:shade val="50000"/>
+                  </a:schemeClr>
+                </a:lnRef>
+                <a:fillRef idx="1">
+                  <a:schemeClr val="accent1"/>
+                </a:fillRef>
+                <a:effectRef idx="0">
+                  <a:schemeClr val="accent1"/>
+                </a:effectRef>
+                <a:fontRef idx="minor">
+                  <a:schemeClr val="lt1"/>
+                </a:fontRef>
+              </p:style>
+              <p:txBody>
+                <a:bodyPr rot="0" spcFirstLastPara="0" vertOverflow="overflow" horzOverflow="overflow" vert="eaVert" wrap="square" lIns="91440" tIns="45720" rIns="91440" bIns="45720" numCol="1" spcCol="0" rtlCol="0" fromWordArt="0" anchor="ctr" anchorCtr="0" forceAA="0" compatLnSpc="1">
+                  <a:prstTxWarp prst="textNoShape">
+                    <a:avLst/>
+                  </a:prstTxWarp>
+                  <a:noAutofit/>
+                </a:bodyPr>
+                <a:lstStyle/>
+                <a:p>
+                  <a:pPr algn="ctr"/>
+                  <a:r>
+                    <a:rPr lang="en-US" altLang="zh-CN" dirty="0">
+                      <a:solidFill>
+                        <a:schemeClr val="tx1"/>
+                      </a:solidFill>
+                      <a:latin typeface="Times New Roman" panose="02020603050405020304" pitchFamily="18" charset="0"/>
+                      <a:cs typeface="Times New Roman" panose="02020603050405020304" pitchFamily="18" charset="0"/>
+                    </a:rPr>
+                    <a:t>…</a:t>
+                  </a:r>
+                  <a:endParaRPr lang="zh-CN" altLang="en-US" dirty="0">
+                    <a:solidFill>
+                      <a:schemeClr val="tx1"/>
+                    </a:solidFill>
+                    <a:latin typeface="Times New Roman" panose="02020603050405020304" pitchFamily="18" charset="0"/>
+                    <a:cs typeface="Times New Roman" panose="02020603050405020304" pitchFamily="18" charset="0"/>
+                  </a:endParaRPr>
+                </a:p>
+              </p:txBody>
+            </p:sp>
+            <p:sp>
+              <p:nvSpPr>
+                <p:cNvPr id="28" name="矩形 27"/>
+                <p:cNvSpPr/>
+                <p:nvPr/>
+              </p:nvSpPr>
+              <p:spPr>
+                <a:xfrm>
+                  <a:off x="1222310" y="3247052"/>
+                  <a:ext cx="1035698" cy="494522"/>
+                </a:xfrm>
+                <a:prstGeom prst="rect">
+                  <a:avLst/>
+                </a:prstGeom>
+                <a:solidFill>
+                  <a:srgbClr val="9DC3E6"/>
+                </a:solidFill>
+              </p:spPr>
+              <p:style>
+                <a:lnRef idx="2">
+                  <a:schemeClr val="accent1">
+                    <a:shade val="50000"/>
+                  </a:schemeClr>
+                </a:lnRef>
+                <a:fillRef idx="1">
+                  <a:schemeClr val="accent1"/>
+                </a:fillRef>
+                <a:effectRef idx="0">
+                  <a:schemeClr val="accent1"/>
+                </a:effectRef>
+                <a:fontRef idx="minor">
+                  <a:schemeClr val="lt1"/>
+                </a:fontRef>
+              </p:style>
+              <p:txBody>
+                <a:bodyPr rot="0" spcFirstLastPara="0" vertOverflow="overflow" horzOverflow="overflow" vert="eaVert" wrap="square" lIns="91440" tIns="45720" rIns="91440" bIns="45720" numCol="1" spcCol="0" rtlCol="0" fromWordArt="0" anchor="ctr" anchorCtr="0" forceAA="0" compatLnSpc="1">
+                  <a:prstTxWarp prst="textNoShape">
+                    <a:avLst/>
+                  </a:prstTxWarp>
+                  <a:noAutofit/>
+                </a:bodyPr>
+                <a:lstStyle/>
+                <a:p>
+                  <a:pPr algn="ctr"/>
+                  <a:r>
+                    <a:rPr lang="en-US" altLang="zh-CN" dirty="0">
+                      <a:solidFill>
+                        <a:schemeClr val="tx1"/>
+                      </a:solidFill>
+                      <a:latin typeface="Times New Roman" panose="02020603050405020304" pitchFamily="18" charset="0"/>
+                      <a:cs typeface="Times New Roman" panose="02020603050405020304" pitchFamily="18" charset="0"/>
+                    </a:rPr>
+                    <a:t>…</a:t>
+                  </a:r>
+                  <a:endParaRPr lang="zh-CN" altLang="en-US" dirty="0">
+                    <a:solidFill>
+                      <a:schemeClr val="tx1"/>
+                    </a:solidFill>
+                    <a:latin typeface="Times New Roman" panose="02020603050405020304" pitchFamily="18" charset="0"/>
+                    <a:cs typeface="Times New Roman" panose="02020603050405020304" pitchFamily="18" charset="0"/>
+                  </a:endParaRPr>
+                </a:p>
+              </p:txBody>
+            </p:sp>
+          </p:grpSp>
+          <p:grpSp>
+            <p:nvGrpSpPr>
+              <p:cNvPr id="4" name="组合 3"/>
+              <p:cNvGrpSpPr/>
+              <p:nvPr/>
+            </p:nvGrpSpPr>
+            <p:grpSpPr>
+              <a:xfrm>
+                <a:off x="4615542" y="3573625"/>
+                <a:ext cx="1035698" cy="2967132"/>
+                <a:chOff x="4204995" y="3900196"/>
+                <a:chExt cx="1035698" cy="2967132"/>
+              </a:xfrm>
+            </p:grpSpPr>
+            <p:grpSp>
+              <p:nvGrpSpPr>
+                <p:cNvPr id="29" name="组合 28"/>
+                <p:cNvGrpSpPr/>
+                <p:nvPr/>
+              </p:nvGrpSpPr>
+              <p:grpSpPr>
+                <a:xfrm>
+                  <a:off x="4204995" y="3900196"/>
+                  <a:ext cx="1035698" cy="2472610"/>
+                  <a:chOff x="1222310" y="1268964"/>
+                  <a:chExt cx="1035698" cy="2472610"/>
+                </a:xfrm>
+              </p:grpSpPr>
+              <p:sp>
+                <p:nvSpPr>
+                  <p:cNvPr id="30" name="矩形 29"/>
+                  <p:cNvSpPr/>
+                  <p:nvPr/>
+                </p:nvSpPr>
+                <p:spPr>
+                  <a:xfrm>
+                    <a:off x="1222310" y="1268964"/>
+                    <a:ext cx="1035698" cy="494522"/>
+                  </a:xfrm>
+                  <a:prstGeom prst="rect">
+                    <a:avLst/>
+                  </a:prstGeom>
+                  <a:solidFill>
+                    <a:schemeClr val="accent4">
+                      <a:lumMod val="60000"/>
+                      <a:lumOff val="40000"/>
+                    </a:schemeClr>
+                  </a:solidFill>
+                </p:spPr>
+                <p:style>
+                  <a:lnRef idx="2">
+                    <a:schemeClr val="accent1">
+                      <a:shade val="50000"/>
+                    </a:schemeClr>
+                  </a:lnRef>
+                  <a:fillRef idx="1">
+                    <a:schemeClr val="accent1"/>
+                  </a:fillRef>
+                  <a:effectRef idx="0">
+                    <a:schemeClr val="accent1"/>
+                  </a:effectRef>
+                  <a:fontRef idx="minor">
+                    <a:schemeClr val="lt1"/>
+                  </a:fontRef>
+                </p:style>
+                <p:txBody>
+                  <a:bodyPr rtlCol="0" anchor="ctr"/>
+                  <a:lstStyle/>
+                  <a:p>
+                    <a:pPr algn="ctr"/>
+                    <a:r>
+                      <a:rPr lang="en-US" altLang="zh-CN" dirty="0">
+                        <a:solidFill>
+                          <a:schemeClr val="tx1"/>
+                        </a:solidFill>
+                        <a:latin typeface="Times New Roman" panose="02020603050405020304" pitchFamily="18" charset="0"/>
+                        <a:cs typeface="Times New Roman" panose="02020603050405020304" pitchFamily="18" charset="0"/>
+                      </a:rPr>
+                      <a:t>Field A</a:t>
+                    </a:r>
+                    <a:r>
+                      <a:rPr lang="en-US" altLang="zh-CN" baseline="-25000" dirty="0">
+                        <a:solidFill>
+                          <a:schemeClr val="tx1"/>
+                        </a:solidFill>
+                        <a:latin typeface="Times New Roman" panose="02020603050405020304" pitchFamily="18" charset="0"/>
+                        <a:cs typeface="Times New Roman" panose="02020603050405020304" pitchFamily="18" charset="0"/>
+                      </a:rPr>
+                      <a:t>2</a:t>
+                    </a:r>
+                    <a:endParaRPr lang="zh-CN" altLang="en-US" baseline="-25000" dirty="0">
+                      <a:solidFill>
+                        <a:schemeClr val="tx1"/>
+                      </a:solidFill>
+                      <a:latin typeface="Times New Roman" panose="02020603050405020304" pitchFamily="18" charset="0"/>
+                      <a:cs typeface="Times New Roman" panose="02020603050405020304" pitchFamily="18" charset="0"/>
+                    </a:endParaRPr>
+                  </a:p>
+                </p:txBody>
+              </p:sp>
+              <p:sp>
+                <p:nvSpPr>
+                  <p:cNvPr id="31" name="矩形 30"/>
+                  <p:cNvSpPr/>
+                  <p:nvPr/>
+                </p:nvSpPr>
+                <p:spPr>
+                  <a:xfrm>
+                    <a:off x="1222310" y="1763486"/>
+                    <a:ext cx="1035698" cy="494522"/>
+                  </a:xfrm>
+                  <a:prstGeom prst="rect">
+                    <a:avLst/>
+                  </a:prstGeom>
+                  <a:pattFill prst="wdDnDiag">
+                    <a:fgClr>
+                      <a:schemeClr val="bg1">
+                        <a:lumMod val="75000"/>
+                      </a:schemeClr>
+                    </a:fgClr>
+                    <a:bgClr>
+                      <a:schemeClr val="bg1"/>
+                    </a:bgClr>
+                  </a:pattFill>
+                </p:spPr>
+                <p:style>
+                  <a:lnRef idx="2">
+                    <a:schemeClr val="accent3">
+                      <a:shade val="50000"/>
+                    </a:schemeClr>
+                  </a:lnRef>
+                  <a:fillRef idx="1">
+                    <a:schemeClr val="accent3"/>
+                  </a:fillRef>
+                  <a:effectRef idx="0">
+                    <a:schemeClr val="accent3"/>
+                  </a:effectRef>
+                  <a:fontRef idx="minor">
+                    <a:schemeClr val="lt1"/>
+                  </a:fontRef>
+                </p:style>
+                <p:txBody>
+                  <a:bodyPr rtlCol="0" anchor="ctr"/>
+                  <a:lstStyle/>
+                  <a:p>
+                    <a:pPr algn="ctr"/>
+                    <a:r>
+                      <a:rPr lang="en-US" altLang="zh-CN" dirty="0">
+                        <a:solidFill>
+                          <a:schemeClr val="tx1"/>
+                        </a:solidFill>
+                        <a:latin typeface="Times New Roman" panose="02020603050405020304" pitchFamily="18" charset="0"/>
+                        <a:cs typeface="Times New Roman" panose="02020603050405020304" pitchFamily="18" charset="0"/>
+                      </a:rPr>
+                      <a:t>Field B</a:t>
+                    </a:r>
+                    <a:endParaRPr lang="zh-CN" altLang="en-US" dirty="0">
+                      <a:solidFill>
+                        <a:schemeClr val="tx1"/>
+                      </a:solidFill>
+                      <a:latin typeface="Times New Roman" panose="02020603050405020304" pitchFamily="18" charset="0"/>
+                      <a:cs typeface="Times New Roman" panose="02020603050405020304" pitchFamily="18" charset="0"/>
+                    </a:endParaRPr>
+                  </a:p>
+                </p:txBody>
+              </p:sp>
+              <p:sp>
+                <p:nvSpPr>
+                  <p:cNvPr id="32" name="矩形 31"/>
+                  <p:cNvSpPr/>
+                  <p:nvPr/>
+                </p:nvSpPr>
+                <p:spPr>
+                  <a:xfrm>
+                    <a:off x="1222310" y="2258008"/>
+                    <a:ext cx="1035698" cy="494522"/>
+                  </a:xfrm>
+                  <a:prstGeom prst="rect">
+                    <a:avLst/>
+                  </a:prstGeom>
+                  <a:solidFill>
+                    <a:srgbClr val="9DC3E6"/>
+                  </a:solidFill>
+                </p:spPr>
+                <p:style>
+                  <a:lnRef idx="2">
+                    <a:schemeClr val="accent1">
+                      <a:shade val="50000"/>
+                    </a:schemeClr>
+                  </a:lnRef>
+                  <a:fillRef idx="1">
+                    <a:schemeClr val="accent1"/>
+                  </a:fillRef>
+                  <a:effectRef idx="0">
+                    <a:schemeClr val="accent1"/>
+                  </a:effectRef>
+                  <a:fontRef idx="minor">
+                    <a:schemeClr val="lt1"/>
+                  </a:fontRef>
+                </p:style>
+                <p:txBody>
+                  <a:bodyPr rtlCol="0" anchor="ctr"/>
+                  <a:lstStyle/>
+                  <a:p>
+                    <a:pPr algn="ctr"/>
+                    <a:r>
+                      <a:rPr lang="en-US" altLang="zh-CN" dirty="0">
+                        <a:solidFill>
+                          <a:schemeClr val="tx1"/>
+                        </a:solidFill>
+                        <a:latin typeface="Times New Roman" panose="02020603050405020304" pitchFamily="18" charset="0"/>
+                        <a:cs typeface="Times New Roman" panose="02020603050405020304" pitchFamily="18" charset="0"/>
+                      </a:rPr>
+                      <a:t>Field C</a:t>
+                    </a:r>
+                    <a:endParaRPr lang="zh-CN" altLang="en-US" dirty="0">
+                      <a:solidFill>
+                        <a:schemeClr val="tx1"/>
+                      </a:solidFill>
+                      <a:latin typeface="Times New Roman" panose="02020603050405020304" pitchFamily="18" charset="0"/>
+                      <a:cs typeface="Times New Roman" panose="02020603050405020304" pitchFamily="18" charset="0"/>
+                    </a:endParaRPr>
+                  </a:p>
+                </p:txBody>
+              </p:sp>
+              <p:sp>
+                <p:nvSpPr>
+                  <p:cNvPr id="33" name="矩形 32"/>
+                  <p:cNvSpPr/>
+                  <p:nvPr/>
+                </p:nvSpPr>
+                <p:spPr>
+                  <a:xfrm>
+                    <a:off x="1222310" y="2752531"/>
+                    <a:ext cx="1035698" cy="494522"/>
+                  </a:xfrm>
+                  <a:prstGeom prst="rect">
+                    <a:avLst/>
+                  </a:prstGeom>
+                  <a:solidFill>
+                    <a:schemeClr val="accent6">
+                      <a:lumMod val="60000"/>
+                      <a:lumOff val="40000"/>
+                    </a:schemeClr>
+                  </a:solidFill>
+                </p:spPr>
+                <p:style>
+                  <a:lnRef idx="2">
+                    <a:schemeClr val="accent1">
+                      <a:shade val="50000"/>
+                    </a:schemeClr>
+                  </a:lnRef>
+                  <a:fillRef idx="1">
+                    <a:schemeClr val="accent1"/>
+                  </a:fillRef>
+                  <a:effectRef idx="0">
+                    <a:schemeClr val="accent1"/>
+                  </a:effectRef>
+                  <a:fontRef idx="minor">
+                    <a:schemeClr val="lt1"/>
+                  </a:fontRef>
+                </p:style>
+                <p:txBody>
+                  <a:bodyPr rot="0" spcFirstLastPara="0" vertOverflow="overflow" horzOverflow="overflow" vert="horz" wrap="square" lIns="91440" tIns="45720" rIns="91440" bIns="45720" numCol="1" spcCol="0" rtlCol="0" fromWordArt="0" anchor="ctr" anchorCtr="0" forceAA="0" compatLnSpc="1">
+                    <a:prstTxWarp prst="textNoShape">
+                      <a:avLst/>
+                    </a:prstTxWarp>
+                    <a:noAutofit/>
+                  </a:bodyPr>
+                  <a:lstStyle/>
+                  <a:p>
+                    <a:pPr algn="ctr"/>
+                    <a:r>
+                      <a:rPr lang="en-US" altLang="zh-CN" dirty="0">
+                        <a:solidFill>
+                          <a:schemeClr val="tx1"/>
+                        </a:solidFill>
+                        <a:latin typeface="Times New Roman" panose="02020603050405020304" pitchFamily="18" charset="0"/>
+                        <a:cs typeface="Times New Roman" panose="02020603050405020304" pitchFamily="18" charset="0"/>
+                      </a:rPr>
+                      <a:t>Field D</a:t>
+                    </a:r>
+                    <a:endParaRPr lang="zh-CN" altLang="en-US" dirty="0">
+                      <a:solidFill>
+                        <a:schemeClr val="tx1"/>
+                      </a:solidFill>
+                      <a:latin typeface="Times New Roman" panose="02020603050405020304" pitchFamily="18" charset="0"/>
+                      <a:cs typeface="Times New Roman" panose="02020603050405020304" pitchFamily="18" charset="0"/>
+                    </a:endParaRPr>
+                  </a:p>
+                </p:txBody>
+              </p:sp>
+              <p:sp>
+                <p:nvSpPr>
+                  <p:cNvPr id="34" name="矩形 33"/>
+                  <p:cNvSpPr/>
+                  <p:nvPr/>
+                </p:nvSpPr>
+                <p:spPr>
+                  <a:xfrm>
+                    <a:off x="1222310" y="3247052"/>
+                    <a:ext cx="1035698" cy="494522"/>
+                  </a:xfrm>
+                  <a:prstGeom prst="rect">
+                    <a:avLst/>
+                  </a:prstGeom>
+                  <a:solidFill>
+                    <a:srgbClr val="9DC3E6"/>
+                  </a:solidFill>
+                </p:spPr>
+                <p:style>
+                  <a:lnRef idx="2">
+                    <a:schemeClr val="accent1">
+                      <a:shade val="50000"/>
+                    </a:schemeClr>
+                  </a:lnRef>
+                  <a:fillRef idx="1">
+                    <a:schemeClr val="accent1"/>
+                  </a:fillRef>
+                  <a:effectRef idx="0">
+                    <a:schemeClr val="accent1"/>
+                  </a:effectRef>
+                  <a:fontRef idx="minor">
+                    <a:schemeClr val="lt1"/>
+                  </a:fontRef>
+                </p:style>
+                <p:txBody>
+                  <a:bodyPr rot="0" spcFirstLastPara="0" vertOverflow="overflow" horzOverflow="overflow" vert="eaVert" wrap="square" lIns="91440" tIns="45720" rIns="91440" bIns="45720" numCol="1" spcCol="0" rtlCol="0" fromWordArt="0" anchor="ctr" anchorCtr="0" forceAA="0" compatLnSpc="1">
+                    <a:prstTxWarp prst="textNoShape">
+                      <a:avLst/>
+                    </a:prstTxWarp>
+                    <a:noAutofit/>
+                  </a:bodyPr>
+                  <a:lstStyle/>
+                  <a:p>
+                    <a:pPr algn="ctr"/>
+                    <a:r>
+                      <a:rPr lang="en-US" altLang="zh-CN" dirty="0">
+                        <a:solidFill>
+                          <a:schemeClr val="tx1"/>
+                        </a:solidFill>
+                        <a:latin typeface="Times New Roman" panose="02020603050405020304" pitchFamily="18" charset="0"/>
+                        <a:cs typeface="Times New Roman" panose="02020603050405020304" pitchFamily="18" charset="0"/>
+                      </a:rPr>
+                      <a:t>…</a:t>
+                    </a:r>
+                    <a:endParaRPr lang="zh-CN" altLang="en-US" dirty="0">
+                      <a:solidFill>
+                        <a:schemeClr val="tx1"/>
+                      </a:solidFill>
+                      <a:latin typeface="Times New Roman" panose="02020603050405020304" pitchFamily="18" charset="0"/>
+                      <a:cs typeface="Times New Roman" panose="02020603050405020304" pitchFamily="18" charset="0"/>
+                    </a:endParaRPr>
+                  </a:p>
+                </p:txBody>
+              </p:sp>
+            </p:grpSp>
+            <p:sp>
+              <p:nvSpPr>
+                <p:cNvPr id="41" name="矩形 40"/>
+                <p:cNvSpPr/>
+                <p:nvPr/>
+              </p:nvSpPr>
+              <p:spPr>
+                <a:xfrm>
+                  <a:off x="4204995" y="6372806"/>
+                  <a:ext cx="1035698" cy="494522"/>
+                </a:xfrm>
+                <a:prstGeom prst="rect">
+                  <a:avLst/>
+                </a:prstGeom>
+                <a:solidFill>
+                  <a:srgbClr val="9DC3E6"/>
+                </a:solidFill>
+              </p:spPr>
+              <p:style>
+                <a:lnRef idx="2">
+                  <a:schemeClr val="accent1">
+                    <a:shade val="50000"/>
+                  </a:schemeClr>
+                </a:lnRef>
+                <a:fillRef idx="1">
+                  <a:schemeClr val="accent1"/>
+                </a:fillRef>
+                <a:effectRef idx="0">
+                  <a:schemeClr val="accent1"/>
+                </a:effectRef>
+                <a:fontRef idx="minor">
+                  <a:schemeClr val="lt1"/>
+                </a:fontRef>
+              </p:style>
+              <p:txBody>
+                <a:bodyPr rot="0" spcFirstLastPara="0" vertOverflow="overflow" horzOverflow="overflow" vert="eaVert" wrap="square" lIns="91440" tIns="45720" rIns="91440" bIns="45720" numCol="1" spcCol="0" rtlCol="0" fromWordArt="0" anchor="ctr" anchorCtr="0" forceAA="0" compatLnSpc="1">
+                  <a:prstTxWarp prst="textNoShape">
+                    <a:avLst/>
+                  </a:prstTxWarp>
+                  <a:noAutofit/>
+                </a:bodyPr>
+                <a:lstStyle/>
+                <a:p>
+                  <a:pPr algn="ctr"/>
+                  <a:r>
+                    <a:rPr lang="en-US" altLang="zh-CN" dirty="0">
+                      <a:solidFill>
+                        <a:schemeClr val="tx1"/>
+                      </a:solidFill>
+                      <a:latin typeface="Times New Roman" panose="02020603050405020304" pitchFamily="18" charset="0"/>
+                      <a:cs typeface="Times New Roman" panose="02020603050405020304" pitchFamily="18" charset="0"/>
+                    </a:rPr>
+                    <a:t>…</a:t>
+                  </a:r>
+                  <a:endParaRPr lang="zh-CN" altLang="en-US" dirty="0">
+                    <a:solidFill>
+                      <a:schemeClr val="tx1"/>
+                    </a:solidFill>
+                    <a:latin typeface="Times New Roman" panose="02020603050405020304" pitchFamily="18" charset="0"/>
+                    <a:cs typeface="Times New Roman" panose="02020603050405020304" pitchFamily="18" charset="0"/>
+                  </a:endParaRPr>
+                </a:p>
+              </p:txBody>
+            </p:sp>
+          </p:grpSp>
+          <p:grpSp>
+            <p:nvGrpSpPr>
+              <p:cNvPr id="42" name="组合 41"/>
+              <p:cNvGrpSpPr/>
+              <p:nvPr/>
+            </p:nvGrpSpPr>
+            <p:grpSpPr>
+              <a:xfrm>
+                <a:off x="8008775" y="2090059"/>
+                <a:ext cx="1035698" cy="2472610"/>
+                <a:chOff x="1222310" y="1268964"/>
+                <a:chExt cx="1035698" cy="2472610"/>
+              </a:xfrm>
+            </p:grpSpPr>
+            <p:sp>
+              <p:nvSpPr>
+                <p:cNvPr id="43" name="矩形 42"/>
+                <p:cNvSpPr/>
+                <p:nvPr/>
+              </p:nvSpPr>
+              <p:spPr>
+                <a:xfrm>
+                  <a:off x="1222310" y="1268964"/>
+                  <a:ext cx="1035698" cy="494522"/>
+                </a:xfrm>
+                <a:prstGeom prst="rect">
+                  <a:avLst/>
+                </a:prstGeom>
+                <a:solidFill>
+                  <a:schemeClr val="accent4">
+                    <a:lumMod val="60000"/>
+                    <a:lumOff val="40000"/>
+                  </a:schemeClr>
+                </a:solidFill>
+              </p:spPr>
+              <p:style>
+                <a:lnRef idx="2">
+                  <a:schemeClr val="accent1">
+                    <a:shade val="50000"/>
+                  </a:schemeClr>
+                </a:lnRef>
+                <a:fillRef idx="1">
+                  <a:schemeClr val="accent1"/>
+                </a:fillRef>
+                <a:effectRef idx="0">
+                  <a:schemeClr val="accent1"/>
+                </a:effectRef>
+                <a:fontRef idx="minor">
+                  <a:schemeClr val="lt1"/>
+                </a:fontRef>
+              </p:style>
+              <p:txBody>
+                <a:bodyPr rtlCol="0" anchor="ctr"/>
+                <a:lstStyle/>
+                <a:p>
+                  <a:pPr algn="ctr"/>
+                  <a:r>
+                    <a:rPr lang="en-US" altLang="zh-CN" dirty="0">
+                      <a:solidFill>
+                        <a:schemeClr val="tx1"/>
+                      </a:solidFill>
+                      <a:latin typeface="Times New Roman" panose="02020603050405020304" pitchFamily="18" charset="0"/>
+                      <a:cs typeface="Times New Roman" panose="02020603050405020304" pitchFamily="18" charset="0"/>
+                    </a:rPr>
+                    <a:t>Field A</a:t>
+                  </a:r>
+                  <a:r>
+                    <a:rPr lang="en-US" altLang="zh-CN" baseline="-25000" dirty="0">
+                      <a:solidFill>
+                        <a:schemeClr val="tx1"/>
+                      </a:solidFill>
+                      <a:latin typeface="Times New Roman" panose="02020603050405020304" pitchFamily="18" charset="0"/>
+                      <a:cs typeface="Times New Roman" panose="02020603050405020304" pitchFamily="18" charset="0"/>
+                    </a:rPr>
+                    <a:t>2</a:t>
+                  </a:r>
+                  <a:endParaRPr lang="zh-CN" altLang="en-US" baseline="-25000" dirty="0">
+                    <a:solidFill>
+                      <a:schemeClr val="tx1"/>
+                    </a:solidFill>
+                    <a:latin typeface="Times New Roman" panose="02020603050405020304" pitchFamily="18" charset="0"/>
+                    <a:cs typeface="Times New Roman" panose="02020603050405020304" pitchFamily="18" charset="0"/>
+                  </a:endParaRPr>
+                </a:p>
+              </p:txBody>
+            </p:sp>
+            <p:sp>
+              <p:nvSpPr>
+                <p:cNvPr id="44" name="矩形 43"/>
+                <p:cNvSpPr/>
+                <p:nvPr/>
+              </p:nvSpPr>
+              <p:spPr>
+                <a:xfrm>
+                  <a:off x="1222310" y="1763486"/>
+                  <a:ext cx="1035698" cy="494522"/>
+                </a:xfrm>
+                <a:prstGeom prst="rect">
+                  <a:avLst/>
+                </a:prstGeom>
+                <a:solidFill>
+                  <a:schemeClr val="accent2">
+                    <a:lumMod val="60000"/>
+                    <a:lumOff val="40000"/>
+                  </a:schemeClr>
+                </a:solidFill>
+              </p:spPr>
+              <p:style>
+                <a:lnRef idx="2">
+                  <a:schemeClr val="accent1">
+                    <a:shade val="50000"/>
+                  </a:schemeClr>
+                </a:lnRef>
+                <a:fillRef idx="1">
+                  <a:schemeClr val="accent1"/>
+                </a:fillRef>
+                <a:effectRef idx="0">
+                  <a:schemeClr val="accent1"/>
+                </a:effectRef>
+                <a:fontRef idx="minor">
+                  <a:schemeClr val="lt1"/>
+                </a:fontRef>
+              </p:style>
+              <p:txBody>
+                <a:bodyPr rtlCol="0" anchor="ctr"/>
+                <a:lstStyle/>
+                <a:p>
+                  <a:pPr algn="ctr"/>
+                  <a:r>
+                    <a:rPr lang="en-US" altLang="zh-CN" dirty="0">
+                      <a:solidFill>
+                        <a:schemeClr val="tx1"/>
+                      </a:solidFill>
+                      <a:latin typeface="Times New Roman" panose="02020603050405020304" pitchFamily="18" charset="0"/>
+                      <a:cs typeface="Times New Roman" panose="02020603050405020304" pitchFamily="18" charset="0"/>
+                    </a:rPr>
+                    <a:t>Field C</a:t>
+                  </a:r>
+                  <a:r>
+                    <a:rPr lang="en-US" altLang="zh-CN" baseline="-25000" dirty="0">
+                      <a:solidFill>
+                        <a:schemeClr val="tx1"/>
+                      </a:solidFill>
+                      <a:latin typeface="Times New Roman" panose="02020603050405020304" pitchFamily="18" charset="0"/>
+                      <a:cs typeface="Times New Roman" panose="02020603050405020304" pitchFamily="18" charset="0"/>
+                    </a:rPr>
+                    <a:t>1</a:t>
+                  </a:r>
+                  <a:endParaRPr lang="zh-CN" altLang="en-US" baseline="-25000" dirty="0">
+                    <a:solidFill>
+                      <a:schemeClr val="tx1"/>
+                    </a:solidFill>
+                    <a:latin typeface="Times New Roman" panose="02020603050405020304" pitchFamily="18" charset="0"/>
+                    <a:cs typeface="Times New Roman" panose="02020603050405020304" pitchFamily="18" charset="0"/>
+                  </a:endParaRPr>
+                </a:p>
+              </p:txBody>
+            </p:sp>
+            <p:sp>
+              <p:nvSpPr>
+                <p:cNvPr id="45" name="矩形 44"/>
+                <p:cNvSpPr/>
+                <p:nvPr/>
+              </p:nvSpPr>
+              <p:spPr>
+                <a:xfrm>
+                  <a:off x="1222310" y="2258008"/>
+                  <a:ext cx="1035698" cy="494522"/>
+                </a:xfrm>
+                <a:prstGeom prst="rect">
+                  <a:avLst/>
+                </a:prstGeom>
+                <a:solidFill>
+                  <a:schemeClr val="accent6">
+                    <a:lumMod val="60000"/>
+                    <a:lumOff val="40000"/>
+                  </a:schemeClr>
+                </a:solidFill>
+              </p:spPr>
+              <p:style>
+                <a:lnRef idx="2">
+                  <a:schemeClr val="accent1">
+                    <a:shade val="50000"/>
+                  </a:schemeClr>
+                </a:lnRef>
+                <a:fillRef idx="1">
+                  <a:schemeClr val="accent1"/>
+                </a:fillRef>
+                <a:effectRef idx="0">
+                  <a:schemeClr val="accent1"/>
+                </a:effectRef>
+                <a:fontRef idx="minor">
+                  <a:schemeClr val="lt1"/>
+                </a:fontRef>
+              </p:style>
+              <p:txBody>
+                <a:bodyPr rtlCol="0" anchor="ctr"/>
+                <a:lstStyle/>
+                <a:p>
+                  <a:pPr algn="ctr"/>
+                  <a:r>
+                    <a:rPr lang="en-US" altLang="zh-CN" dirty="0">
+                      <a:solidFill>
+                        <a:schemeClr val="tx1"/>
+                      </a:solidFill>
+                      <a:latin typeface="Times New Roman" panose="02020603050405020304" pitchFamily="18" charset="0"/>
+                      <a:cs typeface="Times New Roman" panose="02020603050405020304" pitchFamily="18" charset="0"/>
+                    </a:rPr>
+                    <a:t>Field D</a:t>
+                  </a:r>
+                  <a:endParaRPr lang="zh-CN" altLang="en-US" dirty="0">
+                    <a:solidFill>
+                      <a:schemeClr val="tx1"/>
+                    </a:solidFill>
+                    <a:latin typeface="Times New Roman" panose="02020603050405020304" pitchFamily="18" charset="0"/>
+                    <a:cs typeface="Times New Roman" panose="02020603050405020304" pitchFamily="18" charset="0"/>
+                  </a:endParaRPr>
+                </a:p>
+              </p:txBody>
+            </p:sp>
+            <p:sp>
+              <p:nvSpPr>
+                <p:cNvPr id="46" name="矩形 45"/>
+                <p:cNvSpPr/>
+                <p:nvPr/>
+              </p:nvSpPr>
+              <p:spPr>
+                <a:xfrm>
+                  <a:off x="1222310" y="2752531"/>
+                  <a:ext cx="1035698" cy="494522"/>
+                </a:xfrm>
+                <a:prstGeom prst="rect">
+                  <a:avLst/>
+                </a:prstGeom>
+                <a:solidFill>
+                  <a:srgbClr val="9DC3E6"/>
+                </a:solidFill>
+              </p:spPr>
+              <p:style>
+                <a:lnRef idx="2">
+                  <a:schemeClr val="accent1">
+                    <a:shade val="50000"/>
+                  </a:schemeClr>
+                </a:lnRef>
+                <a:fillRef idx="1">
+                  <a:schemeClr val="accent1"/>
+                </a:fillRef>
+                <a:effectRef idx="0">
+                  <a:schemeClr val="accent1"/>
+                </a:effectRef>
+                <a:fontRef idx="minor">
+                  <a:schemeClr val="lt1"/>
+                </a:fontRef>
+              </p:style>
+              <p:txBody>
+                <a:bodyPr rot="0" spcFirstLastPara="0" vertOverflow="overflow" horzOverflow="overflow" vert="eaVert" wrap="square" lIns="91440" tIns="45720" rIns="91440" bIns="45720" numCol="1" spcCol="0" rtlCol="0" fromWordArt="0" anchor="ctr" anchorCtr="0" forceAA="0" compatLnSpc="1">
+                  <a:prstTxWarp prst="textNoShape">
+                    <a:avLst/>
+                  </a:prstTxWarp>
+                  <a:noAutofit/>
+                </a:bodyPr>
+                <a:lstStyle/>
+                <a:p>
+                  <a:pPr algn="ctr"/>
+                  <a:r>
+                    <a:rPr lang="en-US" altLang="zh-CN" dirty="0">
+                      <a:solidFill>
+                        <a:schemeClr val="tx1"/>
+                      </a:solidFill>
+                      <a:latin typeface="Times New Roman" panose="02020603050405020304" pitchFamily="18" charset="0"/>
+                      <a:cs typeface="Times New Roman" panose="02020603050405020304" pitchFamily="18" charset="0"/>
+                    </a:rPr>
+                    <a:t>…</a:t>
+                  </a:r>
+                  <a:endParaRPr lang="zh-CN" altLang="en-US" dirty="0">
+                    <a:solidFill>
+                      <a:schemeClr val="tx1"/>
+                    </a:solidFill>
+                    <a:latin typeface="Times New Roman" panose="02020603050405020304" pitchFamily="18" charset="0"/>
+                    <a:cs typeface="Times New Roman" panose="02020603050405020304" pitchFamily="18" charset="0"/>
+                  </a:endParaRPr>
+                </a:p>
+              </p:txBody>
+            </p:sp>
+            <p:sp>
+              <p:nvSpPr>
+                <p:cNvPr id="47" name="矩形 46"/>
+                <p:cNvSpPr/>
+                <p:nvPr/>
+              </p:nvSpPr>
+              <p:spPr>
+                <a:xfrm>
+                  <a:off x="1222310" y="3247052"/>
+                  <a:ext cx="1035698" cy="494522"/>
+                </a:xfrm>
+                <a:prstGeom prst="rect">
+                  <a:avLst/>
+                </a:prstGeom>
+                <a:solidFill>
+                  <a:srgbClr val="9DC3E6"/>
+                </a:solidFill>
+              </p:spPr>
+              <p:style>
+                <a:lnRef idx="2">
+                  <a:schemeClr val="accent1">
+                    <a:shade val="50000"/>
+                  </a:schemeClr>
+                </a:lnRef>
+                <a:fillRef idx="1">
+                  <a:schemeClr val="accent1"/>
+                </a:fillRef>
+                <a:effectRef idx="0">
+                  <a:schemeClr val="accent1"/>
+                </a:effectRef>
+                <a:fontRef idx="minor">
+                  <a:schemeClr val="lt1"/>
+                </a:fontRef>
+              </p:style>
+              <p:txBody>
+                <a:bodyPr rot="0" spcFirstLastPara="0" vertOverflow="overflow" horzOverflow="overflow" vert="eaVert" wrap="square" lIns="91440" tIns="45720" rIns="91440" bIns="45720" numCol="1" spcCol="0" rtlCol="0" fromWordArt="0" anchor="ctr" anchorCtr="0" forceAA="0" compatLnSpc="1">
+                  <a:prstTxWarp prst="textNoShape">
+                    <a:avLst/>
+                  </a:prstTxWarp>
+                  <a:noAutofit/>
+                </a:bodyPr>
+                <a:lstStyle/>
+                <a:p>
+                  <a:pPr algn="ctr"/>
+                  <a:r>
+                    <a:rPr lang="en-US" altLang="zh-CN" dirty="0">
+                      <a:solidFill>
+                        <a:schemeClr val="tx1"/>
+                      </a:solidFill>
+                      <a:latin typeface="Times New Roman" panose="02020603050405020304" pitchFamily="18" charset="0"/>
+                      <a:cs typeface="Times New Roman" panose="02020603050405020304" pitchFamily="18" charset="0"/>
+                    </a:rPr>
+                    <a:t>…</a:t>
+                  </a:r>
+                  <a:endParaRPr lang="zh-CN" altLang="en-US" dirty="0">
+                    <a:solidFill>
+                      <a:schemeClr val="tx1"/>
+                    </a:solidFill>
+                    <a:latin typeface="Times New Roman" panose="02020603050405020304" pitchFamily="18" charset="0"/>
+                    <a:cs typeface="Times New Roman" panose="02020603050405020304" pitchFamily="18" charset="0"/>
+                  </a:endParaRPr>
+                </a:p>
+              </p:txBody>
+            </p:sp>
+          </p:grpSp>
+          <p:cxnSp>
+            <p:nvCxnSpPr>
+              <p:cNvPr id="48" name="直接箭头连接符 47"/>
+              <p:cNvCxnSpPr>
+                <a:stCxn id="20" idx="3"/>
+                <a:endCxn id="26" idx="1"/>
+              </p:cNvCxnSpPr>
+              <p:nvPr/>
+            </p:nvCxnSpPr>
+            <p:spPr>
+              <a:xfrm flipV="1">
+                <a:off x="2258008" y="1595537"/>
+                <a:ext cx="2357534" cy="1730827"/>
+              </a:xfrm>
+              <a:prstGeom prst="straightConnector1">
+                <a:avLst/>
+              </a:prstGeom>
+              <a:ln w="12700">
+                <a:solidFill>
+                  <a:schemeClr val="tx1"/>
+                </a:solidFill>
+                <a:tailEnd type="triangle"/>
+              </a:ln>
+            </p:spPr>
+            <p:style>
+              <a:lnRef idx="1">
+                <a:schemeClr val="accent1"/>
+              </a:lnRef>
+              <a:fillRef idx="0">
+                <a:schemeClr val="accent1"/>
+              </a:fillRef>
+              <a:effectRef idx="0">
+                <a:schemeClr val="accent1"/>
+              </a:effectRef>
+              <a:fontRef idx="minor">
+                <a:schemeClr val="tx1"/>
+              </a:fontRef>
+            </p:style>
+          </p:cxnSp>
+          <p:cxnSp>
+            <p:nvCxnSpPr>
+              <p:cNvPr id="49" name="直接箭头连接符 48"/>
+              <p:cNvCxnSpPr>
+                <a:stCxn id="20" idx="3"/>
+              </p:cNvCxnSpPr>
+              <p:nvPr/>
+            </p:nvCxnSpPr>
+            <p:spPr>
+              <a:xfrm>
+                <a:off x="2258008" y="3326364"/>
+                <a:ext cx="2357534" cy="1730826"/>
+              </a:xfrm>
+              <a:prstGeom prst="straightConnector1">
+                <a:avLst/>
+              </a:prstGeom>
+              <a:ln w="12700">
+                <a:solidFill>
+                  <a:schemeClr val="tx1"/>
+                </a:solidFill>
+                <a:tailEnd type="triangle"/>
+              </a:ln>
+            </p:spPr>
+            <p:style>
+              <a:lnRef idx="1">
+                <a:schemeClr val="accent1"/>
+              </a:lnRef>
+              <a:fillRef idx="0">
+                <a:schemeClr val="accent1"/>
+              </a:fillRef>
+              <a:effectRef idx="0">
+                <a:schemeClr val="accent1"/>
+              </a:effectRef>
+              <a:fontRef idx="minor">
+                <a:schemeClr val="tx1"/>
+              </a:fontRef>
+            </p:style>
+          </p:cxnSp>
+          <p:cxnSp>
+            <p:nvCxnSpPr>
+              <p:cNvPr id="52" name="直接箭头连接符 51"/>
+              <p:cNvCxnSpPr>
+                <a:stCxn id="26" idx="3"/>
+                <a:endCxn id="45" idx="1"/>
+              </p:cNvCxnSpPr>
+              <p:nvPr/>
+            </p:nvCxnSpPr>
+            <p:spPr>
+              <a:xfrm>
+                <a:off x="5651240" y="1595537"/>
+                <a:ext cx="2357535" cy="1730827"/>
+              </a:xfrm>
+              <a:prstGeom prst="straightConnector1">
+                <a:avLst/>
+              </a:prstGeom>
+              <a:ln w="12700">
+                <a:solidFill>
+                  <a:schemeClr val="tx1"/>
+                </a:solidFill>
+                <a:tailEnd type="triangle"/>
+              </a:ln>
+            </p:spPr>
+            <p:style>
+              <a:lnRef idx="1">
+                <a:schemeClr val="accent1"/>
+              </a:lnRef>
+              <a:fillRef idx="0">
+                <a:schemeClr val="accent1"/>
+              </a:fillRef>
+              <a:effectRef idx="0">
+                <a:schemeClr val="accent1"/>
+              </a:effectRef>
+              <a:fontRef idx="minor">
+                <a:schemeClr val="tx1"/>
+              </a:fontRef>
+            </p:style>
+          </p:cxnSp>
+          <p:cxnSp>
+            <p:nvCxnSpPr>
+              <p:cNvPr id="55" name="直接箭头连接符 54"/>
+              <p:cNvCxnSpPr>
+                <a:endCxn id="45" idx="1"/>
+              </p:cNvCxnSpPr>
+              <p:nvPr/>
+            </p:nvCxnSpPr>
+            <p:spPr>
+              <a:xfrm flipV="1">
+                <a:off x="5651240" y="3326364"/>
+                <a:ext cx="2357535" cy="1730826"/>
+              </a:xfrm>
+              <a:prstGeom prst="straightConnector1">
+                <a:avLst/>
+              </a:prstGeom>
+              <a:ln w="12700">
+                <a:solidFill>
+                  <a:schemeClr val="tx1"/>
+                </a:solidFill>
+                <a:tailEnd type="triangle"/>
+              </a:ln>
+            </p:spPr>
+            <p:style>
+              <a:lnRef idx="1">
+                <a:schemeClr val="accent1"/>
+              </a:lnRef>
+              <a:fillRef idx="0">
+                <a:schemeClr val="accent1"/>
+              </a:fillRef>
+              <a:effectRef idx="0">
+                <a:schemeClr val="accent1"/>
+              </a:effectRef>
+              <a:fontRef idx="minor">
+                <a:schemeClr val="tx1"/>
+              </a:fontRef>
+            </p:style>
+          </p:cxnSp>
+          <p:sp>
+            <p:nvSpPr>
+              <p:cNvPr id="58" name="文本框 57"/>
+              <p:cNvSpPr txBox="1"/>
+              <p:nvPr/>
+            </p:nvSpPr>
+            <p:spPr>
+              <a:xfrm rot="19415549">
+                <a:off x="2839615" y="2011965"/>
+                <a:ext cx="1194318" cy="369332"/>
+              </a:xfrm>
+              <a:prstGeom prst="rect">
+                <a:avLst/>
+              </a:prstGeom>
+              <a:noFill/>
+            </p:spPr>
+            <p:txBody>
+              <a:bodyPr wrap="square" rtlCol="0">
+                <a:spAutoFit/>
+              </a:bodyPr>
+              <a:lstStyle/>
+              <a:p>
+                <a:r>
+                  <a:rPr lang="en-US" altLang="zh-CN" dirty="0">
+                    <a:latin typeface="Times New Roman" panose="02020603050405020304" pitchFamily="18" charset="0"/>
+                    <a:cs typeface="Times New Roman" panose="02020603050405020304" pitchFamily="18" charset="0"/>
+                  </a:rPr>
+                  <a:t>Packet ID</a:t>
+                </a:r>
+                <a:r>
+                  <a:rPr lang="en-US" altLang="zh-CN" baseline="-25000" dirty="0">
+                    <a:latin typeface="Times New Roman" panose="02020603050405020304" pitchFamily="18" charset="0"/>
+                    <a:cs typeface="Times New Roman" panose="02020603050405020304" pitchFamily="18" charset="0"/>
+                  </a:rPr>
+                  <a:t>1</a:t>
+                </a:r>
+                <a:endParaRPr lang="zh-CN" altLang="en-US" baseline="-25000" dirty="0">
+                  <a:latin typeface="Times New Roman" panose="02020603050405020304" pitchFamily="18" charset="0"/>
+                  <a:cs typeface="Times New Roman" panose="02020603050405020304" pitchFamily="18" charset="0"/>
+                </a:endParaRPr>
+              </a:p>
+            </p:txBody>
+          </p:sp>
+          <p:sp>
+            <p:nvSpPr>
+              <p:cNvPr id="59" name="文本框 58"/>
+              <p:cNvSpPr txBox="1"/>
+              <p:nvPr/>
+            </p:nvSpPr>
+            <p:spPr>
+              <a:xfrm rot="2170752">
+                <a:off x="2839616" y="3758367"/>
+                <a:ext cx="1194318" cy="369332"/>
+              </a:xfrm>
+              <a:prstGeom prst="rect">
+                <a:avLst/>
+              </a:prstGeom>
+              <a:noFill/>
+            </p:spPr>
+            <p:txBody>
+              <a:bodyPr wrap="square" rtlCol="0">
+                <a:spAutoFit/>
+              </a:bodyPr>
+              <a:lstStyle/>
+              <a:p>
+                <a:r>
+                  <a:rPr lang="en-US" altLang="zh-CN" dirty="0">
+                    <a:latin typeface="Times New Roman" panose="02020603050405020304" pitchFamily="18" charset="0"/>
+                    <a:cs typeface="Times New Roman" panose="02020603050405020304" pitchFamily="18" charset="0"/>
+                  </a:rPr>
+                  <a:t>Packet ID</a:t>
+                </a:r>
+                <a:r>
+                  <a:rPr lang="en-US" altLang="zh-CN" baseline="-25000" dirty="0">
+                    <a:latin typeface="Times New Roman" panose="02020603050405020304" pitchFamily="18" charset="0"/>
+                    <a:cs typeface="Times New Roman" panose="02020603050405020304" pitchFamily="18" charset="0"/>
+                  </a:rPr>
+                  <a:t>2</a:t>
+                </a:r>
+                <a:endParaRPr lang="zh-CN" altLang="en-US" baseline="-25000" dirty="0">
+                  <a:latin typeface="Times New Roman" panose="02020603050405020304" pitchFamily="18" charset="0"/>
+                  <a:cs typeface="Times New Roman" panose="02020603050405020304" pitchFamily="18" charset="0"/>
+                </a:endParaRPr>
+              </a:p>
+            </p:txBody>
+          </p:sp>
+          <p:sp>
+            <p:nvSpPr>
+              <p:cNvPr id="60" name="文本框 59"/>
+              <p:cNvSpPr txBox="1"/>
+              <p:nvPr/>
+            </p:nvSpPr>
+            <p:spPr>
+              <a:xfrm>
+                <a:off x="905069" y="4625263"/>
+                <a:ext cx="1670180" cy="369332"/>
+              </a:xfrm>
+              <a:prstGeom prst="rect">
+                <a:avLst/>
+              </a:prstGeom>
+              <a:noFill/>
+            </p:spPr>
+            <p:txBody>
+              <a:bodyPr wrap="square" rtlCol="0">
+                <a:spAutoFit/>
+              </a:bodyPr>
+              <a:lstStyle/>
+              <a:p>
+                <a:r>
+                  <a:rPr lang="en-US" altLang="zh-CN" dirty="0">
+                    <a:latin typeface="Times New Roman" panose="02020603050405020304" pitchFamily="18" charset="0"/>
+                    <a:cs typeface="Times New Roman" panose="02020603050405020304" pitchFamily="18" charset="0"/>
+                  </a:rPr>
+                  <a:t>Original packet</a:t>
+                </a:r>
+                <a:endParaRPr lang="zh-CN" altLang="en-US" dirty="0">
+                  <a:latin typeface="Times New Roman" panose="02020603050405020304" pitchFamily="18" charset="0"/>
+                  <a:cs typeface="Times New Roman" panose="02020603050405020304" pitchFamily="18" charset="0"/>
+                </a:endParaRPr>
+              </a:p>
+            </p:txBody>
+          </p:sp>
+          <p:sp>
+            <p:nvSpPr>
+              <p:cNvPr id="61" name="文本框 60"/>
+              <p:cNvSpPr txBox="1"/>
+              <p:nvPr/>
+            </p:nvSpPr>
+            <p:spPr>
+              <a:xfrm>
+                <a:off x="7898362" y="4612039"/>
+                <a:ext cx="1256524" cy="369332"/>
+              </a:xfrm>
+              <a:prstGeom prst="rect">
+                <a:avLst/>
+              </a:prstGeom>
+              <a:noFill/>
+            </p:spPr>
+            <p:txBody>
+              <a:bodyPr wrap="square" rtlCol="0">
+                <a:spAutoFit/>
+              </a:bodyPr>
+              <a:lstStyle/>
+              <a:p>
+                <a:r>
+                  <a:rPr lang="en-US" altLang="zh-CN" dirty="0">
+                    <a:latin typeface="Times New Roman" panose="02020603050405020304" pitchFamily="18" charset="0"/>
+                    <a:cs typeface="Times New Roman" panose="02020603050405020304" pitchFamily="18" charset="0"/>
+                  </a:rPr>
+                  <a:t>Final result</a:t>
+                </a:r>
+                <a:endParaRPr lang="zh-CN" altLang="en-US" dirty="0">
+                  <a:latin typeface="Times New Roman" panose="02020603050405020304" pitchFamily="18" charset="0"/>
+                  <a:cs typeface="Times New Roman" panose="02020603050405020304" pitchFamily="18" charset="0"/>
+                </a:endParaRPr>
+              </a:p>
+            </p:txBody>
+          </p:sp>
+          <p:sp>
+            <p:nvSpPr>
+              <p:cNvPr id="62" name="文本框 61"/>
+              <p:cNvSpPr txBox="1"/>
+              <p:nvPr/>
+            </p:nvSpPr>
+            <p:spPr>
+              <a:xfrm rot="2269425">
+                <a:off x="6367317" y="2010142"/>
+                <a:ext cx="886408" cy="369332"/>
+              </a:xfrm>
+              <a:prstGeom prst="rect">
+                <a:avLst/>
+              </a:prstGeom>
+              <a:noFill/>
+            </p:spPr>
+            <p:txBody>
+              <a:bodyPr wrap="square" rtlCol="0">
+                <a:spAutoFit/>
+              </a:bodyPr>
+              <a:lstStyle/>
+              <a:p>
+                <a:r>
+                  <a:rPr lang="en-US" altLang="zh-CN" dirty="0">
+                    <a:latin typeface="Times New Roman" panose="02020603050405020304" pitchFamily="18" charset="0"/>
+                    <a:cs typeface="Times New Roman" panose="02020603050405020304" pitchFamily="18" charset="0"/>
+                  </a:rPr>
+                  <a:t>Output</a:t>
+                </a:r>
+                <a:endParaRPr lang="zh-CN" altLang="en-US" dirty="0">
+                  <a:latin typeface="Times New Roman" panose="02020603050405020304" pitchFamily="18" charset="0"/>
+                  <a:cs typeface="Times New Roman" panose="02020603050405020304" pitchFamily="18" charset="0"/>
+                </a:endParaRPr>
+              </a:p>
+            </p:txBody>
+          </p:sp>
+          <p:sp>
+            <p:nvSpPr>
+              <p:cNvPr id="63" name="文本框 62"/>
+              <p:cNvSpPr txBox="1"/>
+              <p:nvPr/>
+            </p:nvSpPr>
+            <p:spPr>
+              <a:xfrm rot="19487007">
+                <a:off x="6362068" y="3795410"/>
+                <a:ext cx="886408" cy="369332"/>
+              </a:xfrm>
+              <a:prstGeom prst="rect">
+                <a:avLst/>
+              </a:prstGeom>
+              <a:noFill/>
+            </p:spPr>
+            <p:txBody>
+              <a:bodyPr wrap="square" rtlCol="0">
+                <a:spAutoFit/>
+              </a:bodyPr>
+              <a:lstStyle/>
+              <a:p>
+                <a:r>
+                  <a:rPr lang="en-US" altLang="zh-CN" dirty="0">
+                    <a:latin typeface="Times New Roman" panose="02020603050405020304" pitchFamily="18" charset="0"/>
+                    <a:cs typeface="Times New Roman" panose="02020603050405020304" pitchFamily="18" charset="0"/>
+                  </a:rPr>
+                  <a:t>Output</a:t>
+                </a:r>
+                <a:endParaRPr lang="zh-CN" altLang="en-US" dirty="0">
+                  <a:latin typeface="Times New Roman" panose="02020603050405020304" pitchFamily="18" charset="0"/>
+                  <a:cs typeface="Times New Roman" panose="02020603050405020304" pitchFamily="18" charset="0"/>
+                </a:endParaRPr>
+              </a:p>
+            </p:txBody>
+          </p:sp>
+        </p:grpSp>
+        <p:sp>
+          <p:nvSpPr>
+            <p:cNvPr id="6" name="文本框 5"/>
+            <p:cNvSpPr txBox="1"/>
+            <p:nvPr/>
+          </p:nvSpPr>
+          <p:spPr>
+            <a:xfrm>
+              <a:off x="7387688" y="5005663"/>
+              <a:ext cx="1267486" cy="369332"/>
+            </a:xfrm>
+            <a:prstGeom prst="rect">
+              <a:avLst/>
+            </a:prstGeom>
+            <a:noFill/>
+          </p:spPr>
+          <p:txBody>
+            <a:bodyPr wrap="square" rtlCol="0">
+              <a:spAutoFit/>
+            </a:bodyPr>
+            <a:lstStyle/>
+            <a:p>
+              <a:r>
+                <a:rPr lang="en-US" altLang="zh-CN" dirty="0" smtClean="0">
+                  <a:latin typeface="Times New Roman" panose="02020603050405020304" pitchFamily="18" charset="0"/>
+                  <a:cs typeface="Times New Roman" panose="02020603050405020304" pitchFamily="18" charset="0"/>
+                </a:rPr>
+                <a:t>ID</a:t>
+              </a:r>
+              <a:r>
+                <a:rPr lang="en-US" altLang="zh-CN" baseline="-25000" dirty="0">
+                  <a:latin typeface="Times New Roman" panose="02020603050405020304" pitchFamily="18" charset="0"/>
+                  <a:cs typeface="Times New Roman" panose="02020603050405020304" pitchFamily="18" charset="0"/>
+                </a:rPr>
+                <a:t>2</a:t>
+              </a:r>
+              <a:r>
+                <a:rPr lang="en-US" altLang="zh-CN" dirty="0" smtClean="0">
+                  <a:latin typeface="Times New Roman" panose="02020603050405020304" pitchFamily="18" charset="0"/>
+                  <a:cs typeface="Times New Roman" panose="02020603050405020304" pitchFamily="18" charset="0"/>
+                </a:rPr>
+                <a:t>.Field A</a:t>
+              </a:r>
+              <a:endParaRPr lang="zh-CN" altLang="en-US" dirty="0">
+                <a:latin typeface="Times New Roman" panose="02020603050405020304" pitchFamily="18" charset="0"/>
+                <a:cs typeface="Times New Roman" panose="02020603050405020304" pitchFamily="18" charset="0"/>
+              </a:endParaRPr>
+            </a:p>
+          </p:txBody>
+        </p:sp>
+        <p:sp>
+          <p:nvSpPr>
+            <p:cNvPr id="40" name="文本框 39"/>
+            <p:cNvSpPr txBox="1"/>
+            <p:nvPr/>
+          </p:nvSpPr>
+          <p:spPr>
+            <a:xfrm>
+              <a:off x="7387688" y="5378115"/>
+              <a:ext cx="2027916" cy="369332"/>
+            </a:xfrm>
+            <a:prstGeom prst="rect">
+              <a:avLst/>
+            </a:prstGeom>
+            <a:noFill/>
+          </p:spPr>
+          <p:txBody>
+            <a:bodyPr wrap="square" rtlCol="0">
+              <a:spAutoFit/>
+            </a:bodyPr>
+            <a:lstStyle/>
+            <a:p>
+              <a:r>
+                <a:rPr lang="en-US" altLang="zh-CN" dirty="0" smtClean="0">
+                  <a:latin typeface="Times New Roman" panose="02020603050405020304" pitchFamily="18" charset="0"/>
+                  <a:cs typeface="Times New Roman" panose="02020603050405020304" pitchFamily="18" charset="0"/>
+                </a:rPr>
+                <a:t>ID</a:t>
+              </a:r>
+              <a:r>
+                <a:rPr lang="en-US" altLang="zh-CN" baseline="-25000" dirty="0" smtClean="0">
+                  <a:latin typeface="Times New Roman" panose="02020603050405020304" pitchFamily="18" charset="0"/>
+                  <a:cs typeface="Times New Roman" panose="02020603050405020304" pitchFamily="18" charset="0"/>
+                </a:rPr>
+                <a:t>2</a:t>
+              </a:r>
+              <a:r>
+                <a:rPr lang="en-US" altLang="zh-CN" dirty="0" smtClean="0">
+                  <a:latin typeface="Times New Roman" panose="02020603050405020304" pitchFamily="18" charset="0"/>
+                  <a:cs typeface="Times New Roman" panose="02020603050405020304" pitchFamily="18" charset="0"/>
+                </a:rPr>
+                <a:t>.remove Field B</a:t>
+              </a:r>
+              <a:endParaRPr lang="zh-CN" altLang="en-US" dirty="0">
+                <a:latin typeface="Times New Roman" panose="02020603050405020304" pitchFamily="18" charset="0"/>
+                <a:cs typeface="Times New Roman" panose="02020603050405020304" pitchFamily="18" charset="0"/>
+              </a:endParaRPr>
+            </a:p>
+          </p:txBody>
+        </p:sp>
+        <p:sp>
+          <p:nvSpPr>
+            <p:cNvPr id="50" name="文本框 49"/>
+            <p:cNvSpPr txBox="1"/>
+            <p:nvPr/>
+          </p:nvSpPr>
+          <p:spPr>
+            <a:xfrm>
+              <a:off x="7387688" y="5747447"/>
+              <a:ext cx="2027916" cy="369332"/>
+            </a:xfrm>
+            <a:prstGeom prst="rect">
+              <a:avLst/>
+            </a:prstGeom>
+            <a:noFill/>
+          </p:spPr>
+          <p:txBody>
+            <a:bodyPr wrap="square" rtlCol="0">
+              <a:spAutoFit/>
+            </a:bodyPr>
+            <a:lstStyle/>
+            <a:p>
+              <a:r>
+                <a:rPr lang="en-US" altLang="zh-CN" dirty="0" smtClean="0">
+                  <a:latin typeface="Times New Roman" panose="02020603050405020304" pitchFamily="18" charset="0"/>
+                  <a:cs typeface="Times New Roman" panose="02020603050405020304" pitchFamily="18" charset="0"/>
+                </a:rPr>
+                <a:t>ID</a:t>
+              </a:r>
+              <a:r>
+                <a:rPr lang="en-US" altLang="zh-CN" baseline="-25000" dirty="0" smtClean="0">
+                  <a:latin typeface="Times New Roman" panose="02020603050405020304" pitchFamily="18" charset="0"/>
+                  <a:cs typeface="Times New Roman" panose="02020603050405020304" pitchFamily="18" charset="0"/>
+                </a:rPr>
+                <a:t>2</a:t>
+              </a:r>
+              <a:r>
+                <a:rPr lang="en-US" altLang="zh-CN" dirty="0" smtClean="0">
+                  <a:latin typeface="Times New Roman" panose="02020603050405020304" pitchFamily="18" charset="0"/>
+                  <a:cs typeface="Times New Roman" panose="02020603050405020304" pitchFamily="18" charset="0"/>
+                </a:rPr>
+                <a:t>.add Field D</a:t>
+              </a:r>
+              <a:endParaRPr lang="zh-CN" altLang="en-US" dirty="0">
+                <a:latin typeface="Times New Roman" panose="02020603050405020304" pitchFamily="18" charset="0"/>
+                <a:cs typeface="Times New Roman" panose="02020603050405020304" pitchFamily="18" charset="0"/>
+              </a:endParaRPr>
+            </a:p>
+          </p:txBody>
+        </p:sp>
+      </p:grpSp>
+    </p:spTree>
+    <p:extLst>
+      <p:ext uri="{BB962C8B-B14F-4D97-AF65-F5344CB8AC3E}">
+        <p14:creationId xmlns:p14="http://schemas.microsoft.com/office/powerpoint/2010/main" val="3920349362"/>
+      </p:ext>
+    </p:extLst>
+  </p:cSld>
+  <p:clrMapOvr>
+    <a:masterClrMapping/>
+  </p:clrMapOvr>
+</p:sld>
+</file>
+
 <file path=ppt/slides/slide2.xml><?xml version="1.0" encoding="utf-8"?>
 <p:sld xmlns:a="http://schemas.openxmlformats.org/drawingml/2006/main" xmlns:r="http://schemas.openxmlformats.org/officeDocument/2006/relationships" xmlns:p="http://schemas.openxmlformats.org/presentationml/2006/main">
   <p:cSld>

--- a/docs/figures_xsh.pptx
+++ b/docs/figures_xsh.pptx
@@ -25,7 +25,7 @@
     <p:sldId id="274" r:id="rId19"/>
   </p:sldIdLst>
   <p:sldSz cx="12192000" cy="6858000"/>
-  <p:notesSz cx="6858000" cy="9144000"/>
+  <p:notesSz cx="6858000" cy="9947275"/>
   <p:defaultTextStyle>
     <a:defPPr>
       <a:defRPr lang="zh-CN"/>
@@ -4905,7 +4905,7 @@
             <a:lstStyle/>
             <a:p>
               <a:r>
-                <a:rPr lang="en-US" altLang="zh-CN" dirty="0" smtClean="0">
+                <a:rPr lang="en-US" altLang="zh-CN" dirty="0">
                   <a:latin typeface="Times New Roman" panose="02020603050405020304" pitchFamily="18" charset="0"/>
                   <a:cs typeface="Times New Roman" panose="02020603050405020304" pitchFamily="18" charset="0"/>
                 </a:rPr>
@@ -4919,7 +4919,7 @@
                 <a:t>2</a:t>
               </a:r>
               <a:r>
-                <a:rPr lang="en-US" altLang="zh-CN" dirty="0" smtClean="0">
+                <a:rPr lang="en-US" altLang="zh-CN" dirty="0">
                   <a:latin typeface="Times New Roman" panose="02020603050405020304" pitchFamily="18" charset="0"/>
                   <a:cs typeface="Times New Roman" panose="02020603050405020304" pitchFamily="18" charset="0"/>
                 </a:rPr>
@@ -4955,21 +4955,21 @@
             <a:lstStyle/>
             <a:p>
               <a:r>
-                <a:rPr lang="en-US" altLang="zh-CN" dirty="0" smtClean="0">
+                <a:rPr lang="en-US" altLang="zh-CN" dirty="0">
                   <a:latin typeface="Times New Roman" panose="02020603050405020304" pitchFamily="18" charset="0"/>
                   <a:cs typeface="Times New Roman" panose="02020603050405020304" pitchFamily="18" charset="0"/>
                 </a:rPr>
                 <a:t>ID</a:t>
               </a:r>
               <a:r>
-                <a:rPr lang="en-US" altLang="zh-CN" baseline="-25000" dirty="0" smtClean="0">
+                <a:rPr lang="en-US" altLang="zh-CN" baseline="-25000" dirty="0">
                   <a:latin typeface="Times New Roman" panose="02020603050405020304" pitchFamily="18" charset="0"/>
                   <a:cs typeface="Times New Roman" panose="02020603050405020304" pitchFamily="18" charset="0"/>
                 </a:rPr>
                 <a:t>2</a:t>
               </a:r>
               <a:r>
-                <a:rPr lang="en-US" altLang="zh-CN" dirty="0" smtClean="0">
+                <a:rPr lang="en-US" altLang="zh-CN" dirty="0">
                   <a:latin typeface="Times New Roman" panose="02020603050405020304" pitchFamily="18" charset="0"/>
                   <a:cs typeface="Times New Roman" panose="02020603050405020304" pitchFamily="18" charset="0"/>
                 </a:rPr>
@@ -5005,21 +5005,21 @@
             <a:lstStyle/>
             <a:p>
               <a:r>
-                <a:rPr lang="en-US" altLang="zh-CN" dirty="0" smtClean="0">
+                <a:rPr lang="en-US" altLang="zh-CN" dirty="0">
                   <a:latin typeface="Times New Roman" panose="02020603050405020304" pitchFamily="18" charset="0"/>
                   <a:cs typeface="Times New Roman" panose="02020603050405020304" pitchFamily="18" charset="0"/>
                 </a:rPr>
                 <a:t>ID</a:t>
               </a:r>
               <a:r>
-                <a:rPr lang="en-US" altLang="zh-CN" baseline="-25000" dirty="0" smtClean="0">
+                <a:rPr lang="en-US" altLang="zh-CN" baseline="-25000" dirty="0">
                   <a:latin typeface="Times New Roman" panose="02020603050405020304" pitchFamily="18" charset="0"/>
                   <a:cs typeface="Times New Roman" panose="02020603050405020304" pitchFamily="18" charset="0"/>
                 </a:rPr>
                 <a:t>2</a:t>
               </a:r>
               <a:r>
-                <a:rPr lang="en-US" altLang="zh-CN" dirty="0" smtClean="0">
+                <a:rPr lang="en-US" altLang="zh-CN" dirty="0">
                   <a:latin typeface="Times New Roman" panose="02020603050405020304" pitchFamily="18" charset="0"/>
                   <a:cs typeface="Times New Roman" panose="02020603050405020304" pitchFamily="18" charset="0"/>
                 </a:rPr>
@@ -5043,13 +5043,6 @@
   <p:clrMapOvr>
     <a:masterClrMapping/>
   </p:clrMapOvr>
-  <p:timing>
-    <p:tnLst>
-      <p:par>
-        <p:cTn id="1" dur="indefinite" restart="never" nodeType="tmRoot"/>
-      </p:par>
-    </p:tnLst>
-  </p:timing>
 </p:sld>
 </file>
 
@@ -5554,13 +5547,6 @@
   <p:clrMapOvr>
     <a:masterClrMapping/>
   </p:clrMapOvr>
-  <p:timing>
-    <p:tnLst>
-      <p:par>
-        <p:cTn id="1" dur="indefinite" restart="never" nodeType="tmRoot"/>
-      </p:par>
-    </p:tnLst>
-  </p:timing>
 </p:sld>
 </file>
 
@@ -5858,13 +5844,6 @@
   <p:clrMapOvr>
     <a:masterClrMapping/>
   </p:clrMapOvr>
-  <p:timing>
-    <p:tnLst>
-      <p:par>
-        <p:cTn id="1" dur="indefinite" restart="never" nodeType="tmRoot"/>
-      </p:par>
-    </p:tnLst>
-  </p:timing>
 </p:sld>
 </file>
 
@@ -5908,7 +5887,7 @@
           <a:lstStyle/>
           <a:p>
             <a:r>
-              <a:rPr lang="en-US" altLang="zh-CN" dirty="0" smtClean="0">
+              <a:rPr lang="en-US" altLang="zh-CN" dirty="0">
                 <a:latin typeface="Times New Roman" panose="02020603050405020304" pitchFamily="18" charset="0"/>
                 <a:cs typeface="Times New Roman" panose="02020603050405020304" pitchFamily="18" charset="0"/>
               </a:rPr>
@@ -5917,7 +5896,7 @@
           </a:p>
           <a:p>
             <a:r>
-              <a:rPr lang="en-US" altLang="zh-CN" dirty="0" smtClean="0">
+              <a:rPr lang="en-US" altLang="zh-CN" dirty="0">
                 <a:latin typeface="Times New Roman" panose="02020603050405020304" pitchFamily="18" charset="0"/>
                 <a:cs typeface="Times New Roman" panose="02020603050405020304" pitchFamily="18" charset="0"/>
               </a:rPr>
@@ -6482,7 +6461,7 @@
             <a:lstStyle/>
             <a:p>
               <a:r>
-                <a:rPr lang="en-US" altLang="zh-CN" sz="1400" dirty="0" smtClean="0">
+                <a:rPr lang="en-US" altLang="zh-CN" sz="1400" dirty="0">
                   <a:latin typeface="Times New Roman" panose="02020603050405020304" pitchFamily="18" charset="0"/>
                   <a:cs typeface="Times New Roman" panose="02020603050405020304" pitchFamily="18" charset="0"/>
                 </a:rPr>
@@ -6518,7 +6497,7 @@
             <a:lstStyle/>
             <a:p>
               <a:r>
-                <a:rPr lang="en-US" altLang="zh-CN" sz="1400" dirty="0" smtClean="0">
+                <a:rPr lang="en-US" altLang="zh-CN" sz="1400" dirty="0">
                   <a:latin typeface="Times New Roman" panose="02020603050405020304" pitchFamily="18" charset="0"/>
                   <a:cs typeface="Times New Roman" panose="02020603050405020304" pitchFamily="18" charset="0"/>
                 </a:rPr>
@@ -6953,7 +6932,7 @@
             <a:lstStyle/>
             <a:p>
               <a:r>
-                <a:rPr lang="en-US" altLang="zh-CN" sz="1400" dirty="0" smtClean="0">
+                <a:rPr lang="en-US" altLang="zh-CN" sz="1400" dirty="0">
                   <a:latin typeface="Times New Roman" panose="02020603050405020304" pitchFamily="18" charset="0"/>
                   <a:cs typeface="Times New Roman" panose="02020603050405020304" pitchFamily="18" charset="0"/>
                 </a:rPr>
@@ -6989,7 +6968,7 @@
             <a:lstStyle/>
             <a:p>
               <a:r>
-                <a:rPr lang="en-US" altLang="zh-CN" sz="1400" dirty="0" smtClean="0">
+                <a:rPr lang="en-US" altLang="zh-CN" sz="1400" dirty="0">
                   <a:latin typeface="Times New Roman" panose="02020603050405020304" pitchFamily="18" charset="0"/>
                   <a:cs typeface="Times New Roman" panose="02020603050405020304" pitchFamily="18" charset="0"/>
                 </a:rPr>
@@ -7025,25 +7004,11 @@
             <a:lstStyle/>
             <a:p>
               <a:r>
-                <a:rPr lang="en-US" altLang="zh-CN" sz="1400" dirty="0" smtClean="0">
-                  <a:latin typeface="Times New Roman" panose="02020603050405020304" pitchFamily="18" charset="0"/>
-                  <a:cs typeface="Times New Roman" panose="02020603050405020304" pitchFamily="18" charset="0"/>
-                </a:rPr>
-                <a:t>NF </a:t>
-              </a:r>
-              <a:r>
                 <a:rPr lang="en-US" altLang="zh-CN" sz="1400" dirty="0">
                   <a:latin typeface="Times New Roman" panose="02020603050405020304" pitchFamily="18" charset="0"/>
                   <a:cs typeface="Times New Roman" panose="02020603050405020304" pitchFamily="18" charset="0"/>
                 </a:rPr>
-                <a:t>C</a:t>
-              </a:r>
-              <a:r>
-                <a:rPr lang="en-US" altLang="zh-CN" sz="1400" dirty="0" smtClean="0">
-                  <a:latin typeface="Times New Roman" panose="02020603050405020304" pitchFamily="18" charset="0"/>
-                  <a:cs typeface="Times New Roman" panose="02020603050405020304" pitchFamily="18" charset="0"/>
-                </a:rPr>
-                <a:t> (1ms)</a:t>
+                <a:t>NF C (1ms)</a:t>
               </a:r>
               <a:endParaRPr lang="zh-CN" altLang="en-US" sz="1400" dirty="0">
                 <a:latin typeface="Times New Roman" panose="02020603050405020304" pitchFamily="18" charset="0"/>
@@ -7523,7 +7488,7 @@
             <a:lstStyle/>
             <a:p>
               <a:r>
-                <a:rPr lang="en-US" altLang="zh-CN" sz="1400" dirty="0" smtClean="0">
+                <a:rPr lang="en-US" altLang="zh-CN" sz="1400" dirty="0">
                   <a:latin typeface="Times New Roman" panose="02020603050405020304" pitchFamily="18" charset="0"/>
                   <a:cs typeface="Times New Roman" panose="02020603050405020304" pitchFamily="18" charset="0"/>
                 </a:rPr>
@@ -7559,7 +7524,7 @@
             <a:lstStyle/>
             <a:p>
               <a:r>
-                <a:rPr lang="en-US" altLang="zh-CN" sz="1400" dirty="0" smtClean="0">
+                <a:rPr lang="en-US" altLang="zh-CN" sz="1400" dirty="0">
                   <a:latin typeface="Times New Roman" panose="02020603050405020304" pitchFamily="18" charset="0"/>
                   <a:cs typeface="Times New Roman" panose="02020603050405020304" pitchFamily="18" charset="0"/>
                 </a:rPr>
@@ -8101,7 +8066,7 @@
             <a:lstStyle/>
             <a:p>
               <a:r>
-                <a:rPr lang="en-US" altLang="zh-CN" sz="1400" dirty="0" smtClean="0">
+                <a:rPr lang="en-US" altLang="zh-CN" sz="1400" dirty="0">
                   <a:latin typeface="Times New Roman" panose="02020603050405020304" pitchFamily="18" charset="0"/>
                   <a:cs typeface="Times New Roman" panose="02020603050405020304" pitchFamily="18" charset="0"/>
                 </a:rPr>
@@ -8242,7 +8207,7 @@
               </a:lnSpc>
             </a:pPr>
             <a:r>
-              <a:rPr lang="en-US" altLang="zh-CN" sz="1400" dirty="0" smtClean="0">
+              <a:rPr lang="en-US" altLang="zh-CN" sz="1400" dirty="0">
                 <a:latin typeface="Times New Roman" panose="02020603050405020304" pitchFamily="18" charset="0"/>
                 <a:cs typeface="Times New Roman" panose="02020603050405020304" pitchFamily="18" charset="0"/>
               </a:rPr>
@@ -8283,7 +8248,7 @@
               </a:lnSpc>
             </a:pPr>
             <a:r>
-              <a:rPr lang="en-US" altLang="zh-CN" sz="1400" dirty="0" smtClean="0">
+              <a:rPr lang="en-US" altLang="zh-CN" sz="1400" dirty="0">
                 <a:latin typeface="Times New Roman" panose="02020603050405020304" pitchFamily="18" charset="0"/>
                 <a:cs typeface="Times New Roman" panose="02020603050405020304" pitchFamily="18" charset="0"/>
               </a:rPr>
@@ -8324,7 +8289,7 @@
               </a:lnSpc>
             </a:pPr>
             <a:r>
-              <a:rPr lang="en-US" altLang="zh-CN" sz="1400" dirty="0" smtClean="0">
+              <a:rPr lang="en-US" altLang="zh-CN" sz="1400" dirty="0">
                 <a:latin typeface="Times New Roman" panose="02020603050405020304" pitchFamily="18" charset="0"/>
                 <a:cs typeface="Times New Roman" panose="02020603050405020304" pitchFamily="18" charset="0"/>
               </a:rPr>
@@ -8772,7 +8737,7 @@
             <a:lstStyle/>
             <a:p>
               <a:r>
-                <a:rPr lang="en-US" altLang="zh-CN" sz="1400" dirty="0" smtClean="0">
+                <a:rPr lang="en-US" altLang="zh-CN" sz="1400" dirty="0">
                   <a:latin typeface="Times New Roman" panose="02020603050405020304" pitchFamily="18" charset="0"/>
                   <a:cs typeface="Times New Roman" panose="02020603050405020304" pitchFamily="18" charset="0"/>
                 </a:rPr>
@@ -8901,13 +8866,6 @@
   <p:clrMapOvr>
     <a:masterClrMapping/>
   </p:clrMapOvr>
-  <p:timing>
-    <p:tnLst>
-      <p:par>
-        <p:cTn id="1" dur="indefinite" restart="never" nodeType="tmRoot"/>
-      </p:par>
-    </p:tnLst>
-  </p:timing>
 </p:sld>
 </file>
 
@@ -9014,7 +8972,7 @@
           <a:p>
             <a:pPr algn="ctr"/>
             <a:r>
-              <a:rPr lang="en-US" altLang="zh-CN" sz="1100" dirty="0" smtClean="0">
+              <a:rPr lang="en-US" altLang="zh-CN" sz="1100" dirty="0">
                 <a:latin typeface="Times New Roman" panose="02020603050405020304" pitchFamily="18" charset="0"/>
                 <a:cs typeface="Times New Roman" panose="02020603050405020304" pitchFamily="18" charset="0"/>
               </a:rPr>
@@ -9064,7 +9022,7 @@
           <a:p>
             <a:pPr algn="ctr"/>
             <a:r>
-              <a:rPr lang="en-US" altLang="zh-CN" sz="1100" dirty="0" smtClean="0">
+              <a:rPr lang="en-US" altLang="zh-CN" sz="1100" dirty="0">
                 <a:latin typeface="Times New Roman" panose="02020603050405020304" pitchFamily="18" charset="0"/>
                 <a:cs typeface="Times New Roman" panose="02020603050405020304" pitchFamily="18" charset="0"/>
               </a:rPr>
@@ -9150,7 +9108,7 @@
           <a:p>
             <a:pPr algn="ctr"/>
             <a:r>
-              <a:rPr lang="en-US" altLang="zh-CN" sz="1100" dirty="0" smtClean="0">
+              <a:rPr lang="en-US" altLang="zh-CN" sz="1100" dirty="0">
                 <a:latin typeface="Times New Roman" panose="02020603050405020304" pitchFamily="18" charset="0"/>
                 <a:cs typeface="Times New Roman" panose="02020603050405020304" pitchFamily="18" charset="0"/>
               </a:rPr>
@@ -9236,7 +9194,7 @@
           <a:p>
             <a:pPr algn="ctr"/>
             <a:r>
-              <a:rPr lang="en-US" altLang="zh-CN" sz="1100" dirty="0" smtClean="0">
+              <a:rPr lang="en-US" altLang="zh-CN" sz="1100" dirty="0">
                 <a:latin typeface="Times New Roman" panose="02020603050405020304" pitchFamily="18" charset="0"/>
                 <a:cs typeface="Times New Roman" panose="02020603050405020304" pitchFamily="18" charset="0"/>
               </a:rPr>
@@ -9322,7 +9280,7 @@
           <a:p>
             <a:pPr algn="ctr"/>
             <a:r>
-              <a:rPr lang="en-US" altLang="zh-CN" sz="1600" dirty="0" smtClean="0">
+              <a:rPr lang="en-US" altLang="zh-CN" sz="1600" dirty="0">
                 <a:latin typeface="Times New Roman" panose="02020603050405020304" pitchFamily="18" charset="0"/>
                 <a:cs typeface="Times New Roman" panose="02020603050405020304" pitchFamily="18" charset="0"/>
               </a:rPr>
@@ -9428,7 +9386,7 @@
           <a:p>
             <a:pPr algn="ctr"/>
             <a:r>
-              <a:rPr lang="en-US" altLang="zh-CN" sz="1400" dirty="0" smtClean="0">
+              <a:rPr lang="en-US" altLang="zh-CN" sz="1400" dirty="0">
                 <a:latin typeface="Times New Roman" panose="02020603050405020304" pitchFamily="18" charset="0"/>
                 <a:cs typeface="Times New Roman" panose="02020603050405020304" pitchFamily="18" charset="0"/>
               </a:rPr>
@@ -9559,17 +9517,7 @@
                 <a:latin typeface="Times New Roman" panose="02020603050405020304" pitchFamily="18" charset="0"/>
                 <a:cs typeface="Times New Roman" panose="02020603050405020304" pitchFamily="18" charset="0"/>
               </a:rPr>
-              <a:t>Server </a:t>
-            </a:r>
-            <a:r>
-              <a:rPr lang="en-US" altLang="zh-CN" sz="1400" dirty="0" smtClean="0">
-                <a:solidFill>
-                  <a:prstClr val="white"/>
-                </a:solidFill>
-                <a:latin typeface="Times New Roman" panose="02020603050405020304" pitchFamily="18" charset="0"/>
-                <a:cs typeface="Times New Roman" panose="02020603050405020304" pitchFamily="18" charset="0"/>
-              </a:rPr>
-              <a:t>C</a:t>
+              <a:t>Server C</a:t>
             </a:r>
             <a:endParaRPr lang="zh-CN" altLang="en-US" sz="1000" dirty="0">
               <a:solidFill>
@@ -9634,17 +9582,7 @@
                 <a:latin typeface="Times New Roman" panose="02020603050405020304" pitchFamily="18" charset="0"/>
                 <a:cs typeface="Times New Roman" panose="02020603050405020304" pitchFamily="18" charset="0"/>
               </a:rPr>
-              <a:t>Server </a:t>
-            </a:r>
-            <a:r>
-              <a:rPr lang="en-US" altLang="zh-CN" sz="1400" dirty="0" smtClean="0">
-                <a:solidFill>
-                  <a:prstClr val="white"/>
-                </a:solidFill>
-                <a:latin typeface="Times New Roman" panose="02020603050405020304" pitchFamily="18" charset="0"/>
-                <a:cs typeface="Times New Roman" panose="02020603050405020304" pitchFamily="18" charset="0"/>
-              </a:rPr>
-              <a:t>D</a:t>
+              <a:t>Server D</a:t>
             </a:r>
             <a:endParaRPr lang="zh-CN" altLang="en-US" sz="1000" dirty="0">
               <a:solidFill>
@@ -9825,7 +9763,7 @@
           <a:p>
             <a:pPr algn="ctr"/>
             <a:r>
-              <a:rPr lang="en-US" altLang="zh-CN" sz="1600" dirty="0" smtClean="0">
+              <a:rPr lang="en-US" altLang="zh-CN" sz="1600" dirty="0">
                 <a:latin typeface="Times New Roman" panose="02020603050405020304" pitchFamily="18" charset="0"/>
                 <a:cs typeface="Times New Roman" panose="02020603050405020304" pitchFamily="18" charset="0"/>
               </a:rPr>
@@ -9875,7 +9813,7 @@
           <a:p>
             <a:pPr algn="ctr"/>
             <a:r>
-              <a:rPr lang="en-US" altLang="zh-CN" sz="1600" dirty="0" smtClean="0">
+              <a:rPr lang="en-US" altLang="zh-CN" sz="1600" dirty="0">
                 <a:latin typeface="Times New Roman" panose="02020603050405020304" pitchFamily="18" charset="0"/>
                 <a:cs typeface="Times New Roman" panose="02020603050405020304" pitchFamily="18" charset="0"/>
               </a:rPr>
@@ -10042,7 +9980,7 @@
           <a:lstStyle/>
           <a:p>
             <a:r>
-              <a:rPr lang="en-US" altLang="zh-CN" sz="3200" b="1" dirty="0" smtClean="0"/>
+              <a:rPr lang="en-US" altLang="zh-CN" sz="3200" b="1" dirty="0"/>
               <a:t>……</a:t>
             </a:r>
             <a:endParaRPr lang="zh-CN" altLang="en-US" sz="3200" b="1" dirty="0"/>
@@ -10116,7 +10054,7 @@
           <a:p>
             <a:pPr algn="ctr"/>
             <a:r>
-              <a:rPr lang="en-US" altLang="zh-CN" sz="1100" dirty="0" smtClean="0">
+              <a:rPr lang="en-US" altLang="zh-CN" sz="1100" dirty="0">
                 <a:latin typeface="Times New Roman" panose="02020603050405020304" pitchFamily="18" charset="0"/>
                 <a:cs typeface="Times New Roman" panose="02020603050405020304" pitchFamily="18" charset="0"/>
               </a:rPr>
@@ -10201,7 +10139,7 @@
           <a:p>
             <a:pPr algn="ctr"/>
             <a:r>
-              <a:rPr lang="en-US" altLang="zh-CN" sz="1100" dirty="0" smtClean="0">
+              <a:rPr lang="en-US" altLang="zh-CN" sz="1100" dirty="0">
                 <a:latin typeface="Times New Roman" panose="02020603050405020304" pitchFamily="18" charset="0"/>
                 <a:cs typeface="Times New Roman" panose="02020603050405020304" pitchFamily="18" charset="0"/>
               </a:rPr>
@@ -10287,7 +10225,7 @@
           <a:p>
             <a:pPr algn="ctr"/>
             <a:r>
-              <a:rPr lang="en-US" altLang="zh-CN" sz="1100" dirty="0" smtClean="0">
+              <a:rPr lang="en-US" altLang="zh-CN" sz="1100" dirty="0">
                 <a:latin typeface="Times New Roman" panose="02020603050405020304" pitchFamily="18" charset="0"/>
                 <a:cs typeface="Times New Roman" panose="02020603050405020304" pitchFamily="18" charset="0"/>
               </a:rPr>
@@ -10337,7 +10275,7 @@
           <a:p>
             <a:pPr algn="ctr"/>
             <a:r>
-              <a:rPr lang="en-US" altLang="zh-CN" sz="1100" dirty="0" smtClean="0">
+              <a:rPr lang="en-US" altLang="zh-CN" sz="1100" dirty="0">
                 <a:latin typeface="Times New Roman" panose="02020603050405020304" pitchFamily="18" charset="0"/>
                 <a:cs typeface="Times New Roman" panose="02020603050405020304" pitchFamily="18" charset="0"/>
               </a:rPr>
@@ -10459,7 +10397,7 @@
           <a:p>
             <a:pPr algn="ctr"/>
             <a:r>
-              <a:rPr lang="en-US" altLang="zh-CN" sz="1100" dirty="0" smtClean="0">
+              <a:rPr lang="en-US" altLang="zh-CN" sz="1100" dirty="0">
                 <a:latin typeface="Times New Roman" panose="02020603050405020304" pitchFamily="18" charset="0"/>
                 <a:cs typeface="Times New Roman" panose="02020603050405020304" pitchFamily="18" charset="0"/>
               </a:rPr>
@@ -10515,7 +10453,7 @@
           <a:p>
             <a:pPr algn="ctr"/>
             <a:r>
-              <a:rPr lang="en-US" altLang="zh-CN" dirty="0" smtClean="0">
+              <a:rPr lang="en-US" altLang="zh-CN" dirty="0">
                 <a:latin typeface="Times New Roman" panose="02020603050405020304" pitchFamily="18" charset="0"/>
                 <a:cs typeface="Times New Roman" panose="02020603050405020304" pitchFamily="18" charset="0"/>
               </a:rPr>
@@ -11211,7 +11149,7 @@
           <a:lstStyle/>
           <a:p>
             <a:r>
-              <a:rPr lang="en-US" altLang="zh-CN" dirty="0" smtClean="0">
+              <a:rPr lang="en-US" altLang="zh-CN" dirty="0">
                 <a:latin typeface="Times New Roman" panose="02020603050405020304" pitchFamily="18" charset="0"/>
                 <a:cs typeface="Times New Roman" panose="02020603050405020304" pitchFamily="18" charset="0"/>
               </a:rPr>
@@ -11261,7 +11199,7 @@
           <a:p>
             <a:pPr algn="ctr"/>
             <a:r>
-              <a:rPr lang="en-US" altLang="zh-CN" sz="1100" dirty="0" smtClean="0">
+              <a:rPr lang="en-US" altLang="zh-CN" sz="1100" dirty="0">
                 <a:latin typeface="Times New Roman" panose="02020603050405020304" pitchFamily="18" charset="0"/>
                 <a:cs typeface="Times New Roman" panose="02020603050405020304" pitchFamily="18" charset="0"/>
               </a:rPr>
@@ -11311,7 +11249,7 @@
           <a:p>
             <a:pPr algn="ctr"/>
             <a:r>
-              <a:rPr lang="en-US" altLang="zh-CN" sz="1100" dirty="0" smtClean="0">
+              <a:rPr lang="en-US" altLang="zh-CN" sz="1100" dirty="0">
                 <a:latin typeface="Times New Roman" panose="02020603050405020304" pitchFamily="18" charset="0"/>
                 <a:cs typeface="Times New Roman" panose="02020603050405020304" pitchFamily="18" charset="0"/>
               </a:rPr>
@@ -11361,7 +11299,7 @@
           <a:p>
             <a:pPr algn="ctr"/>
             <a:r>
-              <a:rPr lang="en-US" altLang="zh-CN" sz="1100" dirty="0" smtClean="0">
+              <a:rPr lang="en-US" altLang="zh-CN" sz="1100" dirty="0">
                 <a:latin typeface="Times New Roman" panose="02020603050405020304" pitchFamily="18" charset="0"/>
                 <a:cs typeface="Times New Roman" panose="02020603050405020304" pitchFamily="18" charset="0"/>
               </a:rPr>
@@ -11411,7 +11349,7 @@
           <a:p>
             <a:pPr algn="ctr"/>
             <a:r>
-              <a:rPr lang="en-US" altLang="zh-CN" sz="1100" dirty="0" smtClean="0">
+              <a:rPr lang="en-US" altLang="zh-CN" sz="1100" dirty="0">
                 <a:latin typeface="Times New Roman" panose="02020603050405020304" pitchFamily="18" charset="0"/>
                 <a:cs typeface="Times New Roman" panose="02020603050405020304" pitchFamily="18" charset="0"/>
               </a:rPr>
@@ -11596,7 +11534,7 @@
           <a:lstStyle/>
           <a:p>
             <a:r>
-              <a:rPr lang="en-US" altLang="zh-CN" sz="1400" dirty="0" smtClean="0">
+              <a:rPr lang="en-US" altLang="zh-CN" sz="1400" dirty="0">
                 <a:latin typeface="Times New Roman" panose="02020603050405020304" pitchFamily="18" charset="0"/>
                 <a:cs typeface="Times New Roman" panose="02020603050405020304" pitchFamily="18" charset="0"/>
               </a:rPr>
@@ -11673,7 +11611,7 @@
           <a:lstStyle/>
           <a:p>
             <a:r>
-              <a:rPr lang="en-US" altLang="zh-CN" sz="1400" dirty="0" smtClean="0">
+              <a:rPr lang="en-US" altLang="zh-CN" sz="1400" dirty="0">
                 <a:latin typeface="Times New Roman" panose="02020603050405020304" pitchFamily="18" charset="0"/>
                 <a:cs typeface="Times New Roman" panose="02020603050405020304" pitchFamily="18" charset="0"/>
               </a:rPr>
@@ -11760,14 +11698,14 @@
           <a:lstStyle/>
           <a:p>
             <a:r>
-              <a:rPr lang="en-US" altLang="zh-CN" sz="1200" dirty="0" smtClean="0">
+              <a:rPr lang="en-US" altLang="zh-CN" sz="1200" dirty="0">
                 <a:latin typeface="Times New Roman" panose="02020603050405020304" pitchFamily="18" charset="0"/>
                 <a:cs typeface="Times New Roman" panose="02020603050405020304" pitchFamily="18" charset="0"/>
               </a:rPr>
               <a:t>Running </a:t>
             </a:r>
             <a:r>
-              <a:rPr lang="en-US" altLang="zh-CN" sz="1200" dirty="0" err="1" smtClean="0">
+              <a:rPr lang="en-US" altLang="zh-CN" sz="1200" dirty="0" err="1">
                 <a:latin typeface="Times New Roman" panose="02020603050405020304" pitchFamily="18" charset="0"/>
                 <a:cs typeface="Times New Roman" panose="02020603050405020304" pitchFamily="18" charset="0"/>
               </a:rPr>
@@ -11803,7 +11741,7 @@
           <a:lstStyle/>
           <a:p>
             <a:r>
-              <a:rPr lang="en-US" altLang="zh-CN" sz="1200" dirty="0" smtClean="0">
+              <a:rPr lang="en-US" altLang="zh-CN" sz="1200" dirty="0">
                 <a:latin typeface="Times New Roman" panose="02020603050405020304" pitchFamily="18" charset="0"/>
                 <a:cs typeface="Times New Roman" panose="02020603050405020304" pitchFamily="18" charset="0"/>
               </a:rPr>
@@ -11812,21 +11750,21 @@
           </a:p>
           <a:p>
             <a:r>
-              <a:rPr lang="en-US" altLang="zh-CN" sz="1200" dirty="0" smtClean="0">
+              <a:rPr lang="en-US" altLang="zh-CN" sz="1200" dirty="0">
                 <a:latin typeface="Times New Roman" panose="02020603050405020304" pitchFamily="18" charset="0"/>
                 <a:cs typeface="Times New Roman" panose="02020603050405020304" pitchFamily="18" charset="0"/>
               </a:rPr>
               <a:t>  distribute </a:t>
             </a:r>
             <a:r>
-              <a:rPr lang="en-US" altLang="zh-CN" sz="1200" dirty="0" err="1" smtClean="0">
+              <a:rPr lang="en-US" altLang="zh-CN" sz="1200" dirty="0" err="1">
                 <a:latin typeface="Times New Roman" panose="02020603050405020304" pitchFamily="18" charset="0"/>
                 <a:cs typeface="Times New Roman" panose="02020603050405020304" pitchFamily="18" charset="0"/>
               </a:rPr>
               <a:t>pkt</a:t>
             </a:r>
             <a:r>
-              <a:rPr lang="en-US" altLang="zh-CN" sz="1200" dirty="0" smtClean="0">
+              <a:rPr lang="en-US" altLang="zh-CN" sz="1200" dirty="0">
                 <a:latin typeface="Times New Roman" panose="02020603050405020304" pitchFamily="18" charset="0"/>
                 <a:cs typeface="Times New Roman" panose="02020603050405020304" pitchFamily="18" charset="0"/>
               </a:rPr>
@@ -11862,7 +11800,7 @@
           <a:lstStyle/>
           <a:p>
             <a:r>
-              <a:rPr lang="en-US" altLang="zh-CN" sz="1200" dirty="0" smtClean="0">
+              <a:rPr lang="en-US" altLang="zh-CN" sz="1200" dirty="0">
                 <a:latin typeface="Times New Roman" panose="02020603050405020304" pitchFamily="18" charset="0"/>
                 <a:cs typeface="Times New Roman" panose="02020603050405020304" pitchFamily="18" charset="0"/>
               </a:rPr>
@@ -11871,7 +11809,7 @@
           </a:p>
           <a:p>
             <a:r>
-              <a:rPr lang="en-US" altLang="zh-CN" sz="1200" dirty="0" smtClean="0">
+              <a:rPr lang="en-US" altLang="zh-CN" sz="1200" dirty="0">
                 <a:latin typeface="Times New Roman" panose="02020603050405020304" pitchFamily="18" charset="0"/>
                 <a:cs typeface="Times New Roman" panose="02020603050405020304" pitchFamily="18" charset="0"/>
               </a:rPr>
@@ -11907,64 +11845,20 @@
           <a:lstStyle/>
           <a:p>
             <a:r>
-              <a:rPr lang="en-US" altLang="zh-CN" sz="1200" dirty="0" smtClean="0">
+              <a:rPr lang="en-US" altLang="zh-CN" sz="1200" dirty="0">
                 <a:latin typeface="Times New Roman" panose="02020603050405020304" pitchFamily="18" charset="0"/>
                 <a:cs typeface="Times New Roman" panose="02020603050405020304" pitchFamily="18" charset="0"/>
               </a:rPr>
-              <a:t>Scatter </a:t>
+              <a:t>Scatter 2:</a:t>
             </a:r>
+          </a:p>
+          <a:p>
             <a:r>
               <a:rPr lang="en-US" altLang="zh-CN" sz="1200" dirty="0">
                 <a:latin typeface="Times New Roman" panose="02020603050405020304" pitchFamily="18" charset="0"/>
                 <a:cs typeface="Times New Roman" panose="02020603050405020304" pitchFamily="18" charset="0"/>
               </a:rPr>
-              <a:t>2</a:t>
-            </a:r>
-            <a:r>
-              <a:rPr lang="en-US" altLang="zh-CN" sz="1200" dirty="0" smtClean="0">
-                <a:latin typeface="Times New Roman" panose="02020603050405020304" pitchFamily="18" charset="0"/>
-                <a:cs typeface="Times New Roman" panose="02020603050405020304" pitchFamily="18" charset="0"/>
-              </a:rPr>
-              <a:t>:</a:t>
-            </a:r>
-          </a:p>
-          <a:p>
-            <a:r>
-              <a:rPr lang="en-US" altLang="zh-CN" sz="1200" dirty="0" smtClean="0">
-                <a:latin typeface="Times New Roman" panose="02020603050405020304" pitchFamily="18" charset="0"/>
-                <a:cs typeface="Times New Roman" panose="02020603050405020304" pitchFamily="18" charset="0"/>
-              </a:rPr>
               <a:t>  distribute packet ID</a:t>
-            </a:r>
-            <a:r>
-              <a:rPr lang="en-US" altLang="zh-CN" sz="1200" baseline="-25000" dirty="0" smtClean="0">
-                <a:latin typeface="Times New Roman" panose="02020603050405020304" pitchFamily="18" charset="0"/>
-                <a:cs typeface="Times New Roman" panose="02020603050405020304" pitchFamily="18" charset="0"/>
-              </a:rPr>
-              <a:t>1</a:t>
-            </a:r>
-            <a:r>
-              <a:rPr lang="en-US" altLang="zh-CN" sz="1200" dirty="0" smtClean="0">
-                <a:latin typeface="Times New Roman" panose="02020603050405020304" pitchFamily="18" charset="0"/>
-                <a:cs typeface="Times New Roman" panose="02020603050405020304" pitchFamily="18" charset="0"/>
-              </a:rPr>
-              <a:t> to VNF 5</a:t>
-            </a:r>
-          </a:p>
-          <a:p>
-            <a:r>
-              <a:rPr lang="en-US" altLang="zh-CN" sz="1200" dirty="0" smtClean="0">
-                <a:latin typeface="Times New Roman" panose="02020603050405020304" pitchFamily="18" charset="0"/>
-                <a:cs typeface="Times New Roman" panose="02020603050405020304" pitchFamily="18" charset="0"/>
-              </a:rPr>
-              <a:t>  distribute </a:t>
-            </a:r>
-            <a:r>
-              <a:rPr lang="en-US" altLang="zh-CN" sz="1200" dirty="0">
-                <a:latin typeface="Times New Roman" panose="02020603050405020304" pitchFamily="18" charset="0"/>
-                <a:cs typeface="Times New Roman" panose="02020603050405020304" pitchFamily="18" charset="0"/>
-              </a:rPr>
-              <a:t>packet ID</a:t>
             </a:r>
             <a:r>
               <a:rPr lang="en-US" altLang="zh-CN" sz="1200" baseline="-25000" dirty="0">
@@ -11978,65 +11872,53 @@
                 <a:latin typeface="Times New Roman" panose="02020603050405020304" pitchFamily="18" charset="0"/>
                 <a:cs typeface="Times New Roman" panose="02020603050405020304" pitchFamily="18" charset="0"/>
               </a:rPr>
-              <a:t> to </a:t>
-            </a:r>
-            <a:r>
-              <a:rPr lang="en-US" altLang="zh-CN" sz="1200" dirty="0" smtClean="0">
-                <a:latin typeface="Times New Roman" panose="02020603050405020304" pitchFamily="18" charset="0"/>
-                <a:cs typeface="Times New Roman" panose="02020603050405020304" pitchFamily="18" charset="0"/>
-              </a:rPr>
-              <a:t>VNF 6</a:t>
+              <a:t> to VNF 5</a:t>
             </a:r>
           </a:p>
           <a:p>
             <a:r>
-              <a:rPr lang="en-US" altLang="zh-CN" sz="1200" dirty="0" smtClean="0">
+              <a:rPr lang="en-US" altLang="zh-CN" sz="1200" dirty="0">
                 <a:latin typeface="Times New Roman" panose="02020603050405020304" pitchFamily="18" charset="0"/>
                 <a:cs typeface="Times New Roman" panose="02020603050405020304" pitchFamily="18" charset="0"/>
               </a:rPr>
-              <a:t>  distribute </a:t>
+              <a:t>  distribute packet ID</a:t>
+            </a:r>
+            <a:r>
+              <a:rPr lang="en-US" altLang="zh-CN" sz="1200" baseline="-25000" dirty="0">
+                <a:latin typeface="Times New Roman" panose="02020603050405020304" pitchFamily="18" charset="0"/>
+                <a:cs typeface="Times New Roman" panose="02020603050405020304" pitchFamily="18" charset="0"/>
+              </a:rPr>
+              <a:t>1</a:t>
             </a:r>
             <a:r>
               <a:rPr lang="en-US" altLang="zh-CN" sz="1200" dirty="0">
                 <a:latin typeface="Times New Roman" panose="02020603050405020304" pitchFamily="18" charset="0"/>
                 <a:cs typeface="Times New Roman" panose="02020603050405020304" pitchFamily="18" charset="0"/>
               </a:rPr>
-              <a:t>packet </a:t>
+              <a:t> to VNF 6</a:t>
             </a:r>
+          </a:p>
+          <a:p>
             <a:r>
-              <a:rPr lang="en-US" altLang="zh-CN" sz="1200" dirty="0" smtClean="0">
+              <a:rPr lang="en-US" altLang="zh-CN" sz="1200" dirty="0">
                 <a:latin typeface="Times New Roman" panose="02020603050405020304" pitchFamily="18" charset="0"/>
                 <a:cs typeface="Times New Roman" panose="02020603050405020304" pitchFamily="18" charset="0"/>
               </a:rPr>
-              <a:t>ID</a:t>
+              <a:t>  distribute packet ID</a:t>
             </a:r>
             <a:r>
-              <a:rPr lang="en-US" altLang="zh-CN" sz="1200" baseline="-25000" dirty="0" smtClean="0">
+              <a:rPr lang="en-US" altLang="zh-CN" sz="1200" baseline="-25000" dirty="0">
                 <a:latin typeface="Times New Roman" panose="02020603050405020304" pitchFamily="18" charset="0"/>
                 <a:cs typeface="Times New Roman" panose="02020603050405020304" pitchFamily="18" charset="0"/>
               </a:rPr>
               <a:t>2</a:t>
             </a:r>
             <a:r>
-              <a:rPr lang="en-US" altLang="zh-CN" sz="1200" dirty="0" smtClean="0">
-                <a:latin typeface="Times New Roman" panose="02020603050405020304" pitchFamily="18" charset="0"/>
-                <a:cs typeface="Times New Roman" panose="02020603050405020304" pitchFamily="18" charset="0"/>
-              </a:rPr>
-              <a:t> </a:t>
-            </a:r>
-            <a:r>
               <a:rPr lang="en-US" altLang="zh-CN" sz="1200" dirty="0">
                 <a:latin typeface="Times New Roman" panose="02020603050405020304" pitchFamily="18" charset="0"/>
                 <a:cs typeface="Times New Roman" panose="02020603050405020304" pitchFamily="18" charset="0"/>
               </a:rPr>
-              <a:t>to </a:t>
-            </a:r>
-            <a:r>
-              <a:rPr lang="en-US" altLang="zh-CN" sz="1200" dirty="0" smtClean="0">
-                <a:latin typeface="Times New Roman" panose="02020603050405020304" pitchFamily="18" charset="0"/>
-                <a:cs typeface="Times New Roman" panose="02020603050405020304" pitchFamily="18" charset="0"/>
-              </a:rPr>
-              <a:t>VNF 7</a:t>
+              <a:t> to VNF 7</a:t>
             </a:r>
             <a:endParaRPr lang="zh-CN" altLang="en-US" sz="1200" dirty="0">
               <a:latin typeface="Times New Roman" panose="02020603050405020304" pitchFamily="18" charset="0"/>
@@ -12068,7 +11950,7 @@
           <a:lstStyle/>
           <a:p>
             <a:r>
-              <a:rPr lang="en-US" altLang="zh-CN" sz="1200" dirty="0" smtClean="0">
+              <a:rPr lang="en-US" altLang="zh-CN" sz="1200" dirty="0">
                 <a:latin typeface="Times New Roman" panose="02020603050405020304" pitchFamily="18" charset="0"/>
                 <a:cs typeface="Times New Roman" panose="02020603050405020304" pitchFamily="18" charset="0"/>
               </a:rPr>
@@ -12077,21 +11959,21 @@
           </a:p>
           <a:p>
             <a:r>
-              <a:rPr lang="en-US" altLang="zh-CN" sz="1200" dirty="0" smtClean="0">
+              <a:rPr lang="en-US" altLang="zh-CN" sz="1200" dirty="0">
                 <a:latin typeface="Times New Roman" panose="02020603050405020304" pitchFamily="18" charset="0"/>
                 <a:cs typeface="Times New Roman" panose="02020603050405020304" pitchFamily="18" charset="0"/>
               </a:rPr>
               <a:t>  ID</a:t>
             </a:r>
             <a:r>
-              <a:rPr lang="en-US" altLang="zh-CN" sz="1200" baseline="-25000" dirty="0" smtClean="0">
+              <a:rPr lang="en-US" altLang="zh-CN" sz="1200" baseline="-25000" dirty="0">
                 <a:latin typeface="Times New Roman" panose="02020603050405020304" pitchFamily="18" charset="0"/>
                 <a:cs typeface="Times New Roman" panose="02020603050405020304" pitchFamily="18" charset="0"/>
               </a:rPr>
               <a:t>1</a:t>
             </a:r>
             <a:r>
-              <a:rPr lang="en-US" altLang="zh-CN" sz="1200" dirty="0" smtClean="0">
+              <a:rPr lang="en-US" altLang="zh-CN" sz="1200" dirty="0">
                 <a:latin typeface="Times New Roman" panose="02020603050405020304" pitchFamily="18" charset="0"/>
                 <a:cs typeface="Times New Roman" panose="02020603050405020304" pitchFamily="18" charset="0"/>
               </a:rPr>
@@ -12104,24 +11986,17 @@
                 <a:latin typeface="Times New Roman" panose="02020603050405020304" pitchFamily="18" charset="0"/>
                 <a:cs typeface="Times New Roman" panose="02020603050405020304" pitchFamily="18" charset="0"/>
               </a:rPr>
-              <a:t> </a:t>
+              <a:t>  adopt ID</a:t>
             </a:r>
             <a:r>
-              <a:rPr lang="en-US" altLang="zh-CN" sz="1200" dirty="0" smtClean="0">
-                <a:latin typeface="Times New Roman" panose="02020603050405020304" pitchFamily="18" charset="0"/>
-                <a:cs typeface="Times New Roman" panose="02020603050405020304" pitchFamily="18" charset="0"/>
-              </a:rPr>
-              <a:t> adopt ID</a:t>
-            </a:r>
-            <a:r>
-              <a:rPr lang="en-US" altLang="zh-CN" sz="1200" baseline="-25000" dirty="0" smtClean="0">
+              <a:rPr lang="en-US" altLang="zh-CN" sz="1200" baseline="-25000" dirty="0">
                 <a:latin typeface="Times New Roman" panose="02020603050405020304" pitchFamily="18" charset="0"/>
                 <a:cs typeface="Times New Roman" panose="02020603050405020304" pitchFamily="18" charset="0"/>
               </a:rPr>
               <a:t>2</a:t>
             </a:r>
             <a:r>
-              <a:rPr lang="en-US" altLang="zh-CN" sz="1200" dirty="0" smtClean="0">
+              <a:rPr lang="en-US" altLang="zh-CN" sz="1200" dirty="0">
                 <a:latin typeface="Times New Roman" panose="02020603050405020304" pitchFamily="18" charset="0"/>
                 <a:cs typeface="Times New Roman" panose="02020603050405020304" pitchFamily="18" charset="0"/>
               </a:rPr>
@@ -12231,7 +12106,7 @@
           <a:p>
             <a:pPr algn="ctr"/>
             <a:r>
-              <a:rPr lang="en-US" altLang="zh-CN" sz="1100" b="1" dirty="0" smtClean="0">
+              <a:rPr lang="en-US" altLang="zh-CN" sz="1100" b="1" dirty="0">
                 <a:latin typeface="Times New Roman" panose="02020603050405020304" pitchFamily="18" charset="0"/>
                 <a:cs typeface="Times New Roman" panose="02020603050405020304" pitchFamily="18" charset="0"/>
               </a:rPr>
@@ -12287,7 +12162,7 @@
           <a:p>
             <a:pPr algn="ctr"/>
             <a:r>
-              <a:rPr lang="en-US" altLang="zh-CN" sz="1100" b="1" dirty="0" smtClean="0">
+              <a:rPr lang="en-US" altLang="zh-CN" sz="1100" b="1" dirty="0">
                 <a:latin typeface="Times New Roman" panose="02020603050405020304" pitchFamily="18" charset="0"/>
                 <a:cs typeface="Times New Roman" panose="02020603050405020304" pitchFamily="18" charset="0"/>
               </a:rPr>
@@ -12343,7 +12218,7 @@
           <a:p>
             <a:pPr algn="ctr"/>
             <a:r>
-              <a:rPr lang="en-US" altLang="zh-CN" sz="1100" b="1" dirty="0" smtClean="0">
+              <a:rPr lang="en-US" altLang="zh-CN" sz="1100" b="1" dirty="0">
                 <a:latin typeface="Times New Roman" panose="02020603050405020304" pitchFamily="18" charset="0"/>
                 <a:cs typeface="Times New Roman" panose="02020603050405020304" pitchFamily="18" charset="0"/>
               </a:rPr>
@@ -12399,7 +12274,7 @@
           <a:p>
             <a:pPr algn="ctr"/>
             <a:r>
-              <a:rPr lang="en-US" altLang="zh-CN" sz="1100" b="1" dirty="0" smtClean="0">
+              <a:rPr lang="en-US" altLang="zh-CN" sz="1100" b="1" dirty="0">
                 <a:latin typeface="Times New Roman" panose="02020603050405020304" pitchFamily="18" charset="0"/>
                 <a:cs typeface="Times New Roman" panose="02020603050405020304" pitchFamily="18" charset="0"/>
               </a:rPr>
@@ -12678,7 +12553,7 @@
           <a:lstStyle/>
           <a:p>
             <a:r>
-              <a:rPr lang="en-US" altLang="zh-CN" sz="1600" dirty="0" smtClean="0">
+              <a:rPr lang="en-US" altLang="zh-CN" sz="1600" dirty="0">
                 <a:latin typeface="Times New Roman" panose="02020603050405020304" pitchFamily="18" charset="0"/>
                 <a:cs typeface="Times New Roman" panose="02020603050405020304" pitchFamily="18" charset="0"/>
               </a:rPr>
@@ -12714,7 +12589,7 @@
           <a:lstStyle/>
           <a:p>
             <a:r>
-              <a:rPr lang="en-US" altLang="zh-CN" dirty="0" smtClean="0">
+              <a:rPr lang="en-US" altLang="zh-CN" dirty="0">
                 <a:latin typeface="Times New Roman" panose="02020603050405020304" pitchFamily="18" charset="0"/>
                 <a:cs typeface="Times New Roman" panose="02020603050405020304" pitchFamily="18" charset="0"/>
               </a:rPr>
@@ -12790,7 +12665,7 @@
           <a:lstStyle/>
           <a:p>
             <a:r>
-              <a:rPr lang="en-US" altLang="zh-CN" dirty="0" smtClean="0">
+              <a:rPr lang="en-US" altLang="zh-CN" dirty="0">
                 <a:latin typeface="Times New Roman" panose="02020603050405020304" pitchFamily="18" charset="0"/>
                 <a:cs typeface="Times New Roman" panose="02020603050405020304" pitchFamily="18" charset="0"/>
               </a:rPr>
@@ -12866,7 +12741,7 @@
           <a:lstStyle/>
           <a:p>
             <a:r>
-              <a:rPr lang="en-US" altLang="zh-CN" dirty="0" smtClean="0">
+              <a:rPr lang="en-US" altLang="zh-CN" dirty="0">
                 <a:latin typeface="Times New Roman" panose="02020603050405020304" pitchFamily="18" charset="0"/>
                 <a:cs typeface="Times New Roman" panose="02020603050405020304" pitchFamily="18" charset="0"/>
               </a:rPr>
@@ -12942,7 +12817,7 @@
           <a:lstStyle/>
           <a:p>
             <a:r>
-              <a:rPr lang="en-US" altLang="zh-CN" dirty="0" smtClean="0">
+              <a:rPr lang="en-US" altLang="zh-CN" dirty="0">
                 <a:latin typeface="Times New Roman" panose="02020603050405020304" pitchFamily="18" charset="0"/>
                 <a:cs typeface="Times New Roman" panose="02020603050405020304" pitchFamily="18" charset="0"/>
               </a:rPr>
@@ -13018,7 +12893,7 @@
           <a:lstStyle/>
           <a:p>
             <a:r>
-              <a:rPr lang="en-US" altLang="zh-CN" dirty="0" smtClean="0">
+              <a:rPr lang="en-US" altLang="zh-CN" dirty="0">
                 <a:latin typeface="Times New Roman" panose="02020603050405020304" pitchFamily="18" charset="0"/>
                 <a:cs typeface="Times New Roman" panose="02020603050405020304" pitchFamily="18" charset="0"/>
               </a:rPr>
@@ -13147,7 +13022,7 @@
           <a:p>
             <a:pPr algn="ctr"/>
             <a:r>
-              <a:rPr lang="en-US" altLang="zh-CN" sz="1100" dirty="0" smtClean="0">
+              <a:rPr lang="en-US" altLang="zh-CN" sz="1100" dirty="0">
                 <a:latin typeface="Times New Roman" panose="02020603050405020304" pitchFamily="18" charset="0"/>
                 <a:cs typeface="Times New Roman" panose="02020603050405020304" pitchFamily="18" charset="0"/>
               </a:rPr>
@@ -13197,7 +13072,7 @@
           <a:p>
             <a:pPr algn="ctr"/>
             <a:r>
-              <a:rPr lang="en-US" altLang="zh-CN" sz="1100" dirty="0" smtClean="0">
+              <a:rPr lang="en-US" altLang="zh-CN" sz="1100" dirty="0">
                 <a:latin typeface="Times New Roman" panose="02020603050405020304" pitchFamily="18" charset="0"/>
                 <a:cs typeface="Times New Roman" panose="02020603050405020304" pitchFamily="18" charset="0"/>
               </a:rPr>
@@ -13283,7 +13158,7 @@
           <a:p>
             <a:pPr algn="ctr"/>
             <a:r>
-              <a:rPr lang="en-US" altLang="zh-CN" sz="1100" dirty="0" smtClean="0">
+              <a:rPr lang="en-US" altLang="zh-CN" sz="1100" dirty="0">
                 <a:latin typeface="Times New Roman" panose="02020603050405020304" pitchFamily="18" charset="0"/>
                 <a:cs typeface="Times New Roman" panose="02020603050405020304" pitchFamily="18" charset="0"/>
               </a:rPr>
@@ -13369,7 +13244,7 @@
           <a:p>
             <a:pPr algn="ctr"/>
             <a:r>
-              <a:rPr lang="en-US" altLang="zh-CN" sz="1100" dirty="0" smtClean="0">
+              <a:rPr lang="en-US" altLang="zh-CN" sz="1100" dirty="0">
                 <a:latin typeface="Times New Roman" panose="02020603050405020304" pitchFamily="18" charset="0"/>
                 <a:cs typeface="Times New Roman" panose="02020603050405020304" pitchFamily="18" charset="0"/>
               </a:rPr>
@@ -13455,7 +13330,7 @@
           <a:p>
             <a:pPr algn="ctr"/>
             <a:r>
-              <a:rPr lang="en-US" altLang="zh-CN" sz="1600" dirty="0" smtClean="0">
+              <a:rPr lang="en-US" altLang="zh-CN" sz="1600" dirty="0">
                 <a:latin typeface="Times New Roman" panose="02020603050405020304" pitchFamily="18" charset="0"/>
                 <a:cs typeface="Times New Roman" panose="02020603050405020304" pitchFamily="18" charset="0"/>
               </a:rPr>
@@ -13561,7 +13436,7 @@
           <a:p>
             <a:pPr algn="ctr"/>
             <a:r>
-              <a:rPr lang="en-US" altLang="zh-CN" sz="1400" dirty="0" smtClean="0">
+              <a:rPr lang="en-US" altLang="zh-CN" sz="1400" dirty="0">
                 <a:latin typeface="Times New Roman" panose="02020603050405020304" pitchFamily="18" charset="0"/>
                 <a:cs typeface="Times New Roman" panose="02020603050405020304" pitchFamily="18" charset="0"/>
               </a:rPr>
@@ -13692,17 +13567,7 @@
                 <a:latin typeface="Times New Roman" panose="02020603050405020304" pitchFamily="18" charset="0"/>
                 <a:cs typeface="Times New Roman" panose="02020603050405020304" pitchFamily="18" charset="0"/>
               </a:rPr>
-              <a:t>Server </a:t>
-            </a:r>
-            <a:r>
-              <a:rPr lang="en-US" altLang="zh-CN" sz="1400" dirty="0" smtClean="0">
-                <a:solidFill>
-                  <a:prstClr val="white"/>
-                </a:solidFill>
-                <a:latin typeface="Times New Roman" panose="02020603050405020304" pitchFamily="18" charset="0"/>
-                <a:cs typeface="Times New Roman" panose="02020603050405020304" pitchFamily="18" charset="0"/>
-              </a:rPr>
-              <a:t>C</a:t>
+              <a:t>Server C</a:t>
             </a:r>
             <a:endParaRPr lang="zh-CN" altLang="en-US" sz="1000" dirty="0">
               <a:solidFill>
@@ -13767,17 +13632,7 @@
                 <a:latin typeface="Times New Roman" panose="02020603050405020304" pitchFamily="18" charset="0"/>
                 <a:cs typeface="Times New Roman" panose="02020603050405020304" pitchFamily="18" charset="0"/>
               </a:rPr>
-              <a:t>Server </a:t>
-            </a:r>
-            <a:r>
-              <a:rPr lang="en-US" altLang="zh-CN" sz="1400" dirty="0" smtClean="0">
-                <a:solidFill>
-                  <a:prstClr val="white"/>
-                </a:solidFill>
-                <a:latin typeface="Times New Roman" panose="02020603050405020304" pitchFamily="18" charset="0"/>
-                <a:cs typeface="Times New Roman" panose="02020603050405020304" pitchFamily="18" charset="0"/>
-              </a:rPr>
-              <a:t>D</a:t>
+              <a:t>Server D</a:t>
             </a:r>
             <a:endParaRPr lang="zh-CN" altLang="en-US" sz="1000" dirty="0">
               <a:solidFill>
@@ -13958,7 +13813,7 @@
           <a:p>
             <a:pPr algn="ctr"/>
             <a:r>
-              <a:rPr lang="en-US" altLang="zh-CN" sz="1600" dirty="0" smtClean="0">
+              <a:rPr lang="en-US" altLang="zh-CN" sz="1600" dirty="0">
                 <a:latin typeface="Times New Roman" panose="02020603050405020304" pitchFamily="18" charset="0"/>
                 <a:cs typeface="Times New Roman" panose="02020603050405020304" pitchFamily="18" charset="0"/>
               </a:rPr>
@@ -14008,7 +13863,7 @@
           <a:p>
             <a:pPr algn="ctr"/>
             <a:r>
-              <a:rPr lang="en-US" altLang="zh-CN" sz="1600" dirty="0" smtClean="0">
+              <a:rPr lang="en-US" altLang="zh-CN" sz="1600" dirty="0">
                 <a:latin typeface="Times New Roman" panose="02020603050405020304" pitchFamily="18" charset="0"/>
                 <a:cs typeface="Times New Roman" panose="02020603050405020304" pitchFamily="18" charset="0"/>
               </a:rPr>
@@ -14175,7 +14030,7 @@
           <a:lstStyle/>
           <a:p>
             <a:r>
-              <a:rPr lang="en-US" altLang="zh-CN" sz="3200" b="1" dirty="0" smtClean="0"/>
+              <a:rPr lang="en-US" altLang="zh-CN" sz="3200" b="1" dirty="0"/>
               <a:t>……</a:t>
             </a:r>
             <a:endParaRPr lang="zh-CN" altLang="en-US" sz="3200" b="1" dirty="0"/>
@@ -14249,7 +14104,7 @@
           <a:p>
             <a:pPr algn="ctr"/>
             <a:r>
-              <a:rPr lang="en-US" altLang="zh-CN" sz="1100" dirty="0" smtClean="0">
+              <a:rPr lang="en-US" altLang="zh-CN" sz="1100" dirty="0">
                 <a:latin typeface="Times New Roman" panose="02020603050405020304" pitchFamily="18" charset="0"/>
                 <a:cs typeface="Times New Roman" panose="02020603050405020304" pitchFamily="18" charset="0"/>
               </a:rPr>
@@ -14334,7 +14189,7 @@
           <a:p>
             <a:pPr algn="ctr"/>
             <a:r>
-              <a:rPr lang="en-US" altLang="zh-CN" sz="1100" dirty="0" smtClean="0">
+              <a:rPr lang="en-US" altLang="zh-CN" sz="1100" dirty="0">
                 <a:latin typeface="Times New Roman" panose="02020603050405020304" pitchFamily="18" charset="0"/>
                 <a:cs typeface="Times New Roman" panose="02020603050405020304" pitchFamily="18" charset="0"/>
               </a:rPr>
@@ -14420,7 +14275,7 @@
           <a:p>
             <a:pPr algn="ctr"/>
             <a:r>
-              <a:rPr lang="en-US" altLang="zh-CN" sz="1100" dirty="0" smtClean="0">
+              <a:rPr lang="en-US" altLang="zh-CN" sz="1100" dirty="0">
                 <a:latin typeface="Times New Roman" panose="02020603050405020304" pitchFamily="18" charset="0"/>
                 <a:cs typeface="Times New Roman" panose="02020603050405020304" pitchFamily="18" charset="0"/>
               </a:rPr>
@@ -14470,7 +14325,7 @@
           <a:p>
             <a:pPr algn="ctr"/>
             <a:r>
-              <a:rPr lang="en-US" altLang="zh-CN" sz="1100" dirty="0" smtClean="0">
+              <a:rPr lang="en-US" altLang="zh-CN" sz="1100" dirty="0">
                 <a:latin typeface="Times New Roman" panose="02020603050405020304" pitchFamily="18" charset="0"/>
                 <a:cs typeface="Times New Roman" panose="02020603050405020304" pitchFamily="18" charset="0"/>
               </a:rPr>
@@ -14592,7 +14447,7 @@
           <a:p>
             <a:pPr algn="ctr"/>
             <a:r>
-              <a:rPr lang="en-US" altLang="zh-CN" sz="1100" dirty="0" smtClean="0">
+              <a:rPr lang="en-US" altLang="zh-CN" sz="1100" dirty="0">
                 <a:latin typeface="Times New Roman" panose="02020603050405020304" pitchFamily="18" charset="0"/>
                 <a:cs typeface="Times New Roman" panose="02020603050405020304" pitchFamily="18" charset="0"/>
               </a:rPr>
@@ -14648,7 +14503,7 @@
           <a:p>
             <a:pPr algn="ctr"/>
             <a:r>
-              <a:rPr lang="en-US" altLang="zh-CN" dirty="0" smtClean="0">
+              <a:rPr lang="en-US" altLang="zh-CN" dirty="0">
                 <a:latin typeface="Times New Roman" panose="02020603050405020304" pitchFamily="18" charset="0"/>
                 <a:cs typeface="Times New Roman" panose="02020603050405020304" pitchFamily="18" charset="0"/>
               </a:rPr>
@@ -14684,7 +14539,7 @@
           <a:lstStyle/>
           <a:p>
             <a:r>
-              <a:rPr lang="en-US" altLang="zh-CN" dirty="0" smtClean="0">
+              <a:rPr lang="en-US" altLang="zh-CN" dirty="0">
                 <a:latin typeface="Times New Roman" panose="02020603050405020304" pitchFamily="18" charset="0"/>
                 <a:cs typeface="Times New Roman" panose="02020603050405020304" pitchFamily="18" charset="0"/>
               </a:rPr>
@@ -14734,7 +14589,7 @@
           <a:p>
             <a:pPr algn="ctr"/>
             <a:r>
-              <a:rPr lang="en-US" altLang="zh-CN" sz="1100" dirty="0" smtClean="0">
+              <a:rPr lang="en-US" altLang="zh-CN" sz="1100" dirty="0">
                 <a:latin typeface="Times New Roman" panose="02020603050405020304" pitchFamily="18" charset="0"/>
                 <a:cs typeface="Times New Roman" panose="02020603050405020304" pitchFamily="18" charset="0"/>
               </a:rPr>
@@ -14784,7 +14639,7 @@
           <a:p>
             <a:pPr algn="ctr"/>
             <a:r>
-              <a:rPr lang="en-US" altLang="zh-CN" sz="1100" dirty="0" smtClean="0">
+              <a:rPr lang="en-US" altLang="zh-CN" sz="1100" dirty="0">
                 <a:latin typeface="Times New Roman" panose="02020603050405020304" pitchFamily="18" charset="0"/>
                 <a:cs typeface="Times New Roman" panose="02020603050405020304" pitchFamily="18" charset="0"/>
               </a:rPr>
@@ -14834,7 +14689,7 @@
           <a:p>
             <a:pPr algn="ctr"/>
             <a:r>
-              <a:rPr lang="en-US" altLang="zh-CN" sz="1100" dirty="0" smtClean="0">
+              <a:rPr lang="en-US" altLang="zh-CN" sz="1100" dirty="0">
                 <a:latin typeface="Times New Roman" panose="02020603050405020304" pitchFamily="18" charset="0"/>
                 <a:cs typeface="Times New Roman" panose="02020603050405020304" pitchFamily="18" charset="0"/>
               </a:rPr>
@@ -14884,7 +14739,7 @@
           <a:p>
             <a:pPr algn="ctr"/>
             <a:r>
-              <a:rPr lang="en-US" altLang="zh-CN" sz="1100" dirty="0" smtClean="0">
+              <a:rPr lang="en-US" altLang="zh-CN" sz="1100" dirty="0">
                 <a:latin typeface="Times New Roman" panose="02020603050405020304" pitchFamily="18" charset="0"/>
                 <a:cs typeface="Times New Roman" panose="02020603050405020304" pitchFamily="18" charset="0"/>
               </a:rPr>
@@ -15069,7 +14924,7 @@
           <a:lstStyle/>
           <a:p>
             <a:r>
-              <a:rPr lang="en-US" altLang="zh-CN" sz="1400" dirty="0" smtClean="0">
+              <a:rPr lang="en-US" altLang="zh-CN" sz="1400" dirty="0">
                 <a:latin typeface="Times New Roman" panose="02020603050405020304" pitchFamily="18" charset="0"/>
                 <a:cs typeface="Times New Roman" panose="02020603050405020304" pitchFamily="18" charset="0"/>
               </a:rPr>
@@ -15146,7 +15001,7 @@
           <a:lstStyle/>
           <a:p>
             <a:r>
-              <a:rPr lang="en-US" altLang="zh-CN" sz="1400" dirty="0" smtClean="0">
+              <a:rPr lang="en-US" altLang="zh-CN" sz="1400" dirty="0">
                 <a:latin typeface="Times New Roman" panose="02020603050405020304" pitchFamily="18" charset="0"/>
                 <a:cs typeface="Times New Roman" panose="02020603050405020304" pitchFamily="18" charset="0"/>
               </a:rPr>
@@ -15233,14 +15088,14 @@
           <a:lstStyle/>
           <a:p>
             <a:r>
-              <a:rPr lang="en-US" altLang="zh-CN" sz="1200" dirty="0" smtClean="0">
+              <a:rPr lang="en-US" altLang="zh-CN" sz="1200" dirty="0">
                 <a:latin typeface="Times New Roman" panose="02020603050405020304" pitchFamily="18" charset="0"/>
                 <a:cs typeface="Times New Roman" panose="02020603050405020304" pitchFamily="18" charset="0"/>
               </a:rPr>
               <a:t>Running </a:t>
             </a:r>
             <a:r>
-              <a:rPr lang="en-US" altLang="zh-CN" sz="1200" dirty="0" err="1" smtClean="0">
+              <a:rPr lang="en-US" altLang="zh-CN" sz="1200" dirty="0" err="1">
                 <a:latin typeface="Times New Roman" panose="02020603050405020304" pitchFamily="18" charset="0"/>
                 <a:cs typeface="Times New Roman" panose="02020603050405020304" pitchFamily="18" charset="0"/>
               </a:rPr>
@@ -15276,7 +15131,7 @@
           <a:lstStyle/>
           <a:p>
             <a:r>
-              <a:rPr lang="en-US" altLang="zh-CN" sz="1200" dirty="0" smtClean="0">
+              <a:rPr lang="en-US" altLang="zh-CN" sz="1200" dirty="0">
                 <a:latin typeface="Times New Roman" panose="02020603050405020304" pitchFamily="18" charset="0"/>
                 <a:cs typeface="Times New Roman" panose="02020603050405020304" pitchFamily="18" charset="0"/>
               </a:rPr>
@@ -15285,7 +15140,7 @@
           </a:p>
           <a:p>
             <a:r>
-              <a:rPr lang="en-US" altLang="zh-CN" sz="1200" dirty="0" smtClean="0">
+              <a:rPr lang="en-US" altLang="zh-CN" sz="1200" dirty="0">
                 <a:latin typeface="Times New Roman" panose="02020603050405020304" pitchFamily="18" charset="0"/>
                 <a:cs typeface="Times New Roman" panose="02020603050405020304" pitchFamily="18" charset="0"/>
               </a:rPr>
@@ -15321,7 +15176,7 @@
           <a:lstStyle/>
           <a:p>
             <a:r>
-              <a:rPr lang="en-US" altLang="zh-CN" sz="1200" dirty="0" smtClean="0">
+              <a:rPr lang="en-US" altLang="zh-CN" sz="1200" dirty="0">
                 <a:latin typeface="Times New Roman" panose="02020603050405020304" pitchFamily="18" charset="0"/>
                 <a:cs typeface="Times New Roman" panose="02020603050405020304" pitchFamily="18" charset="0"/>
               </a:rPr>
@@ -15330,7 +15185,7 @@
           </a:p>
           <a:p>
             <a:r>
-              <a:rPr lang="en-US" altLang="zh-CN" sz="1200" dirty="0" smtClean="0">
+              <a:rPr lang="en-US" altLang="zh-CN" sz="1200" dirty="0">
                 <a:latin typeface="Times New Roman" panose="02020603050405020304" pitchFamily="18" charset="0"/>
                 <a:cs typeface="Times New Roman" panose="02020603050405020304" pitchFamily="18" charset="0"/>
               </a:rPr>
@@ -15366,64 +15221,20 @@
           <a:lstStyle/>
           <a:p>
             <a:r>
-              <a:rPr lang="en-US" altLang="zh-CN" sz="1200" dirty="0" smtClean="0">
+              <a:rPr lang="en-US" altLang="zh-CN" sz="1200" dirty="0">
                 <a:latin typeface="Times New Roman" panose="02020603050405020304" pitchFamily="18" charset="0"/>
                 <a:cs typeface="Times New Roman" panose="02020603050405020304" pitchFamily="18" charset="0"/>
               </a:rPr>
-              <a:t>Scatter </a:t>
+              <a:t>Scatter 2:</a:t>
             </a:r>
+          </a:p>
+          <a:p>
             <a:r>
               <a:rPr lang="en-US" altLang="zh-CN" sz="1200" dirty="0">
                 <a:latin typeface="Times New Roman" panose="02020603050405020304" pitchFamily="18" charset="0"/>
                 <a:cs typeface="Times New Roman" panose="02020603050405020304" pitchFamily="18" charset="0"/>
               </a:rPr>
-              <a:t>2</a:t>
-            </a:r>
-            <a:r>
-              <a:rPr lang="en-US" altLang="zh-CN" sz="1200" dirty="0" smtClean="0">
-                <a:latin typeface="Times New Roman" panose="02020603050405020304" pitchFamily="18" charset="0"/>
-                <a:cs typeface="Times New Roman" panose="02020603050405020304" pitchFamily="18" charset="0"/>
-              </a:rPr>
-              <a:t>:</a:t>
-            </a:r>
-          </a:p>
-          <a:p>
-            <a:r>
-              <a:rPr lang="en-US" altLang="zh-CN" sz="1200" dirty="0" smtClean="0">
-                <a:latin typeface="Times New Roman" panose="02020603050405020304" pitchFamily="18" charset="0"/>
-                <a:cs typeface="Times New Roman" panose="02020603050405020304" pitchFamily="18" charset="0"/>
-              </a:rPr>
               <a:t>  distribute packet ID</a:t>
-            </a:r>
-            <a:r>
-              <a:rPr lang="en-US" altLang="zh-CN" sz="1200" baseline="-25000" dirty="0" smtClean="0">
-                <a:latin typeface="Times New Roman" panose="02020603050405020304" pitchFamily="18" charset="0"/>
-                <a:cs typeface="Times New Roman" panose="02020603050405020304" pitchFamily="18" charset="0"/>
-              </a:rPr>
-              <a:t>1</a:t>
-            </a:r>
-            <a:r>
-              <a:rPr lang="en-US" altLang="zh-CN" sz="1200" dirty="0" smtClean="0">
-                <a:latin typeface="Times New Roman" panose="02020603050405020304" pitchFamily="18" charset="0"/>
-                <a:cs typeface="Times New Roman" panose="02020603050405020304" pitchFamily="18" charset="0"/>
-              </a:rPr>
-              <a:t> to VNF 5</a:t>
-            </a:r>
-          </a:p>
-          <a:p>
-            <a:r>
-              <a:rPr lang="en-US" altLang="zh-CN" sz="1200" dirty="0" smtClean="0">
-                <a:latin typeface="Times New Roman" panose="02020603050405020304" pitchFamily="18" charset="0"/>
-                <a:cs typeface="Times New Roman" panose="02020603050405020304" pitchFamily="18" charset="0"/>
-              </a:rPr>
-              <a:t>  distribute </a:t>
-            </a:r>
-            <a:r>
-              <a:rPr lang="en-US" altLang="zh-CN" sz="1200" dirty="0">
-                <a:latin typeface="Times New Roman" panose="02020603050405020304" pitchFamily="18" charset="0"/>
-                <a:cs typeface="Times New Roman" panose="02020603050405020304" pitchFamily="18" charset="0"/>
-              </a:rPr>
-              <a:t>packet ID</a:t>
             </a:r>
             <a:r>
               <a:rPr lang="en-US" altLang="zh-CN" sz="1200" baseline="-25000" dirty="0">
@@ -15437,65 +15248,53 @@
                 <a:latin typeface="Times New Roman" panose="02020603050405020304" pitchFamily="18" charset="0"/>
                 <a:cs typeface="Times New Roman" panose="02020603050405020304" pitchFamily="18" charset="0"/>
               </a:rPr>
-              <a:t> to </a:t>
-            </a:r>
-            <a:r>
-              <a:rPr lang="en-US" altLang="zh-CN" sz="1200" dirty="0" smtClean="0">
-                <a:latin typeface="Times New Roman" panose="02020603050405020304" pitchFamily="18" charset="0"/>
-                <a:cs typeface="Times New Roman" panose="02020603050405020304" pitchFamily="18" charset="0"/>
-              </a:rPr>
-              <a:t>VNF 6</a:t>
+              <a:t> to VNF 5</a:t>
             </a:r>
           </a:p>
           <a:p>
             <a:r>
-              <a:rPr lang="en-US" altLang="zh-CN" sz="1200" dirty="0" smtClean="0">
+              <a:rPr lang="en-US" altLang="zh-CN" sz="1200" dirty="0">
                 <a:latin typeface="Times New Roman" panose="02020603050405020304" pitchFamily="18" charset="0"/>
                 <a:cs typeface="Times New Roman" panose="02020603050405020304" pitchFamily="18" charset="0"/>
               </a:rPr>
-              <a:t>  distribute </a:t>
+              <a:t>  distribute packet ID</a:t>
+            </a:r>
+            <a:r>
+              <a:rPr lang="en-US" altLang="zh-CN" sz="1200" baseline="-25000" dirty="0">
+                <a:latin typeface="Times New Roman" panose="02020603050405020304" pitchFamily="18" charset="0"/>
+                <a:cs typeface="Times New Roman" panose="02020603050405020304" pitchFamily="18" charset="0"/>
+              </a:rPr>
+              <a:t>1</a:t>
             </a:r>
             <a:r>
               <a:rPr lang="en-US" altLang="zh-CN" sz="1200" dirty="0">
                 <a:latin typeface="Times New Roman" panose="02020603050405020304" pitchFamily="18" charset="0"/>
                 <a:cs typeface="Times New Roman" panose="02020603050405020304" pitchFamily="18" charset="0"/>
               </a:rPr>
-              <a:t>packet </a:t>
+              <a:t> to VNF 6</a:t>
             </a:r>
+          </a:p>
+          <a:p>
             <a:r>
-              <a:rPr lang="en-US" altLang="zh-CN" sz="1200" dirty="0" smtClean="0">
+              <a:rPr lang="en-US" altLang="zh-CN" sz="1200" dirty="0">
                 <a:latin typeface="Times New Roman" panose="02020603050405020304" pitchFamily="18" charset="0"/>
                 <a:cs typeface="Times New Roman" panose="02020603050405020304" pitchFamily="18" charset="0"/>
               </a:rPr>
-              <a:t>ID</a:t>
+              <a:t>  distribute packet ID</a:t>
             </a:r>
             <a:r>
-              <a:rPr lang="en-US" altLang="zh-CN" sz="1200" baseline="-25000" dirty="0" smtClean="0">
+              <a:rPr lang="en-US" altLang="zh-CN" sz="1200" baseline="-25000" dirty="0">
                 <a:latin typeface="Times New Roman" panose="02020603050405020304" pitchFamily="18" charset="0"/>
                 <a:cs typeface="Times New Roman" panose="02020603050405020304" pitchFamily="18" charset="0"/>
               </a:rPr>
               <a:t>2</a:t>
             </a:r>
             <a:r>
-              <a:rPr lang="en-US" altLang="zh-CN" sz="1200" dirty="0" smtClean="0">
-                <a:latin typeface="Times New Roman" panose="02020603050405020304" pitchFamily="18" charset="0"/>
-                <a:cs typeface="Times New Roman" panose="02020603050405020304" pitchFamily="18" charset="0"/>
-              </a:rPr>
-              <a:t> </a:t>
-            </a:r>
-            <a:r>
               <a:rPr lang="en-US" altLang="zh-CN" sz="1200" dirty="0">
                 <a:latin typeface="Times New Roman" panose="02020603050405020304" pitchFamily="18" charset="0"/>
                 <a:cs typeface="Times New Roman" panose="02020603050405020304" pitchFamily="18" charset="0"/>
               </a:rPr>
-              <a:t>to </a:t>
-            </a:r>
-            <a:r>
-              <a:rPr lang="en-US" altLang="zh-CN" sz="1200" dirty="0" smtClean="0">
-                <a:latin typeface="Times New Roman" panose="02020603050405020304" pitchFamily="18" charset="0"/>
-                <a:cs typeface="Times New Roman" panose="02020603050405020304" pitchFamily="18" charset="0"/>
-              </a:rPr>
-              <a:t>VNF 7</a:t>
+              <a:t> to VNF 7</a:t>
             </a:r>
             <a:endParaRPr lang="zh-CN" altLang="en-US" sz="1200" dirty="0">
               <a:latin typeface="Times New Roman" panose="02020603050405020304" pitchFamily="18" charset="0"/>
@@ -15527,7 +15326,7 @@
           <a:lstStyle/>
           <a:p>
             <a:r>
-              <a:rPr lang="en-US" altLang="zh-CN" sz="1200" dirty="0" smtClean="0">
+              <a:rPr lang="en-US" altLang="zh-CN" sz="1200" dirty="0">
                 <a:latin typeface="Times New Roman" panose="02020603050405020304" pitchFamily="18" charset="0"/>
                 <a:cs typeface="Times New Roman" panose="02020603050405020304" pitchFamily="18" charset="0"/>
               </a:rPr>
@@ -15536,21 +15335,21 @@
           </a:p>
           <a:p>
             <a:r>
-              <a:rPr lang="en-US" altLang="zh-CN" sz="1200" dirty="0" smtClean="0">
+              <a:rPr lang="en-US" altLang="zh-CN" sz="1200" dirty="0">
                 <a:latin typeface="Times New Roman" panose="02020603050405020304" pitchFamily="18" charset="0"/>
                 <a:cs typeface="Times New Roman" panose="02020603050405020304" pitchFamily="18" charset="0"/>
               </a:rPr>
               <a:t>  ID</a:t>
             </a:r>
             <a:r>
-              <a:rPr lang="en-US" altLang="zh-CN" sz="1200" baseline="-25000" dirty="0" smtClean="0">
+              <a:rPr lang="en-US" altLang="zh-CN" sz="1200" baseline="-25000" dirty="0">
                 <a:latin typeface="Times New Roman" panose="02020603050405020304" pitchFamily="18" charset="0"/>
                 <a:cs typeface="Times New Roman" panose="02020603050405020304" pitchFamily="18" charset="0"/>
               </a:rPr>
               <a:t>1</a:t>
             </a:r>
             <a:r>
-              <a:rPr lang="en-US" altLang="zh-CN" sz="1200" dirty="0" smtClean="0">
+              <a:rPr lang="en-US" altLang="zh-CN" sz="1200" dirty="0">
                 <a:latin typeface="Times New Roman" panose="02020603050405020304" pitchFamily="18" charset="0"/>
                 <a:cs typeface="Times New Roman" panose="02020603050405020304" pitchFamily="18" charset="0"/>
               </a:rPr>
@@ -15563,24 +15362,17 @@
                 <a:latin typeface="Times New Roman" panose="02020603050405020304" pitchFamily="18" charset="0"/>
                 <a:cs typeface="Times New Roman" panose="02020603050405020304" pitchFamily="18" charset="0"/>
               </a:rPr>
-              <a:t> </a:t>
+              <a:t>  adopt ID</a:t>
             </a:r>
             <a:r>
-              <a:rPr lang="en-US" altLang="zh-CN" sz="1200" dirty="0" smtClean="0">
-                <a:latin typeface="Times New Roman" panose="02020603050405020304" pitchFamily="18" charset="0"/>
-                <a:cs typeface="Times New Roman" panose="02020603050405020304" pitchFamily="18" charset="0"/>
-              </a:rPr>
-              <a:t> adopt ID</a:t>
-            </a:r>
-            <a:r>
-              <a:rPr lang="en-US" altLang="zh-CN" sz="1200" baseline="-25000" dirty="0" smtClean="0">
+              <a:rPr lang="en-US" altLang="zh-CN" sz="1200" baseline="-25000" dirty="0">
                 <a:latin typeface="Times New Roman" panose="02020603050405020304" pitchFamily="18" charset="0"/>
                 <a:cs typeface="Times New Roman" panose="02020603050405020304" pitchFamily="18" charset="0"/>
               </a:rPr>
               <a:t>2</a:t>
             </a:r>
             <a:r>
-              <a:rPr lang="en-US" altLang="zh-CN" sz="1200" dirty="0" smtClean="0">
+              <a:rPr lang="en-US" altLang="zh-CN" sz="1200" dirty="0">
                 <a:latin typeface="Times New Roman" panose="02020603050405020304" pitchFamily="18" charset="0"/>
                 <a:cs typeface="Times New Roman" panose="02020603050405020304" pitchFamily="18" charset="0"/>
               </a:rPr>
@@ -15690,7 +15482,7 @@
           <a:p>
             <a:pPr algn="ctr"/>
             <a:r>
-              <a:rPr lang="en-US" altLang="zh-CN" sz="1100" b="1" dirty="0" smtClean="0">
+              <a:rPr lang="en-US" altLang="zh-CN" sz="1100" b="1" dirty="0">
                 <a:latin typeface="Times New Roman" panose="02020603050405020304" pitchFamily="18" charset="0"/>
                 <a:cs typeface="Times New Roman" panose="02020603050405020304" pitchFamily="18" charset="0"/>
               </a:rPr>
@@ -15746,7 +15538,7 @@
           <a:p>
             <a:pPr algn="ctr"/>
             <a:r>
-              <a:rPr lang="en-US" altLang="zh-CN" sz="1100" b="1" dirty="0" smtClean="0">
+              <a:rPr lang="en-US" altLang="zh-CN" sz="1100" b="1" dirty="0">
                 <a:latin typeface="Times New Roman" panose="02020603050405020304" pitchFamily="18" charset="0"/>
                 <a:cs typeface="Times New Roman" panose="02020603050405020304" pitchFamily="18" charset="0"/>
               </a:rPr>
@@ -15802,7 +15594,7 @@
           <a:p>
             <a:pPr algn="ctr"/>
             <a:r>
-              <a:rPr lang="en-US" altLang="zh-CN" sz="1100" b="1" dirty="0" smtClean="0">
+              <a:rPr lang="en-US" altLang="zh-CN" sz="1100" b="1" dirty="0">
                 <a:latin typeface="Times New Roman" panose="02020603050405020304" pitchFamily="18" charset="0"/>
                 <a:cs typeface="Times New Roman" panose="02020603050405020304" pitchFamily="18" charset="0"/>
               </a:rPr>
@@ -15858,7 +15650,7 @@
           <a:p>
             <a:pPr algn="ctr"/>
             <a:r>
-              <a:rPr lang="en-US" altLang="zh-CN" sz="1100" b="1" dirty="0" smtClean="0">
+              <a:rPr lang="en-US" altLang="zh-CN" sz="1100" b="1" dirty="0">
                 <a:latin typeface="Times New Roman" panose="02020603050405020304" pitchFamily="18" charset="0"/>
                 <a:cs typeface="Times New Roman" panose="02020603050405020304" pitchFamily="18" charset="0"/>
               </a:rPr>
@@ -16137,7 +15929,7 @@
           <a:lstStyle/>
           <a:p>
             <a:r>
-              <a:rPr lang="en-US" altLang="zh-CN" sz="1600" dirty="0" smtClean="0">
+              <a:rPr lang="en-US" altLang="zh-CN" sz="1600" dirty="0">
                 <a:latin typeface="Times New Roman" panose="02020603050405020304" pitchFamily="18" charset="0"/>
                 <a:cs typeface="Times New Roman" panose="02020603050405020304" pitchFamily="18" charset="0"/>
               </a:rPr>
@@ -16173,7 +15965,7 @@
           <a:lstStyle/>
           <a:p>
             <a:r>
-              <a:rPr lang="en-US" altLang="zh-CN" dirty="0" smtClean="0">
+              <a:rPr lang="en-US" altLang="zh-CN" dirty="0">
                 <a:latin typeface="Times New Roman" panose="02020603050405020304" pitchFamily="18" charset="0"/>
                 <a:cs typeface="Times New Roman" panose="02020603050405020304" pitchFamily="18" charset="0"/>
               </a:rPr>
@@ -16249,7 +16041,7 @@
           <a:lstStyle/>
           <a:p>
             <a:r>
-              <a:rPr lang="en-US" altLang="zh-CN" dirty="0" smtClean="0">
+              <a:rPr lang="en-US" altLang="zh-CN" dirty="0">
                 <a:latin typeface="Times New Roman" panose="02020603050405020304" pitchFamily="18" charset="0"/>
                 <a:cs typeface="Times New Roman" panose="02020603050405020304" pitchFamily="18" charset="0"/>
               </a:rPr>
@@ -16325,7 +16117,7 @@
           <a:lstStyle/>
           <a:p>
             <a:r>
-              <a:rPr lang="en-US" altLang="zh-CN" dirty="0" smtClean="0">
+              <a:rPr lang="en-US" altLang="zh-CN" dirty="0">
                 <a:latin typeface="Times New Roman" panose="02020603050405020304" pitchFamily="18" charset="0"/>
                 <a:cs typeface="Times New Roman" panose="02020603050405020304" pitchFamily="18" charset="0"/>
               </a:rPr>
@@ -16401,7 +16193,7 @@
           <a:lstStyle/>
           <a:p>
             <a:r>
-              <a:rPr lang="en-US" altLang="zh-CN" dirty="0" smtClean="0">
+              <a:rPr lang="en-US" altLang="zh-CN" dirty="0">
                 <a:latin typeface="Times New Roman" panose="02020603050405020304" pitchFamily="18" charset="0"/>
                 <a:cs typeface="Times New Roman" panose="02020603050405020304" pitchFamily="18" charset="0"/>
               </a:rPr>
@@ -16477,7 +16269,7 @@
           <a:lstStyle/>
           <a:p>
             <a:r>
-              <a:rPr lang="en-US" altLang="zh-CN" dirty="0" smtClean="0">
+              <a:rPr lang="en-US" altLang="zh-CN" dirty="0">
                 <a:latin typeface="Times New Roman" panose="02020603050405020304" pitchFamily="18" charset="0"/>
                 <a:cs typeface="Times New Roman" panose="02020603050405020304" pitchFamily="18" charset="0"/>
               </a:rPr>
@@ -17179,7 +16971,7 @@
             <a:lstStyle/>
             <a:p>
               <a:pPr algn="ctr"/>
-              <a:endParaRPr lang="en-US" altLang="zh-CN" sz="1400" dirty="0" smtClean="0">
+              <a:endParaRPr lang="en-US" altLang="zh-CN" sz="1400" dirty="0">
                 <a:latin typeface="Times New Roman" panose="02020603050405020304" pitchFamily="18" charset="0"/>
                 <a:cs typeface="Times New Roman" panose="02020603050405020304" pitchFamily="18" charset="0"/>
               </a:endParaRPr>
@@ -17193,7 +16985,7 @@
             </a:p>
             <a:p>
               <a:pPr algn="ctr"/>
-              <a:endParaRPr lang="en-US" altLang="zh-CN" sz="1400" dirty="0" smtClean="0">
+              <a:endParaRPr lang="en-US" altLang="zh-CN" sz="1400" dirty="0">
                 <a:latin typeface="Times New Roman" panose="02020603050405020304" pitchFamily="18" charset="0"/>
                 <a:cs typeface="Times New Roman" panose="02020603050405020304" pitchFamily="18" charset="0"/>
               </a:endParaRPr>
@@ -17259,7 +17051,7 @@
             <a:lstStyle/>
             <a:p>
               <a:pPr algn="ctr"/>
-              <a:endParaRPr lang="en-US" altLang="zh-CN" sz="1400" dirty="0" smtClean="0">
+              <a:endParaRPr lang="en-US" altLang="zh-CN" sz="1400" dirty="0">
                 <a:latin typeface="Times New Roman" panose="02020603050405020304" pitchFamily="18" charset="0"/>
                 <a:cs typeface="Times New Roman" panose="02020603050405020304" pitchFamily="18" charset="0"/>
               </a:endParaRPr>
@@ -17273,7 +17065,7 @@
             </a:p>
             <a:p>
               <a:pPr algn="ctr"/>
-              <a:endParaRPr lang="en-US" altLang="zh-CN" sz="1400" dirty="0" smtClean="0">
+              <a:endParaRPr lang="en-US" altLang="zh-CN" sz="1400" dirty="0">
                 <a:latin typeface="Times New Roman" panose="02020603050405020304" pitchFamily="18" charset="0"/>
                 <a:cs typeface="Times New Roman" panose="02020603050405020304" pitchFamily="18" charset="0"/>
               </a:endParaRPr>
@@ -17281,7 +17073,7 @@
             <a:p>
               <a:pPr algn="ctr"/>
               <a:r>
-                <a:rPr lang="en-US" altLang="zh-CN" sz="1400" dirty="0" smtClean="0">
+                <a:rPr lang="en-US" altLang="zh-CN" sz="1400" dirty="0">
                   <a:latin typeface="Times New Roman" panose="02020603050405020304" pitchFamily="18" charset="0"/>
                   <a:cs typeface="Times New Roman" panose="02020603050405020304" pitchFamily="18" charset="0"/>
                 </a:rPr>
@@ -17339,7 +17131,7 @@
             <a:lstStyle/>
             <a:p>
               <a:pPr algn="ctr"/>
-              <a:endParaRPr lang="en-US" altLang="zh-CN" sz="1400" dirty="0" smtClean="0">
+              <a:endParaRPr lang="en-US" altLang="zh-CN" sz="1400" dirty="0">
                 <a:latin typeface="Times New Roman" panose="02020603050405020304" pitchFamily="18" charset="0"/>
                 <a:cs typeface="Times New Roman" panose="02020603050405020304" pitchFamily="18" charset="0"/>
               </a:endParaRPr>
@@ -17353,7 +17145,7 @@
             </a:p>
             <a:p>
               <a:pPr algn="ctr"/>
-              <a:endParaRPr lang="en-US" altLang="zh-CN" sz="1400" dirty="0" smtClean="0">
+              <a:endParaRPr lang="en-US" altLang="zh-CN" sz="1400" dirty="0">
                 <a:latin typeface="Times New Roman" panose="02020603050405020304" pitchFamily="18" charset="0"/>
                 <a:cs typeface="Times New Roman" panose="02020603050405020304" pitchFamily="18" charset="0"/>
               </a:endParaRPr>
@@ -17361,7 +17153,7 @@
             <a:p>
               <a:pPr algn="ctr"/>
               <a:r>
-                <a:rPr lang="en-US" altLang="zh-CN" sz="1400" dirty="0" smtClean="0">
+                <a:rPr lang="en-US" altLang="zh-CN" sz="1400" dirty="0">
                   <a:latin typeface="Times New Roman" panose="02020603050405020304" pitchFamily="18" charset="0"/>
                   <a:cs typeface="Times New Roman" panose="02020603050405020304" pitchFamily="18" charset="0"/>
                 </a:rPr>
@@ -17434,7 +17226,7 @@
             <a:lstStyle/>
             <a:p>
               <a:pPr algn="ctr"/>
-              <a:endParaRPr lang="en-US" altLang="zh-CN" sz="1400" dirty="0" smtClean="0">
+              <a:endParaRPr lang="en-US" altLang="zh-CN" sz="1400" dirty="0">
                 <a:latin typeface="Times New Roman" panose="02020603050405020304" pitchFamily="18" charset="0"/>
                 <a:cs typeface="Times New Roman" panose="02020603050405020304" pitchFamily="18" charset="0"/>
               </a:endParaRPr>
@@ -17448,7 +17240,7 @@
             </a:p>
             <a:p>
               <a:pPr algn="ctr"/>
-              <a:endParaRPr lang="en-US" altLang="zh-CN" sz="1400" dirty="0" smtClean="0">
+              <a:endParaRPr lang="en-US" altLang="zh-CN" sz="1400" dirty="0">
                 <a:latin typeface="Times New Roman" panose="02020603050405020304" pitchFamily="18" charset="0"/>
                 <a:cs typeface="Times New Roman" panose="02020603050405020304" pitchFamily="18" charset="0"/>
               </a:endParaRPr>
@@ -17456,7 +17248,7 @@
             <a:p>
               <a:pPr algn="ctr"/>
               <a:r>
-                <a:rPr lang="en-US" altLang="zh-CN" sz="1400" dirty="0" smtClean="0">
+                <a:rPr lang="en-US" altLang="zh-CN" sz="1400" dirty="0">
                   <a:latin typeface="Times New Roman" panose="02020603050405020304" pitchFamily="18" charset="0"/>
                   <a:cs typeface="Times New Roman" panose="02020603050405020304" pitchFamily="18" charset="0"/>
                 </a:rPr>
@@ -17514,7 +17306,7 @@
             <a:lstStyle/>
             <a:p>
               <a:pPr algn="ctr"/>
-              <a:endParaRPr lang="en-US" altLang="zh-CN" sz="1400" dirty="0" smtClean="0">
+              <a:endParaRPr lang="en-US" altLang="zh-CN" sz="1400" dirty="0">
                 <a:latin typeface="Times New Roman" panose="02020603050405020304" pitchFamily="18" charset="0"/>
                 <a:cs typeface="Times New Roman" panose="02020603050405020304" pitchFamily="18" charset="0"/>
               </a:endParaRPr>
@@ -17528,7 +17320,7 @@
             </a:p>
             <a:p>
               <a:pPr algn="ctr"/>
-              <a:endParaRPr lang="en-US" altLang="zh-CN" sz="1400" dirty="0" smtClean="0">
+              <a:endParaRPr lang="en-US" altLang="zh-CN" sz="1400" dirty="0">
                 <a:latin typeface="Times New Roman" panose="02020603050405020304" pitchFamily="18" charset="0"/>
                 <a:cs typeface="Times New Roman" panose="02020603050405020304" pitchFamily="18" charset="0"/>
               </a:endParaRPr>
@@ -17536,7 +17328,7 @@
             <a:p>
               <a:pPr algn="ctr"/>
               <a:r>
-                <a:rPr lang="en-US" altLang="zh-CN" sz="1400" dirty="0" smtClean="0">
+                <a:rPr lang="en-US" altLang="zh-CN" sz="1400" dirty="0">
                   <a:latin typeface="Times New Roman" panose="02020603050405020304" pitchFamily="18" charset="0"/>
                   <a:cs typeface="Times New Roman" panose="02020603050405020304" pitchFamily="18" charset="0"/>
                 </a:rPr>
@@ -17594,7 +17386,7 @@
             <a:lstStyle/>
             <a:p>
               <a:pPr algn="ctr"/>
-              <a:endParaRPr lang="en-US" altLang="zh-CN" sz="1400" dirty="0" smtClean="0">
+              <a:endParaRPr lang="en-US" altLang="zh-CN" sz="1400" dirty="0">
                 <a:latin typeface="Times New Roman" panose="02020603050405020304" pitchFamily="18" charset="0"/>
                 <a:cs typeface="Times New Roman" panose="02020603050405020304" pitchFamily="18" charset="0"/>
               </a:endParaRPr>
@@ -17608,7 +17400,7 @@
             </a:p>
             <a:p>
               <a:pPr algn="ctr"/>
-              <a:endParaRPr lang="en-US" altLang="zh-CN" sz="1400" dirty="0" smtClean="0">
+              <a:endParaRPr lang="en-US" altLang="zh-CN" sz="1400" dirty="0">
                 <a:latin typeface="Times New Roman" panose="02020603050405020304" pitchFamily="18" charset="0"/>
                 <a:cs typeface="Times New Roman" panose="02020603050405020304" pitchFamily="18" charset="0"/>
               </a:endParaRPr>
@@ -17616,7 +17408,7 @@
             <a:p>
               <a:pPr algn="ctr"/>
               <a:r>
-                <a:rPr lang="en-US" altLang="zh-CN" sz="1400" dirty="0" smtClean="0">
+                <a:rPr lang="en-US" altLang="zh-CN" sz="1400" dirty="0">
                   <a:latin typeface="Times New Roman" panose="02020603050405020304" pitchFamily="18" charset="0"/>
                   <a:cs typeface="Times New Roman" panose="02020603050405020304" pitchFamily="18" charset="0"/>
                 </a:rPr>
@@ -17667,10 +17459,16 @@
           <a:p>
             <a:pPr algn="ctr"/>
             <a:r>
-              <a:rPr lang="en-US" altLang="zh-CN" dirty="0" smtClean="0"/>
+              <a:rPr lang="en-US" altLang="zh-CN" dirty="0">
+                <a:latin typeface="Times New Roman" panose="02020603050405020304" pitchFamily="18" charset="0"/>
+                <a:cs typeface="Times New Roman" panose="02020603050405020304" pitchFamily="18" charset="0"/>
+              </a:rPr>
               <a:t>NF1</a:t>
             </a:r>
-            <a:endParaRPr lang="zh-CN" altLang="en-US" sz="800" dirty="0"/>
+            <a:endParaRPr lang="zh-CN" altLang="en-US" sz="800" dirty="0">
+              <a:latin typeface="Times New Roman" panose="02020603050405020304" pitchFamily="18" charset="0"/>
+              <a:cs typeface="Times New Roman" panose="02020603050405020304" pitchFamily="18" charset="0"/>
+            </a:endParaRPr>
           </a:p>
         </p:txBody>
       </p:sp>
@@ -17711,10 +17509,16 @@
           <a:p>
             <a:pPr algn="ctr"/>
             <a:r>
-              <a:rPr lang="en-US" altLang="zh-CN" dirty="0" smtClean="0"/>
+              <a:rPr lang="en-US" altLang="zh-CN" dirty="0">
+                <a:latin typeface="Times New Roman" panose="02020603050405020304" pitchFamily="18" charset="0"/>
+                <a:cs typeface="Times New Roman" panose="02020603050405020304" pitchFamily="18" charset="0"/>
+              </a:rPr>
               <a:t>NF2</a:t>
             </a:r>
-            <a:endParaRPr lang="zh-CN" altLang="en-US" sz="800" dirty="0"/>
+            <a:endParaRPr lang="zh-CN" altLang="en-US" sz="800" dirty="0">
+              <a:latin typeface="Times New Roman" panose="02020603050405020304" pitchFamily="18" charset="0"/>
+              <a:cs typeface="Times New Roman" panose="02020603050405020304" pitchFamily="18" charset="0"/>
+            </a:endParaRPr>
           </a:p>
         </p:txBody>
       </p:sp>
@@ -17755,10 +17559,16 @@
           <a:p>
             <a:pPr algn="ctr"/>
             <a:r>
-              <a:rPr lang="en-US" altLang="zh-CN" dirty="0" smtClean="0"/>
+              <a:rPr lang="en-US" altLang="zh-CN" dirty="0">
+                <a:latin typeface="Times New Roman" panose="02020603050405020304" pitchFamily="18" charset="0"/>
+                <a:cs typeface="Times New Roman" panose="02020603050405020304" pitchFamily="18" charset="0"/>
+              </a:rPr>
               <a:t>NF3</a:t>
             </a:r>
-            <a:endParaRPr lang="zh-CN" altLang="en-US" sz="800" dirty="0"/>
+            <a:endParaRPr lang="zh-CN" altLang="en-US" sz="800" dirty="0">
+              <a:latin typeface="Times New Roman" panose="02020603050405020304" pitchFamily="18" charset="0"/>
+              <a:cs typeface="Times New Roman" panose="02020603050405020304" pitchFamily="18" charset="0"/>
+            </a:endParaRPr>
           </a:p>
         </p:txBody>
       </p:sp>
@@ -17799,10 +17609,16 @@
           <a:p>
             <a:pPr algn="ctr"/>
             <a:r>
-              <a:rPr lang="en-US" altLang="zh-CN" dirty="0" smtClean="0"/>
+              <a:rPr lang="en-US" altLang="zh-CN" dirty="0">
+                <a:latin typeface="Times New Roman" panose="02020603050405020304" pitchFamily="18" charset="0"/>
+                <a:cs typeface="Times New Roman" panose="02020603050405020304" pitchFamily="18" charset="0"/>
+              </a:rPr>
               <a:t>NF1</a:t>
             </a:r>
-            <a:endParaRPr lang="zh-CN" altLang="en-US" sz="800" dirty="0"/>
+            <a:endParaRPr lang="zh-CN" altLang="en-US" sz="800" dirty="0">
+              <a:latin typeface="Times New Roman" panose="02020603050405020304" pitchFamily="18" charset="0"/>
+              <a:cs typeface="Times New Roman" panose="02020603050405020304" pitchFamily="18" charset="0"/>
+            </a:endParaRPr>
           </a:p>
         </p:txBody>
       </p:sp>
@@ -17843,10 +17659,16 @@
           <a:p>
             <a:pPr algn="ctr"/>
             <a:r>
-              <a:rPr lang="en-US" altLang="zh-CN" dirty="0" smtClean="0"/>
+              <a:rPr lang="en-US" altLang="zh-CN" dirty="0">
+                <a:latin typeface="Times New Roman" panose="02020603050405020304" pitchFamily="18" charset="0"/>
+                <a:cs typeface="Times New Roman" panose="02020603050405020304" pitchFamily="18" charset="0"/>
+              </a:rPr>
               <a:t>NF2</a:t>
             </a:r>
-            <a:endParaRPr lang="zh-CN" altLang="en-US" sz="800" dirty="0"/>
+            <a:endParaRPr lang="zh-CN" altLang="en-US" sz="800" dirty="0">
+              <a:latin typeface="Times New Roman" panose="02020603050405020304" pitchFamily="18" charset="0"/>
+              <a:cs typeface="Times New Roman" panose="02020603050405020304" pitchFamily="18" charset="0"/>
+            </a:endParaRPr>
           </a:p>
         </p:txBody>
       </p:sp>
@@ -17887,10 +17709,16 @@
           <a:p>
             <a:pPr algn="ctr"/>
             <a:r>
-              <a:rPr lang="en-US" altLang="zh-CN" dirty="0" smtClean="0"/>
+              <a:rPr lang="en-US" altLang="zh-CN" dirty="0">
+                <a:latin typeface="Times New Roman" panose="02020603050405020304" pitchFamily="18" charset="0"/>
+                <a:cs typeface="Times New Roman" panose="02020603050405020304" pitchFamily="18" charset="0"/>
+              </a:rPr>
               <a:t>NF3</a:t>
             </a:r>
-            <a:endParaRPr lang="zh-CN" altLang="en-US" sz="800" dirty="0"/>
+            <a:endParaRPr lang="zh-CN" altLang="en-US" sz="800" dirty="0">
+              <a:latin typeface="Times New Roman" panose="02020603050405020304" pitchFamily="18" charset="0"/>
+              <a:cs typeface="Times New Roman" panose="02020603050405020304" pitchFamily="18" charset="0"/>
+            </a:endParaRPr>
           </a:p>
         </p:txBody>
       </p:sp>
@@ -17952,64 +17780,6 @@
         <p:spPr>
           <a:xfrm>
             <a:off x="2092847" y="3258894"/>
-            <a:ext cx="640080" cy="640080"/>
-          </a:xfrm>
-          <a:prstGeom prst="ellipse">
-            <a:avLst/>
-          </a:prstGeom>
-          <a:noFill/>
-          <a:ln w="22225">
-            <a:solidFill>
-              <a:schemeClr val="tx1"/>
-            </a:solidFill>
-          </a:ln>
-        </p:spPr>
-        <p:style>
-          <a:lnRef idx="2">
-            <a:schemeClr val="accent1">
-              <a:shade val="50000"/>
-            </a:schemeClr>
-          </a:lnRef>
-          <a:fillRef idx="1">
-            <a:schemeClr val="accent1"/>
-          </a:fillRef>
-          <a:effectRef idx="0">
-            <a:schemeClr val="accent1"/>
-          </a:effectRef>
-          <a:fontRef idx="minor">
-            <a:schemeClr val="lt1"/>
-          </a:fontRef>
-        </p:style>
-        <p:txBody>
-          <a:bodyPr rtlCol="0" anchor="ctr"/>
-          <a:lstStyle/>
-          <a:p>
-            <a:pPr algn="ctr"/>
-            <a:r>
-              <a:rPr lang="en-US" altLang="zh-CN" sz="1600" dirty="0" smtClean="0">
-                <a:solidFill>
-                  <a:schemeClr val="tx1"/>
-                </a:solidFill>
-              </a:rPr>
-              <a:t>S</a:t>
-            </a:r>
-            <a:endParaRPr lang="zh-CN" altLang="en-US" sz="1600" dirty="0">
-              <a:solidFill>
-                <a:schemeClr val="tx1"/>
-              </a:solidFill>
-            </a:endParaRPr>
-          </a:p>
-        </p:txBody>
-      </p:sp>
-      <p:sp>
-        <p:nvSpPr>
-          <p:cNvPr id="83" name="椭圆 82"/>
-          <p:cNvSpPr/>
-          <p:nvPr/>
-        </p:nvSpPr>
-        <p:spPr>
-          <a:xfrm>
-            <a:off x="2092847" y="6115112"/>
             <a:ext cx="640080" cy="640080"/>
           </a:xfrm>
           <a:prstGeom prst="ellipse">
@@ -18048,6 +17818,70 @@
                 <a:solidFill>
                   <a:schemeClr val="tx1"/>
                 </a:solidFill>
+                <a:latin typeface="Times New Roman" panose="02020603050405020304" pitchFamily="18" charset="0"/>
+                <a:cs typeface="Times New Roman" panose="02020603050405020304" pitchFamily="18" charset="0"/>
+              </a:rPr>
+              <a:t>S</a:t>
+            </a:r>
+            <a:endParaRPr lang="zh-CN" altLang="en-US" sz="1600" dirty="0">
+              <a:solidFill>
+                <a:schemeClr val="tx1"/>
+              </a:solidFill>
+              <a:latin typeface="Times New Roman" panose="02020603050405020304" pitchFamily="18" charset="0"/>
+              <a:cs typeface="Times New Roman" panose="02020603050405020304" pitchFamily="18" charset="0"/>
+            </a:endParaRPr>
+          </a:p>
+        </p:txBody>
+      </p:sp>
+      <p:sp>
+        <p:nvSpPr>
+          <p:cNvPr id="83" name="椭圆 82"/>
+          <p:cNvSpPr/>
+          <p:nvPr/>
+        </p:nvSpPr>
+        <p:spPr>
+          <a:xfrm>
+            <a:off x="2092847" y="6115112"/>
+            <a:ext cx="640080" cy="640080"/>
+          </a:xfrm>
+          <a:prstGeom prst="ellipse">
+            <a:avLst/>
+          </a:prstGeom>
+          <a:noFill/>
+          <a:ln w="22225">
+            <a:solidFill>
+              <a:schemeClr val="tx1"/>
+            </a:solidFill>
+          </a:ln>
+        </p:spPr>
+        <p:style>
+          <a:lnRef idx="2">
+            <a:schemeClr val="accent1">
+              <a:shade val="50000"/>
+            </a:schemeClr>
+          </a:lnRef>
+          <a:fillRef idx="1">
+            <a:schemeClr val="accent1"/>
+          </a:fillRef>
+          <a:effectRef idx="0">
+            <a:schemeClr val="accent1"/>
+          </a:effectRef>
+          <a:fontRef idx="minor">
+            <a:schemeClr val="lt1"/>
+          </a:fontRef>
+        </p:style>
+        <p:txBody>
+          <a:bodyPr rtlCol="0" anchor="ctr"/>
+          <a:lstStyle/>
+          <a:p>
+            <a:pPr algn="ctr"/>
+            <a:r>
+              <a:rPr lang="en-US" altLang="zh-CN" sz="1600" dirty="0">
+                <a:solidFill>
+                  <a:schemeClr val="tx1"/>
+                </a:solidFill>
+                <a:latin typeface="Times New Roman" panose="02020603050405020304" pitchFamily="18" charset="0"/>
+                <a:cs typeface="Times New Roman" panose="02020603050405020304" pitchFamily="18" charset="0"/>
               </a:rPr>
               <a:t>D</a:t>
             </a:r>
@@ -18055,6 +17889,8 @@
               <a:solidFill>
                 <a:schemeClr val="tx1"/>
               </a:solidFill>
+              <a:latin typeface="Times New Roman" panose="02020603050405020304" pitchFamily="18" charset="0"/>
+              <a:cs typeface="Times New Roman" panose="02020603050405020304" pitchFamily="18" charset="0"/>
             </a:endParaRPr>
           </a:p>
         </p:txBody>
@@ -18347,10 +18183,12 @@
           <a:p>
             <a:pPr algn="ctr"/>
             <a:r>
-              <a:rPr lang="en-US" altLang="zh-CN" sz="1600" dirty="0" smtClean="0">
+              <a:rPr lang="en-US" altLang="zh-CN" sz="1600" dirty="0">
                 <a:solidFill>
                   <a:schemeClr val="tx1"/>
                 </a:solidFill>
+                <a:latin typeface="Times New Roman" panose="02020603050405020304" pitchFamily="18" charset="0"/>
+                <a:cs typeface="Times New Roman" panose="02020603050405020304" pitchFamily="18" charset="0"/>
               </a:rPr>
               <a:t>S</a:t>
             </a:r>
@@ -18358,6 +18196,8 @@
               <a:solidFill>
                 <a:schemeClr val="tx1"/>
               </a:solidFill>
+              <a:latin typeface="Times New Roman" panose="02020603050405020304" pitchFamily="18" charset="0"/>
+              <a:cs typeface="Times New Roman" panose="02020603050405020304" pitchFamily="18" charset="0"/>
             </a:endParaRPr>
           </a:p>
         </p:txBody>
@@ -18409,6 +18249,8 @@
                 <a:solidFill>
                   <a:schemeClr val="tx1"/>
                 </a:solidFill>
+                <a:latin typeface="Times New Roman" panose="02020603050405020304" pitchFamily="18" charset="0"/>
+                <a:cs typeface="Times New Roman" panose="02020603050405020304" pitchFamily="18" charset="0"/>
               </a:rPr>
               <a:t>D</a:t>
             </a:r>
@@ -18416,6 +18258,8 @@
               <a:solidFill>
                 <a:schemeClr val="tx1"/>
               </a:solidFill>
+              <a:latin typeface="Times New Roman" panose="02020603050405020304" pitchFamily="18" charset="0"/>
+              <a:cs typeface="Times New Roman" panose="02020603050405020304" pitchFamily="18" charset="0"/>
             </a:endParaRPr>
           </a:p>
         </p:txBody>
@@ -18625,7 +18469,10 @@
             <a:lstStyle/>
             <a:p>
               <a:pPr algn="ctr"/>
-              <a:endParaRPr lang="zh-CN" altLang="en-US"/>
+              <a:endParaRPr lang="zh-CN" altLang="en-US">
+                <a:latin typeface="Times New Roman" panose="02020603050405020304" pitchFamily="18" charset="0"/>
+                <a:cs typeface="Times New Roman" panose="02020603050405020304" pitchFamily="18" charset="0"/>
+              </a:endParaRPr>
             </a:p>
           </p:txBody>
         </p:sp>
@@ -18680,10 +18527,16 @@
               <a:p>
                 <a:pPr algn="ctr"/>
                 <a:r>
-                  <a:rPr lang="en-US" altLang="zh-CN" dirty="0" smtClean="0"/>
+                  <a:rPr lang="en-US" altLang="zh-CN" dirty="0">
+                    <a:latin typeface="Times New Roman" panose="02020603050405020304" pitchFamily="18" charset="0"/>
+                    <a:cs typeface="Times New Roman" panose="02020603050405020304" pitchFamily="18" charset="0"/>
+                  </a:rPr>
                   <a:t>5</a:t>
                 </a:r>
-                <a:endParaRPr lang="zh-CN" altLang="en-US" dirty="0"/>
+                <a:endParaRPr lang="zh-CN" altLang="en-US" dirty="0">
+                  <a:latin typeface="Times New Roman" panose="02020603050405020304" pitchFamily="18" charset="0"/>
+                  <a:cs typeface="Times New Roman" panose="02020603050405020304" pitchFamily="18" charset="0"/>
+                </a:endParaRPr>
               </a:p>
             </p:txBody>
           </p:sp>
@@ -18724,10 +18577,16 @@
               <a:p>
                 <a:pPr algn="ctr"/>
                 <a:r>
-                  <a:rPr lang="en-US" altLang="zh-CN" dirty="0" smtClean="0"/>
+                  <a:rPr lang="en-US" altLang="zh-CN" dirty="0">
+                    <a:latin typeface="Times New Roman" panose="02020603050405020304" pitchFamily="18" charset="0"/>
+                    <a:cs typeface="Times New Roman" panose="02020603050405020304" pitchFamily="18" charset="0"/>
+                  </a:rPr>
                   <a:t>5</a:t>
                 </a:r>
-                <a:endParaRPr lang="zh-CN" altLang="en-US" dirty="0"/>
+                <a:endParaRPr lang="zh-CN" altLang="en-US" dirty="0">
+                  <a:latin typeface="Times New Roman" panose="02020603050405020304" pitchFamily="18" charset="0"/>
+                  <a:cs typeface="Times New Roman" panose="02020603050405020304" pitchFamily="18" charset="0"/>
+                </a:endParaRPr>
               </a:p>
             </p:txBody>
           </p:sp>
@@ -18768,10 +18627,16 @@
               <a:p>
                 <a:pPr algn="ctr"/>
                 <a:r>
-                  <a:rPr lang="en-US" altLang="zh-CN" dirty="0" smtClean="0"/>
+                  <a:rPr lang="en-US" altLang="zh-CN" dirty="0">
+                    <a:latin typeface="Times New Roman" panose="02020603050405020304" pitchFamily="18" charset="0"/>
+                    <a:cs typeface="Times New Roman" panose="02020603050405020304" pitchFamily="18" charset="0"/>
+                  </a:rPr>
                   <a:t>6</a:t>
                 </a:r>
-                <a:endParaRPr lang="zh-CN" altLang="en-US" dirty="0"/>
+                <a:endParaRPr lang="zh-CN" altLang="en-US" dirty="0">
+                  <a:latin typeface="Times New Roman" panose="02020603050405020304" pitchFamily="18" charset="0"/>
+                  <a:cs typeface="Times New Roman" panose="02020603050405020304" pitchFamily="18" charset="0"/>
+                </a:endParaRPr>
               </a:p>
             </p:txBody>
           </p:sp>
@@ -18909,7 +18774,7 @@
             <a:p>
               <a:pPr algn="ctr"/>
               <a:r>
-                <a:rPr lang="en-US" altLang="zh-CN" sz="1400" dirty="0" smtClean="0">
+                <a:rPr lang="en-US" altLang="zh-CN" sz="1400" dirty="0">
                   <a:latin typeface="Times New Roman" panose="02020603050405020304" pitchFamily="18" charset="0"/>
                   <a:cs typeface="Times New Roman" panose="02020603050405020304" pitchFamily="18" charset="0"/>
                 </a:rPr>
@@ -19027,7 +18892,7 @@
             <a:p>
               <a:pPr algn="ctr"/>
               <a:r>
-                <a:rPr lang="en-US" altLang="zh-CN" sz="1400" dirty="0" smtClean="0">
+                <a:rPr lang="en-US" altLang="zh-CN" sz="1400" dirty="0">
                   <a:latin typeface="Times New Roman" panose="02020603050405020304" pitchFamily="18" charset="0"/>
                   <a:cs typeface="Times New Roman" panose="02020603050405020304" pitchFamily="18" charset="0"/>
                 </a:rPr>
@@ -19478,10 +19343,16 @@
               <a:p>
                 <a:pPr algn="ctr"/>
                 <a:r>
-                  <a:rPr lang="en-US" altLang="zh-CN" dirty="0" smtClean="0"/>
+                  <a:rPr lang="en-US" altLang="zh-CN" dirty="0">
+                    <a:latin typeface="Times New Roman" panose="02020603050405020304" pitchFamily="18" charset="0"/>
+                    <a:cs typeface="Times New Roman" panose="02020603050405020304" pitchFamily="18" charset="0"/>
+                  </a:rPr>
                   <a:t>5</a:t>
                 </a:r>
-                <a:endParaRPr lang="zh-CN" altLang="en-US" dirty="0"/>
+                <a:endParaRPr lang="zh-CN" altLang="en-US" dirty="0">
+                  <a:latin typeface="Times New Roman" panose="02020603050405020304" pitchFamily="18" charset="0"/>
+                  <a:cs typeface="Times New Roman" panose="02020603050405020304" pitchFamily="18" charset="0"/>
+                </a:endParaRPr>
               </a:p>
             </p:txBody>
           </p:sp>
@@ -19522,10 +19393,16 @@
               <a:p>
                 <a:pPr algn="ctr"/>
                 <a:r>
-                  <a:rPr lang="en-US" altLang="zh-CN" dirty="0" smtClean="0"/>
+                  <a:rPr lang="en-US" altLang="zh-CN" dirty="0">
+                    <a:latin typeface="Times New Roman" panose="02020603050405020304" pitchFamily="18" charset="0"/>
+                    <a:cs typeface="Times New Roman" panose="02020603050405020304" pitchFamily="18" charset="0"/>
+                  </a:rPr>
                   <a:t>5</a:t>
                 </a:r>
-                <a:endParaRPr lang="zh-CN" altLang="en-US" dirty="0"/>
+                <a:endParaRPr lang="zh-CN" altLang="en-US" dirty="0">
+                  <a:latin typeface="Times New Roman" panose="02020603050405020304" pitchFamily="18" charset="0"/>
+                  <a:cs typeface="Times New Roman" panose="02020603050405020304" pitchFamily="18" charset="0"/>
+                </a:endParaRPr>
               </a:p>
             </p:txBody>
           </p:sp>
@@ -19566,10 +19443,16 @@
               <a:p>
                 <a:pPr algn="ctr"/>
                 <a:r>
-                  <a:rPr lang="en-US" altLang="zh-CN" dirty="0" smtClean="0"/>
+                  <a:rPr lang="en-US" altLang="zh-CN" dirty="0">
+                    <a:latin typeface="Times New Roman" panose="02020603050405020304" pitchFamily="18" charset="0"/>
+                    <a:cs typeface="Times New Roman" panose="02020603050405020304" pitchFamily="18" charset="0"/>
+                  </a:rPr>
                   <a:t>6</a:t>
                 </a:r>
-                <a:endParaRPr lang="zh-CN" altLang="en-US" dirty="0"/>
+                <a:endParaRPr lang="zh-CN" altLang="en-US" dirty="0">
+                  <a:latin typeface="Times New Roman" panose="02020603050405020304" pitchFamily="18" charset="0"/>
+                  <a:cs typeface="Times New Roman" panose="02020603050405020304" pitchFamily="18" charset="0"/>
+                </a:endParaRPr>
               </a:p>
             </p:txBody>
           </p:sp>
@@ -19669,7 +19552,7 @@
             <a:lstStyle/>
             <a:p>
               <a:r>
-                <a:rPr lang="en-US" altLang="zh-CN" sz="1400" dirty="0" smtClean="0">
+                <a:rPr lang="en-US" altLang="zh-CN" sz="1400" dirty="0">
                   <a:latin typeface="Times New Roman" panose="02020603050405020304" pitchFamily="18" charset="0"/>
                   <a:cs typeface="Times New Roman" panose="02020603050405020304" pitchFamily="18" charset="0"/>
                 </a:rPr>
@@ -19705,7 +19588,7 @@
             <a:lstStyle/>
             <a:p>
               <a:r>
-                <a:rPr lang="en-US" altLang="zh-CN" sz="1400" dirty="0" smtClean="0">
+                <a:rPr lang="en-US" altLang="zh-CN" sz="1400" dirty="0">
                   <a:latin typeface="Times New Roman" panose="02020603050405020304" pitchFamily="18" charset="0"/>
                   <a:cs typeface="Times New Roman" panose="02020603050405020304" pitchFamily="18" charset="0"/>
                 </a:rPr>
@@ -19741,7 +19624,7 @@
             <a:lstStyle/>
             <a:p>
               <a:r>
-                <a:rPr lang="en-US" altLang="zh-CN" sz="1400" dirty="0" smtClean="0">
+                <a:rPr lang="en-US" altLang="zh-CN" sz="1400" dirty="0">
                   <a:latin typeface="Times New Roman" panose="02020603050405020304" pitchFamily="18" charset="0"/>
                   <a:cs typeface="Times New Roman" panose="02020603050405020304" pitchFamily="18" charset="0"/>
                 </a:rPr>
@@ -19806,7 +19689,9 @@
                 </a:avLst>
               </a:prstGeom>
               <a:ln>
-                <a:noFill/>
+                <a:solidFill>
+                  <a:schemeClr val="accent1"/>
+                </a:solidFill>
               </a:ln>
             </p:spPr>
             <p:style>
@@ -19829,7 +19714,7 @@
               <a:p>
                 <a:pPr algn="ctr"/>
                 <a:r>
-                  <a:rPr lang="en-US" altLang="zh-CN" sz="1400" dirty="0" smtClean="0">
+                  <a:rPr lang="en-US" altLang="zh-CN" sz="1400" dirty="0">
                     <a:latin typeface="Times New Roman" panose="02020603050405020304" pitchFamily="18" charset="0"/>
                     <a:cs typeface="Times New Roman" panose="02020603050405020304" pitchFamily="18" charset="0"/>
                   </a:rPr>
@@ -19947,7 +19832,7 @@
               <a:p>
                 <a:pPr algn="ctr"/>
                 <a:r>
-                  <a:rPr lang="en-US" altLang="zh-CN" sz="1400" dirty="0" smtClean="0">
+                  <a:rPr lang="en-US" altLang="zh-CN" sz="1400" dirty="0">
                     <a:latin typeface="Times New Roman" panose="02020603050405020304" pitchFamily="18" charset="0"/>
                     <a:cs typeface="Times New Roman" panose="02020603050405020304" pitchFamily="18" charset="0"/>
                   </a:rPr>
@@ -19984,7 +19869,7 @@
             <a:lstStyle/>
             <a:p>
               <a:r>
-                <a:rPr lang="en-US" altLang="zh-CN" dirty="0" smtClean="0">
+                <a:rPr lang="en-US" altLang="zh-CN" dirty="0">
                   <a:latin typeface="Times New Roman" panose="02020603050405020304" pitchFamily="18" charset="0"/>
                   <a:cs typeface="Times New Roman" panose="02020603050405020304" pitchFamily="18" charset="0"/>
                 </a:rPr>
@@ -20020,7 +19905,7 @@
             <a:lstStyle/>
             <a:p>
               <a:r>
-                <a:rPr lang="en-US" altLang="zh-CN" dirty="0" smtClean="0">
+                <a:rPr lang="en-US" altLang="zh-CN" dirty="0">
                   <a:latin typeface="Times New Roman" panose="02020603050405020304" pitchFamily="18" charset="0"/>
                   <a:cs typeface="Times New Roman" panose="02020603050405020304" pitchFamily="18" charset="0"/>
                 </a:rPr>
@@ -20056,7 +19941,7 @@
             <a:lstStyle/>
             <a:p>
               <a:r>
-                <a:rPr lang="en-US" altLang="zh-CN" dirty="0" smtClean="0">
+                <a:rPr lang="en-US" altLang="zh-CN" dirty="0">
                   <a:latin typeface="Times New Roman" panose="02020603050405020304" pitchFamily="18" charset="0"/>
                   <a:cs typeface="Times New Roman" panose="02020603050405020304" pitchFamily="18" charset="0"/>
                 </a:rPr>
@@ -20193,15 +20078,12 @@
             <a:prstGeom prst="rect">
               <a:avLst/>
             </a:prstGeom>
-            <a:solidFill>
-              <a:schemeClr val="bg1">
-                <a:lumMod val="85000"/>
-              </a:schemeClr>
-            </a:solidFill>
-            <a:ln>
+            <a:noFill/>
+            <a:ln w="19050">
               <a:solidFill>
-                <a:schemeClr val="bg2"/>
+                <a:schemeClr val="tx1"/>
               </a:solidFill>
+              <a:prstDash val="sysDash"/>
             </a:ln>
           </p:spPr>
           <p:style>
@@ -21300,21 +21182,7 @@
                   <a:latin typeface="Times New Roman" panose="02020603050405020304" pitchFamily="18" charset="0"/>
                   <a:cs typeface="Times New Roman" panose="02020603050405020304" pitchFamily="18" charset="0"/>
                 </a:rPr>
-                <a:t>NF </a:t>
-              </a:r>
-              <a:r>
-                <a:rPr lang="en-US" altLang="zh-CN" sz="1400" dirty="0" smtClean="0">
-                  <a:latin typeface="Times New Roman" panose="02020603050405020304" pitchFamily="18" charset="0"/>
-                  <a:cs typeface="Times New Roman" panose="02020603050405020304" pitchFamily="18" charset="0"/>
-                </a:rPr>
-                <a:t>1 </a:t>
-              </a:r>
-              <a:r>
-                <a:rPr lang="en-US" altLang="zh-CN" sz="1400" dirty="0">
-                  <a:latin typeface="Times New Roman" panose="02020603050405020304" pitchFamily="18" charset="0"/>
-                  <a:cs typeface="Times New Roman" panose="02020603050405020304" pitchFamily="18" charset="0"/>
-                </a:rPr>
-                <a:t>(2ms)</a:t>
+                <a:t>NF 1 (2ms)</a:t>
               </a:r>
               <a:endParaRPr lang="zh-CN" altLang="en-US" sz="1400" dirty="0">
                 <a:latin typeface="Times New Roman" panose="02020603050405020304" pitchFamily="18" charset="0"/>
@@ -21357,28 +21225,7 @@
                   <a:latin typeface="Times New Roman" panose="02020603050405020304" pitchFamily="18" charset="0"/>
                   <a:cs typeface="Times New Roman" panose="02020603050405020304" pitchFamily="18" charset="0"/>
                 </a:rPr>
-                <a:t>NF </a:t>
-              </a:r>
-              <a:r>
-                <a:rPr lang="en-US" altLang="zh-CN" sz="1400" dirty="0">
-                  <a:latin typeface="Times New Roman" panose="02020603050405020304" pitchFamily="18" charset="0"/>
-                  <a:cs typeface="Times New Roman" panose="02020603050405020304" pitchFamily="18" charset="0"/>
-                </a:rPr>
-                <a:t>2</a:t>
-              </a:r>
-              <a:r>
-                <a:rPr lang="en-US" altLang="zh-CN" sz="1400" dirty="0" smtClean="0">
-                  <a:latin typeface="Times New Roman" panose="02020603050405020304" pitchFamily="18" charset="0"/>
-                  <a:cs typeface="Times New Roman" panose="02020603050405020304" pitchFamily="18" charset="0"/>
-                </a:rPr>
-                <a:t> </a:t>
-              </a:r>
-              <a:r>
-                <a:rPr lang="en-US" altLang="zh-CN" sz="1400" dirty="0">
-                  <a:latin typeface="Times New Roman" panose="02020603050405020304" pitchFamily="18" charset="0"/>
-                  <a:cs typeface="Times New Roman" panose="02020603050405020304" pitchFamily="18" charset="0"/>
-                </a:rPr>
-                <a:t>(2ms)</a:t>
+                <a:t>NF 2 (2ms)</a:t>
               </a:r>
               <a:endParaRPr lang="zh-CN" altLang="en-US" sz="1400" dirty="0">
                 <a:latin typeface="Times New Roman" panose="02020603050405020304" pitchFamily="18" charset="0"/>
@@ -21421,21 +21268,7 @@
                   <a:latin typeface="Times New Roman" panose="02020603050405020304" pitchFamily="18" charset="0"/>
                   <a:cs typeface="Times New Roman" panose="02020603050405020304" pitchFamily="18" charset="0"/>
                 </a:rPr>
-                <a:t>NF </a:t>
-              </a:r>
-              <a:r>
-                <a:rPr lang="en-US" altLang="zh-CN" sz="1400" dirty="0" smtClean="0">
-                  <a:latin typeface="Times New Roman" panose="02020603050405020304" pitchFamily="18" charset="0"/>
-                  <a:cs typeface="Times New Roman" panose="02020603050405020304" pitchFamily="18" charset="0"/>
-                </a:rPr>
-                <a:t>3 </a:t>
-              </a:r>
-              <a:r>
-                <a:rPr lang="en-US" altLang="zh-CN" sz="1400" dirty="0">
-                  <a:latin typeface="Times New Roman" panose="02020603050405020304" pitchFamily="18" charset="0"/>
-                  <a:cs typeface="Times New Roman" panose="02020603050405020304" pitchFamily="18" charset="0"/>
-                </a:rPr>
-                <a:t>(1ms)</a:t>
+                <a:t>NF 3 (1ms)</a:t>
               </a:r>
               <a:endParaRPr lang="zh-CN" altLang="en-US" sz="1400" dirty="0">
                 <a:latin typeface="Times New Roman" panose="02020603050405020304" pitchFamily="18" charset="0"/>
@@ -21526,15 +21359,12 @@
             <a:prstGeom prst="rect">
               <a:avLst/>
             </a:prstGeom>
-            <a:solidFill>
-              <a:schemeClr val="bg1">
-                <a:lumMod val="85000"/>
-              </a:schemeClr>
-            </a:solidFill>
-            <a:ln>
+            <a:noFill/>
+            <a:ln w="19050">
               <a:solidFill>
-                <a:schemeClr val="bg2"/>
+                <a:schemeClr val="tx1"/>
               </a:solidFill>
+              <a:prstDash val="sysDash"/>
             </a:ln>
           </p:spPr>
           <p:style>
@@ -22940,15 +22770,12 @@
             <a:prstGeom prst="rect">
               <a:avLst/>
             </a:prstGeom>
-            <a:solidFill>
-              <a:schemeClr val="bg1">
-                <a:lumMod val="85000"/>
-              </a:schemeClr>
-            </a:solidFill>
-            <a:ln>
+            <a:noFill/>
+            <a:ln w="19050">
               <a:solidFill>
-                <a:schemeClr val="bg2"/>
+                <a:schemeClr val="tx1"/>
               </a:solidFill>
+              <a:prstDash val="sysDash"/>
             </a:ln>
           </p:spPr>
           <p:style>
@@ -23737,24 +23564,19 @@
                 <a:prstGeom prst="rect">
                   <a:avLst/>
                 </a:prstGeom>
-                <a:solidFill>
-                  <a:srgbClr val="9DC3E6"/>
-                </a:solidFill>
               </p:spPr>
               <p:style>
                 <a:lnRef idx="2">
-                  <a:schemeClr val="accent1">
-                    <a:shade val="50000"/>
-                  </a:schemeClr>
+                  <a:schemeClr val="dk1"/>
                 </a:lnRef>
                 <a:fillRef idx="1">
-                  <a:schemeClr val="accent1"/>
+                  <a:schemeClr val="lt1"/>
                 </a:fillRef>
                 <a:effectRef idx="0">
-                  <a:schemeClr val="accent1"/>
+                  <a:schemeClr val="dk1"/>
                 </a:effectRef>
                 <a:fontRef idx="minor">
-                  <a:schemeClr val="lt1"/>
+                  <a:schemeClr val="dk1"/>
                 </a:fontRef>
               </p:style>
               <p:txBody>
@@ -23796,24 +23618,19 @@
                 <a:prstGeom prst="rect">
                   <a:avLst/>
                 </a:prstGeom>
-                <a:solidFill>
-                  <a:srgbClr val="9DC3E6"/>
-                </a:solidFill>
               </p:spPr>
               <p:style>
                 <a:lnRef idx="2">
-                  <a:schemeClr val="accent1">
-                    <a:shade val="50000"/>
-                  </a:schemeClr>
+                  <a:schemeClr val="dk1"/>
                 </a:lnRef>
                 <a:fillRef idx="1">
-                  <a:schemeClr val="accent1"/>
+                  <a:schemeClr val="lt1"/>
                 </a:fillRef>
                 <a:effectRef idx="0">
-                  <a:schemeClr val="accent1"/>
+                  <a:schemeClr val="dk1"/>
                 </a:effectRef>
                 <a:fontRef idx="minor">
-                  <a:schemeClr val="lt1"/>
+                  <a:schemeClr val="dk1"/>
                 </a:fontRef>
               </p:style>
               <p:txBody>
@@ -23855,24 +23672,19 @@
                 <a:prstGeom prst="rect">
                   <a:avLst/>
                 </a:prstGeom>
-                <a:solidFill>
-                  <a:srgbClr val="9DC3E6"/>
-                </a:solidFill>
               </p:spPr>
               <p:style>
                 <a:lnRef idx="2">
-                  <a:schemeClr val="accent1">
-                    <a:shade val="50000"/>
-                  </a:schemeClr>
+                  <a:schemeClr val="dk1"/>
                 </a:lnRef>
                 <a:fillRef idx="1">
-                  <a:schemeClr val="accent1"/>
+                  <a:schemeClr val="lt1"/>
                 </a:fillRef>
                 <a:effectRef idx="0">
-                  <a:schemeClr val="accent1"/>
+                  <a:schemeClr val="dk1"/>
                 </a:effectRef>
                 <a:fontRef idx="minor">
-                  <a:schemeClr val="lt1"/>
+                  <a:schemeClr val="dk1"/>
                 </a:fontRef>
               </p:style>
               <p:txBody>
@@ -23914,24 +23726,19 @@
                 <a:prstGeom prst="rect">
                   <a:avLst/>
                 </a:prstGeom>
-                <a:solidFill>
-                  <a:srgbClr val="9DC3E6"/>
-                </a:solidFill>
               </p:spPr>
               <p:style>
                 <a:lnRef idx="2">
-                  <a:schemeClr val="accent1">
-                    <a:shade val="50000"/>
-                  </a:schemeClr>
+                  <a:schemeClr val="dk1"/>
                 </a:lnRef>
                 <a:fillRef idx="1">
-                  <a:schemeClr val="accent1"/>
+                  <a:schemeClr val="lt1"/>
                 </a:fillRef>
                 <a:effectRef idx="0">
-                  <a:schemeClr val="accent1"/>
+                  <a:schemeClr val="dk1"/>
                 </a:effectRef>
                 <a:fontRef idx="minor">
-                  <a:schemeClr val="lt1"/>
+                  <a:schemeClr val="dk1"/>
                 </a:fontRef>
               </p:style>
               <p:txBody>
@@ -23978,24 +23785,19 @@
                 <a:prstGeom prst="rect">
                   <a:avLst/>
                 </a:prstGeom>
-                <a:solidFill>
-                  <a:srgbClr val="9DC3E6"/>
-                </a:solidFill>
               </p:spPr>
               <p:style>
                 <a:lnRef idx="2">
-                  <a:schemeClr val="accent1">
-                    <a:shade val="50000"/>
-                  </a:schemeClr>
+                  <a:schemeClr val="dk1"/>
                 </a:lnRef>
                 <a:fillRef idx="1">
-                  <a:schemeClr val="accent1"/>
+                  <a:schemeClr val="lt1"/>
                 </a:fillRef>
                 <a:effectRef idx="0">
-                  <a:schemeClr val="accent1"/>
+                  <a:schemeClr val="dk1"/>
                 </a:effectRef>
                 <a:fontRef idx="minor">
-                  <a:schemeClr val="lt1"/>
+                  <a:schemeClr val="dk1"/>
                 </a:fontRef>
               </p:style>
               <p:txBody>
@@ -24063,6 +23865,11 @@
                     <a:lumOff val="40000"/>
                   </a:schemeClr>
                 </a:solidFill>
+                <a:ln>
+                  <a:solidFill>
+                    <a:schemeClr val="tx1"/>
+                  </a:solidFill>
+                </a:ln>
               </p:spPr>
               <p:style>
                 <a:lnRef idx="2">
@@ -24129,24 +23936,19 @@
                 <a:prstGeom prst="rect">
                   <a:avLst/>
                 </a:prstGeom>
-                <a:solidFill>
-                  <a:srgbClr val="9DC3E6"/>
-                </a:solidFill>
               </p:spPr>
               <p:style>
                 <a:lnRef idx="2">
-                  <a:schemeClr val="accent1">
-                    <a:shade val="50000"/>
-                  </a:schemeClr>
+                  <a:schemeClr val="dk1"/>
                 </a:lnRef>
                 <a:fillRef idx="1">
-                  <a:schemeClr val="accent1"/>
+                  <a:schemeClr val="lt1"/>
                 </a:fillRef>
                 <a:effectRef idx="0">
-                  <a:schemeClr val="accent1"/>
+                  <a:schemeClr val="dk1"/>
                 </a:effectRef>
                 <a:fontRef idx="minor">
-                  <a:schemeClr val="lt1"/>
+                  <a:schemeClr val="dk1"/>
                 </a:fontRef>
               </p:style>
               <p:txBody>
@@ -24194,6 +23996,11 @@
                     <a:lumOff val="40000"/>
                   </a:schemeClr>
                 </a:solidFill>
+                <a:ln>
+                  <a:solidFill>
+                    <a:schemeClr val="tx1"/>
+                  </a:solidFill>
+                </a:ln>
               </p:spPr>
               <p:style>
                 <a:lnRef idx="2">
@@ -24260,24 +24067,19 @@
                 <a:prstGeom prst="rect">
                   <a:avLst/>
                 </a:prstGeom>
-                <a:solidFill>
-                  <a:srgbClr val="9DC3E6"/>
-                </a:solidFill>
               </p:spPr>
               <p:style>
                 <a:lnRef idx="2">
-                  <a:schemeClr val="accent1">
-                    <a:shade val="50000"/>
-                  </a:schemeClr>
+                  <a:schemeClr val="dk1"/>
                 </a:lnRef>
                 <a:fillRef idx="1">
-                  <a:schemeClr val="accent1"/>
+                  <a:schemeClr val="lt1"/>
                 </a:fillRef>
                 <a:effectRef idx="0">
-                  <a:schemeClr val="accent1"/>
+                  <a:schemeClr val="dk1"/>
                 </a:effectRef>
                 <a:fontRef idx="minor">
-                  <a:schemeClr val="lt1"/>
+                  <a:schemeClr val="dk1"/>
                 </a:fontRef>
               </p:style>
               <p:txBody>
@@ -24324,24 +24126,19 @@
                 <a:prstGeom prst="rect">
                   <a:avLst/>
                 </a:prstGeom>
-                <a:solidFill>
-                  <a:srgbClr val="9DC3E6"/>
-                </a:solidFill>
               </p:spPr>
               <p:style>
                 <a:lnRef idx="2">
-                  <a:schemeClr val="accent1">
-                    <a:shade val="50000"/>
-                  </a:schemeClr>
+                  <a:schemeClr val="dk1"/>
                 </a:lnRef>
                 <a:fillRef idx="1">
-                  <a:schemeClr val="accent1"/>
+                  <a:schemeClr val="lt1"/>
                 </a:fillRef>
                 <a:effectRef idx="0">
-                  <a:schemeClr val="accent1"/>
+                  <a:schemeClr val="dk1"/>
                 </a:effectRef>
                 <a:fontRef idx="minor">
-                  <a:schemeClr val="lt1"/>
+                  <a:schemeClr val="dk1"/>
                 </a:fontRef>
               </p:style>
               <p:txBody>
@@ -24403,78 +24200,6 @@
                   <a:chExt cx="1035698" cy="2472610"/>
                 </a:xfrm>
               </p:grpSpPr>
-              <p:sp>
-                <p:nvSpPr>
-                  <p:cNvPr id="30" name="矩形 29"/>
-                  <p:cNvSpPr/>
-                  <p:nvPr/>
-                </p:nvSpPr>
-                <p:spPr>
-                  <a:xfrm>
-                    <a:off x="1222310" y="1268964"/>
-                    <a:ext cx="1035698" cy="494522"/>
-                  </a:xfrm>
-                  <a:prstGeom prst="rect">
-                    <a:avLst/>
-                  </a:prstGeom>
-                  <a:solidFill>
-                    <a:schemeClr val="accent4">
-                      <a:lumMod val="60000"/>
-                      <a:lumOff val="40000"/>
-                    </a:schemeClr>
-                  </a:solidFill>
-                </p:spPr>
-                <p:style>
-                  <a:lnRef idx="2">
-                    <a:schemeClr val="accent1">
-                      <a:shade val="50000"/>
-                    </a:schemeClr>
-                  </a:lnRef>
-                  <a:fillRef idx="1">
-                    <a:schemeClr val="accent1"/>
-                  </a:fillRef>
-                  <a:effectRef idx="0">
-                    <a:schemeClr val="accent1"/>
-                  </a:effectRef>
-                  <a:fontRef idx="minor">
-                    <a:schemeClr val="lt1"/>
-                  </a:fontRef>
-                </p:style>
-                <p:txBody>
-                  <a:bodyPr rtlCol="0" anchor="ctr"/>
-                  <a:lstStyle/>
-                  <a:p>
-                    <a:pPr algn="ctr"/>
-                    <a:r>
-                      <a:rPr lang="en-US" altLang="zh-CN" dirty="0">
-                        <a:solidFill>
-                          <a:schemeClr val="tx1"/>
-                        </a:solidFill>
-                        <a:latin typeface="Times New Roman" panose="02020603050405020304" pitchFamily="18" charset="0"/>
-                        <a:cs typeface="Times New Roman" panose="02020603050405020304" pitchFamily="18" charset="0"/>
-                      </a:rPr>
-                      <a:t>Field A</a:t>
-                    </a:r>
-                    <a:r>
-                      <a:rPr lang="en-US" altLang="zh-CN" baseline="-25000" dirty="0">
-                        <a:solidFill>
-                          <a:schemeClr val="tx1"/>
-                        </a:solidFill>
-                        <a:latin typeface="Times New Roman" panose="02020603050405020304" pitchFamily="18" charset="0"/>
-                        <a:cs typeface="Times New Roman" panose="02020603050405020304" pitchFamily="18" charset="0"/>
-                      </a:rPr>
-                      <a:t>2</a:t>
-                    </a:r>
-                    <a:endParaRPr lang="zh-CN" altLang="en-US" baseline="-25000" dirty="0">
-                      <a:solidFill>
-                        <a:schemeClr val="tx1"/>
-                      </a:solidFill>
-                      <a:latin typeface="Times New Roman" panose="02020603050405020304" pitchFamily="18" charset="0"/>
-                      <a:cs typeface="Times New Roman" panose="02020603050405020304" pitchFamily="18" charset="0"/>
-                    </a:endParaRPr>
-                  </a:p>
-                </p:txBody>
-              </p:sp>
               <p:sp>
                 <p:nvSpPr>
                   <p:cNvPr id="31" name="矩形 30"/>
@@ -24555,24 +24280,19 @@
                   <a:prstGeom prst="rect">
                     <a:avLst/>
                   </a:prstGeom>
-                  <a:solidFill>
-                    <a:srgbClr val="9DC3E6"/>
-                  </a:solidFill>
                 </p:spPr>
                 <p:style>
                   <a:lnRef idx="2">
-                    <a:schemeClr val="accent1">
-                      <a:shade val="50000"/>
-                    </a:schemeClr>
+                    <a:schemeClr val="dk1"/>
                   </a:lnRef>
                   <a:fillRef idx="1">
-                    <a:schemeClr val="accent1"/>
+                    <a:schemeClr val="lt1"/>
                   </a:fillRef>
                   <a:effectRef idx="0">
-                    <a:schemeClr val="accent1"/>
+                    <a:schemeClr val="dk1"/>
                   </a:effectRef>
                   <a:fontRef idx="minor">
-                    <a:schemeClr val="lt1"/>
+                    <a:schemeClr val="dk1"/>
                   </a:fontRef>
                 </p:style>
                 <p:txBody>
@@ -24615,11 +24335,13 @@
                     <a:avLst/>
                   </a:prstGeom>
                   <a:solidFill>
-                    <a:schemeClr val="accent6">
-                      <a:lumMod val="60000"/>
-                      <a:lumOff val="40000"/>
-                    </a:schemeClr>
+                    <a:schemeClr val="accent1"/>
                   </a:solidFill>
+                  <a:ln>
+                    <a:solidFill>
+                      <a:schemeClr val="tx1"/>
+                    </a:solidFill>
+                  </a:ln>
                 </p:spPr>
                 <p:style>
                   <a:lnRef idx="2">
@@ -24650,7 +24372,7 @@
                     <a:r>
                       <a:rPr lang="en-US" altLang="zh-CN" dirty="0">
                         <a:solidFill>
-                          <a:schemeClr val="tx1"/>
+                          <a:schemeClr val="bg1"/>
                         </a:solidFill>
                         <a:latin typeface="Times New Roman" panose="02020603050405020304" pitchFamily="18" charset="0"/>
                         <a:cs typeface="Times New Roman" panose="02020603050405020304" pitchFamily="18" charset="0"/>
@@ -24659,7 +24381,7 @@
                     </a:r>
                     <a:endParaRPr lang="zh-CN" altLang="en-US" dirty="0">
                       <a:solidFill>
-                        <a:schemeClr val="tx1"/>
+                        <a:schemeClr val="bg1"/>
                       </a:solidFill>
                       <a:latin typeface="Times New Roman" panose="02020603050405020304" pitchFamily="18" charset="0"/>
                       <a:cs typeface="Times New Roman" panose="02020603050405020304" pitchFamily="18" charset="0"/>
@@ -24681,24 +24403,19 @@
                   <a:prstGeom prst="rect">
                     <a:avLst/>
                   </a:prstGeom>
-                  <a:solidFill>
-                    <a:srgbClr val="9DC3E6"/>
-                  </a:solidFill>
                 </p:spPr>
                 <p:style>
                   <a:lnRef idx="2">
-                    <a:schemeClr val="accent1">
-                      <a:shade val="50000"/>
-                    </a:schemeClr>
+                    <a:schemeClr val="dk1"/>
                   </a:lnRef>
                   <a:fillRef idx="1">
-                    <a:schemeClr val="accent1"/>
+                    <a:schemeClr val="lt1"/>
                   </a:fillRef>
                   <a:effectRef idx="0">
-                    <a:schemeClr val="accent1"/>
+                    <a:schemeClr val="dk1"/>
                   </a:effectRef>
                   <a:fontRef idx="minor">
-                    <a:schemeClr val="lt1"/>
+                    <a:schemeClr val="dk1"/>
                   </a:fontRef>
                 </p:style>
                 <p:txBody>
@@ -24731,6 +24448,83 @@
                   </a:p>
                 </p:txBody>
               </p:sp>
+              <p:sp>
+                <p:nvSpPr>
+                  <p:cNvPr id="30" name="矩形 29"/>
+                  <p:cNvSpPr/>
+                  <p:nvPr/>
+                </p:nvSpPr>
+                <p:spPr>
+                  <a:xfrm>
+                    <a:off x="1222310" y="1268964"/>
+                    <a:ext cx="1035698" cy="494522"/>
+                  </a:xfrm>
+                  <a:prstGeom prst="rect">
+                    <a:avLst/>
+                  </a:prstGeom>
+                  <a:solidFill>
+                    <a:schemeClr val="accent4">
+                      <a:lumMod val="60000"/>
+                      <a:lumOff val="40000"/>
+                    </a:schemeClr>
+                  </a:solidFill>
+                  <a:ln>
+                    <a:solidFill>
+                      <a:schemeClr val="tx1"/>
+                    </a:solidFill>
+                  </a:ln>
+                </p:spPr>
+                <p:style>
+                  <a:lnRef idx="2">
+                    <a:schemeClr val="accent1">
+                      <a:shade val="50000"/>
+                    </a:schemeClr>
+                  </a:lnRef>
+                  <a:fillRef idx="1">
+                    <a:schemeClr val="accent1"/>
+                  </a:fillRef>
+                  <a:effectRef idx="0">
+                    <a:schemeClr val="accent1"/>
+                  </a:effectRef>
+                  <a:fontRef idx="minor">
+                    <a:schemeClr val="lt1"/>
+                  </a:fontRef>
+                </p:style>
+                <p:txBody>
+                  <a:bodyPr rtlCol="0" anchor="ctr"/>
+                  <a:lstStyle/>
+                  <a:p>
+                    <a:pPr algn="ctr"/>
+                    <a:r>
+                      <a:rPr lang="en-US" altLang="zh-CN" dirty="0">
+                        <a:solidFill>
+                          <a:schemeClr val="tx1"/>
+                        </a:solidFill>
+                        <a:latin typeface="Times New Roman" panose="02020603050405020304" pitchFamily="18" charset="0"/>
+                        <a:cs typeface="Times New Roman" panose="02020603050405020304" pitchFamily="18" charset="0"/>
+                      </a:rPr>
+                      <a:t>Field A</a:t>
+                    </a:r>
+                    <a:r>
+                      <a:rPr lang="en-US" altLang="zh-CN" baseline="-25000" dirty="0">
+                        <a:solidFill>
+                          <a:schemeClr val="tx1"/>
+                        </a:solidFill>
+                        <a:latin typeface="Times New Roman" panose="02020603050405020304" pitchFamily="18" charset="0"/>
+                        <a:cs typeface="Times New Roman" panose="02020603050405020304" pitchFamily="18" charset="0"/>
+                      </a:rPr>
+                      <a:t>2</a:t>
+                    </a:r>
+                    <a:endParaRPr lang="zh-CN" altLang="en-US" baseline="-25000" dirty="0">
+                      <a:solidFill>
+                        <a:schemeClr val="tx1"/>
+                      </a:solidFill>
+                      <a:latin typeface="Times New Roman" panose="02020603050405020304" pitchFamily="18" charset="0"/>
+                      <a:cs typeface="Times New Roman" panose="02020603050405020304" pitchFamily="18" charset="0"/>
+                    </a:endParaRPr>
+                  </a:p>
+                </p:txBody>
+              </p:sp>
             </p:grpSp>
             <p:sp>
               <p:nvSpPr>
@@ -24746,24 +24540,19 @@
                 <a:prstGeom prst="rect">
                   <a:avLst/>
                 </a:prstGeom>
-                <a:solidFill>
-                  <a:srgbClr val="9DC3E6"/>
-                </a:solidFill>
               </p:spPr>
               <p:style>
                 <a:lnRef idx="2">
-                  <a:schemeClr val="accent1">
-                    <a:shade val="50000"/>
-                  </a:schemeClr>
+                  <a:schemeClr val="dk1"/>
                 </a:lnRef>
                 <a:fillRef idx="1">
-                  <a:schemeClr val="accent1"/>
+                  <a:schemeClr val="lt1"/>
                 </a:fillRef>
                 <a:effectRef idx="0">
-                  <a:schemeClr val="accent1"/>
+                  <a:schemeClr val="dk1"/>
                 </a:effectRef>
                 <a:fontRef idx="minor">
-                  <a:schemeClr val="lt1"/>
+                  <a:schemeClr val="dk1"/>
                 </a:fontRef>
               </p:style>
               <p:txBody>
@@ -24831,6 +24620,11 @@
                     <a:lumOff val="40000"/>
                   </a:schemeClr>
                 </a:solidFill>
+                <a:ln>
+                  <a:solidFill>
+                    <a:schemeClr val="tx1"/>
+                  </a:solidFill>
+                </a:ln>
               </p:spPr>
               <p:style>
                 <a:lnRef idx="2">
@@ -24903,6 +24697,11 @@
                     <a:lumOff val="40000"/>
                   </a:schemeClr>
                 </a:solidFill>
+                <a:ln>
+                  <a:solidFill>
+                    <a:schemeClr val="tx1"/>
+                  </a:solidFill>
+                </a:ln>
               </p:spPr>
               <p:style>
                 <a:lnRef idx="2">
@@ -24970,11 +24769,13 @@
                   <a:avLst/>
                 </a:prstGeom>
                 <a:solidFill>
-                  <a:schemeClr val="accent6">
-                    <a:lumMod val="60000"/>
-                    <a:lumOff val="40000"/>
-                  </a:schemeClr>
+                  <a:schemeClr val="accent1"/>
                 </a:solidFill>
+                <a:ln>
+                  <a:solidFill>
+                    <a:schemeClr val="tx1"/>
+                  </a:solidFill>
+                </a:ln>
               </p:spPr>
               <p:style>
                 <a:lnRef idx="2">
@@ -25000,7 +24801,7 @@
                   <a:r>
                     <a:rPr lang="en-US" altLang="zh-CN" dirty="0">
                       <a:solidFill>
-                        <a:schemeClr val="tx1"/>
+                        <a:schemeClr val="bg1"/>
                       </a:solidFill>
                       <a:latin typeface="Times New Roman" panose="02020603050405020304" pitchFamily="18" charset="0"/>
                       <a:cs typeface="Times New Roman" panose="02020603050405020304" pitchFamily="18" charset="0"/>
@@ -25009,7 +24810,7 @@
                   </a:r>
                   <a:endParaRPr lang="zh-CN" altLang="en-US" dirty="0">
                     <a:solidFill>
-                      <a:schemeClr val="tx1"/>
+                      <a:schemeClr val="bg1"/>
                     </a:solidFill>
                     <a:latin typeface="Times New Roman" panose="02020603050405020304" pitchFamily="18" charset="0"/>
                     <a:cs typeface="Times New Roman" panose="02020603050405020304" pitchFamily="18" charset="0"/>
@@ -25031,24 +24832,19 @@
                 <a:prstGeom prst="rect">
                   <a:avLst/>
                 </a:prstGeom>
-                <a:solidFill>
-                  <a:srgbClr val="9DC3E6"/>
-                </a:solidFill>
               </p:spPr>
               <p:style>
                 <a:lnRef idx="2">
-                  <a:schemeClr val="accent1">
-                    <a:shade val="50000"/>
-                  </a:schemeClr>
+                  <a:schemeClr val="dk1"/>
                 </a:lnRef>
                 <a:fillRef idx="1">
-                  <a:schemeClr val="accent1"/>
+                  <a:schemeClr val="lt1"/>
                 </a:fillRef>
                 <a:effectRef idx="0">
-                  <a:schemeClr val="accent1"/>
+                  <a:schemeClr val="dk1"/>
                 </a:effectRef>
                 <a:fontRef idx="minor">
-                  <a:schemeClr val="lt1"/>
+                  <a:schemeClr val="dk1"/>
                 </a:fontRef>
               </p:style>
               <p:txBody>
@@ -25095,24 +24891,19 @@
                 <a:prstGeom prst="rect">
                   <a:avLst/>
                 </a:prstGeom>
-                <a:solidFill>
-                  <a:srgbClr val="9DC3E6"/>
-                </a:solidFill>
               </p:spPr>
               <p:style>
                 <a:lnRef idx="2">
-                  <a:schemeClr val="accent1">
-                    <a:shade val="50000"/>
-                  </a:schemeClr>
+                  <a:schemeClr val="dk1"/>
                 </a:lnRef>
                 <a:fillRef idx="1">
-                  <a:schemeClr val="accent1"/>
+                  <a:schemeClr val="lt1"/>
                 </a:fillRef>
                 <a:effectRef idx="0">
-                  <a:schemeClr val="accent1"/>
+                  <a:schemeClr val="dk1"/>
                 </a:effectRef>
                 <a:fontRef idx="minor">
-                  <a:schemeClr val="lt1"/>
+                  <a:schemeClr val="dk1"/>
                 </a:fontRef>
               </p:style>
               <p:txBody>
@@ -25554,7 +25345,7 @@
             <a:lstStyle/>
             <a:p>
               <a:r>
-                <a:rPr lang="en-US" altLang="zh-CN" dirty="0" smtClean="0">
+                <a:rPr lang="en-US" altLang="zh-CN" dirty="0">
                   <a:latin typeface="Times New Roman" panose="02020603050405020304" pitchFamily="18" charset="0"/>
                   <a:cs typeface="Times New Roman" panose="02020603050405020304" pitchFamily="18" charset="0"/>
                 </a:rPr>
@@ -25568,7 +25359,7 @@
                 <a:t>2</a:t>
               </a:r>
               <a:r>
-                <a:rPr lang="en-US" altLang="zh-CN" dirty="0" smtClean="0">
+                <a:rPr lang="en-US" altLang="zh-CN" dirty="0">
                   <a:latin typeface="Times New Roman" panose="02020603050405020304" pitchFamily="18" charset="0"/>
                   <a:cs typeface="Times New Roman" panose="02020603050405020304" pitchFamily="18" charset="0"/>
                 </a:rPr>
@@ -25604,21 +25395,21 @@
             <a:lstStyle/>
             <a:p>
               <a:r>
-                <a:rPr lang="en-US" altLang="zh-CN" dirty="0" smtClean="0">
+                <a:rPr lang="en-US" altLang="zh-CN" dirty="0">
                   <a:latin typeface="Times New Roman" panose="02020603050405020304" pitchFamily="18" charset="0"/>
                   <a:cs typeface="Times New Roman" panose="02020603050405020304" pitchFamily="18" charset="0"/>
                 </a:rPr>
                 <a:t>ID</a:t>
               </a:r>
               <a:r>
-                <a:rPr lang="en-US" altLang="zh-CN" baseline="-25000" dirty="0" smtClean="0">
+                <a:rPr lang="en-US" altLang="zh-CN" baseline="-25000" dirty="0">
                   <a:latin typeface="Times New Roman" panose="02020603050405020304" pitchFamily="18" charset="0"/>
                   <a:cs typeface="Times New Roman" panose="02020603050405020304" pitchFamily="18" charset="0"/>
                 </a:rPr>
                 <a:t>2</a:t>
               </a:r>
               <a:r>
-                <a:rPr lang="en-US" altLang="zh-CN" dirty="0" smtClean="0">
+                <a:rPr lang="en-US" altLang="zh-CN" dirty="0">
                   <a:latin typeface="Times New Roman" panose="02020603050405020304" pitchFamily="18" charset="0"/>
                   <a:cs typeface="Times New Roman" panose="02020603050405020304" pitchFamily="18" charset="0"/>
                 </a:rPr>
@@ -25654,21 +25445,21 @@
             <a:lstStyle/>
             <a:p>
               <a:r>
-                <a:rPr lang="en-US" altLang="zh-CN" dirty="0" smtClean="0">
+                <a:rPr lang="en-US" altLang="zh-CN" dirty="0">
                   <a:latin typeface="Times New Roman" panose="02020603050405020304" pitchFamily="18" charset="0"/>
                   <a:cs typeface="Times New Roman" panose="02020603050405020304" pitchFamily="18" charset="0"/>
                 </a:rPr>
                 <a:t>ID</a:t>
               </a:r>
               <a:r>
-                <a:rPr lang="en-US" altLang="zh-CN" baseline="-25000" dirty="0" smtClean="0">
+                <a:rPr lang="en-US" altLang="zh-CN" baseline="-25000" dirty="0">
                   <a:latin typeface="Times New Roman" panose="02020603050405020304" pitchFamily="18" charset="0"/>
                   <a:cs typeface="Times New Roman" panose="02020603050405020304" pitchFamily="18" charset="0"/>
                 </a:rPr>
                 <a:t>2</a:t>
               </a:r>
               <a:r>
-                <a:rPr lang="en-US" altLang="zh-CN" dirty="0" smtClean="0">
+                <a:rPr lang="en-US" altLang="zh-CN" dirty="0">
                   <a:latin typeface="Times New Roman" panose="02020603050405020304" pitchFamily="18" charset="0"/>
                   <a:cs typeface="Times New Roman" panose="02020603050405020304" pitchFamily="18" charset="0"/>
                 </a:rPr>
@@ -29598,13 +29389,6 @@
   <p:clrMapOvr>
     <a:masterClrMapping/>
   </p:clrMapOvr>
-  <p:timing>
-    <p:tnLst>
-      <p:par>
-        <p:cTn id="1" dur="indefinite" restart="never" nodeType="tmRoot"/>
-      </p:par>
-    </p:tnLst>
-  </p:timing>
 </p:sld>
 </file>
 
@@ -30913,7 +30697,7 @@
           <a:p>
             <a:pPr algn="ctr"/>
             <a:r>
-              <a:rPr lang="en-US" altLang="zh-CN" sz="1200" dirty="0" smtClean="0">
+              <a:rPr lang="en-US" altLang="zh-CN" sz="1200" dirty="0">
                 <a:latin typeface="Times New Roman" panose="02020603050405020304" pitchFamily="18" charset="0"/>
                 <a:cs typeface="Times New Roman" panose="02020603050405020304" pitchFamily="18" charset="0"/>
               </a:rPr>
@@ -30923,7 +30707,7 @@
           <a:p>
             <a:pPr algn="ctr"/>
             <a:r>
-              <a:rPr lang="en-US" altLang="zh-CN" sz="1200" dirty="0" smtClean="0">
+              <a:rPr lang="en-US" altLang="zh-CN" sz="1200" dirty="0">
                 <a:latin typeface="Times New Roman" panose="02020603050405020304" pitchFamily="18" charset="0"/>
                 <a:cs typeface="Times New Roman" panose="02020603050405020304" pitchFamily="18" charset="0"/>
               </a:rPr>
@@ -31845,13 +31629,6 @@
   <p:clrMapOvr>
     <a:masterClrMapping/>
   </p:clrMapOvr>
-  <p:timing>
-    <p:tnLst>
-      <p:par>
-        <p:cTn id="1" dur="indefinite" restart="never" nodeType="tmRoot"/>
-      </p:par>
-    </p:tnLst>
-  </p:timing>
 </p:sld>
 </file>
 
@@ -32934,13 +32711,6 @@
   <p:clrMapOvr>
     <a:masterClrMapping/>
   </p:clrMapOvr>
-  <p:timing>
-    <p:tnLst>
-      <p:par>
-        <p:cTn id="1" dur="indefinite" restart="never" nodeType="tmRoot"/>
-      </p:par>
-    </p:tnLst>
-  </p:timing>
 </p:sld>
 </file>
 
@@ -33058,7 +32828,7 @@
                     <a:p>
                       <a:pPr algn="ctr"/>
                       <a:r>
-                        <a:rPr lang="en-US" altLang="zh-CN" sz="2000" dirty="0" smtClean="0">
+                        <a:rPr lang="en-US" altLang="zh-CN" sz="2000" dirty="0">
                           <a:latin typeface="Times New Roman" panose="02020603050405020304" pitchFamily="18" charset="0"/>
                           <a:cs typeface="Times New Roman" panose="02020603050405020304" pitchFamily="18" charset="0"/>
                         </a:rPr>
@@ -33079,7 +32849,7 @@
                     <a:p>
                       <a:pPr algn="ctr"/>
                       <a:r>
-                        <a:rPr lang="en-US" altLang="zh-CN" sz="2000" dirty="0" smtClean="0">
+                        <a:rPr lang="en-US" altLang="zh-CN" sz="2000" dirty="0">
                           <a:latin typeface="Times New Roman" panose="02020603050405020304" pitchFamily="18" charset="0"/>
                           <a:cs typeface="Times New Roman" panose="02020603050405020304" pitchFamily="18" charset="0"/>
                         </a:rPr>
@@ -33110,7 +32880,7 @@
                     <a:p>
                       <a:pPr algn="ctr"/>
                       <a:r>
-                        <a:rPr lang="en-US" altLang="zh-CN" sz="2000" dirty="0" smtClean="0">
+                        <a:rPr lang="en-US" altLang="zh-CN" sz="2000" dirty="0">
                           <a:latin typeface="Times New Roman" panose="02020603050405020304" pitchFamily="18" charset="0"/>
                           <a:cs typeface="Times New Roman" panose="02020603050405020304" pitchFamily="18" charset="0"/>
                         </a:rPr>
@@ -33131,7 +32901,7 @@
                     <a:p>
                       <a:pPr algn="ctr"/>
                       <a:r>
-                        <a:rPr lang="en-US" altLang="zh-CN" sz="2000" dirty="0" smtClean="0">
+                        <a:rPr lang="en-US" altLang="zh-CN" sz="2000" dirty="0">
                           <a:latin typeface="Times New Roman" panose="02020603050405020304" pitchFamily="18" charset="0"/>
                           <a:cs typeface="Times New Roman" panose="02020603050405020304" pitchFamily="18" charset="0"/>
                         </a:rPr>
@@ -33159,7 +32929,7 @@
                     <a:p>
                       <a:pPr algn="ctr"/>
                       <a:r>
-                        <a:rPr lang="en-US" altLang="zh-CN" sz="2000" dirty="0" smtClean="0">
+                        <a:rPr lang="en-US" altLang="zh-CN" sz="2000" dirty="0">
                           <a:latin typeface="Times New Roman" panose="02020603050405020304" pitchFamily="18" charset="0"/>
                           <a:cs typeface="Times New Roman" panose="02020603050405020304" pitchFamily="18" charset="0"/>
                         </a:rPr>
@@ -33283,7 +33053,7 @@
                     <a:p>
                       <a:pPr algn="ctr"/>
                       <a:r>
-                        <a:rPr lang="en-US" altLang="zh-CN" sz="2000" dirty="0" smtClean="0">
+                        <a:rPr lang="en-US" altLang="zh-CN" sz="2000" dirty="0">
                           <a:latin typeface="Times New Roman" panose="02020603050405020304" pitchFamily="18" charset="0"/>
                           <a:cs typeface="Times New Roman" panose="02020603050405020304" pitchFamily="18" charset="0"/>
                         </a:rPr>
@@ -33399,7 +33169,7 @@
                     <a:p>
                       <a:pPr algn="ctr"/>
                       <a:r>
-                        <a:rPr lang="en-US" altLang="zh-CN" sz="2000" dirty="0" smtClean="0">
+                        <a:rPr lang="en-US" altLang="zh-CN" sz="2000" dirty="0">
                           <a:latin typeface="Times New Roman" panose="02020603050405020304" pitchFamily="18" charset="0"/>
                           <a:cs typeface="Times New Roman" panose="02020603050405020304" pitchFamily="18" charset="0"/>
                         </a:rPr>
@@ -33497,7 +33267,7 @@
                     <a:p>
                       <a:pPr algn="ctr"/>
                       <a:r>
-                        <a:rPr lang="en-US" altLang="zh-CN" sz="2000" dirty="0" smtClean="0">
+                        <a:rPr lang="en-US" altLang="zh-CN" sz="2000" dirty="0">
                           <a:latin typeface="Times New Roman" panose="02020603050405020304" pitchFamily="18" charset="0"/>
                           <a:cs typeface="Times New Roman" panose="02020603050405020304" pitchFamily="18" charset="0"/>
                         </a:rPr>
@@ -33613,7 +33383,7 @@
           <a:lstStyle/>
           <a:p>
             <a:r>
-              <a:rPr kumimoji="1" lang="en-US" altLang="zh-CN" dirty="0" smtClean="0">
+              <a:rPr kumimoji="1" lang="en-US" altLang="zh-CN" dirty="0">
                 <a:latin typeface="Times New Roman" panose="02020603050405020304" pitchFamily="18" charset="0"/>
                 <a:cs typeface="Times New Roman" panose="02020603050405020304" pitchFamily="18" charset="0"/>
               </a:rPr>
@@ -33648,7 +33418,7 @@
           <a:lstStyle/>
           <a:p>
             <a:r>
-              <a:rPr kumimoji="1" lang="en-US" altLang="zh-CN" dirty="0" smtClean="0">
+              <a:rPr kumimoji="1" lang="en-US" altLang="zh-CN" dirty="0">
                 <a:latin typeface="Times New Roman" panose="02020603050405020304" pitchFamily="18" charset="0"/>
                 <a:cs typeface="Times New Roman" panose="02020603050405020304" pitchFamily="18" charset="0"/>
               </a:rPr>
@@ -33684,7 +33454,7 @@
           <a:lstStyle/>
           <a:p>
             <a:r>
-              <a:rPr kumimoji="1" lang="en-US" altLang="zh-CN" sz="2400" dirty="0" smtClean="0">
+              <a:rPr kumimoji="1" lang="en-US" altLang="zh-CN" sz="2400" dirty="0">
                 <a:latin typeface="Times New Roman" panose="02020603050405020304" pitchFamily="18" charset="0"/>
                 <a:cs typeface="Times New Roman" panose="02020603050405020304" pitchFamily="18" charset="0"/>
               </a:rPr>
@@ -33720,14 +33490,7 @@
                 <a:latin typeface="Times New Roman" panose="02020603050405020304" pitchFamily="18" charset="0"/>
                 <a:cs typeface="Times New Roman" panose="02020603050405020304" pitchFamily="18" charset="0"/>
               </a:rPr>
-              <a:t>p</a:t>
-            </a:r>
-            <a:r>
-              <a:rPr kumimoji="1" lang="en-US" altLang="zh-CN" sz="2400" dirty="0" smtClean="0">
-                <a:latin typeface="Times New Roman" panose="02020603050405020304" pitchFamily="18" charset="0"/>
-                <a:cs typeface="Times New Roman" panose="02020603050405020304" pitchFamily="18" charset="0"/>
-              </a:rPr>
-              <a:t>ackets if two NFs modify different fields.</a:t>
+              <a:t>packets if two NFs modify different fields.</a:t>
             </a:r>
           </a:p>
         </p:txBody>
@@ -33769,35 +33532,35 @@
             <a:lstStyle/>
             <a:p>
               <a:r>
-                <a:rPr kumimoji="1" lang="en-US" altLang="zh-CN" sz="2400" dirty="0" smtClean="0">
+                <a:rPr kumimoji="1" lang="en-US" altLang="zh-CN" sz="2400" dirty="0">
                   <a:latin typeface="Times New Roman" panose="02020603050405020304" pitchFamily="18" charset="0"/>
                   <a:cs typeface="Times New Roman" panose="02020603050405020304" pitchFamily="18" charset="0"/>
                 </a:rPr>
                 <a:t> blocks denote </a:t>
               </a:r>
               <a:r>
-                <a:rPr kumimoji="1" lang="en-US" altLang="zh-CN" sz="2400" i="1" dirty="0" smtClean="0">
+                <a:rPr kumimoji="1" lang="en-US" altLang="zh-CN" sz="2400" i="1" dirty="0">
                   <a:latin typeface="Times New Roman" panose="02020603050405020304" pitchFamily="18" charset="0"/>
                   <a:cs typeface="Times New Roman" panose="02020603050405020304" pitchFamily="18" charset="0"/>
                 </a:rPr>
                 <a:t>parallelizable</a:t>
               </a:r>
               <a:r>
-                <a:rPr kumimoji="1" lang="en-US" altLang="zh-CN" sz="2400" dirty="0" smtClean="0">
+                <a:rPr kumimoji="1" lang="en-US" altLang="zh-CN" sz="2400" dirty="0">
                   <a:latin typeface="Times New Roman" panose="02020603050405020304" pitchFamily="18" charset="0"/>
                   <a:cs typeface="Times New Roman" panose="02020603050405020304" pitchFamily="18" charset="0"/>
                 </a:rPr>
                 <a:t>, need copy </a:t>
               </a:r>
               <a:r>
-                <a:rPr kumimoji="1" lang="en-US" altLang="zh-CN" sz="2400" dirty="0" err="1" smtClean="0">
+                <a:rPr kumimoji="1" lang="en-US" altLang="zh-CN" sz="2400" dirty="0" err="1">
                   <a:latin typeface="Times New Roman" panose="02020603050405020304" pitchFamily="18" charset="0"/>
                   <a:cs typeface="Times New Roman" panose="02020603050405020304" pitchFamily="18" charset="0"/>
                 </a:rPr>
                 <a:t>pkts</a:t>
               </a:r>
               <a:r>
-                <a:rPr kumimoji="1" lang="en-US" altLang="zh-CN" sz="2400" dirty="0" smtClean="0">
+                <a:rPr kumimoji="1" lang="en-US" altLang="zh-CN" sz="2400" dirty="0">
                   <a:latin typeface="Times New Roman" panose="02020603050405020304" pitchFamily="18" charset="0"/>
                   <a:cs typeface="Times New Roman" panose="02020603050405020304" pitchFamily="18" charset="0"/>
                 </a:rPr>
@@ -33910,21 +33673,21 @@
             <a:lstStyle/>
             <a:p>
               <a:r>
-                <a:rPr kumimoji="1" lang="en-US" altLang="zh-CN" sz="2400" dirty="0" smtClean="0">
+                <a:rPr kumimoji="1" lang="en-US" altLang="zh-CN" sz="2400" dirty="0">
                   <a:latin typeface="Times New Roman" panose="02020603050405020304" pitchFamily="18" charset="0"/>
                   <a:cs typeface="Times New Roman" panose="02020603050405020304" pitchFamily="18" charset="0"/>
                 </a:rPr>
                 <a:t>blocks denote </a:t>
               </a:r>
               <a:r>
-                <a:rPr kumimoji="1" lang="en-US" altLang="zh-CN" sz="2400" i="1" dirty="0" smtClean="0">
+                <a:rPr kumimoji="1" lang="en-US" altLang="zh-CN" sz="2400" i="1" dirty="0">
                   <a:latin typeface="Times New Roman" panose="02020603050405020304" pitchFamily="18" charset="0"/>
                   <a:cs typeface="Times New Roman" panose="02020603050405020304" pitchFamily="18" charset="0"/>
                 </a:rPr>
                 <a:t>parallelizable</a:t>
               </a:r>
               <a:r>
-                <a:rPr kumimoji="1" lang="en-US" altLang="zh-CN" sz="2400" dirty="0" smtClean="0">
+                <a:rPr kumimoji="1" lang="en-US" altLang="zh-CN" sz="2400" dirty="0">
                   <a:latin typeface="Times New Roman" panose="02020603050405020304" pitchFamily="18" charset="0"/>
                   <a:cs typeface="Times New Roman" panose="02020603050405020304" pitchFamily="18" charset="0"/>
                 </a:rPr>
@@ -33980,7 +33743,7 @@
             <a:p>
               <a:pPr algn="ctr"/>
               <a:r>
-                <a:rPr kumimoji="1" lang="en-US" altLang="zh-CN" sz="2400" dirty="0" smtClean="0">
+                <a:rPr kumimoji="1" lang="en-US" altLang="zh-CN" sz="2400" dirty="0">
                   <a:solidFill>
                     <a:schemeClr val="tx1"/>
                   </a:solidFill>
@@ -34037,7 +33800,14 @@
             <a:lstStyle/>
             <a:p>
               <a:r>
-                <a:rPr kumimoji="1" lang="en-US" altLang="zh-CN" sz="2400" dirty="0" smtClean="0">
+                <a:rPr kumimoji="1" lang="en-US" altLang="zh-CN" sz="2400" dirty="0">
+                  <a:latin typeface="Times New Roman" panose="02020603050405020304" pitchFamily="18" charset="0"/>
+                  <a:cs typeface="Times New Roman" panose="02020603050405020304" pitchFamily="18" charset="0"/>
+                </a:rPr>
+                <a:t> blocks denote not</a:t>
+              </a:r>
+              <a:r>
+                <a:rPr kumimoji="1" lang="zh-CN" altLang="en-US" sz="2400" dirty="0">
                   <a:latin typeface="Times New Roman" panose="02020603050405020304" pitchFamily="18" charset="0"/>
                   <a:cs typeface="Times New Roman" panose="02020603050405020304" pitchFamily="18" charset="0"/>
                 </a:rPr>
@@ -34045,27 +33815,6 @@
               </a:r>
               <a:r>
                 <a:rPr kumimoji="1" lang="en-US" altLang="zh-CN" sz="2400" dirty="0">
-                  <a:latin typeface="Times New Roman" panose="02020603050405020304" pitchFamily="18" charset="0"/>
-                  <a:cs typeface="Times New Roman" panose="02020603050405020304" pitchFamily="18" charset="0"/>
-                </a:rPr>
-                <a:t>b</a:t>
-              </a:r>
-              <a:r>
-                <a:rPr kumimoji="1" lang="en-US" altLang="zh-CN" sz="2400" dirty="0" smtClean="0">
-                  <a:latin typeface="Times New Roman" panose="02020603050405020304" pitchFamily="18" charset="0"/>
-                  <a:cs typeface="Times New Roman" panose="02020603050405020304" pitchFamily="18" charset="0"/>
-                </a:rPr>
-                <a:t>locks denote not</a:t>
-              </a:r>
-              <a:r>
-                <a:rPr kumimoji="1" lang="zh-CN" altLang="en-US" sz="2400" dirty="0" smtClean="0">
-                  <a:latin typeface="Times New Roman" panose="02020603050405020304" pitchFamily="18" charset="0"/>
-                  <a:cs typeface="Times New Roman" panose="02020603050405020304" pitchFamily="18" charset="0"/>
-                </a:rPr>
-                <a:t> </a:t>
-              </a:r>
-              <a:r>
-                <a:rPr kumimoji="1" lang="en-US" altLang="zh-CN" sz="2400" dirty="0" smtClean="0">
                   <a:latin typeface="Times New Roman" panose="02020603050405020304" pitchFamily="18" charset="0"/>
                   <a:cs typeface="Times New Roman" panose="02020603050405020304" pitchFamily="18" charset="0"/>
                 </a:rPr>
@@ -34121,7 +33870,7 @@
             <a:p>
               <a:pPr algn="ctr"/>
               <a:r>
-                <a:rPr kumimoji="1" lang="en-US" altLang="zh-CN" sz="2400" dirty="0" smtClean="0">
+                <a:rPr kumimoji="1" lang="en-US" altLang="zh-CN" sz="2400" dirty="0">
                   <a:solidFill>
                     <a:schemeClr val="tx1"/>
                   </a:solidFill>
@@ -34378,7 +34127,7 @@
                         </a:spcAft>
                       </a:pPr>
                       <a:r>
-                        <a:rPr lang="en-US" altLang="zh-CN" sz="1800" kern="100" dirty="0" smtClean="0">
+                        <a:rPr lang="en-US" altLang="zh-CN" sz="1800" kern="100" dirty="0">
                           <a:effectLst/>
                           <a:latin typeface="Times New Roman" panose="02020603050405020304" pitchFamily="18" charset="0"/>
                           <a:ea typeface="等线" panose="02010600030101010101" pitchFamily="2" charset="-122"/>
@@ -34444,7 +34193,7 @@
                         </a:spcAft>
                       </a:pPr>
                       <a:r>
-                        <a:rPr lang="en-US" altLang="zh-CN" sz="1800" kern="100" dirty="0" smtClean="0">
+                        <a:rPr lang="en-US" altLang="zh-CN" sz="1800" kern="100" dirty="0">
                           <a:effectLst/>
                           <a:latin typeface="Times New Roman" panose="02020603050405020304" pitchFamily="18" charset="0"/>
                           <a:ea typeface="等线" panose="02010600030101010101" pitchFamily="2" charset="-122"/>
@@ -34453,7 +34202,7 @@
                         <a:t>(NF1</a:t>
                       </a:r>
                       <a:r>
-                        <a:rPr lang="en-US" altLang="zh-CN" sz="1800" kern="100" baseline="0" dirty="0" smtClean="0">
+                        <a:rPr lang="en-US" altLang="zh-CN" sz="1800" kern="100" baseline="0" dirty="0">
                           <a:effectLst/>
                           <a:latin typeface="Times New Roman" panose="02020603050405020304" pitchFamily="18" charset="0"/>
                           <a:ea typeface="等线" panose="02010600030101010101" pitchFamily="2" charset="-122"/>
@@ -34462,7 +34211,7 @@
                         <a:t>’s Action, NF2’s Action, Conflict or not</a:t>
                       </a:r>
                       <a:r>
-                        <a:rPr lang="en-US" altLang="zh-CN" sz="1800" kern="100" dirty="0" smtClean="0">
+                        <a:rPr lang="en-US" altLang="zh-CN" sz="1800" kern="100" dirty="0">
                           <a:effectLst/>
                           <a:latin typeface="Times New Roman" panose="02020603050405020304" pitchFamily="18" charset="0"/>
                           <a:ea typeface="等线" panose="02010600030101010101" pitchFamily="2" charset="-122"/>
@@ -34535,7 +34284,7 @@
                         </a:spcAft>
                       </a:pPr>
                       <a:r>
-                        <a:rPr lang="en-US" altLang="zh-CN" sz="1800" kern="100" dirty="0" smtClean="0">
+                        <a:rPr lang="en-US" altLang="zh-CN" sz="1800" kern="100" dirty="0">
                           <a:effectLst/>
                           <a:latin typeface="Times New Roman" panose="02020603050405020304" pitchFamily="18" charset="0"/>
                           <a:ea typeface="等线" panose="02010600030101010101" pitchFamily="2" charset="-122"/>
@@ -34551,7 +34300,7 @@
                         </a:spcAft>
                       </a:pPr>
                       <a:r>
-                        <a:rPr lang="en-US" altLang="zh-CN" sz="1800" kern="100" baseline="0" dirty="0" smtClean="0">
+                        <a:rPr lang="en-US" altLang="zh-CN" sz="1800" kern="100" baseline="0" dirty="0">
                           <a:effectLst/>
                           <a:latin typeface="Times New Roman" panose="02020603050405020304" pitchFamily="18" charset="0"/>
                           <a:ea typeface="等线" panose="02010600030101010101" pitchFamily="2" charset="-122"/>
@@ -34560,7 +34309,7 @@
                         <a:t>(</a:t>
                       </a:r>
                       <a:r>
-                        <a:rPr lang="en-US" altLang="zh-CN" sz="1800" kern="100" dirty="0" smtClean="0">
+                        <a:rPr lang="en-US" altLang="zh-CN" sz="1800" kern="100" dirty="0">
                           <a:effectLst/>
                           <a:latin typeface="Times New Roman" panose="02020603050405020304" pitchFamily="18" charset="0"/>
                           <a:ea typeface="+mn-ea"/>
@@ -34569,7 +34318,7 @@
                         <a:t>No</a:t>
                       </a:r>
                       <a:r>
-                        <a:rPr lang="en-US" altLang="zh-CN" sz="1800" kern="100" baseline="0" dirty="0" smtClean="0">
+                        <a:rPr lang="en-US" altLang="zh-CN" sz="1800" kern="100" baseline="0" dirty="0">
                           <a:effectLst/>
                           <a:latin typeface="Times New Roman" panose="02020603050405020304" pitchFamily="18" charset="0"/>
                           <a:ea typeface="+mn-ea"/>
@@ -34578,7 +34327,7 @@
                         <a:t> packet copy</a:t>
                       </a:r>
                       <a:r>
-                        <a:rPr lang="en-US" altLang="zh-CN" sz="1800" kern="100" baseline="0" dirty="0" smtClean="0">
+                        <a:rPr lang="en-US" altLang="zh-CN" sz="1800" kern="100" baseline="0" dirty="0">
                           <a:effectLst/>
                           <a:latin typeface="Times New Roman" panose="02020603050405020304" pitchFamily="18" charset="0"/>
                           <a:ea typeface="等线" panose="02010600030101010101" pitchFamily="2" charset="-122"/>
@@ -34650,19 +34399,10 @@
                           <a:ea typeface="等线" panose="02010600030101010101" pitchFamily="2" charset="-122"/>
                           <a:cs typeface="Times New Roman" panose="02020603050405020304" pitchFamily="18" charset="0"/>
                         </a:rPr>
-                        <a:t> </a:t>
+                        <a:t> &lt;R, R, *&gt;; </a:t>
                       </a:r>
                       <a:r>
-                        <a:rPr lang="en-US" sz="1800" kern="100" dirty="0" smtClean="0">
-                          <a:effectLst/>
-                          <a:latin typeface="Times New Roman" panose="02020603050405020304" pitchFamily="18" charset="0"/>
-                          <a:ea typeface="等线" panose="02010600030101010101" pitchFamily="2" charset="-122"/>
-                          <a:cs typeface="Times New Roman" panose="02020603050405020304" pitchFamily="18" charset="0"/>
-                        </a:rPr>
-                        <a:t>&lt;R, R, *&gt;; </a:t>
-                      </a:r>
-                      <a:r>
-                        <a:rPr lang="en-US" altLang="zh-CN" sz="1800" kern="100" dirty="0" smtClean="0">
+                        <a:rPr lang="en-US" altLang="zh-CN" sz="1800" kern="100" dirty="0">
                           <a:effectLst/>
                           <a:latin typeface="Times New Roman" panose="02020603050405020304" pitchFamily="18" charset="0"/>
                           <a:ea typeface="等线" panose="02010600030101010101" pitchFamily="2" charset="-122"/>
@@ -34671,7 +34411,7 @@
                         <a:t>&lt;R, W,</a:t>
                       </a:r>
                       <a:r>
-                        <a:rPr lang="en-US" altLang="zh-CN" sz="1800" kern="100" baseline="0" dirty="0" smtClean="0">
+                        <a:rPr lang="en-US" altLang="zh-CN" sz="1800" kern="100" baseline="0" dirty="0">
                           <a:effectLst/>
                           <a:latin typeface="Times New Roman" panose="02020603050405020304" pitchFamily="18" charset="0"/>
                           <a:ea typeface="等线" panose="02010600030101010101" pitchFamily="2" charset="-122"/>
@@ -34680,7 +34420,7 @@
                         <a:t> N</a:t>
                       </a:r>
                       <a:r>
-                        <a:rPr lang="en-US" altLang="zh-CN" sz="1800" kern="100" dirty="0" smtClean="0">
+                        <a:rPr lang="en-US" altLang="zh-CN" sz="1800" kern="100" dirty="0">
                           <a:effectLst/>
                           <a:latin typeface="Times New Roman" panose="02020603050405020304" pitchFamily="18" charset="0"/>
                           <a:ea typeface="等线" panose="02010600030101010101" pitchFamily="2" charset="-122"/>
@@ -34689,7 +34429,7 @@
                         <a:t>&gt;;</a:t>
                       </a:r>
                       <a:r>
-                        <a:rPr lang="en-US" altLang="zh-CN" sz="1800" kern="100" baseline="0" dirty="0" smtClean="0">
+                        <a:rPr lang="en-US" altLang="zh-CN" sz="1800" kern="100" baseline="0" dirty="0">
                           <a:effectLst/>
                           <a:latin typeface="Times New Roman" panose="02020603050405020304" pitchFamily="18" charset="0"/>
                           <a:ea typeface="等线" panose="02010600030101010101" pitchFamily="2" charset="-122"/>
@@ -34698,7 +34438,7 @@
                         <a:t> </a:t>
                       </a:r>
                       <a:r>
-                        <a:rPr lang="en-US" altLang="zh-CN" sz="1800" kern="100" dirty="0" smtClean="0">
+                        <a:rPr lang="en-US" altLang="zh-CN" sz="1800" kern="100" dirty="0">
                           <a:effectLst/>
                           <a:latin typeface="Times New Roman" panose="02020603050405020304" pitchFamily="18" charset="0"/>
                           <a:ea typeface="等线" panose="02010600030101010101" pitchFamily="2" charset="-122"/>
@@ -34707,7 +34447,7 @@
                         <a:t>&lt;W, W, N&gt;;</a:t>
                       </a:r>
                       <a:r>
-                        <a:rPr lang="en-US" altLang="zh-CN" sz="1800" kern="100" baseline="0" dirty="0" smtClean="0">
+                        <a:rPr lang="en-US" altLang="zh-CN" sz="1800" kern="100" baseline="0" dirty="0">
                           <a:effectLst/>
                           <a:latin typeface="Times New Roman" panose="02020603050405020304" pitchFamily="18" charset="0"/>
                           <a:ea typeface="等线" panose="02010600030101010101" pitchFamily="2" charset="-122"/>
@@ -34716,7 +34456,7 @@
                         <a:t> </a:t>
                       </a:r>
                       <a:r>
-                        <a:rPr lang="en-US" altLang="zh-CN" sz="1800" kern="100" dirty="0" smtClean="0">
+                        <a:rPr lang="en-US" altLang="zh-CN" sz="1800" kern="100" dirty="0">
                           <a:effectLst/>
                           <a:latin typeface="Times New Roman" panose="02020603050405020304" pitchFamily="18" charset="0"/>
                           <a:ea typeface="等线" panose="02010600030101010101" pitchFamily="2" charset="-122"/>
@@ -34725,7 +34465,7 @@
                         <a:t>&lt;*,</a:t>
                       </a:r>
                       <a:r>
-                        <a:rPr lang="en-US" altLang="zh-CN" sz="1800" kern="100" baseline="0" dirty="0" smtClean="0">
+                        <a:rPr lang="en-US" altLang="zh-CN" sz="1800" kern="100" baseline="0" dirty="0">
                           <a:effectLst/>
                           <a:latin typeface="Times New Roman" panose="02020603050405020304" pitchFamily="18" charset="0"/>
                           <a:ea typeface="等线" panose="02010600030101010101" pitchFamily="2" charset="-122"/>
@@ -34734,7 +34474,7 @@
                         <a:t> D, *</a:t>
                       </a:r>
                       <a:r>
-                        <a:rPr lang="en-US" altLang="zh-CN" sz="1800" kern="100" dirty="0" smtClean="0">
+                        <a:rPr lang="en-US" altLang="zh-CN" sz="1800" kern="100" dirty="0">
                           <a:effectLst/>
                           <a:latin typeface="Times New Roman" panose="02020603050405020304" pitchFamily="18" charset="0"/>
                           <a:ea typeface="等线" panose="02010600030101010101" pitchFamily="2" charset="-122"/>
@@ -34807,7 +34547,7 @@
                         </a:spcAft>
                       </a:pPr>
                       <a:r>
-                        <a:rPr lang="en-US" sz="1800" kern="100" dirty="0" smtClean="0">
+                        <a:rPr lang="en-US" sz="1800" kern="100" dirty="0">
                           <a:effectLst/>
                           <a:latin typeface="Times New Roman" panose="02020603050405020304" pitchFamily="18" charset="0"/>
                           <a:ea typeface="等线" panose="02010600030101010101" pitchFamily="2" charset="-122"/>
@@ -34823,7 +34563,7 @@
                         </a:spcAft>
                       </a:pPr>
                       <a:r>
-                        <a:rPr lang="en-US" sz="1800" kern="100" baseline="0" dirty="0" smtClean="0">
+                        <a:rPr lang="en-US" sz="1800" kern="100" baseline="0" dirty="0">
                           <a:effectLst/>
                           <a:latin typeface="Times New Roman" panose="02020603050405020304" pitchFamily="18" charset="0"/>
                           <a:ea typeface="等线" panose="02010600030101010101" pitchFamily="2" charset="-122"/>
@@ -34832,7 +34572,7 @@
                         <a:t>(</a:t>
                       </a:r>
                       <a:r>
-                        <a:rPr lang="en-US" altLang="zh-CN" sz="1800" kern="100" dirty="0" smtClean="0">
+                        <a:rPr lang="en-US" altLang="zh-CN" sz="1800" kern="100" dirty="0">
                           <a:effectLst/>
                           <a:latin typeface="Times New Roman" panose="02020603050405020304" pitchFamily="18" charset="0"/>
                           <a:ea typeface="+mn-ea"/>
@@ -34841,7 +34581,7 @@
                         <a:t>Need</a:t>
                       </a:r>
                       <a:r>
-                        <a:rPr lang="en-US" altLang="zh-CN" sz="1800" kern="100" baseline="0" dirty="0" smtClean="0">
+                        <a:rPr lang="en-US" altLang="zh-CN" sz="1800" kern="100" baseline="0" dirty="0">
                           <a:effectLst/>
                           <a:latin typeface="Times New Roman" panose="02020603050405020304" pitchFamily="18" charset="0"/>
                           <a:ea typeface="+mn-ea"/>
@@ -34850,7 +34590,7 @@
                         <a:t> packet copy</a:t>
                       </a:r>
                       <a:r>
-                        <a:rPr lang="en-US" sz="1800" kern="100" baseline="0" dirty="0" smtClean="0">
+                        <a:rPr lang="en-US" sz="1800" kern="100" baseline="0" dirty="0">
                           <a:effectLst/>
                           <a:latin typeface="Times New Roman" panose="02020603050405020304" pitchFamily="18" charset="0"/>
                           <a:ea typeface="等线" panose="02010600030101010101" pitchFamily="2" charset="-122"/>
@@ -34931,19 +34671,10 @@
                           <a:ea typeface="等线" panose="02010600030101010101" pitchFamily="2" charset="-122"/>
                           <a:cs typeface="Times New Roman" panose="02020603050405020304" pitchFamily="18" charset="0"/>
                         </a:rPr>
-                        <a:t> </a:t>
+                        <a:t> &lt;W, W, Y&gt;;</a:t>
                       </a:r>
                       <a:r>
-                        <a:rPr lang="en-US" sz="1800" kern="100" dirty="0" smtClean="0">
-                          <a:effectLst/>
-                          <a:latin typeface="Times New Roman" panose="02020603050405020304" pitchFamily="18" charset="0"/>
-                          <a:ea typeface="等线" panose="02010600030101010101" pitchFamily="2" charset="-122"/>
-                          <a:cs typeface="Times New Roman" panose="02020603050405020304" pitchFamily="18" charset="0"/>
-                        </a:rPr>
-                        <a:t>&lt;W, W, Y&gt;;</a:t>
-                      </a:r>
-                      <a:r>
-                        <a:rPr lang="en-US" sz="1800" kern="100" baseline="0" dirty="0" smtClean="0">
+                        <a:rPr lang="en-US" sz="1800" kern="100" baseline="0" dirty="0">
                           <a:effectLst/>
                           <a:latin typeface="Times New Roman" panose="02020603050405020304" pitchFamily="18" charset="0"/>
                           <a:ea typeface="等线" panose="02010600030101010101" pitchFamily="2" charset="-122"/>
@@ -34952,7 +34683,7 @@
                         <a:t> </a:t>
                       </a:r>
                       <a:r>
-                        <a:rPr lang="en-US" altLang="zh-CN" sz="1800" kern="100" dirty="0" smtClean="0">
+                        <a:rPr lang="en-US" altLang="zh-CN" sz="1800" kern="100" dirty="0">
                           <a:effectLst/>
                           <a:latin typeface="Times New Roman" panose="02020603050405020304" pitchFamily="18" charset="0"/>
                           <a:ea typeface="等线" panose="02010600030101010101" pitchFamily="2" charset="-122"/>
@@ -34961,7 +34692,7 @@
                         <a:t>&lt;R, W, Y&gt;;</a:t>
                       </a:r>
                       <a:r>
-                        <a:rPr lang="en-US" altLang="zh-CN" sz="1800" kern="100" baseline="0" dirty="0" smtClean="0">
+                        <a:rPr lang="en-US" altLang="zh-CN" sz="1800" kern="100" baseline="0" dirty="0">
                           <a:effectLst/>
                           <a:latin typeface="Times New Roman" panose="02020603050405020304" pitchFamily="18" charset="0"/>
                           <a:ea typeface="等线" panose="02010600030101010101" pitchFamily="2" charset="-122"/>
@@ -34970,7 +34701,7 @@
                         <a:t> </a:t>
                       </a:r>
                       <a:r>
-                        <a:rPr lang="en-US" altLang="zh-CN" sz="1800" kern="100" dirty="0" smtClean="0">
+                        <a:rPr lang="en-US" altLang="zh-CN" sz="1800" kern="100" dirty="0">
                           <a:effectLst/>
                           <a:latin typeface="Times New Roman" panose="02020603050405020304" pitchFamily="18" charset="0"/>
                           <a:ea typeface="等线" panose="02010600030101010101" pitchFamily="2" charset="-122"/>
@@ -34979,7 +34710,7 @@
                         <a:t>&lt;R, A/R, *&gt;;</a:t>
                       </a:r>
                       <a:r>
-                        <a:rPr lang="en-US" altLang="zh-CN" sz="1800" kern="100" baseline="0" dirty="0" smtClean="0">
+                        <a:rPr lang="en-US" altLang="zh-CN" sz="1800" kern="100" baseline="0" dirty="0">
                           <a:effectLst/>
                           <a:latin typeface="Times New Roman" panose="02020603050405020304" pitchFamily="18" charset="0"/>
                           <a:ea typeface="等线" panose="02010600030101010101" pitchFamily="2" charset="-122"/>
@@ -34988,7 +34719,7 @@
                         <a:t> </a:t>
                       </a:r>
                       <a:r>
-                        <a:rPr lang="en-US" altLang="zh-CN" sz="1800" kern="100" dirty="0" smtClean="0">
+                        <a:rPr lang="en-US" altLang="zh-CN" sz="1800" kern="100" dirty="0">
                           <a:effectLst/>
                           <a:latin typeface="Times New Roman" panose="02020603050405020304" pitchFamily="18" charset="0"/>
                           <a:ea typeface="+mn-ea"/>
@@ -34997,7 +34728,7 @@
                         <a:t>&lt;W, A/R, *&gt;;</a:t>
                       </a:r>
                       <a:r>
-                        <a:rPr lang="en-US" altLang="zh-CN" sz="1800" kern="100" baseline="0" dirty="0" smtClean="0">
+                        <a:rPr lang="en-US" altLang="zh-CN" sz="1800" kern="100" baseline="0" dirty="0">
                           <a:effectLst/>
                           <a:latin typeface="Times New Roman" panose="02020603050405020304" pitchFamily="18" charset="0"/>
                           <a:ea typeface="+mn-ea"/>
@@ -35006,7 +34737,7 @@
                         <a:t> </a:t>
                       </a:r>
                       <a:r>
-                        <a:rPr lang="en-US" altLang="zh-CN" sz="1800" kern="100" dirty="0" smtClean="0">
+                        <a:rPr lang="en-US" altLang="zh-CN" sz="1800" kern="100" dirty="0">
                           <a:effectLst/>
                           <a:latin typeface="Times New Roman" panose="02020603050405020304" pitchFamily="18" charset="0"/>
                           <a:ea typeface="+mn-ea"/>
@@ -35079,7 +34810,7 @@
                         </a:spcAft>
                       </a:pPr>
                       <a:r>
-                        <a:rPr lang="en-US" sz="1800" kern="100" dirty="0" smtClean="0">
+                        <a:rPr lang="en-US" sz="1800" kern="100" dirty="0">
                           <a:effectLst/>
                           <a:latin typeface="Times New Roman" panose="02020603050405020304" pitchFamily="18" charset="0"/>
                           <a:ea typeface="等线" panose="02010600030101010101" pitchFamily="2" charset="-122"/>
@@ -35088,7 +34819,7 @@
                         <a:t>Non</a:t>
                       </a:r>
                       <a:r>
-                        <a:rPr lang="en-US" sz="1800" kern="100" baseline="0" dirty="0" smtClean="0">
+                        <a:rPr lang="en-US" sz="1800" kern="100" baseline="0" dirty="0">
                           <a:effectLst/>
                           <a:latin typeface="Times New Roman" panose="02020603050405020304" pitchFamily="18" charset="0"/>
                           <a:ea typeface="等线" panose="02010600030101010101" pitchFamily="2" charset="-122"/>
@@ -35169,19 +34900,10 @@
                           <a:ea typeface="等线" panose="02010600030101010101" pitchFamily="2" charset="-122"/>
                           <a:cs typeface="Times New Roman" panose="02020603050405020304" pitchFamily="18" charset="0"/>
                         </a:rPr>
-                        <a:t> </a:t>
+                        <a:t> &lt;W,</a:t>
                       </a:r>
                       <a:r>
-                        <a:rPr lang="en-US" sz="1800" kern="100" dirty="0" smtClean="0">
-                          <a:effectLst/>
-                          <a:latin typeface="Times New Roman" panose="02020603050405020304" pitchFamily="18" charset="0"/>
-                          <a:ea typeface="等线" panose="02010600030101010101" pitchFamily="2" charset="-122"/>
-                          <a:cs typeface="Times New Roman" panose="02020603050405020304" pitchFamily="18" charset="0"/>
-                        </a:rPr>
-                        <a:t>&lt;W,</a:t>
-                      </a:r>
-                      <a:r>
-                        <a:rPr lang="en-US" sz="1800" kern="100" baseline="0" dirty="0" smtClean="0">
+                        <a:rPr lang="en-US" sz="1800" kern="100" baseline="0" dirty="0">
                           <a:effectLst/>
                           <a:latin typeface="Times New Roman" panose="02020603050405020304" pitchFamily="18" charset="0"/>
                           <a:ea typeface="等线" panose="02010600030101010101" pitchFamily="2" charset="-122"/>
@@ -35190,7 +34912,7 @@
                         <a:t> R, *</a:t>
                       </a:r>
                       <a:r>
-                        <a:rPr lang="en-US" sz="1800" kern="100" dirty="0" smtClean="0">
+                        <a:rPr lang="en-US" sz="1800" kern="100" dirty="0">
                           <a:effectLst/>
                           <a:latin typeface="Times New Roman" panose="02020603050405020304" pitchFamily="18" charset="0"/>
                           <a:ea typeface="等线" panose="02010600030101010101" pitchFamily="2" charset="-122"/>
@@ -35199,7 +34921,7 @@
                         <a:t>&gt;;</a:t>
                       </a:r>
                       <a:r>
-                        <a:rPr lang="en-US" sz="1800" kern="100" baseline="0" dirty="0" smtClean="0">
+                        <a:rPr lang="en-US" sz="1800" kern="100" baseline="0" dirty="0">
                           <a:effectLst/>
                           <a:latin typeface="Times New Roman" panose="02020603050405020304" pitchFamily="18" charset="0"/>
                           <a:ea typeface="等线" panose="02010600030101010101" pitchFamily="2" charset="-122"/>
@@ -35208,7 +34930,7 @@
                         <a:t> </a:t>
                       </a:r>
                       <a:r>
-                        <a:rPr lang="en-US" altLang="zh-CN" sz="1800" kern="100" dirty="0" smtClean="0">
+                        <a:rPr lang="en-US" altLang="zh-CN" sz="1800" kern="100" dirty="0">
                           <a:effectLst/>
                           <a:latin typeface="Times New Roman" panose="02020603050405020304" pitchFamily="18" charset="0"/>
                           <a:ea typeface="+mn-ea"/>
@@ -35217,7 +34939,7 @@
                         <a:t>&lt;A/R,</a:t>
                       </a:r>
                       <a:r>
-                        <a:rPr lang="en-US" altLang="zh-CN" sz="1800" kern="100" baseline="0" dirty="0" smtClean="0">
+                        <a:rPr lang="en-US" altLang="zh-CN" sz="1800" kern="100" baseline="0" dirty="0">
                           <a:effectLst/>
                           <a:latin typeface="Times New Roman" panose="02020603050405020304" pitchFamily="18" charset="0"/>
                           <a:ea typeface="+mn-ea"/>
@@ -35226,7 +34948,7 @@
                         <a:t> R, *</a:t>
                       </a:r>
                       <a:r>
-                        <a:rPr lang="en-US" altLang="zh-CN" sz="1800" kern="100" dirty="0" smtClean="0">
+                        <a:rPr lang="en-US" altLang="zh-CN" sz="1800" kern="100" dirty="0">
                           <a:effectLst/>
                           <a:latin typeface="Times New Roman" panose="02020603050405020304" pitchFamily="18" charset="0"/>
                           <a:ea typeface="+mn-ea"/>
@@ -35235,7 +34957,7 @@
                         <a:t>&gt;;</a:t>
                       </a:r>
                       <a:r>
-                        <a:rPr lang="en-US" altLang="zh-CN" sz="1800" kern="100" baseline="0" dirty="0" smtClean="0">
+                        <a:rPr lang="en-US" altLang="zh-CN" sz="1800" kern="100" baseline="0" dirty="0">
                           <a:effectLst/>
                           <a:latin typeface="Times New Roman" panose="02020603050405020304" pitchFamily="18" charset="0"/>
                           <a:ea typeface="+mn-ea"/>
@@ -35244,7 +34966,7 @@
                         <a:t> </a:t>
                       </a:r>
                       <a:r>
-                        <a:rPr lang="en-US" altLang="zh-CN" sz="1800" kern="100" dirty="0" smtClean="0">
+                        <a:rPr lang="en-US" altLang="zh-CN" sz="1800" kern="100" dirty="0">
                           <a:effectLst/>
                           <a:latin typeface="Times New Roman" panose="02020603050405020304" pitchFamily="18" charset="0"/>
                           <a:ea typeface="+mn-ea"/>
@@ -35253,7 +34975,7 @@
                         <a:t>&lt;A/R,</a:t>
                       </a:r>
                       <a:r>
-                        <a:rPr lang="en-US" altLang="zh-CN" sz="1800" kern="100" baseline="0" dirty="0" smtClean="0">
+                        <a:rPr lang="en-US" altLang="zh-CN" sz="1800" kern="100" baseline="0" dirty="0">
                           <a:effectLst/>
                           <a:latin typeface="Times New Roman" panose="02020603050405020304" pitchFamily="18" charset="0"/>
                           <a:ea typeface="+mn-ea"/>
@@ -35262,7 +34984,7 @@
                         <a:t> W, *</a:t>
                       </a:r>
                       <a:r>
-                        <a:rPr lang="en-US" altLang="zh-CN" sz="1800" kern="100" dirty="0" smtClean="0">
+                        <a:rPr lang="en-US" altLang="zh-CN" sz="1800" kern="100" dirty="0">
                           <a:effectLst/>
                           <a:latin typeface="Times New Roman" panose="02020603050405020304" pitchFamily="18" charset="0"/>
                           <a:ea typeface="+mn-ea"/>
@@ -35271,7 +34993,7 @@
                         <a:t>&gt;;</a:t>
                       </a:r>
                       <a:r>
-                        <a:rPr lang="en-US" altLang="zh-CN" sz="1800" kern="100" baseline="0" dirty="0" smtClean="0">
+                        <a:rPr lang="en-US" altLang="zh-CN" sz="1800" kern="100" baseline="0" dirty="0">
                           <a:effectLst/>
                           <a:latin typeface="Times New Roman" panose="02020603050405020304" pitchFamily="18" charset="0"/>
                           <a:ea typeface="+mn-ea"/>
@@ -35280,7 +35002,7 @@
                         <a:t> </a:t>
                       </a:r>
                       <a:r>
-                        <a:rPr lang="en-US" altLang="zh-CN" sz="1800" kern="100" dirty="0" smtClean="0">
+                        <a:rPr lang="en-US" altLang="zh-CN" sz="1800" kern="100" dirty="0">
                           <a:effectLst/>
                           <a:latin typeface="Times New Roman" panose="02020603050405020304" pitchFamily="18" charset="0"/>
                           <a:ea typeface="+mn-ea"/>
@@ -35289,7 +35011,7 @@
                         <a:t>&lt;D, R, *&gt;;</a:t>
                       </a:r>
                       <a:r>
-                        <a:rPr lang="en-US" altLang="zh-CN" sz="1800" kern="100" baseline="0" dirty="0" smtClean="0">
+                        <a:rPr lang="en-US" altLang="zh-CN" sz="1800" kern="100" baseline="0" dirty="0">
                           <a:effectLst/>
                           <a:latin typeface="Times New Roman" panose="02020603050405020304" pitchFamily="18" charset="0"/>
                           <a:ea typeface="+mn-ea"/>
@@ -35298,7 +35020,7 @@
                         <a:t> </a:t>
                       </a:r>
                       <a:r>
-                        <a:rPr lang="en-US" altLang="zh-CN" sz="1800" kern="100" dirty="0" smtClean="0">
+                        <a:rPr lang="en-US" altLang="zh-CN" sz="1800" kern="100" dirty="0">
                           <a:effectLst/>
                           <a:latin typeface="Times New Roman" panose="02020603050405020304" pitchFamily="18" charset="0"/>
                           <a:ea typeface="+mn-ea"/>
@@ -35307,7 +35029,7 @@
                         <a:t>&lt;D, W, *&gt;;</a:t>
                       </a:r>
                       <a:r>
-                        <a:rPr lang="en-US" altLang="zh-CN" sz="1800" kern="100" baseline="0" dirty="0" smtClean="0">
+                        <a:rPr lang="en-US" altLang="zh-CN" sz="1800" kern="100" baseline="0" dirty="0">
                           <a:effectLst/>
                           <a:latin typeface="Times New Roman" panose="02020603050405020304" pitchFamily="18" charset="0"/>
                           <a:ea typeface="+mn-ea"/>
@@ -35316,7 +35038,7 @@
                         <a:t> </a:t>
                       </a:r>
                       <a:r>
-                        <a:rPr lang="en-US" altLang="zh-CN" sz="1800" kern="100" dirty="0" smtClean="0">
+                        <a:rPr lang="en-US" altLang="zh-CN" sz="1800" kern="100" dirty="0">
                           <a:effectLst/>
                           <a:latin typeface="Times New Roman" panose="02020603050405020304" pitchFamily="18" charset="0"/>
                           <a:ea typeface="+mn-ea"/>
@@ -35391,13 +35113,6 @@
   <p:clrMapOvr>
     <a:masterClrMapping/>
   </p:clrMapOvr>
-  <p:timing>
-    <p:tnLst>
-      <p:par>
-        <p:cTn id="1" dur="indefinite" restart="never" nodeType="tmRoot"/>
-      </p:par>
-    </p:tnLst>
-  </p:timing>
 </p:sld>
 </file>
 
